--- a/MTP/Thesis/JBR_PPT.pptx
+++ b/MTP/Thesis/JBR_PPT.pptx
@@ -5,14 +5,31 @@
     <p:sldMasterId id="2147483798" r:id="rId1"/>
   </p:sldMasterIdLst>
   <p:notesMasterIdLst>
-    <p:notesMasterId r:id="rId7"/>
+    <p:notesMasterId r:id="rId21"/>
   </p:notesMasterIdLst>
+  <p:handoutMasterIdLst>
+    <p:handoutMasterId r:id="rId22"/>
+  </p:handoutMasterIdLst>
   <p:sldIdLst>
     <p:sldId id="256" r:id="rId2"/>
-    <p:sldId id="257" r:id="rId3"/>
-    <p:sldId id="258" r:id="rId4"/>
-    <p:sldId id="259" r:id="rId5"/>
-    <p:sldId id="260" r:id="rId6"/>
+    <p:sldId id="268" r:id="rId3"/>
+    <p:sldId id="257" r:id="rId4"/>
+    <p:sldId id="258" r:id="rId5"/>
+    <p:sldId id="259" r:id="rId6"/>
+    <p:sldId id="260" r:id="rId7"/>
+    <p:sldId id="261" r:id="rId8"/>
+    <p:sldId id="262" r:id="rId9"/>
+    <p:sldId id="263" r:id="rId10"/>
+    <p:sldId id="264" r:id="rId11"/>
+    <p:sldId id="265" r:id="rId12"/>
+    <p:sldId id="267" r:id="rId13"/>
+    <p:sldId id="266" r:id="rId14"/>
+    <p:sldId id="270" r:id="rId15"/>
+    <p:sldId id="269" r:id="rId16"/>
+    <p:sldId id="272" r:id="rId17"/>
+    <p:sldId id="274" r:id="rId18"/>
+    <p:sldId id="271" r:id="rId19"/>
+    <p:sldId id="275" r:id="rId20"/>
   </p:sldIdLst>
   <p:sldSz cx="9144000" cy="6858000" type="screen4x3"/>
   <p:notesSz cx="6858000" cy="9144000"/>
@@ -119,6 +136,171 @@
 </p:presentation>
 </file>
 
+<file path=ppt/handoutMasters/handoutMaster1.xml><?xml version="1.0" encoding="utf-8"?>
+<p:handoutMaster xmlns:a="http://schemas.openxmlformats.org/drawingml/2006/main" xmlns:r="http://schemas.openxmlformats.org/officeDocument/2006/relationships" xmlns:p="http://schemas.openxmlformats.org/presentationml/2006/main">
+  <p:cSld>
+    <p:bg>
+      <p:bgRef idx="1001">
+        <a:schemeClr val="bg1"/>
+      </p:bgRef>
+    </p:bg>
+    <p:spTree>
+      <p:nvGrpSpPr>
+        <p:cNvPr id="1" name=""/>
+        <p:cNvGrpSpPr/>
+        <p:nvPr/>
+      </p:nvGrpSpPr>
+      <p:grpSpPr>
+        <a:xfrm>
+          <a:off x="0" y="0"/>
+          <a:ext cx="0" cy="0"/>
+          <a:chOff x="0" y="0"/>
+          <a:chExt cx="0" cy="0"/>
+        </a:xfrm>
+      </p:grpSpPr>
+      <p:sp>
+        <p:nvSpPr>
+          <p:cNvPr id="2" name="Header Placeholder 1"/>
+          <p:cNvSpPr>
+            <a:spLocks noGrp="1"/>
+          </p:cNvSpPr>
+          <p:nvPr>
+            <p:ph type="hdr" sz="quarter"/>
+          </p:nvPr>
+        </p:nvSpPr>
+        <p:spPr>
+          <a:xfrm>
+            <a:off x="0" y="0"/>
+            <a:ext cx="2971800" cy="458788"/>
+          </a:xfrm>
+          <a:prstGeom prst="rect">
+            <a:avLst/>
+          </a:prstGeom>
+        </p:spPr>
+        <p:txBody>
+          <a:bodyPr vert="horz" lIns="91440" tIns="45720" rIns="91440" bIns="45720" rtlCol="0"/>
+          <a:lstStyle>
+            <a:lvl1pPr algn="l">
+              <a:defRPr sz="1200"/>
+            </a:lvl1pPr>
+          </a:lstStyle>
+          <a:p>
+            <a:endParaRPr lang="en-US"/>
+          </a:p>
+        </p:txBody>
+      </p:sp>
+      <p:sp>
+        <p:nvSpPr>
+          <p:cNvPr id="3" name="Date Placeholder 2"/>
+          <p:cNvSpPr>
+            <a:spLocks noGrp="1"/>
+          </p:cNvSpPr>
+          <p:nvPr>
+            <p:ph type="dt" sz="quarter" idx="1"/>
+          </p:nvPr>
+        </p:nvSpPr>
+        <p:spPr>
+          <a:xfrm>
+            <a:off x="3884613" y="0"/>
+            <a:ext cx="2971800" cy="458788"/>
+          </a:xfrm>
+          <a:prstGeom prst="rect">
+            <a:avLst/>
+          </a:prstGeom>
+        </p:spPr>
+        <p:txBody>
+          <a:bodyPr vert="horz" lIns="91440" tIns="45720" rIns="91440" bIns="45720" rtlCol="0"/>
+          <a:lstStyle>
+            <a:lvl1pPr algn="r">
+              <a:defRPr sz="1200"/>
+            </a:lvl1pPr>
+          </a:lstStyle>
+          <a:p>
+            <a:fld id="{B638A882-0C08-4005-8769-9764EF7B131B}" type="datetimeFigureOut">
+              <a:rPr lang="en-US" smtClean="0"/>
+              <a:t>11/17/2015</a:t>
+            </a:fld>
+            <a:endParaRPr lang="en-US"/>
+          </a:p>
+        </p:txBody>
+      </p:sp>
+      <p:sp>
+        <p:nvSpPr>
+          <p:cNvPr id="4" name="Footer Placeholder 3"/>
+          <p:cNvSpPr>
+            <a:spLocks noGrp="1"/>
+          </p:cNvSpPr>
+          <p:nvPr>
+            <p:ph type="ftr" sz="quarter" idx="2"/>
+          </p:nvPr>
+        </p:nvSpPr>
+        <p:spPr>
+          <a:xfrm>
+            <a:off x="0" y="8685213"/>
+            <a:ext cx="2971800" cy="458787"/>
+          </a:xfrm>
+          <a:prstGeom prst="rect">
+            <a:avLst/>
+          </a:prstGeom>
+        </p:spPr>
+        <p:txBody>
+          <a:bodyPr vert="horz" lIns="91440" tIns="45720" rIns="91440" bIns="45720" rtlCol="0" anchor="b"/>
+          <a:lstStyle>
+            <a:lvl1pPr algn="l">
+              <a:defRPr sz="1200"/>
+            </a:lvl1pPr>
+          </a:lstStyle>
+          <a:p>
+            <a:endParaRPr lang="en-US"/>
+          </a:p>
+        </p:txBody>
+      </p:sp>
+      <p:sp>
+        <p:nvSpPr>
+          <p:cNvPr id="6" name="Slide Number Placeholder 5"/>
+          <p:cNvSpPr>
+            <a:spLocks noGrp="1"/>
+          </p:cNvSpPr>
+          <p:nvPr>
+            <p:ph type="sldNum" sz="quarter" idx="3"/>
+          </p:nvPr>
+        </p:nvSpPr>
+        <p:spPr>
+          <a:xfrm>
+            <a:off x="3884613" y="8685213"/>
+            <a:ext cx="2971800" cy="458787"/>
+          </a:xfrm>
+          <a:prstGeom prst="rect">
+            <a:avLst/>
+          </a:prstGeom>
+        </p:spPr>
+        <p:txBody>
+          <a:bodyPr vert="horz" lIns="91440" tIns="45720" rIns="91440" bIns="45720" rtlCol="0" anchor="b"/>
+          <a:lstStyle>
+            <a:lvl1pPr algn="r">
+              <a:defRPr sz="1200"/>
+            </a:lvl1pPr>
+          </a:lstStyle>
+          <a:p>
+            <a:fld id="{476F9E37-AE03-46D9-90D0-B7B04890E92C}" type="slidenum">
+              <a:rPr lang="en-US" smtClean="0"/>
+              <a:t>‹#›</a:t>
+            </a:fld>
+            <a:endParaRPr lang="en-US"/>
+          </a:p>
+        </p:txBody>
+      </p:sp>
+    </p:spTree>
+    <p:extLst>
+      <p:ext uri="{BB962C8B-B14F-4D97-AF65-F5344CB8AC3E}">
+        <p14:creationId xmlns:p14="http://schemas.microsoft.com/office/powerpoint/2010/main" val="2614508316"/>
+      </p:ext>
+    </p:extLst>
+  </p:cSld>
+  <p:clrMap bg1="lt1" tx1="dk1" bg2="lt2" tx2="dk2" accent1="accent1" accent2="accent2" accent3="accent3" accent4="accent4" accent5="accent5" accent6="accent6" hlink="hlink" folHlink="folHlink"/>
+</p:handoutMaster>
+</file>
+
 <file path=ppt/notesMasters/notesMaster1.xml><?xml version="1.0" encoding="utf-8"?>
 <p:notesMaster xmlns:a="http://schemas.openxmlformats.org/drawingml/2006/main" xmlns:r="http://schemas.openxmlformats.org/officeDocument/2006/relationships" xmlns:p="http://schemas.openxmlformats.org/presentationml/2006/main">
   <p:cSld>
@@ -201,7 +383,7 @@
           <a:p>
             <a:fld id="{32A5677F-ADE5-4413-A5B0-4374FDD11AF8}" type="datetimeFigureOut">
               <a:rPr lang="en-US" smtClean="0"/>
-              <a:t>11/16/2015</a:t>
+              <a:t>11/17/2015</a:t>
             </a:fld>
             <a:endParaRPr lang="en-US"/>
           </a:p>
@@ -592,12 +774,16 @@
           </a:bodyPr>
           <a:lstStyle>
             <a:lvl1pPr algn="ctr">
-              <a:defRPr sz="6000"/>
+              <a:defRPr sz="6000">
+                <a:solidFill>
+                  <a:schemeClr val="bg1"/>
+                </a:solidFill>
+              </a:defRPr>
             </a:lvl1pPr>
           </a:lstStyle>
           <a:p>
             <a:r>
-              <a:rPr lang="en-US" smtClean="0"/>
+              <a:rPr lang="en-US" dirty="0" smtClean="0"/>
               <a:t>Click to edit Master title style</a:t>
             </a:r>
             <a:endParaRPr lang="en-US" dirty="0"/>
@@ -629,9 +815,8 @@
               <a:buNone/>
               <a:defRPr sz="2400">
                 <a:solidFill>
-                  <a:schemeClr val="tx1">
+                  <a:schemeClr val="bg1">
                     <a:lumMod val="75000"/>
-                    <a:lumOff val="25000"/>
                   </a:schemeClr>
                 </a:solidFill>
               </a:defRPr>
@@ -671,7 +856,7 @@
           </a:lstStyle>
           <a:p>
             <a:r>
-              <a:rPr lang="en-US" smtClean="0"/>
+              <a:rPr lang="en-US" dirty="0" smtClean="0"/>
               <a:t>Click to edit Master subtitle style</a:t>
             </a:r>
             <a:endParaRPr lang="en-US" dirty="0"/>
@@ -691,11 +876,22 @@
         <p:spPr/>
         <p:txBody>
           <a:bodyPr/>
-          <a:lstStyle/>
+          <a:lstStyle>
+            <a:lvl1pPr>
+              <a:defRPr>
+                <a:solidFill>
+                  <a:schemeClr val="bg1">
+                    <a:lumMod val="75000"/>
+                  </a:schemeClr>
+                </a:solidFill>
+              </a:defRPr>
+            </a:lvl1pPr>
+          </a:lstStyle>
           <a:p>
             <a:fld id="{AA28D7F1-A228-4E6D-BCA2-957708F4644B}" type="datetimeFigureOut">
               <a:rPr lang="en-US" smtClean="0"/>
-              <a:t>11/16/2015</a:t>
+              <a:pPr/>
+              <a:t>11/17/2015</a:t>
             </a:fld>
             <a:endParaRPr lang="en-US"/>
           </a:p>
@@ -714,7 +910,17 @@
         <p:spPr/>
         <p:txBody>
           <a:bodyPr/>
-          <a:lstStyle/>
+          <a:lstStyle>
+            <a:lvl1pPr>
+              <a:defRPr>
+                <a:solidFill>
+                  <a:schemeClr val="bg1">
+                    <a:lumMod val="75000"/>
+                  </a:schemeClr>
+                </a:solidFill>
+              </a:defRPr>
+            </a:lvl1pPr>
+          </a:lstStyle>
           <a:p>
             <a:endParaRPr lang="en-US"/>
           </a:p>
@@ -733,10 +939,21 @@
         <p:spPr/>
         <p:txBody>
           <a:bodyPr/>
-          <a:lstStyle/>
+          <a:lstStyle>
+            <a:lvl1pPr>
+              <a:defRPr>
+                <a:solidFill>
+                  <a:schemeClr val="bg1">
+                    <a:lumMod val="75000"/>
+                  </a:schemeClr>
+                </a:solidFill>
+              </a:defRPr>
+            </a:lvl1pPr>
+          </a:lstStyle>
           <a:p>
             <a:fld id="{B9EA3D50-3A0C-499B-AC6C-D7914B6C78DE}" type="slidenum">
               <a:rPr lang="en-US" smtClean="0"/>
+              <a:pPr/>
               <a:t>‹#›</a:t>
             </a:fld>
             <a:endParaRPr lang="en-US"/>
@@ -753,6 +970,13 @@
   <p:clrMapOvr>
     <a:masterClrMapping/>
   </p:clrMapOvr>
+  <p:timing>
+    <p:tnLst>
+      <p:par>
+        <p:cTn id="1" dur="indefinite" restart="never" nodeType="tmRoot"/>
+      </p:par>
+    </p:tnLst>
+  </p:timing>
 </p:sldLayout>
 </file>
 
@@ -865,7 +1089,7 @@
           <a:p>
             <a:fld id="{AA28D7F1-A228-4E6D-BCA2-957708F4644B}" type="datetimeFigureOut">
               <a:rPr lang="en-US" smtClean="0"/>
-              <a:t>11/16/2015</a:t>
+              <a:t>11/17/2015</a:t>
             </a:fld>
             <a:endParaRPr lang="en-US"/>
           </a:p>
@@ -1045,7 +1269,7 @@
           <a:p>
             <a:fld id="{AA28D7F1-A228-4E6D-BCA2-957708F4644B}" type="datetimeFigureOut">
               <a:rPr lang="en-US" smtClean="0"/>
-              <a:t>11/16/2015</a:t>
+              <a:t>11/17/2015</a:t>
             </a:fld>
             <a:endParaRPr lang="en-US"/>
           </a:p>
@@ -1143,7 +1367,10 @@
           <a:bodyPr/>
           <a:lstStyle>
             <a:lvl1pPr algn="ctr">
-              <a:defRPr b="1" u="sng">
+              <a:defRPr b="1" u="none">
+                <a:solidFill>
+                  <a:schemeClr val="bg1"/>
+                </a:solidFill>
                 <a:effectLst>
                   <a:outerShdw blurRad="38100" dist="38100" dir="2700000" algn="tl">
                     <a:srgbClr val="000000">
@@ -1156,7 +1383,7 @@
           </a:lstStyle>
           <a:p>
             <a:r>
-              <a:rPr lang="en-US" smtClean="0"/>
+              <a:rPr lang="en-US" dirty="0" smtClean="0"/>
               <a:t>Click to edit Master title style</a:t>
             </a:r>
             <a:endParaRPr lang="en-US" dirty="0"/>
@@ -1182,18 +1409,57 @@
         <p:txBody>
           <a:bodyPr/>
           <a:lstStyle>
+            <a:lvl1pPr>
+              <a:defRPr sz="2200">
+                <a:solidFill>
+                  <a:schemeClr val="bg1">
+                    <a:lumMod val="85000"/>
+                  </a:schemeClr>
+                </a:solidFill>
+              </a:defRPr>
+            </a:lvl1pPr>
             <a:lvl2pPr marL="685800" indent="-228600">
               <a:buSzPct val="75000"/>
               <a:buFont typeface="Wingdings" panose="05000000000000000000" pitchFamily="2" charset="2"/>
               <a:buChar char="v"/>
-              <a:defRPr/>
+              <a:defRPr sz="2000">
+                <a:solidFill>
+                  <a:schemeClr val="bg1">
+                    <a:lumMod val="85000"/>
+                  </a:schemeClr>
+                </a:solidFill>
+              </a:defRPr>
             </a:lvl2pPr>
             <a:lvl3pPr marL="1143000" indent="-228600">
               <a:buSzPct val="75000"/>
               <a:buFont typeface="Wingdings" panose="05000000000000000000" pitchFamily="2" charset="2"/>
               <a:buChar char="Ø"/>
-              <a:defRPr/>
+              <a:defRPr sz="1800">
+                <a:solidFill>
+                  <a:schemeClr val="bg1">
+                    <a:lumMod val="85000"/>
+                  </a:schemeClr>
+                </a:solidFill>
+              </a:defRPr>
             </a:lvl3pPr>
+            <a:lvl4pPr>
+              <a:defRPr sz="1600">
+                <a:solidFill>
+                  <a:schemeClr val="bg1">
+                    <a:lumMod val="85000"/>
+                  </a:schemeClr>
+                </a:solidFill>
+              </a:defRPr>
+            </a:lvl4pPr>
+            <a:lvl5pPr>
+              <a:defRPr sz="1400">
+                <a:solidFill>
+                  <a:schemeClr val="bg1">
+                    <a:lumMod val="85000"/>
+                  </a:schemeClr>
+                </a:solidFill>
+              </a:defRPr>
+            </a:lvl5pPr>
           </a:lstStyle>
           <a:p>
             <a:pPr lvl="0"/>
@@ -1246,13 +1512,24 @@
         <p:spPr/>
         <p:txBody>
           <a:bodyPr/>
-          <a:lstStyle/>
+          <a:lstStyle>
+            <a:lvl1pPr>
+              <a:defRPr>
+                <a:solidFill>
+                  <a:schemeClr val="bg1">
+                    <a:lumMod val="75000"/>
+                  </a:schemeClr>
+                </a:solidFill>
+              </a:defRPr>
+            </a:lvl1pPr>
+          </a:lstStyle>
           <a:p>
             <a:fld id="{AA28D7F1-A228-4E6D-BCA2-957708F4644B}" type="datetimeFigureOut">
               <a:rPr lang="en-US" smtClean="0"/>
-              <a:t>11/16/2015</a:t>
+              <a:pPr/>
+              <a:t>11/17/2015</a:t>
             </a:fld>
-            <a:endParaRPr lang="en-US"/>
+            <a:endParaRPr lang="en-US" dirty="0"/>
           </a:p>
         </p:txBody>
       </p:sp>
@@ -1269,7 +1546,17 @@
         <p:spPr/>
         <p:txBody>
           <a:bodyPr/>
-          <a:lstStyle/>
+          <a:lstStyle>
+            <a:lvl1pPr>
+              <a:defRPr>
+                <a:solidFill>
+                  <a:schemeClr val="bg1">
+                    <a:lumMod val="75000"/>
+                  </a:schemeClr>
+                </a:solidFill>
+              </a:defRPr>
+            </a:lvl1pPr>
+          </a:lstStyle>
           <a:p>
             <a:endParaRPr lang="en-US"/>
           </a:p>
@@ -1288,16 +1575,76 @@
         <p:spPr/>
         <p:txBody>
           <a:bodyPr/>
-          <a:lstStyle/>
+          <a:lstStyle>
+            <a:lvl1pPr>
+              <a:defRPr>
+                <a:solidFill>
+                  <a:schemeClr val="bg1">
+                    <a:lumMod val="75000"/>
+                  </a:schemeClr>
+                </a:solidFill>
+              </a:defRPr>
+            </a:lvl1pPr>
+          </a:lstStyle>
           <a:p>
             <a:fld id="{B9EA3D50-3A0C-499B-AC6C-D7914B6C78DE}" type="slidenum">
               <a:rPr lang="en-US" smtClean="0"/>
+              <a:pPr/>
               <a:t>‹#›</a:t>
             </a:fld>
             <a:endParaRPr lang="en-US"/>
           </a:p>
         </p:txBody>
       </p:sp>
+      <p:cxnSp>
+        <p:nvCxnSpPr>
+          <p:cNvPr id="9" name="Straight Connector 8"/>
+          <p:cNvCxnSpPr/>
+          <p:nvPr userDrawn="1"/>
+        </p:nvCxnSpPr>
+        <p:spPr>
+          <a:xfrm>
+            <a:off x="130634" y="1206524"/>
+            <a:ext cx="8871116" cy="0"/>
+          </a:xfrm>
+          <a:prstGeom prst="line">
+            <a:avLst/>
+          </a:prstGeom>
+          <a:ln>
+            <a:solidFill>
+              <a:schemeClr val="bg1"/>
+            </a:solidFill>
+          </a:ln>
+          <a:effectLst>
+            <a:outerShdw blurRad="50800" dist="38100" dir="2700000" algn="tl" rotWithShape="0">
+              <a:prstClr val="black">
+                <a:alpha val="40000"/>
+              </a:prstClr>
+            </a:outerShdw>
+          </a:effectLst>
+          <a:scene3d>
+            <a:camera prst="orthographicFront"/>
+            <a:lightRig rig="threePt" dir="t"/>
+          </a:scene3d>
+          <a:sp3d>
+            <a:bevelT w="114300" prst="hardEdge"/>
+          </a:sp3d>
+        </p:spPr>
+        <p:style>
+          <a:lnRef idx="1">
+            <a:schemeClr val="accent1"/>
+          </a:lnRef>
+          <a:fillRef idx="0">
+            <a:schemeClr val="accent1"/>
+          </a:fillRef>
+          <a:effectRef idx="0">
+            <a:schemeClr val="accent1"/>
+          </a:effectRef>
+          <a:fontRef idx="minor">
+            <a:schemeClr val="tx1"/>
+          </a:fontRef>
+        </p:style>
+      </p:cxnSp>
     </p:spTree>
     <p:extLst>
       <p:ext uri="{BB962C8B-B14F-4D97-AF65-F5344CB8AC3E}">
@@ -1508,7 +1855,7 @@
           <a:p>
             <a:fld id="{AA28D7F1-A228-4E6D-BCA2-957708F4644B}" type="datetimeFigureOut">
               <a:rPr lang="en-US" smtClean="0"/>
-              <a:t>11/16/2015</a:t>
+              <a:t>11/17/2015</a:t>
             </a:fld>
             <a:endParaRPr lang="en-US"/>
           </a:p>
@@ -1740,7 +2087,7 @@
           <a:p>
             <a:fld id="{AA28D7F1-A228-4E6D-BCA2-957708F4644B}" type="datetimeFigureOut">
               <a:rPr lang="en-US" smtClean="0"/>
-              <a:t>11/16/2015</a:t>
+              <a:t>11/17/2015</a:t>
             </a:fld>
             <a:endParaRPr lang="en-US"/>
           </a:p>
@@ -2087,7 +2434,7 @@
           <a:p>
             <a:fld id="{AA28D7F1-A228-4E6D-BCA2-957708F4644B}" type="datetimeFigureOut">
               <a:rPr lang="en-US" smtClean="0"/>
-              <a:t>11/16/2015</a:t>
+              <a:t>11/17/2015</a:t>
             </a:fld>
             <a:endParaRPr lang="en-US"/>
           </a:p>
@@ -2205,9 +2552,9 @@
           <a:p>
             <a:fld id="{AA28D7F1-A228-4E6D-BCA2-957708F4644B}" type="datetimeFigureOut">
               <a:rPr lang="en-US" smtClean="0"/>
-              <a:t>11/16/2015</a:t>
+              <a:t>11/17/2015</a:t>
             </a:fld>
-            <a:endParaRPr lang="en-US"/>
+            <a:endParaRPr lang="en-US" dirty="0"/>
           </a:p>
         </p:txBody>
       </p:sp>
@@ -2270,10 +2617,22 @@
           </a:xfrm>
         </p:spPr>
         <p:txBody>
-          <a:bodyPr/>
+          <a:bodyPr>
+            <a:normAutofit/>
+          </a:bodyPr>
           <a:lstStyle>
-            <a:lvl1pPr>
-              <a:defRPr b="1" u="sng">
+            <a:lvl1pPr algn="ctr" defTabSz="914400" rtl="0" eaLnBrk="1" latinLnBrk="0" hangingPunct="1">
+              <a:lnSpc>
+                <a:spcPct val="90000"/>
+              </a:lnSpc>
+              <a:spcBef>
+                <a:spcPct val="0"/>
+              </a:spcBef>
+              <a:buNone/>
+              <a:defRPr lang="en-US" sz="4400" b="1" u="none" kern="1200" dirty="0">
+                <a:solidFill>
+                  <a:schemeClr val="bg1"/>
+                </a:solidFill>
                 <a:effectLst>
                   <a:outerShdw blurRad="38100" dist="38100" dir="2700000" algn="tl">
                     <a:srgbClr val="000000">
@@ -2281,15 +2640,18 @@
                     </a:srgbClr>
                   </a:outerShdw>
                 </a:effectLst>
+                <a:latin typeface="+mj-lt"/>
+                <a:ea typeface="+mj-ea"/>
+                <a:cs typeface="+mj-cs"/>
               </a:defRPr>
             </a:lvl1pPr>
           </a:lstStyle>
           <a:p>
             <a:r>
-              <a:rPr lang="en-US" smtClean="0"/>
+              <a:rPr lang="en-US" dirty="0" smtClean="0"/>
               <a:t>Click to edit Master title style</a:t>
             </a:r>
-            <a:endParaRPr lang="en-US"/>
+            <a:endParaRPr lang="en-US" dirty="0"/>
           </a:p>
         </p:txBody>
       </p:sp>
@@ -2347,7 +2709,7 @@
           <a:p>
             <a:fld id="{AA28D7F1-A228-4E6D-BCA2-957708F4644B}" type="datetimeFigureOut">
               <a:rPr lang="en-US" smtClean="0"/>
-              <a:t>11/16/2015</a:t>
+              <a:t>11/17/2015</a:t>
             </a:fld>
             <a:endParaRPr lang="en-US"/>
           </a:p>
@@ -2631,7 +2993,7 @@
           <a:p>
             <a:fld id="{AA28D7F1-A228-4E6D-BCA2-957708F4644B}" type="datetimeFigureOut">
               <a:rPr lang="en-US" smtClean="0"/>
-              <a:t>11/16/2015</a:t>
+              <a:t>11/17/2015</a:t>
             </a:fld>
             <a:endParaRPr lang="en-US"/>
           </a:p>
@@ -2895,7 +3257,7 @@
           <a:p>
             <a:fld id="{AA28D7F1-A228-4E6D-BCA2-957708F4644B}" type="datetimeFigureOut">
               <a:rPr lang="en-US" smtClean="0"/>
-              <a:t>11/16/2015</a:t>
+              <a:t>11/17/2015</a:t>
             </a:fld>
             <a:endParaRPr lang="en-US"/>
           </a:p>
@@ -2960,9 +3322,12 @@
 <p:sldMaster xmlns:a="http://schemas.openxmlformats.org/drawingml/2006/main" xmlns:r="http://schemas.openxmlformats.org/officeDocument/2006/relationships" xmlns:p="http://schemas.openxmlformats.org/presentationml/2006/main" preserve="1">
   <p:cSld>
     <p:bg>
-      <p:bgRef idx="1001">
-        <a:schemeClr val="bg1"/>
-      </p:bgRef>
+      <p:bgPr>
+        <a:solidFill>
+          <a:schemeClr val="tx1"/>
+        </a:solidFill>
+        <a:effectLst/>
+      </p:bgPr>
     </p:bg>
     <p:spTree>
       <p:nvGrpSpPr>
@@ -3109,7 +3474,7 @@
           <a:p>
             <a:fld id="{AA28D7F1-A228-4E6D-BCA2-957708F4644B}" type="datetimeFigureOut">
               <a:rPr lang="en-US" smtClean="0"/>
-              <a:t>11/16/2015</a:t>
+              <a:t>11/17/2015</a:t>
             </a:fld>
             <a:endParaRPr lang="en-US"/>
           </a:p>
@@ -3215,6 +3580,13 @@
     <p:sldLayoutId id="2147483808" r:id="rId10"/>
     <p:sldLayoutId id="2147483809" r:id="rId11"/>
   </p:sldLayoutIdLst>
+  <p:timing>
+    <p:tnLst>
+      <p:par>
+        <p:cTn id="1" dur="indefinite" restart="never" nodeType="tmRoot"/>
+      </p:par>
+    </p:tnLst>
+  </p:timing>
   <p:txStyles>
     <p:titleStyle>
       <a:lvl1pPr algn="l" defTabSz="914400" rtl="0" eaLnBrk="1" latinLnBrk="0" hangingPunct="1">
@@ -3513,7 +3885,12 @@
             <p:ph type="ctrTitle"/>
           </p:nvPr>
         </p:nvSpPr>
-        <p:spPr/>
+        <p:spPr>
+          <a:xfrm>
+            <a:off x="697230" y="1124530"/>
+            <a:ext cx="7749540" cy="2387600"/>
+          </a:xfrm>
+        </p:spPr>
         <p:txBody>
           <a:bodyPr anchor="ctr">
             <a:noAutofit/>
@@ -3535,8 +3912,8 @@
         </p:nvSpPr>
         <p:spPr>
           <a:xfrm>
-            <a:off x="762000" y="4463144"/>
-            <a:ext cx="2993572" cy="1077218"/>
+            <a:off x="939982" y="4463144"/>
+            <a:ext cx="2637608" cy="1077218"/>
           </a:xfrm>
           <a:prstGeom prst="rect">
             <a:avLst/>
@@ -3551,36 +3928,84 @@
           <a:p>
             <a:pPr algn="ctr"/>
             <a:r>
-              <a:rPr lang="en-US" sz="1600" dirty="0" smtClean="0"/>
+              <a:rPr lang="en-US" sz="1600" dirty="0" smtClean="0">
+                <a:solidFill>
+                  <a:schemeClr val="bg1">
+                    <a:lumMod val="85000"/>
+                  </a:schemeClr>
+                </a:solidFill>
+              </a:rPr>
               <a:t>By</a:t>
             </a:r>
           </a:p>
           <a:p>
             <a:pPr algn="ctr"/>
-            <a:endParaRPr lang="en-US" sz="1600" dirty="0" smtClean="0"/>
-          </a:p>
-          <a:p>
-            <a:r>
-              <a:rPr lang="en-US" sz="1600" dirty="0" smtClean="0"/>
+            <a:endParaRPr lang="en-US" sz="1600" dirty="0" smtClean="0">
+              <a:solidFill>
+                <a:schemeClr val="bg1">
+                  <a:lumMod val="85000"/>
+                </a:schemeClr>
+              </a:solidFill>
+            </a:endParaRPr>
+          </a:p>
+          <a:p>
+            <a:r>
+              <a:rPr lang="en-US" sz="1600" dirty="0" smtClean="0">
+                <a:solidFill>
+                  <a:schemeClr val="bg1">
+                    <a:lumMod val="85000"/>
+                  </a:schemeClr>
+                </a:solidFill>
+              </a:rPr>
               <a:t>Major </a:t>
             </a:r>
             <a:r>
-              <a:rPr lang="en-US" sz="1600" dirty="0" err="1" smtClean="0"/>
+              <a:rPr lang="en-US" sz="1600" dirty="0" err="1" smtClean="0">
+                <a:solidFill>
+                  <a:schemeClr val="bg1">
+                    <a:lumMod val="85000"/>
+                  </a:schemeClr>
+                </a:solidFill>
+              </a:rPr>
               <a:t>Jaydeep</a:t>
             </a:r>
             <a:r>
-              <a:rPr lang="en-US" sz="1600" dirty="0" smtClean="0"/>
+              <a:rPr lang="en-US" sz="1600" dirty="0" smtClean="0">
+                <a:solidFill>
+                  <a:schemeClr val="bg1">
+                    <a:lumMod val="85000"/>
+                  </a:schemeClr>
+                </a:solidFill>
+              </a:rPr>
               <a:t> </a:t>
             </a:r>
             <a:r>
-              <a:rPr lang="en-US" sz="1600" dirty="0" err="1" smtClean="0"/>
+              <a:rPr lang="en-US" sz="1600" dirty="0" err="1" smtClean="0">
+                <a:solidFill>
+                  <a:schemeClr val="bg1">
+                    <a:lumMod val="85000"/>
+                  </a:schemeClr>
+                </a:solidFill>
+              </a:rPr>
               <a:t>Bodwadkar</a:t>
             </a:r>
-            <a:endParaRPr lang="en-US" sz="1600" dirty="0" smtClean="0"/>
-          </a:p>
-          <a:p>
-            <a:r>
-              <a:rPr lang="en-US" sz="1600" dirty="0" smtClean="0"/>
+            <a:endParaRPr lang="en-US" sz="1600" dirty="0" smtClean="0">
+              <a:solidFill>
+                <a:schemeClr val="bg1">
+                  <a:lumMod val="85000"/>
+                </a:schemeClr>
+              </a:solidFill>
+            </a:endParaRPr>
+          </a:p>
+          <a:p>
+            <a:r>
+              <a:rPr lang="en-US" sz="1600" dirty="0" smtClean="0">
+                <a:solidFill>
+                  <a:schemeClr val="bg1">
+                    <a:lumMod val="85000"/>
+                  </a:schemeClr>
+                </a:solidFill>
+              </a:rPr>
               <a:t>Roll No: 14CS60D01</a:t>
             </a:r>
           </a:p>
@@ -3594,8 +4019,8 @@
         </p:nvSpPr>
         <p:spPr>
           <a:xfrm>
-            <a:off x="5573486" y="4463144"/>
-            <a:ext cx="3178629" cy="1569660"/>
+            <a:off x="5878831" y="4463144"/>
+            <a:ext cx="2567940" cy="1569660"/>
           </a:xfrm>
           <a:prstGeom prst="rect">
             <a:avLst/>
@@ -3610,40 +4035,88 @@
           <a:p>
             <a:pPr algn="ctr"/>
             <a:r>
-              <a:rPr lang="en-US" sz="1600" dirty="0" smtClean="0"/>
+              <a:rPr lang="en-US" sz="1600" dirty="0" smtClean="0">
+                <a:solidFill>
+                  <a:schemeClr val="bg1">
+                    <a:lumMod val="85000"/>
+                  </a:schemeClr>
+                </a:solidFill>
+              </a:rPr>
               <a:t>Supervisor</a:t>
             </a:r>
           </a:p>
           <a:p>
             <a:pPr algn="ctr"/>
-            <a:endParaRPr lang="en-US" sz="1600" dirty="0" smtClean="0"/>
-          </a:p>
-          <a:p>
-            <a:r>
-              <a:rPr lang="en-US" sz="1600" dirty="0" smtClean="0"/>
+            <a:endParaRPr lang="en-US" sz="1600" dirty="0" smtClean="0">
+              <a:solidFill>
+                <a:schemeClr val="bg1">
+                  <a:lumMod val="85000"/>
+                </a:schemeClr>
+              </a:solidFill>
+            </a:endParaRPr>
+          </a:p>
+          <a:p>
+            <a:r>
+              <a:rPr lang="en-US" sz="1600" dirty="0" smtClean="0">
+                <a:solidFill>
+                  <a:schemeClr val="bg1">
+                    <a:lumMod val="85000"/>
+                  </a:schemeClr>
+                </a:solidFill>
+              </a:rPr>
               <a:t>Dr. </a:t>
             </a:r>
             <a:r>
-              <a:rPr lang="en-US" sz="1600" dirty="0" err="1" smtClean="0"/>
+              <a:rPr lang="en-US" sz="1600" dirty="0" err="1" smtClean="0">
+                <a:solidFill>
+                  <a:schemeClr val="bg1">
+                    <a:lumMod val="85000"/>
+                  </a:schemeClr>
+                </a:solidFill>
+              </a:rPr>
               <a:t>Arobinda</a:t>
             </a:r>
             <a:r>
-              <a:rPr lang="en-US" sz="1600" dirty="0" smtClean="0"/>
+              <a:rPr lang="en-US" sz="1600" dirty="0" smtClean="0">
+                <a:solidFill>
+                  <a:schemeClr val="bg1">
+                    <a:lumMod val="85000"/>
+                  </a:schemeClr>
+                </a:solidFill>
+              </a:rPr>
               <a:t> Gupta</a:t>
             </a:r>
           </a:p>
           <a:p>
             <a:r>
-              <a:rPr lang="en-US" sz="1600" dirty="0" smtClean="0"/>
+              <a:rPr lang="en-US" sz="1600" dirty="0" smtClean="0">
+                <a:solidFill>
+                  <a:schemeClr val="bg1">
+                    <a:lumMod val="85000"/>
+                  </a:schemeClr>
+                </a:solidFill>
+              </a:rPr>
               <a:t>Professor</a:t>
             </a:r>
           </a:p>
           <a:p>
             <a:r>
-              <a:rPr lang="en-US" sz="1600" dirty="0" smtClean="0"/>
+              <a:rPr lang="en-US" sz="1600" dirty="0" smtClean="0">
+                <a:solidFill>
+                  <a:schemeClr val="bg1">
+                    <a:lumMod val="85000"/>
+                  </a:schemeClr>
+                </a:solidFill>
+              </a:rPr>
               <a:t>Department of Computer Science &amp; Engineering</a:t>
             </a:r>
-            <a:endParaRPr lang="en-US" sz="1600" dirty="0"/>
+            <a:endParaRPr lang="en-US" sz="1600" dirty="0">
+              <a:solidFill>
+                <a:schemeClr val="bg1">
+                  <a:lumMod val="85000"/>
+                </a:schemeClr>
+              </a:solidFill>
+            </a:endParaRPr>
           </a:p>
         </p:txBody>
       </p:sp>
@@ -3663,7 +4136,7 @@
           </a:prstGeom>
           <a:ln>
             <a:solidFill>
-              <a:schemeClr val="tx1"/>
+              <a:schemeClr val="bg1"/>
             </a:solidFill>
           </a:ln>
           <a:effectLst>
@@ -3729,6 +4202,9 @@
             <a:pPr algn="ctr"/>
             <a:r>
               <a:rPr lang="en-US" sz="4000" dirty="0" smtClean="0">
+                <a:solidFill>
+                  <a:schemeClr val="bg1"/>
+                </a:solidFill>
                 <a:effectLst>
                   <a:outerShdw blurRad="50800" dist="38100" dir="5400000" algn="t" rotWithShape="0">
                     <a:prstClr val="black">
@@ -3741,6 +4217,9 @@
               <a:t>d</a:t>
             </a:r>
             <a:endParaRPr lang="en-US" sz="4000" dirty="0">
+              <a:solidFill>
+                <a:schemeClr val="bg1"/>
+              </a:solidFill>
               <a:effectLst>
                 <a:outerShdw blurRad="50800" dist="38100" dir="5400000" algn="t" rotWithShape="0">
                   <a:prstClr val="black">
@@ -3769,7 +4248,7 @@
           </a:prstGeom>
           <a:ln>
             <a:solidFill>
-              <a:schemeClr val="tx1"/>
+              <a:schemeClr val="bg1"/>
             </a:solidFill>
           </a:ln>
           <a:effectLst>
@@ -3822,6 +4301,2595 @@
 </p:sld>
 </file>
 
+<file path=ppt/slides/slide10.xml><?xml version="1.0" encoding="utf-8"?>
+<p:sld xmlns:a="http://schemas.openxmlformats.org/drawingml/2006/main" xmlns:r="http://schemas.openxmlformats.org/officeDocument/2006/relationships" xmlns:p="http://schemas.openxmlformats.org/presentationml/2006/main">
+  <p:cSld>
+    <p:spTree>
+      <p:nvGrpSpPr>
+        <p:cNvPr id="1" name=""/>
+        <p:cNvGrpSpPr/>
+        <p:nvPr/>
+      </p:nvGrpSpPr>
+      <p:grpSpPr>
+        <a:xfrm>
+          <a:off x="0" y="0"/>
+          <a:ext cx="0" cy="0"/>
+          <a:chOff x="0" y="0"/>
+          <a:chExt cx="0" cy="0"/>
+        </a:xfrm>
+      </p:grpSpPr>
+      <p:sp>
+        <p:nvSpPr>
+          <p:cNvPr id="2" name="Title 1"/>
+          <p:cNvSpPr>
+            <a:spLocks noGrp="1"/>
+          </p:cNvSpPr>
+          <p:nvPr>
+            <p:ph type="title"/>
+          </p:nvPr>
+        </p:nvSpPr>
+        <p:spPr/>
+        <p:txBody>
+          <a:bodyPr/>
+          <a:lstStyle/>
+          <a:p>
+            <a:r>
+              <a:rPr lang="en-US" dirty="0" smtClean="0"/>
+              <a:t>Assumptions</a:t>
+            </a:r>
+            <a:endParaRPr lang="en-US" dirty="0"/>
+          </a:p>
+        </p:txBody>
+      </p:sp>
+      <mc:AlternateContent xmlns:mc="http://schemas.openxmlformats.org/markup-compatibility/2006" xmlns:a14="http://schemas.microsoft.com/office/drawing/2010/main">
+        <mc:Choice Requires="a14">
+          <p:sp>
+            <p:nvSpPr>
+              <p:cNvPr id="3" name="Content Placeholder 2"/>
+              <p:cNvSpPr>
+                <a:spLocks noGrp="1"/>
+              </p:cNvSpPr>
+              <p:nvPr>
+                <p:ph idx="1"/>
+              </p:nvPr>
+            </p:nvSpPr>
+            <p:spPr/>
+            <p:txBody>
+              <a:bodyPr/>
+              <a:lstStyle/>
+              <a:p>
+                <a:r>
+                  <a:rPr lang="en-GB" dirty="0"/>
+                  <a:t>Position of the enemy Jammers remain static.</a:t>
+                </a:r>
+                <a:endParaRPr lang="en-US" sz="2200" dirty="0"/>
+              </a:p>
+              <a:p>
+                <a:r>
+                  <a:rPr lang="en-GB" dirty="0"/>
+                  <a:t>Area of Interest </a:t>
+                </a:r>
+                <a14:m>
+                  <m:oMath xmlns:m="http://schemas.openxmlformats.org/officeDocument/2006/math">
+                    <m:r>
+                      <a:rPr lang="en-GB" i="1">
+                        <a:latin typeface="Cambria Math" panose="02040503050406030204" pitchFamily="18" charset="0"/>
+                      </a:rPr>
+                      <m:t>𝐴</m:t>
+                    </m:r>
+                    <m:r>
+                      <a:rPr lang="en-GB" i="1">
+                        <a:latin typeface="Cambria Math" panose="02040503050406030204" pitchFamily="18" charset="0"/>
+                      </a:rPr>
+                      <m:t> </m:t>
+                    </m:r>
+                  </m:oMath>
+                </a14:m>
+                <a:r>
+                  <a:rPr lang="en-GB" dirty="0"/>
+                  <a:t>is a rectangle.</a:t>
+                </a:r>
+                <a:endParaRPr lang="en-US" sz="2200" dirty="0"/>
+              </a:p>
+              <a:p>
+                <a:r>
+                  <a:rPr lang="en-GB" dirty="0"/>
+                  <a:t>Infinite number of sensors of each type are available</a:t>
+                </a:r>
+                <a:endParaRPr lang="en-US" sz="2200" dirty="0"/>
+              </a:p>
+              <a:p>
+                <a:r>
+                  <a:rPr lang="en-GB" dirty="0"/>
+                  <a:t>Feasible locations for the sensors is within the Area of Interest.</a:t>
+                </a:r>
+                <a:endParaRPr lang="en-US" sz="2200" dirty="0"/>
+              </a:p>
+              <a:p>
+                <a:endParaRPr lang="en-US" dirty="0"/>
+              </a:p>
+            </p:txBody>
+          </p:sp>
+        </mc:Choice>
+        <mc:Fallback xmlns="">
+          <p:sp>
+            <p:nvSpPr>
+              <p:cNvPr id="3" name="Content Placeholder 2"/>
+              <p:cNvSpPr>
+                <a:spLocks noGrp="1" noRot="1" noChangeAspect="1" noMove="1" noResize="1" noEditPoints="1" noAdjustHandles="1" noChangeArrowheads="1" noChangeShapeType="1" noTextEdit="1"/>
+              </p:cNvSpPr>
+              <p:nvPr>
+                <p:ph idx="1"/>
+              </p:nvPr>
+            </p:nvSpPr>
+            <p:spPr>
+              <a:blipFill rotWithShape="0">
+                <a:blip r:embed="rId2"/>
+                <a:stretch>
+                  <a:fillRect l="-1236" t="-2177" r="-1932"/>
+                </a:stretch>
+              </a:blipFill>
+            </p:spPr>
+            <p:txBody>
+              <a:bodyPr/>
+              <a:lstStyle/>
+              <a:p>
+                <a:r>
+                  <a:rPr lang="en-US">
+                    <a:noFill/>
+                  </a:rPr>
+                  <a:t> </a:t>
+                </a:r>
+              </a:p>
+            </p:txBody>
+          </p:sp>
+        </mc:Fallback>
+      </mc:AlternateContent>
+    </p:spTree>
+    <p:extLst>
+      <p:ext uri="{BB962C8B-B14F-4D97-AF65-F5344CB8AC3E}">
+        <p14:creationId xmlns:p14="http://schemas.microsoft.com/office/powerpoint/2010/main" val="721341724"/>
+      </p:ext>
+    </p:extLst>
+  </p:cSld>
+  <p:clrMapOvr>
+    <a:masterClrMapping/>
+  </p:clrMapOvr>
+  <p:timing>
+    <p:tnLst>
+      <p:par>
+        <p:cTn id="1" dur="indefinite" restart="never" nodeType="tmRoot"/>
+      </p:par>
+    </p:tnLst>
+  </p:timing>
+</p:sld>
+</file>
+
+<file path=ppt/slides/slide11.xml><?xml version="1.0" encoding="utf-8"?>
+<p:sld xmlns:a="http://schemas.openxmlformats.org/drawingml/2006/main" xmlns:r="http://schemas.openxmlformats.org/officeDocument/2006/relationships" xmlns:p="http://schemas.openxmlformats.org/presentationml/2006/main">
+  <p:cSld>
+    <p:spTree>
+      <p:nvGrpSpPr>
+        <p:cNvPr id="1" name=""/>
+        <p:cNvGrpSpPr/>
+        <p:nvPr/>
+      </p:nvGrpSpPr>
+      <p:grpSpPr>
+        <a:xfrm>
+          <a:off x="0" y="0"/>
+          <a:ext cx="0" cy="0"/>
+          <a:chOff x="0" y="0"/>
+          <a:chExt cx="0" cy="0"/>
+        </a:xfrm>
+      </p:grpSpPr>
+      <p:sp>
+        <p:nvSpPr>
+          <p:cNvPr id="2" name="Title 1"/>
+          <p:cNvSpPr>
+            <a:spLocks noGrp="1"/>
+          </p:cNvSpPr>
+          <p:nvPr>
+            <p:ph type="title"/>
+          </p:nvPr>
+        </p:nvSpPr>
+        <p:spPr/>
+        <p:txBody>
+          <a:bodyPr/>
+          <a:lstStyle/>
+          <a:p>
+            <a:r>
+              <a:rPr lang="en-US" dirty="0" smtClean="0"/>
+              <a:t>Goal</a:t>
+            </a:r>
+            <a:endParaRPr lang="en-US" dirty="0"/>
+          </a:p>
+        </p:txBody>
+      </p:sp>
+      <mc:AlternateContent xmlns:mc="http://schemas.openxmlformats.org/markup-compatibility/2006" xmlns:a14="http://schemas.microsoft.com/office/drawing/2010/main">
+        <mc:Choice Requires="a14">
+          <p:sp>
+            <p:nvSpPr>
+              <p:cNvPr id="3" name="Content Placeholder 2"/>
+              <p:cNvSpPr>
+                <a:spLocks noGrp="1"/>
+              </p:cNvSpPr>
+              <p:nvPr>
+                <p:ph idx="1"/>
+              </p:nvPr>
+            </p:nvSpPr>
+            <p:spPr>
+              <a:xfrm>
+                <a:off x="599555" y="1420009"/>
+                <a:ext cx="7886700" cy="4760129"/>
+              </a:xfrm>
+            </p:spPr>
+            <p:txBody>
+              <a:bodyPr>
+                <a:normAutofit/>
+              </a:bodyPr>
+              <a:lstStyle/>
+              <a:p>
+                <a:endParaRPr lang="en-GB" sz="2400" dirty="0" smtClean="0"/>
+              </a:p>
+              <a:p>
+                <a:r>
+                  <a:rPr lang="en-GB" sz="2400" dirty="0" smtClean="0"/>
+                  <a:t>Find </a:t>
+                </a:r>
+                <a:r>
+                  <a:rPr lang="en-GB" sz="2400" dirty="0"/>
+                  <a:t>a minimum cardinality set </a:t>
+                </a:r>
+                <a14:m>
+                  <m:oMath xmlns:m="http://schemas.openxmlformats.org/officeDocument/2006/math">
+                    <m:r>
+                      <a:rPr lang="en-GB" sz="2400" i="1">
+                        <a:latin typeface="Cambria Math" panose="02040503050406030204" pitchFamily="18" charset="0"/>
+                      </a:rPr>
+                      <m:t>𝑅</m:t>
+                    </m:r>
+                    <m:r>
+                      <a:rPr lang="en-GB" sz="2400">
+                        <a:latin typeface="Cambria Math" panose="02040503050406030204" pitchFamily="18" charset="0"/>
+                      </a:rPr>
+                      <m:t>=</m:t>
+                    </m:r>
+                    <m:d>
+                      <m:dPr>
+                        <m:begChr m:val="{"/>
+                        <m:endChr m:val="}"/>
+                        <m:ctrlPr>
+                          <a:rPr lang="en-US" sz="2400" i="1">
+                            <a:latin typeface="Cambria Math" panose="02040503050406030204" pitchFamily="18" charset="0"/>
+                          </a:rPr>
+                        </m:ctrlPr>
+                      </m:dPr>
+                      <m:e>
+                        <m:sSub>
+                          <m:sSubPr>
+                            <m:ctrlPr>
+                              <a:rPr lang="en-US" sz="2400" i="1">
+                                <a:latin typeface="Cambria Math" panose="02040503050406030204" pitchFamily="18" charset="0"/>
+                              </a:rPr>
+                            </m:ctrlPr>
+                          </m:sSubPr>
+                          <m:e>
+                            <m:r>
+                              <a:rPr lang="en-GB" sz="2400" i="1">
+                                <a:latin typeface="Cambria Math" panose="02040503050406030204" pitchFamily="18" charset="0"/>
+                              </a:rPr>
+                              <m:t>𝑟</m:t>
+                            </m:r>
+                          </m:e>
+                          <m:sub>
+                            <m:r>
+                              <a:rPr lang="en-GB" sz="2400" i="1">
+                                <a:latin typeface="Cambria Math" panose="02040503050406030204" pitchFamily="18" charset="0"/>
+                              </a:rPr>
+                              <m:t>𝑖</m:t>
+                            </m:r>
+                          </m:sub>
+                        </m:sSub>
+                      </m:e>
+                    </m:d>
+                    <m:r>
+                      <a:rPr lang="en-GB" sz="2400">
+                        <a:latin typeface="Cambria Math" panose="02040503050406030204" pitchFamily="18" charset="0"/>
+                      </a:rPr>
+                      <m:t>  1≤</m:t>
+                    </m:r>
+                    <m:r>
+                      <a:rPr lang="en-GB" sz="2400" i="1">
+                        <a:latin typeface="Cambria Math" panose="02040503050406030204" pitchFamily="18" charset="0"/>
+                      </a:rPr>
+                      <m:t>𝑖</m:t>
+                    </m:r>
+                    <m:r>
+                      <a:rPr lang="en-GB" sz="2400">
+                        <a:latin typeface="Cambria Math" panose="02040503050406030204" pitchFamily="18" charset="0"/>
+                      </a:rPr>
+                      <m:t>≤</m:t>
+                    </m:r>
+                    <m:r>
+                      <a:rPr lang="en-GB" sz="2400" i="1">
+                        <a:latin typeface="Cambria Math" panose="02040503050406030204" pitchFamily="18" charset="0"/>
+                      </a:rPr>
+                      <m:t>𝑞</m:t>
+                    </m:r>
+                  </m:oMath>
+                </a14:m>
+                <a:r>
+                  <a:rPr lang="en-GB" sz="2400" dirty="0"/>
+                  <a:t> </a:t>
+                </a:r>
+                <a:r>
+                  <a:rPr lang="en-GB" sz="2400" dirty="0" smtClean="0"/>
+                  <a:t> where,</a:t>
+                </a:r>
+              </a:p>
+              <a:p>
+                <a:pPr lvl="1"/>
+                <a14:m>
+                  <m:oMath xmlns:m="http://schemas.openxmlformats.org/officeDocument/2006/math">
+                    <m:sSub>
+                      <m:sSubPr>
+                        <m:ctrlPr>
+                          <a:rPr lang="en-US" sz="2000" i="1">
+                            <a:latin typeface="Cambria Math" panose="02040503050406030204" pitchFamily="18" charset="0"/>
+                          </a:rPr>
+                        </m:ctrlPr>
+                      </m:sSubPr>
+                      <m:e>
+                        <m:r>
+                          <a:rPr lang="en-GB" sz="2000" i="1">
+                            <a:latin typeface="Cambria Math" panose="02040503050406030204" pitchFamily="18" charset="0"/>
+                          </a:rPr>
+                          <m:t>𝑟</m:t>
+                        </m:r>
+                      </m:e>
+                      <m:sub>
+                        <m:r>
+                          <a:rPr lang="en-GB" sz="2000" i="1">
+                            <a:latin typeface="Cambria Math" panose="02040503050406030204" pitchFamily="18" charset="0"/>
+                          </a:rPr>
+                          <m:t>𝑖</m:t>
+                        </m:r>
+                      </m:sub>
+                    </m:sSub>
+                    <m:r>
+                      <a:rPr lang="en-GB" sz="2000">
+                        <a:latin typeface="Cambria Math" panose="02040503050406030204" pitchFamily="18" charset="0"/>
+                      </a:rPr>
+                      <m:t> </m:t>
+                    </m:r>
+                  </m:oMath>
+                </a14:m>
+                <a:r>
+                  <a:rPr lang="en-GB" sz="2000" dirty="0"/>
+                  <a:t>is a sensor such that </a:t>
+                </a:r>
+                <a14:m>
+                  <m:oMath xmlns:m="http://schemas.openxmlformats.org/officeDocument/2006/math">
+                    <m:sSub>
+                      <m:sSubPr>
+                        <m:ctrlPr>
+                          <a:rPr lang="en-US" sz="2000" i="1">
+                            <a:latin typeface="Cambria Math" panose="02040503050406030204" pitchFamily="18" charset="0"/>
+                          </a:rPr>
+                        </m:ctrlPr>
+                      </m:sSubPr>
+                      <m:e>
+                        <m:r>
+                          <a:rPr lang="en-GB" sz="2000" i="1">
+                            <a:latin typeface="Cambria Math" panose="02040503050406030204" pitchFamily="18" charset="0"/>
+                          </a:rPr>
+                          <m:t>𝑟</m:t>
+                        </m:r>
+                      </m:e>
+                      <m:sub>
+                        <m:r>
+                          <a:rPr lang="en-GB" sz="2000" i="1">
+                            <a:latin typeface="Cambria Math" panose="02040503050406030204" pitchFamily="18" charset="0"/>
+                          </a:rPr>
+                          <m:t>𝑖</m:t>
+                        </m:r>
+                      </m:sub>
+                    </m:sSub>
+                    <m:r>
+                      <a:rPr lang="en-GB" sz="2000">
+                        <a:latin typeface="Cambria Math" panose="02040503050406030204" pitchFamily="18" charset="0"/>
+                      </a:rPr>
+                      <m:t>.</m:t>
+                    </m:r>
+                    <m:r>
+                      <a:rPr lang="en-GB" sz="2000" i="1">
+                        <a:latin typeface="Cambria Math" panose="02040503050406030204" pitchFamily="18" charset="0"/>
+                      </a:rPr>
+                      <m:t>𝑡𝑦𝑝𝑒</m:t>
+                    </m:r>
+                    <m:r>
+                      <a:rPr lang="en-GB" sz="2000">
+                        <a:latin typeface="Cambria Math" panose="02040503050406030204" pitchFamily="18" charset="0"/>
+                      </a:rPr>
+                      <m:t>∈</m:t>
+                    </m:r>
+                    <m:r>
+                      <a:rPr lang="en-GB" sz="2000" i="1">
+                        <a:latin typeface="Cambria Math" panose="02040503050406030204" pitchFamily="18" charset="0"/>
+                      </a:rPr>
+                      <m:t>𝑆</m:t>
+                    </m:r>
+                    <m:r>
+                      <a:rPr lang="en-GB" sz="2000">
+                        <a:latin typeface="Cambria Math" panose="02040503050406030204" pitchFamily="18" charset="0"/>
+                      </a:rPr>
+                      <m:t> </m:t>
+                    </m:r>
+                  </m:oMath>
+                </a14:m>
+                <a:endParaRPr lang="en-US" sz="2000" dirty="0" smtClean="0"/>
+              </a:p>
+              <a:p>
+                <a:pPr lvl="1"/>
+                <a14:m>
+                  <m:oMath xmlns:m="http://schemas.openxmlformats.org/officeDocument/2006/math">
+                    <m:sSub>
+                      <m:sSubPr>
+                        <m:ctrlPr>
+                          <a:rPr lang="en-US" sz="2000" i="1">
+                            <a:latin typeface="Cambria Math" panose="02040503050406030204" pitchFamily="18" charset="0"/>
+                          </a:rPr>
+                        </m:ctrlPr>
+                      </m:sSubPr>
+                      <m:e>
+                        <m:r>
+                          <a:rPr lang="en-GB" sz="2000" i="1">
+                            <a:latin typeface="Cambria Math" panose="02040503050406030204" pitchFamily="18" charset="0"/>
+                          </a:rPr>
+                          <m:t>𝑟</m:t>
+                        </m:r>
+                      </m:e>
+                      <m:sub>
+                        <m:r>
+                          <a:rPr lang="en-GB" sz="2000" i="1">
+                            <a:latin typeface="Cambria Math" panose="02040503050406030204" pitchFamily="18" charset="0"/>
+                          </a:rPr>
+                          <m:t>𝑖</m:t>
+                        </m:r>
+                      </m:sub>
+                    </m:sSub>
+                    <m:r>
+                      <a:rPr lang="en-GB" sz="2000" i="1">
+                        <a:latin typeface="Cambria Math" panose="02040503050406030204" pitchFamily="18" charset="0"/>
+                      </a:rPr>
+                      <m:t>.</m:t>
+                    </m:r>
+                    <m:r>
+                      <a:rPr lang="en-GB" sz="2000" i="1">
+                        <a:latin typeface="Cambria Math" panose="02040503050406030204" pitchFamily="18" charset="0"/>
+                      </a:rPr>
+                      <m:t>𝑙𝑜𝑐𝑎𝑡𝑖𝑜𝑛</m:t>
+                    </m:r>
+                    <m:r>
+                      <a:rPr lang="en-GB" sz="2000" i="1">
+                        <a:latin typeface="Cambria Math" panose="02040503050406030204" pitchFamily="18" charset="0"/>
+                      </a:rPr>
+                      <m:t>∈</m:t>
+                    </m:r>
+                    <m:sSubSup>
+                      <m:sSubSupPr>
+                        <m:ctrlPr>
+                          <a:rPr lang="en-US" sz="2000" i="1">
+                            <a:latin typeface="Cambria Math" panose="02040503050406030204" pitchFamily="18" charset="0"/>
+                          </a:rPr>
+                        </m:ctrlPr>
+                      </m:sSubSupPr>
+                      <m:e>
+                        <m:r>
+                          <a:rPr lang="en-GB" sz="2000" i="1">
+                            <a:latin typeface="Cambria Math" panose="02040503050406030204" pitchFamily="18" charset="0"/>
+                          </a:rPr>
+                          <m:t>𝐿</m:t>
+                        </m:r>
+                      </m:e>
+                      <m:sub>
+                        <m:sSub>
+                          <m:sSubPr>
+                            <m:ctrlPr>
+                              <a:rPr lang="en-US" sz="2000" i="1">
+                                <a:latin typeface="Cambria Math" panose="02040503050406030204" pitchFamily="18" charset="0"/>
+                              </a:rPr>
+                            </m:ctrlPr>
+                          </m:sSubPr>
+                          <m:e>
+                            <m:r>
+                              <a:rPr lang="en-GB" sz="2000" i="1">
+                                <a:latin typeface="Cambria Math" panose="02040503050406030204" pitchFamily="18" charset="0"/>
+                              </a:rPr>
+                              <m:t>𝑟</m:t>
+                            </m:r>
+                          </m:e>
+                          <m:sub>
+                            <m:r>
+                              <a:rPr lang="en-GB" sz="2000" i="1">
+                                <a:latin typeface="Cambria Math" panose="02040503050406030204" pitchFamily="18" charset="0"/>
+                              </a:rPr>
+                              <m:t>𝑖</m:t>
+                            </m:r>
+                          </m:sub>
+                        </m:sSub>
+                        <m:r>
+                          <a:rPr lang="en-GB" sz="2000" i="1">
+                            <a:latin typeface="Cambria Math" panose="02040503050406030204" pitchFamily="18" charset="0"/>
+                          </a:rPr>
+                          <m:t>.</m:t>
+                        </m:r>
+                        <m:r>
+                          <a:rPr lang="en-GB" sz="2000" i="1">
+                            <a:latin typeface="Cambria Math" panose="02040503050406030204" pitchFamily="18" charset="0"/>
+                          </a:rPr>
+                          <m:t>𝑡𝑦𝑝𝑒</m:t>
+                        </m:r>
+                      </m:sub>
+                      <m:sup>
+                        <m:r>
+                          <a:rPr lang="en-GB" sz="2000" i="1">
+                            <a:latin typeface="Cambria Math" panose="02040503050406030204" pitchFamily="18" charset="0"/>
+                          </a:rPr>
+                          <m:t>𝑆</m:t>
+                        </m:r>
+                      </m:sup>
+                    </m:sSubSup>
+                  </m:oMath>
+                </a14:m>
+                <a:r>
+                  <a:rPr lang="en-GB" sz="2000" dirty="0"/>
+                  <a:t> is the location of the sensor fixed by the algorithm. </a:t>
+                </a:r>
+                <a:endParaRPr lang="en-GB" sz="2000" dirty="0" smtClean="0"/>
+              </a:p>
+              <a:p>
+                <a:pPr lvl="1"/>
+                <a:r>
+                  <a:rPr lang="en-GB" sz="2000" dirty="0" smtClean="0"/>
+                  <a:t>For </a:t>
+                </a:r>
+                <a:r>
+                  <a:rPr lang="en-GB" sz="2000" dirty="0"/>
+                  <a:t>every point </a:t>
+                </a:r>
+                <a14:m>
+                  <m:oMath xmlns:m="http://schemas.openxmlformats.org/officeDocument/2006/math">
+                    <m:r>
+                      <a:rPr lang="en-GB" sz="2000" i="1">
+                        <a:latin typeface="Cambria Math" panose="02040503050406030204" pitchFamily="18" charset="0"/>
+                      </a:rPr>
+                      <m:t>𝑝</m:t>
+                    </m:r>
+                    <m:r>
+                      <a:rPr lang="en-GB" sz="2000" i="1">
+                        <a:latin typeface="Cambria Math" panose="02040503050406030204" pitchFamily="18" charset="0"/>
+                      </a:rPr>
+                      <m:t>∈</m:t>
+                    </m:r>
+                    <m:r>
+                      <a:rPr lang="en-GB" sz="2000" i="1">
+                        <a:latin typeface="Cambria Math" panose="02040503050406030204" pitchFamily="18" charset="0"/>
+                      </a:rPr>
+                      <m:t>𝐴</m:t>
+                    </m:r>
+                  </m:oMath>
+                </a14:m>
+                <a:r>
+                  <a:rPr lang="en-GB" sz="2000" dirty="0"/>
+                  <a:t> following should </a:t>
+                </a:r>
+                <a:r>
+                  <a:rPr lang="en-GB" sz="2000" dirty="0" smtClean="0"/>
+                  <a:t>hold</a:t>
+                </a:r>
+                <a:r>
+                  <a:rPr lang="en-GB" sz="2000" dirty="0"/>
+                  <a:t>:</a:t>
+                </a:r>
+                <a:endParaRPr lang="en-US" sz="2000" dirty="0"/>
+              </a:p>
+              <a:p>
+                <a:pPr lvl="2"/>
+                <a:r>
+                  <a:rPr lang="en-GB" sz="1600" dirty="0"/>
+                  <a:t>If </a:t>
+                </a:r>
+                <a14:m>
+                  <m:oMath xmlns:m="http://schemas.openxmlformats.org/officeDocument/2006/math">
+                    <m:r>
+                      <a:rPr lang="en-GB" sz="1600" i="1">
+                        <a:latin typeface="Cambria Math" panose="02040503050406030204" pitchFamily="18" charset="0"/>
+                      </a:rPr>
+                      <m:t>𝑝</m:t>
+                    </m:r>
+                  </m:oMath>
+                </a14:m>
+                <a:r>
+                  <a:rPr lang="en-GB" sz="1600" dirty="0"/>
+                  <a:t> is in the Area of Influence of a jammer </a:t>
+                </a:r>
+                <a14:m>
+                  <m:oMath xmlns:m="http://schemas.openxmlformats.org/officeDocument/2006/math">
+                    <m:sSub>
+                      <m:sSubPr>
+                        <m:ctrlPr>
+                          <a:rPr lang="en-US" sz="1600" i="1">
+                            <a:latin typeface="Cambria Math" panose="02040503050406030204" pitchFamily="18" charset="0"/>
+                          </a:rPr>
+                        </m:ctrlPr>
+                      </m:sSubPr>
+                      <m:e>
+                        <m:r>
+                          <a:rPr lang="en-GB" sz="1600" i="1">
+                            <a:latin typeface="Cambria Math" panose="02040503050406030204" pitchFamily="18" charset="0"/>
+                          </a:rPr>
+                          <m:t>𝐽</m:t>
+                        </m:r>
+                      </m:e>
+                      <m:sub>
+                        <m:r>
+                          <a:rPr lang="en-GB" sz="1600" i="1">
+                            <a:latin typeface="Cambria Math" panose="02040503050406030204" pitchFamily="18" charset="0"/>
+                          </a:rPr>
+                          <m:t>𝑘</m:t>
+                        </m:r>
+                      </m:sub>
+                    </m:sSub>
+                    <m:r>
+                      <a:rPr lang="en-GB" sz="1600" i="1">
+                        <a:latin typeface="Cambria Math" panose="02040503050406030204" pitchFamily="18" charset="0"/>
+                      </a:rPr>
+                      <m:t>∈</m:t>
+                    </m:r>
+                    <m:r>
+                      <a:rPr lang="en-GB" sz="1600" i="1">
+                        <a:latin typeface="Cambria Math" panose="02040503050406030204" pitchFamily="18" charset="0"/>
+                      </a:rPr>
+                      <m:t>𝐽</m:t>
+                    </m:r>
+                  </m:oMath>
+                </a14:m>
+                <a:r>
+                  <a:rPr lang="en-GB" sz="1600" dirty="0"/>
+                  <a:t> then </a:t>
+                </a:r>
+                <a14:m>
+                  <m:oMath xmlns:m="http://schemas.openxmlformats.org/officeDocument/2006/math">
+                    <m:r>
+                      <a:rPr lang="en-GB" sz="1600" i="1">
+                        <a:latin typeface="Cambria Math" panose="02040503050406030204" pitchFamily="18" charset="0"/>
+                      </a:rPr>
+                      <m:t>𝑝</m:t>
+                    </m:r>
+                  </m:oMath>
+                </a14:m>
+                <a:r>
+                  <a:rPr lang="en-GB" sz="1600" dirty="0"/>
+                  <a:t> is in the Area of Influence of some sensor </a:t>
+                </a:r>
+                <a14:m>
+                  <m:oMath xmlns:m="http://schemas.openxmlformats.org/officeDocument/2006/math">
+                    <m:sSub>
+                      <m:sSubPr>
+                        <m:ctrlPr>
+                          <a:rPr lang="en-US" sz="1600" i="1">
+                            <a:latin typeface="Cambria Math" panose="02040503050406030204" pitchFamily="18" charset="0"/>
+                          </a:rPr>
+                        </m:ctrlPr>
+                      </m:sSubPr>
+                      <m:e>
+                        <m:r>
+                          <a:rPr lang="en-GB" sz="1600" i="1">
+                            <a:latin typeface="Cambria Math" panose="02040503050406030204" pitchFamily="18" charset="0"/>
+                          </a:rPr>
+                          <m:t>𝑟</m:t>
+                        </m:r>
+                      </m:e>
+                      <m:sub>
+                        <m:r>
+                          <a:rPr lang="en-GB" sz="1600" i="1">
+                            <a:latin typeface="Cambria Math" panose="02040503050406030204" pitchFamily="18" charset="0"/>
+                          </a:rPr>
+                          <m:t>𝑖</m:t>
+                        </m:r>
+                      </m:sub>
+                    </m:sSub>
+                  </m:oMath>
+                </a14:m>
+                <a:r>
+                  <a:rPr lang="en-GB" sz="1600" dirty="0"/>
+                  <a:t> with </a:t>
+                </a:r>
+                <a14:m>
+                  <m:oMath xmlns:m="http://schemas.openxmlformats.org/officeDocument/2006/math">
+                    <m:r>
+                      <a:rPr lang="en-GB" sz="1600" i="1">
+                        <a:latin typeface="Cambria Math" panose="02040503050406030204" pitchFamily="18" charset="0"/>
+                      </a:rPr>
+                      <m:t>𝑡</m:t>
+                    </m:r>
+                    <m:r>
+                      <a:rPr lang="en-GB" sz="1600" i="1">
+                        <a:latin typeface="Cambria Math" panose="02040503050406030204" pitchFamily="18" charset="0"/>
+                      </a:rPr>
+                      <m:t>=</m:t>
+                    </m:r>
+                    <m:sSub>
+                      <m:sSubPr>
+                        <m:ctrlPr>
+                          <a:rPr lang="en-US" sz="1600" i="1">
+                            <a:latin typeface="Cambria Math" panose="02040503050406030204" pitchFamily="18" charset="0"/>
+                          </a:rPr>
+                        </m:ctrlPr>
+                      </m:sSubPr>
+                      <m:e>
+                        <m:r>
+                          <a:rPr lang="en-GB" sz="1600" i="1">
+                            <a:latin typeface="Cambria Math" panose="02040503050406030204" pitchFamily="18" charset="0"/>
+                          </a:rPr>
+                          <m:t>𝑟</m:t>
+                        </m:r>
+                      </m:e>
+                      <m:sub>
+                        <m:r>
+                          <a:rPr lang="en-GB" sz="1600" i="1">
+                            <a:latin typeface="Cambria Math" panose="02040503050406030204" pitchFamily="18" charset="0"/>
+                          </a:rPr>
+                          <m:t>𝑖</m:t>
+                        </m:r>
+                      </m:sub>
+                    </m:sSub>
+                    <m:r>
+                      <a:rPr lang="en-GB" sz="1600" i="1">
+                        <a:latin typeface="Cambria Math" panose="02040503050406030204" pitchFamily="18" charset="0"/>
+                      </a:rPr>
+                      <m:t>.</m:t>
+                    </m:r>
+                    <m:r>
+                      <a:rPr lang="en-GB" sz="1600" i="1">
+                        <a:latin typeface="Cambria Math" panose="02040503050406030204" pitchFamily="18" charset="0"/>
+                      </a:rPr>
+                      <m:t>𝑡𝑦𝑝𝑒</m:t>
+                    </m:r>
+                    <m:r>
+                      <a:rPr lang="en-GB" sz="1600" i="1">
+                        <a:latin typeface="Cambria Math" panose="02040503050406030204" pitchFamily="18" charset="0"/>
+                      </a:rPr>
+                      <m:t> </m:t>
+                    </m:r>
+                  </m:oMath>
+                </a14:m>
+                <a:r>
+                  <a:rPr lang="en-GB" sz="1600" dirty="0"/>
+                  <a:t>such that </a:t>
+                </a:r>
+                <a14:m>
+                  <m:oMath xmlns:m="http://schemas.openxmlformats.org/officeDocument/2006/math">
+                    <m:sSub>
+                      <m:sSubPr>
+                        <m:ctrlPr>
+                          <a:rPr lang="en-US" sz="1600" i="1">
+                            <a:latin typeface="Cambria Math" panose="02040503050406030204" pitchFamily="18" charset="0"/>
+                          </a:rPr>
+                        </m:ctrlPr>
+                      </m:sSubPr>
+                      <m:e>
+                        <m:r>
+                          <a:rPr lang="en-GB" sz="1600" i="1">
+                            <a:latin typeface="Cambria Math" panose="02040503050406030204" pitchFamily="18" charset="0"/>
+                          </a:rPr>
+                          <m:t>𝑃</m:t>
+                        </m:r>
+                      </m:e>
+                      <m:sub>
+                        <m:r>
+                          <a:rPr lang="en-GB" sz="1600" i="1">
+                            <a:latin typeface="Cambria Math" panose="02040503050406030204" pitchFamily="18" charset="0"/>
+                          </a:rPr>
+                          <m:t>𝑡𝑘</m:t>
+                        </m:r>
+                      </m:sub>
+                    </m:sSub>
+                  </m:oMath>
+                </a14:m>
+                <a:r>
+                  <a:rPr lang="en-GB" sz="1600" dirty="0"/>
+                  <a:t>=1</a:t>
+                </a:r>
+                <a:endParaRPr lang="en-US" sz="1600" dirty="0"/>
+              </a:p>
+              <a:p>
+                <a:pPr lvl="2"/>
+                <a:r>
+                  <a:rPr lang="en-GB" sz="1600" dirty="0"/>
+                  <a:t>If </a:t>
+                </a:r>
+                <a14:m>
+                  <m:oMath xmlns:m="http://schemas.openxmlformats.org/officeDocument/2006/math">
+                    <m:r>
+                      <a:rPr lang="en-GB" sz="1600" i="1">
+                        <a:latin typeface="Cambria Math" panose="02040503050406030204" pitchFamily="18" charset="0"/>
+                      </a:rPr>
+                      <m:t>𝑝</m:t>
+                    </m:r>
+                  </m:oMath>
+                </a14:m>
+                <a:r>
+                  <a:rPr lang="en-GB" sz="1600" dirty="0"/>
+                  <a:t> is out of the Area of Influence of all jammers then </a:t>
+                </a:r>
+                <a14:m>
+                  <m:oMath xmlns:m="http://schemas.openxmlformats.org/officeDocument/2006/math">
+                    <m:r>
+                      <a:rPr lang="en-GB" sz="1600" i="1">
+                        <a:latin typeface="Cambria Math" panose="02040503050406030204" pitchFamily="18" charset="0"/>
+                      </a:rPr>
+                      <m:t>𝑝</m:t>
+                    </m:r>
+                  </m:oMath>
+                </a14:m>
+                <a:r>
+                  <a:rPr lang="en-GB" sz="1600" dirty="0"/>
+                  <a:t> is in the Area of Influence of some sensor </a:t>
+                </a:r>
+                <a14:m>
+                  <m:oMath xmlns:m="http://schemas.openxmlformats.org/officeDocument/2006/math">
+                    <m:sSub>
+                      <m:sSubPr>
+                        <m:ctrlPr>
+                          <a:rPr lang="en-US" sz="1600" i="1">
+                            <a:latin typeface="Cambria Math" panose="02040503050406030204" pitchFamily="18" charset="0"/>
+                          </a:rPr>
+                        </m:ctrlPr>
+                      </m:sSubPr>
+                      <m:e>
+                        <m:r>
+                          <a:rPr lang="en-GB" sz="1600" i="1">
+                            <a:latin typeface="Cambria Math" panose="02040503050406030204" pitchFamily="18" charset="0"/>
+                          </a:rPr>
+                          <m:t>𝑟</m:t>
+                        </m:r>
+                      </m:e>
+                      <m:sub>
+                        <m:r>
+                          <a:rPr lang="en-GB" sz="1600" i="1">
+                            <a:latin typeface="Cambria Math" panose="02040503050406030204" pitchFamily="18" charset="0"/>
+                          </a:rPr>
+                          <m:t>𝑖</m:t>
+                        </m:r>
+                      </m:sub>
+                    </m:sSub>
+                  </m:oMath>
+                </a14:m>
+                <a:endParaRPr lang="en-US" sz="1600" dirty="0"/>
+              </a:p>
+              <a:p>
+                <a:endParaRPr lang="en-US" sz="2400" dirty="0"/>
+              </a:p>
+            </p:txBody>
+          </p:sp>
+        </mc:Choice>
+        <mc:Fallback xmlns="">
+          <p:sp>
+            <p:nvSpPr>
+              <p:cNvPr id="3" name="Content Placeholder 2"/>
+              <p:cNvSpPr>
+                <a:spLocks noGrp="1" noRot="1" noChangeAspect="1" noMove="1" noResize="1" noEditPoints="1" noAdjustHandles="1" noChangeArrowheads="1" noChangeShapeType="1" noTextEdit="1"/>
+              </p:cNvSpPr>
+              <p:nvPr>
+                <p:ph idx="1"/>
+              </p:nvPr>
+            </p:nvSpPr>
+            <p:spPr>
+              <a:xfrm>
+                <a:off x="599555" y="1420009"/>
+                <a:ext cx="7886700" cy="4760129"/>
+              </a:xfrm>
+              <a:blipFill rotWithShape="0">
+                <a:blip r:embed="rId2"/>
+                <a:stretch>
+                  <a:fillRect l="-927" r="-541"/>
+                </a:stretch>
+              </a:blipFill>
+            </p:spPr>
+            <p:txBody>
+              <a:bodyPr/>
+              <a:lstStyle/>
+              <a:p>
+                <a:r>
+                  <a:rPr lang="en-US">
+                    <a:noFill/>
+                  </a:rPr>
+                  <a:t> </a:t>
+                </a:r>
+              </a:p>
+            </p:txBody>
+          </p:sp>
+        </mc:Fallback>
+      </mc:AlternateContent>
+    </p:spTree>
+    <p:extLst>
+      <p:ext uri="{BB962C8B-B14F-4D97-AF65-F5344CB8AC3E}">
+        <p14:creationId xmlns:p14="http://schemas.microsoft.com/office/powerpoint/2010/main" val="2392983816"/>
+      </p:ext>
+    </p:extLst>
+  </p:cSld>
+  <p:clrMapOvr>
+    <a:masterClrMapping/>
+  </p:clrMapOvr>
+  <p:timing>
+    <p:tnLst>
+      <p:par>
+        <p:cTn id="1" dur="indefinite" restart="never" nodeType="tmRoot"/>
+      </p:par>
+    </p:tnLst>
+  </p:timing>
+</p:sld>
+</file>
+
+<file path=ppt/slides/slide12.xml><?xml version="1.0" encoding="utf-8"?>
+<p:sld xmlns:a="http://schemas.openxmlformats.org/drawingml/2006/main" xmlns:r="http://schemas.openxmlformats.org/officeDocument/2006/relationships" xmlns:p="http://schemas.openxmlformats.org/presentationml/2006/main">
+  <p:cSld>
+    <p:spTree>
+      <p:nvGrpSpPr>
+        <p:cNvPr id="1" name=""/>
+        <p:cNvGrpSpPr/>
+        <p:nvPr/>
+      </p:nvGrpSpPr>
+      <p:grpSpPr>
+        <a:xfrm>
+          <a:off x="0" y="0"/>
+          <a:ext cx="0" cy="0"/>
+          <a:chOff x="0" y="0"/>
+          <a:chExt cx="0" cy="0"/>
+        </a:xfrm>
+      </p:grpSpPr>
+      <p:sp>
+        <p:nvSpPr>
+          <p:cNvPr id="2" name="Title 1"/>
+          <p:cNvSpPr>
+            <a:spLocks noGrp="1"/>
+          </p:cNvSpPr>
+          <p:nvPr>
+            <p:ph type="title"/>
+          </p:nvPr>
+        </p:nvSpPr>
+        <p:spPr/>
+        <p:txBody>
+          <a:bodyPr/>
+          <a:lstStyle/>
+          <a:p>
+            <a:r>
+              <a:rPr lang="en-US" dirty="0" smtClean="0"/>
+              <a:t>Literature Survey</a:t>
+            </a:r>
+            <a:endParaRPr lang="en-US" dirty="0"/>
+          </a:p>
+        </p:txBody>
+      </p:sp>
+      <p:sp>
+        <p:nvSpPr>
+          <p:cNvPr id="3" name="Content Placeholder 2"/>
+          <p:cNvSpPr>
+            <a:spLocks noGrp="1"/>
+          </p:cNvSpPr>
+          <p:nvPr>
+            <p:ph idx="1"/>
+          </p:nvPr>
+        </p:nvSpPr>
+        <p:spPr/>
+        <p:txBody>
+          <a:bodyPr/>
+          <a:lstStyle/>
+          <a:p>
+            <a:endParaRPr lang="en-US" dirty="0"/>
+          </a:p>
+        </p:txBody>
+      </p:sp>
+    </p:spTree>
+    <p:extLst>
+      <p:ext uri="{BB962C8B-B14F-4D97-AF65-F5344CB8AC3E}">
+        <p14:creationId xmlns:p14="http://schemas.microsoft.com/office/powerpoint/2010/main" val="389853422"/>
+      </p:ext>
+    </p:extLst>
+  </p:cSld>
+  <p:clrMapOvr>
+    <a:masterClrMapping/>
+  </p:clrMapOvr>
+  <p:timing>
+    <p:tnLst>
+      <p:par>
+        <p:cTn id="1" dur="indefinite" restart="never" nodeType="tmRoot"/>
+      </p:par>
+    </p:tnLst>
+  </p:timing>
+</p:sld>
+</file>
+
+<file path=ppt/slides/slide13.xml><?xml version="1.0" encoding="utf-8"?>
+<p:sld xmlns:a="http://schemas.openxmlformats.org/drawingml/2006/main" xmlns:r="http://schemas.openxmlformats.org/officeDocument/2006/relationships" xmlns:p="http://schemas.openxmlformats.org/presentationml/2006/main">
+  <p:cSld>
+    <p:spTree>
+      <p:nvGrpSpPr>
+        <p:cNvPr id="1" name=""/>
+        <p:cNvGrpSpPr/>
+        <p:nvPr/>
+      </p:nvGrpSpPr>
+      <p:grpSpPr>
+        <a:xfrm>
+          <a:off x="0" y="0"/>
+          <a:ext cx="0" cy="0"/>
+          <a:chOff x="0" y="0"/>
+          <a:chExt cx="0" cy="0"/>
+        </a:xfrm>
+      </p:grpSpPr>
+      <p:sp>
+        <p:nvSpPr>
+          <p:cNvPr id="2" name="Title 1"/>
+          <p:cNvSpPr>
+            <a:spLocks noGrp="1"/>
+          </p:cNvSpPr>
+          <p:nvPr>
+            <p:ph type="title"/>
+          </p:nvPr>
+        </p:nvSpPr>
+        <p:spPr/>
+        <p:txBody>
+          <a:bodyPr/>
+          <a:lstStyle/>
+          <a:p>
+            <a:r>
+              <a:rPr lang="en-US" dirty="0" smtClean="0"/>
+              <a:t>Development Approach</a:t>
+            </a:r>
+            <a:endParaRPr lang="en-US" dirty="0"/>
+          </a:p>
+        </p:txBody>
+      </p:sp>
+      <mc:AlternateContent xmlns:mc="http://schemas.openxmlformats.org/markup-compatibility/2006">
+        <mc:Choice xmlns:a14="http://schemas.microsoft.com/office/drawing/2010/main" Requires="a14">
+          <p:sp>
+            <p:nvSpPr>
+              <p:cNvPr id="3" name="Content Placeholder 2"/>
+              <p:cNvSpPr>
+                <a:spLocks noGrp="1"/>
+              </p:cNvSpPr>
+              <p:nvPr>
+                <p:ph idx="1"/>
+              </p:nvPr>
+            </p:nvSpPr>
+            <p:spPr/>
+            <p:txBody>
+              <a:bodyPr>
+                <a:normAutofit/>
+              </a:bodyPr>
+              <a:lstStyle/>
+              <a:p>
+                <a:r>
+                  <a:rPr lang="en-US" dirty="0" smtClean="0"/>
+                  <a:t>Related </a:t>
+                </a:r>
+                <a:r>
+                  <a:rPr lang="en-US" dirty="0" smtClean="0"/>
+                  <a:t>computational geometry problems</a:t>
+                </a:r>
+              </a:p>
+              <a:p>
+                <a:pPr lvl="1"/>
+                <a:r>
+                  <a:rPr lang="en-US" dirty="0" smtClean="0"/>
+                  <a:t>Art gallery problem</a:t>
+                </a:r>
+              </a:p>
+              <a:p>
+                <a:pPr lvl="1"/>
+                <a:r>
+                  <a:rPr lang="en-US" dirty="0" smtClean="0"/>
+                  <a:t>Circle packing </a:t>
+                </a:r>
+                <a:r>
+                  <a:rPr lang="en-US" dirty="0" smtClean="0"/>
+                  <a:t>problem</a:t>
+                </a:r>
+              </a:p>
+              <a:p>
+                <a:endParaRPr lang="en-US" dirty="0"/>
+              </a:p>
+              <a:p>
+                <a:r>
+                  <a:rPr lang="en-US" dirty="0" smtClean="0"/>
+                  <a:t>Problems in direct application</a:t>
+                </a:r>
+              </a:p>
+              <a:p>
+                <a:pPr lvl="1"/>
+                <a:r>
+                  <a:rPr lang="en-US" dirty="0" smtClean="0"/>
+                  <a:t>Art gallery problem</a:t>
+                </a:r>
+              </a:p>
+              <a:p>
+                <a:pPr lvl="2"/>
+                <a:r>
+                  <a:rPr lang="en-US" dirty="0" smtClean="0"/>
+                  <a:t>Assumes the cameras have </a:t>
+                </a:r>
+                <a14:m>
+                  <m:oMath xmlns:m="http://schemas.openxmlformats.org/officeDocument/2006/math">
+                    <m:r>
+                      <a:rPr lang="en-US" b="0" i="1" smtClean="0">
+                        <a:latin typeface="Cambria Math" panose="02040503050406030204" pitchFamily="18" charset="0"/>
+                      </a:rPr>
+                      <m:t>∞</m:t>
+                    </m:r>
+                  </m:oMath>
+                </a14:m>
+                <a:r>
+                  <a:rPr lang="en-US" dirty="0" smtClean="0"/>
+                  <a:t> range</a:t>
+                </a:r>
+              </a:p>
+              <a:p>
+                <a:pPr lvl="2"/>
+                <a:r>
+                  <a:rPr lang="en-US" dirty="0" smtClean="0"/>
+                  <a:t>Heterogeneous sensors not considered</a:t>
+                </a:r>
+              </a:p>
+              <a:p>
+                <a:pPr lvl="2"/>
+                <a:endParaRPr lang="en-US" dirty="0" smtClean="0"/>
+              </a:p>
+              <a:p>
+                <a:pPr lvl="1"/>
+                <a:r>
+                  <a:rPr lang="en-US" dirty="0" smtClean="0"/>
+                  <a:t>Circle packing problem</a:t>
+                </a:r>
+              </a:p>
+              <a:p>
+                <a:pPr lvl="2"/>
+                <a:r>
+                  <a:rPr lang="en-US" dirty="0" smtClean="0"/>
+                  <a:t>Assumes all circles have the same radius when covering a rectangle</a:t>
+                </a:r>
+              </a:p>
+              <a:p>
+                <a:pPr lvl="2"/>
+                <a:r>
+                  <a:rPr lang="en-US" dirty="0" smtClean="0"/>
+                  <a:t>Variation with different radii circles leaves gaps between circles</a:t>
+                </a:r>
+                <a:endParaRPr lang="en-US" dirty="0"/>
+              </a:p>
+              <a:p>
+                <a:pPr lvl="2"/>
+                <a:endParaRPr lang="en-US" dirty="0" smtClean="0"/>
+              </a:p>
+            </p:txBody>
+          </p:sp>
+        </mc:Choice>
+        <mc:Fallback>
+          <p:sp>
+            <p:nvSpPr>
+              <p:cNvPr id="3" name="Content Placeholder 2"/>
+              <p:cNvSpPr>
+                <a:spLocks noGrp="1" noRot="1" noChangeAspect="1" noMove="1" noResize="1" noEditPoints="1" noAdjustHandles="1" noChangeArrowheads="1" noChangeShapeType="1" noTextEdit="1"/>
+              </p:cNvSpPr>
+              <p:nvPr>
+                <p:ph idx="1"/>
+              </p:nvPr>
+            </p:nvSpPr>
+            <p:spPr>
+              <a:blipFill rotWithShape="0">
+                <a:blip r:embed="rId2"/>
+                <a:stretch>
+                  <a:fillRect l="-773" t="-1536" r="-618"/>
+                </a:stretch>
+              </a:blipFill>
+            </p:spPr>
+            <p:txBody>
+              <a:bodyPr/>
+              <a:lstStyle/>
+              <a:p>
+                <a:r>
+                  <a:rPr lang="en-US">
+                    <a:noFill/>
+                  </a:rPr>
+                  <a:t> </a:t>
+                </a:r>
+              </a:p>
+            </p:txBody>
+          </p:sp>
+        </mc:Fallback>
+      </mc:AlternateContent>
+    </p:spTree>
+    <p:extLst>
+      <p:ext uri="{BB962C8B-B14F-4D97-AF65-F5344CB8AC3E}">
+        <p14:creationId xmlns:p14="http://schemas.microsoft.com/office/powerpoint/2010/main" val="2472530875"/>
+      </p:ext>
+    </p:extLst>
+  </p:cSld>
+  <p:clrMapOvr>
+    <a:masterClrMapping/>
+  </p:clrMapOvr>
+  <p:timing>
+    <p:tnLst>
+      <p:par>
+        <p:cTn id="1" dur="indefinite" restart="never" nodeType="tmRoot"/>
+      </p:par>
+    </p:tnLst>
+  </p:timing>
+</p:sld>
+</file>
+
+<file path=ppt/slides/slide14.xml><?xml version="1.0" encoding="utf-8"?>
+<p:sld xmlns:a="http://schemas.openxmlformats.org/drawingml/2006/main" xmlns:r="http://schemas.openxmlformats.org/officeDocument/2006/relationships" xmlns:p="http://schemas.openxmlformats.org/presentationml/2006/main">
+  <p:cSld>
+    <p:spTree>
+      <p:nvGrpSpPr>
+        <p:cNvPr id="1" name=""/>
+        <p:cNvGrpSpPr/>
+        <p:nvPr/>
+      </p:nvGrpSpPr>
+      <p:grpSpPr>
+        <a:xfrm>
+          <a:off x="0" y="0"/>
+          <a:ext cx="0" cy="0"/>
+          <a:chOff x="0" y="0"/>
+          <a:chExt cx="0" cy="0"/>
+        </a:xfrm>
+      </p:grpSpPr>
+      <p:sp>
+        <p:nvSpPr>
+          <p:cNvPr id="2" name="Title 1"/>
+          <p:cNvSpPr>
+            <a:spLocks noGrp="1"/>
+          </p:cNvSpPr>
+          <p:nvPr>
+            <p:ph type="title"/>
+          </p:nvPr>
+        </p:nvSpPr>
+        <p:spPr/>
+        <p:txBody>
+          <a:bodyPr/>
+          <a:lstStyle/>
+          <a:p>
+            <a:r>
+              <a:rPr lang="en-US" dirty="0" smtClean="0"/>
+              <a:t>Development Approach</a:t>
+            </a:r>
+            <a:endParaRPr lang="en-US" dirty="0"/>
+          </a:p>
+        </p:txBody>
+      </p:sp>
+      <mc:AlternateContent xmlns:mc="http://schemas.openxmlformats.org/markup-compatibility/2006">
+        <mc:Choice xmlns:a14="http://schemas.microsoft.com/office/drawing/2010/main" Requires="a14">
+          <p:sp>
+            <p:nvSpPr>
+              <p:cNvPr id="3" name="Content Placeholder 2"/>
+              <p:cNvSpPr>
+                <a:spLocks noGrp="1"/>
+              </p:cNvSpPr>
+              <p:nvPr>
+                <p:ph idx="1"/>
+              </p:nvPr>
+            </p:nvSpPr>
+            <p:spPr/>
+            <p:txBody>
+              <a:bodyPr>
+                <a:normAutofit/>
+              </a:bodyPr>
+              <a:lstStyle/>
+              <a:p>
+                <a:r>
+                  <a:rPr lang="en-US" dirty="0" smtClean="0"/>
+                  <a:t>Phase 1</a:t>
+                </a:r>
+              </a:p>
+              <a:p>
+                <a:pPr lvl="1"/>
+                <a:r>
+                  <a:rPr lang="en-US" dirty="0" smtClean="0"/>
+                  <a:t>Ignore the use of jammers</a:t>
+                </a:r>
+              </a:p>
+              <a:p>
+                <a:pPr lvl="1"/>
+                <a:r>
+                  <a:rPr lang="en-US" dirty="0" smtClean="0"/>
+                  <a:t>Assume all sensors have same cost</a:t>
+                </a:r>
+              </a:p>
+              <a:p>
+                <a:pPr lvl="1"/>
+                <a14:m>
+                  <m:oMath xmlns:m="http://schemas.openxmlformats.org/officeDocument/2006/math">
+                    <m:r>
+                      <a:rPr lang="en-US" b="0" i="1" smtClean="0">
+                        <a:latin typeface="Cambria Math" panose="02040503050406030204" pitchFamily="18" charset="0"/>
+                      </a:rPr>
+                      <m:t>∞ </m:t>
+                    </m:r>
+                  </m:oMath>
+                </a14:m>
+                <a:r>
+                  <a:rPr lang="en-US" dirty="0" smtClean="0"/>
+                  <a:t>sensors of each type are available</a:t>
+                </a:r>
+              </a:p>
+              <a:p>
+                <a:pPr lvl="1"/>
+                <a:r>
+                  <a:rPr lang="en-US" dirty="0" smtClean="0"/>
+                  <a:t>Find the minimum cardinality set of sensors which covers the rectangular region</a:t>
+                </a:r>
+              </a:p>
+              <a:p>
+                <a:pPr lvl="1"/>
+                <a:endParaRPr lang="en-US" dirty="0"/>
+              </a:p>
+              <a:p>
+                <a:r>
+                  <a:rPr lang="en-US" dirty="0" smtClean="0"/>
+                  <a:t>Phase 2</a:t>
+                </a:r>
+              </a:p>
+              <a:p>
+                <a:pPr lvl="1"/>
+                <a:r>
+                  <a:rPr lang="en-US" dirty="0" smtClean="0"/>
+                  <a:t>Jammers to be considered</a:t>
+                </a:r>
+              </a:p>
+              <a:p>
+                <a:pPr lvl="1"/>
+                <a:r>
+                  <a:rPr lang="en-US" dirty="0" smtClean="0"/>
+                  <a:t>Sensors types will incur different costs</a:t>
+                </a:r>
+              </a:p>
+              <a:p>
+                <a:pPr lvl="1"/>
+                <a:r>
+                  <a:rPr lang="en-US" dirty="0" smtClean="0"/>
+                  <a:t>Fixed number of each type of sensors are available</a:t>
+                </a:r>
+              </a:p>
+              <a:p>
+                <a:pPr lvl="1"/>
+                <a:r>
+                  <a:rPr lang="en-US" dirty="0"/>
+                  <a:t>Find the minimum cardinality set of sensors which covers the rectangular region</a:t>
+                </a:r>
+                <a:endParaRPr lang="en-US" dirty="0" smtClean="0"/>
+              </a:p>
+            </p:txBody>
+          </p:sp>
+        </mc:Choice>
+        <mc:Fallback>
+          <p:sp>
+            <p:nvSpPr>
+              <p:cNvPr id="3" name="Content Placeholder 2"/>
+              <p:cNvSpPr>
+                <a:spLocks noGrp="1" noRot="1" noChangeAspect="1" noMove="1" noResize="1" noEditPoints="1" noAdjustHandles="1" noChangeArrowheads="1" noChangeShapeType="1" noTextEdit="1"/>
+              </p:cNvSpPr>
+              <p:nvPr>
+                <p:ph idx="1"/>
+              </p:nvPr>
+            </p:nvSpPr>
+            <p:spPr>
+              <a:blipFill rotWithShape="0">
+                <a:blip r:embed="rId2"/>
+                <a:stretch>
+                  <a:fillRect l="-773" t="-1536"/>
+                </a:stretch>
+              </a:blipFill>
+            </p:spPr>
+            <p:txBody>
+              <a:bodyPr/>
+              <a:lstStyle/>
+              <a:p>
+                <a:r>
+                  <a:rPr lang="en-US">
+                    <a:noFill/>
+                  </a:rPr>
+                  <a:t> </a:t>
+                </a:r>
+              </a:p>
+            </p:txBody>
+          </p:sp>
+        </mc:Fallback>
+      </mc:AlternateContent>
+    </p:spTree>
+    <p:extLst>
+      <p:ext uri="{BB962C8B-B14F-4D97-AF65-F5344CB8AC3E}">
+        <p14:creationId xmlns:p14="http://schemas.microsoft.com/office/powerpoint/2010/main" val="1118905840"/>
+      </p:ext>
+    </p:extLst>
+  </p:cSld>
+  <p:clrMapOvr>
+    <a:masterClrMapping/>
+  </p:clrMapOvr>
+  <p:timing>
+    <p:tnLst>
+      <p:par>
+        <p:cTn id="1" dur="indefinite" restart="never" nodeType="tmRoot"/>
+      </p:par>
+    </p:tnLst>
+  </p:timing>
+</p:sld>
+</file>
+
+<file path=ppt/slides/slide15.xml><?xml version="1.0" encoding="utf-8"?>
+<p:sld xmlns:a="http://schemas.openxmlformats.org/drawingml/2006/main" xmlns:r="http://schemas.openxmlformats.org/officeDocument/2006/relationships" xmlns:p="http://schemas.openxmlformats.org/presentationml/2006/main">
+  <p:cSld>
+    <p:spTree>
+      <p:nvGrpSpPr>
+        <p:cNvPr id="1" name=""/>
+        <p:cNvGrpSpPr/>
+        <p:nvPr/>
+      </p:nvGrpSpPr>
+      <p:grpSpPr>
+        <a:xfrm>
+          <a:off x="0" y="0"/>
+          <a:ext cx="0" cy="0"/>
+          <a:chOff x="0" y="0"/>
+          <a:chExt cx="0" cy="0"/>
+        </a:xfrm>
+      </p:grpSpPr>
+      <p:sp>
+        <p:nvSpPr>
+          <p:cNvPr id="2" name="Title 1"/>
+          <p:cNvSpPr>
+            <a:spLocks noGrp="1"/>
+          </p:cNvSpPr>
+          <p:nvPr>
+            <p:ph type="title"/>
+          </p:nvPr>
+        </p:nvSpPr>
+        <p:spPr/>
+        <p:txBody>
+          <a:bodyPr/>
+          <a:lstStyle/>
+          <a:p>
+            <a:r>
+              <a:rPr lang="en-US" dirty="0" smtClean="0"/>
+              <a:t>Problem Subdivision</a:t>
+            </a:r>
+            <a:endParaRPr lang="en-US" dirty="0"/>
+          </a:p>
+        </p:txBody>
+      </p:sp>
+      <p:sp>
+        <p:nvSpPr>
+          <p:cNvPr id="3" name="Content Placeholder 2"/>
+          <p:cNvSpPr>
+            <a:spLocks noGrp="1"/>
+          </p:cNvSpPr>
+          <p:nvPr>
+            <p:ph idx="1"/>
+          </p:nvPr>
+        </p:nvSpPr>
+        <p:spPr/>
+        <p:txBody>
+          <a:bodyPr/>
+          <a:lstStyle/>
+          <a:p>
+            <a:r>
+              <a:rPr lang="en-US" dirty="0" smtClean="0"/>
+              <a:t>Problem can be subdivided into:</a:t>
+            </a:r>
+          </a:p>
+          <a:p>
+            <a:pPr lvl="1"/>
+            <a:r>
+              <a:rPr lang="en-US" dirty="0" smtClean="0"/>
+              <a:t>Identify if a rectangular region is covered by a set of heterogeneous sensors</a:t>
+            </a:r>
+          </a:p>
+          <a:p>
+            <a:pPr lvl="1"/>
+            <a:endParaRPr lang="en-US" dirty="0" smtClean="0"/>
+          </a:p>
+          <a:p>
+            <a:pPr lvl="1"/>
+            <a:r>
+              <a:rPr lang="en-US" dirty="0" smtClean="0"/>
+              <a:t>Find subsets of sensors which cover the region</a:t>
+            </a:r>
+          </a:p>
+          <a:p>
+            <a:pPr lvl="1"/>
+            <a:endParaRPr lang="en-US" dirty="0" smtClean="0"/>
+          </a:p>
+          <a:p>
+            <a:pPr lvl="1"/>
+            <a:r>
+              <a:rPr lang="en-US" dirty="0" smtClean="0"/>
+              <a:t>Find the minimum cardinality subset</a:t>
+            </a:r>
+          </a:p>
+          <a:p>
+            <a:pPr lvl="1"/>
+            <a:endParaRPr lang="en-US" dirty="0"/>
+          </a:p>
+        </p:txBody>
+      </p:sp>
+    </p:spTree>
+    <p:extLst>
+      <p:ext uri="{BB962C8B-B14F-4D97-AF65-F5344CB8AC3E}">
+        <p14:creationId xmlns:p14="http://schemas.microsoft.com/office/powerpoint/2010/main" val="1059931453"/>
+      </p:ext>
+    </p:extLst>
+  </p:cSld>
+  <p:clrMapOvr>
+    <a:masterClrMapping/>
+  </p:clrMapOvr>
+  <p:timing>
+    <p:tnLst>
+      <p:par>
+        <p:cTn id="1" dur="indefinite" restart="never" nodeType="tmRoot"/>
+      </p:par>
+    </p:tnLst>
+  </p:timing>
+</p:sld>
+</file>
+
+<file path=ppt/slides/slide16.xml><?xml version="1.0" encoding="utf-8"?>
+<p:sld xmlns:a="http://schemas.openxmlformats.org/drawingml/2006/main" xmlns:r="http://schemas.openxmlformats.org/officeDocument/2006/relationships" xmlns:p="http://schemas.openxmlformats.org/presentationml/2006/main">
+  <p:cSld>
+    <p:spTree>
+      <p:nvGrpSpPr>
+        <p:cNvPr id="1" name=""/>
+        <p:cNvGrpSpPr/>
+        <p:nvPr/>
+      </p:nvGrpSpPr>
+      <p:grpSpPr>
+        <a:xfrm>
+          <a:off x="0" y="0"/>
+          <a:ext cx="0" cy="0"/>
+          <a:chOff x="0" y="0"/>
+          <a:chExt cx="0" cy="0"/>
+        </a:xfrm>
+      </p:grpSpPr>
+      <p:sp>
+        <p:nvSpPr>
+          <p:cNvPr id="5" name="Title 4"/>
+          <p:cNvSpPr>
+            <a:spLocks noGrp="1"/>
+          </p:cNvSpPr>
+          <p:nvPr>
+            <p:ph type="title"/>
+          </p:nvPr>
+        </p:nvSpPr>
+        <p:spPr/>
+        <p:txBody>
+          <a:bodyPr/>
+          <a:lstStyle/>
+          <a:p>
+            <a:r>
+              <a:rPr lang="en-US" dirty="0" smtClean="0"/>
+              <a:t>Definitions</a:t>
+            </a:r>
+            <a:endParaRPr lang="en-US" dirty="0"/>
+          </a:p>
+        </p:txBody>
+      </p:sp>
+      <mc:AlternateContent xmlns:mc="http://schemas.openxmlformats.org/markup-compatibility/2006">
+        <mc:Choice xmlns:a14="http://schemas.microsoft.com/office/drawing/2010/main" Requires="a14">
+          <p:sp>
+            <p:nvSpPr>
+              <p:cNvPr id="3" name="Content Placeholder 2"/>
+              <p:cNvSpPr>
+                <a:spLocks noGrp="1"/>
+              </p:cNvSpPr>
+              <p:nvPr>
+                <p:ph idx="1"/>
+              </p:nvPr>
+            </p:nvSpPr>
+            <p:spPr/>
+            <p:txBody>
+              <a:bodyPr/>
+              <a:lstStyle/>
+              <a:p>
+                <a:pPr algn="just"/>
+                <a:r>
+                  <a:rPr lang="en-GB" dirty="0" smtClean="0"/>
+                  <a:t>Perimeter-covered</a:t>
+                </a:r>
+              </a:p>
+              <a:p>
+                <a:pPr lvl="1" algn="just"/>
+                <a:r>
+                  <a:rPr lang="en-GB" dirty="0" smtClean="0"/>
+                  <a:t>Consider any two sensors </a:t>
+                </a:r>
+                <a14:m>
+                  <m:oMath xmlns:m="http://schemas.openxmlformats.org/officeDocument/2006/math">
+                    <m:sSub>
+                      <m:sSubPr>
+                        <m:ctrlPr>
+                          <a:rPr lang="en-US"/>
+                        </m:ctrlPr>
+                      </m:sSubPr>
+                      <m:e>
+                        <m:r>
+                          <a:rPr lang="en-GB"/>
+                          <m:t>𝑠</m:t>
+                        </m:r>
+                      </m:e>
+                      <m:sub>
+                        <m:r>
+                          <a:rPr lang="en-GB"/>
+                          <m:t>𝑖</m:t>
+                        </m:r>
+                      </m:sub>
+                    </m:sSub>
+                  </m:oMath>
+                </a14:m>
+                <a:r>
+                  <a:rPr lang="en-GB" dirty="0"/>
+                  <a:t> and </a:t>
+                </a:r>
+                <a14:m>
+                  <m:oMath xmlns:m="http://schemas.openxmlformats.org/officeDocument/2006/math">
+                    <m:sSub>
+                      <m:sSubPr>
+                        <m:ctrlPr>
+                          <a:rPr lang="en-US"/>
+                        </m:ctrlPr>
+                      </m:sSubPr>
+                      <m:e>
+                        <m:r>
+                          <a:rPr lang="en-GB"/>
+                          <m:t>𝑠</m:t>
+                        </m:r>
+                      </m:e>
+                      <m:sub>
+                        <m:r>
+                          <a:rPr lang="en-GB"/>
+                          <m:t>𝑗</m:t>
+                        </m:r>
+                      </m:sub>
+                    </m:sSub>
+                  </m:oMath>
+                </a14:m>
+                <a:r>
+                  <a:rPr lang="en-GB" dirty="0"/>
+                  <a:t>. A point on the perimeter of </a:t>
+                </a:r>
+                <a14:m>
+                  <m:oMath xmlns:m="http://schemas.openxmlformats.org/officeDocument/2006/math">
+                    <m:sSub>
+                      <m:sSubPr>
+                        <m:ctrlPr>
+                          <a:rPr lang="en-US"/>
+                        </m:ctrlPr>
+                      </m:sSubPr>
+                      <m:e>
+                        <m:r>
+                          <a:rPr lang="en-GB"/>
+                          <m:t>𝑠</m:t>
+                        </m:r>
+                      </m:e>
+                      <m:sub>
+                        <m:r>
+                          <a:rPr lang="en-GB"/>
+                          <m:t>𝑖</m:t>
+                        </m:r>
+                      </m:sub>
+                    </m:sSub>
+                  </m:oMath>
+                </a14:m>
+                <a:r>
+                  <a:rPr lang="en-GB" dirty="0"/>
+                  <a:t> is perimeter-covered by </a:t>
+                </a:r>
+                <a14:m>
+                  <m:oMath xmlns:m="http://schemas.openxmlformats.org/officeDocument/2006/math">
+                    <m:sSub>
+                      <m:sSubPr>
+                        <m:ctrlPr>
+                          <a:rPr lang="en-US"/>
+                        </m:ctrlPr>
+                      </m:sSubPr>
+                      <m:e>
+                        <m:r>
+                          <a:rPr lang="en-GB"/>
+                          <m:t>𝑠</m:t>
+                        </m:r>
+                      </m:e>
+                      <m:sub>
+                        <m:r>
+                          <a:rPr lang="en-GB"/>
+                          <m:t>𝑗</m:t>
+                        </m:r>
+                      </m:sub>
+                    </m:sSub>
+                  </m:oMath>
+                </a14:m>
+                <a:r>
+                  <a:rPr lang="en-GB" dirty="0"/>
+                  <a:t> if this point is within the sensing range of</a:t>
+                </a:r>
+                <a14:m>
+                  <m:oMath xmlns:m="http://schemas.openxmlformats.org/officeDocument/2006/math">
+                    <m:sSub>
+                      <m:sSubPr>
+                        <m:ctrlPr>
+                          <a:rPr lang="en-US"/>
+                        </m:ctrlPr>
+                      </m:sSubPr>
+                      <m:e>
+                        <m:r>
+                          <a:rPr lang="en-GB"/>
+                          <m:t> </m:t>
+                        </m:r>
+                        <m:r>
+                          <a:rPr lang="en-GB"/>
+                          <m:t>𝑠</m:t>
+                        </m:r>
+                      </m:e>
+                      <m:sub>
+                        <m:r>
+                          <a:rPr lang="en-GB"/>
+                          <m:t>𝑗</m:t>
+                        </m:r>
+                      </m:sub>
+                    </m:sSub>
+                  </m:oMath>
+                </a14:m>
+                <a:r>
+                  <a:rPr lang="en-GB" dirty="0"/>
+                  <a:t>.</a:t>
+                </a:r>
+                <a:endParaRPr lang="en-US" dirty="0"/>
+              </a:p>
+              <a:p>
+                <a:pPr algn="just"/>
+                <a:r>
+                  <a:rPr lang="en-GB" dirty="0"/>
+                  <a:t> </a:t>
+                </a:r>
+                <a:endParaRPr lang="en-US" dirty="0"/>
+              </a:p>
+              <a:p>
+                <a:pPr algn="just"/>
+                <a:r>
+                  <a:rPr lang="en-GB" dirty="0" smtClean="0"/>
+                  <a:t>k-Perimeter covered</a:t>
+                </a:r>
+              </a:p>
+              <a:p>
+                <a:pPr lvl="1" algn="just"/>
+                <a:r>
+                  <a:rPr lang="en-GB" dirty="0" smtClean="0"/>
+                  <a:t>Consider </a:t>
+                </a:r>
+                <a:r>
+                  <a:rPr lang="en-GB" dirty="0"/>
+                  <a:t>any sensor </a:t>
+                </a:r>
+                <a14:m>
+                  <m:oMath xmlns:m="http://schemas.openxmlformats.org/officeDocument/2006/math">
+                    <m:sSub>
+                      <m:sSubPr>
+                        <m:ctrlPr>
+                          <a:rPr lang="en-US"/>
+                        </m:ctrlPr>
+                      </m:sSubPr>
+                      <m:e>
+                        <m:r>
+                          <a:rPr lang="en-GB"/>
+                          <m:t>𝑠</m:t>
+                        </m:r>
+                      </m:e>
+                      <m:sub>
+                        <m:r>
+                          <a:rPr lang="en-GB"/>
+                          <m:t>𝑖</m:t>
+                        </m:r>
+                      </m:sub>
+                    </m:sSub>
+                  </m:oMath>
+                </a14:m>
+                <a:r>
+                  <a:rPr lang="en-GB" dirty="0"/>
+                  <a:t>. We say that </a:t>
+                </a:r>
+                <a14:m>
+                  <m:oMath xmlns:m="http://schemas.openxmlformats.org/officeDocument/2006/math">
+                    <m:sSub>
+                      <m:sSubPr>
+                        <m:ctrlPr>
+                          <a:rPr lang="en-US"/>
+                        </m:ctrlPr>
+                      </m:sSubPr>
+                      <m:e>
+                        <m:r>
+                          <a:rPr lang="en-GB"/>
+                          <m:t>𝑠</m:t>
+                        </m:r>
+                      </m:e>
+                      <m:sub>
+                        <m:r>
+                          <a:rPr lang="en-GB"/>
+                          <m:t>𝑖</m:t>
+                        </m:r>
+                      </m:sub>
+                    </m:sSub>
+                  </m:oMath>
+                </a14:m>
+                <a:r>
+                  <a:rPr lang="en-GB" dirty="0"/>
+                  <a:t> is k-perimeter covered if all points on the perimeter of </a:t>
+                </a:r>
+                <a14:m>
+                  <m:oMath xmlns:m="http://schemas.openxmlformats.org/officeDocument/2006/math">
+                    <m:sSub>
+                      <m:sSubPr>
+                        <m:ctrlPr>
+                          <a:rPr lang="en-US"/>
+                        </m:ctrlPr>
+                      </m:sSubPr>
+                      <m:e>
+                        <m:r>
+                          <a:rPr lang="en-GB"/>
+                          <m:t>𝑠</m:t>
+                        </m:r>
+                      </m:e>
+                      <m:sub>
+                        <m:r>
+                          <a:rPr lang="en-GB"/>
+                          <m:t>𝑖</m:t>
+                        </m:r>
+                      </m:sub>
+                    </m:sSub>
+                  </m:oMath>
+                </a14:m>
+                <a:r>
+                  <a:rPr lang="en-GB" dirty="0"/>
+                  <a:t> are perimeter covered by at least k sensors other than </a:t>
+                </a:r>
+                <a14:m>
+                  <m:oMath xmlns:m="http://schemas.openxmlformats.org/officeDocument/2006/math">
+                    <m:sSub>
+                      <m:sSubPr>
+                        <m:ctrlPr>
+                          <a:rPr lang="en-US"/>
+                        </m:ctrlPr>
+                      </m:sSubPr>
+                      <m:e>
+                        <m:r>
+                          <a:rPr lang="en-GB"/>
+                          <m:t>𝑠</m:t>
+                        </m:r>
+                      </m:e>
+                      <m:sub>
+                        <m:r>
+                          <a:rPr lang="en-GB"/>
+                          <m:t>𝑖</m:t>
+                        </m:r>
+                      </m:sub>
+                    </m:sSub>
+                  </m:oMath>
+                </a14:m>
+                <a:r>
+                  <a:rPr lang="en-GB" dirty="0"/>
+                  <a:t> itself. Similarly, a segment of </a:t>
+                </a:r>
+                <a14:m>
+                  <m:oMath xmlns:m="http://schemas.openxmlformats.org/officeDocument/2006/math">
+                    <m:sSub>
+                      <m:sSubPr>
+                        <m:ctrlPr>
+                          <a:rPr lang="en-US"/>
+                        </m:ctrlPr>
+                      </m:sSubPr>
+                      <m:e>
+                        <m:r>
+                          <a:rPr lang="en-GB"/>
+                          <m:t>𝑠</m:t>
+                        </m:r>
+                      </m:e>
+                      <m:sub>
+                        <m:r>
+                          <a:rPr lang="en-GB"/>
+                          <m:t>𝑖</m:t>
+                        </m:r>
+                      </m:sub>
+                    </m:sSub>
+                    <m:r>
+                      <a:rPr lang="en-GB"/>
+                      <m:t>′</m:t>
+                    </m:r>
+                    <m:r>
+                      <a:rPr lang="en-GB"/>
+                      <m:t>𝑠</m:t>
+                    </m:r>
+                  </m:oMath>
+                </a14:m>
+                <a:r>
+                  <a:rPr lang="en-GB" dirty="0"/>
+                  <a:t> perimeter is k-perimeter covered if all points on the segment are perimeter covered by at least k sensors other than </a:t>
+                </a:r>
+                <a14:m>
+                  <m:oMath xmlns:m="http://schemas.openxmlformats.org/officeDocument/2006/math">
+                    <m:sSub>
+                      <m:sSubPr>
+                        <m:ctrlPr>
+                          <a:rPr lang="en-US"/>
+                        </m:ctrlPr>
+                      </m:sSubPr>
+                      <m:e>
+                        <m:r>
+                          <a:rPr lang="en-GB"/>
+                          <m:t>𝑠</m:t>
+                        </m:r>
+                      </m:e>
+                      <m:sub>
+                        <m:r>
+                          <a:rPr lang="en-GB"/>
+                          <m:t>𝑖</m:t>
+                        </m:r>
+                      </m:sub>
+                    </m:sSub>
+                    <m:r>
+                      <a:rPr lang="en-GB"/>
+                      <m:t> </m:t>
+                    </m:r>
+                  </m:oMath>
+                </a14:m>
+                <a:r>
+                  <a:rPr lang="en-GB" dirty="0"/>
+                  <a:t>itself.</a:t>
+                </a:r>
+                <a:endParaRPr lang="en-US" dirty="0"/>
+              </a:p>
+            </p:txBody>
+          </p:sp>
+        </mc:Choice>
+        <mc:Fallback>
+          <p:sp>
+            <p:nvSpPr>
+              <p:cNvPr id="3" name="Content Placeholder 2"/>
+              <p:cNvSpPr>
+                <a:spLocks noGrp="1" noRot="1" noChangeAspect="1" noMove="1" noResize="1" noEditPoints="1" noAdjustHandles="1" noChangeArrowheads="1" noChangeShapeType="1" noTextEdit="1"/>
+              </p:cNvSpPr>
+              <p:nvPr>
+                <p:ph idx="1"/>
+              </p:nvPr>
+            </p:nvSpPr>
+            <p:spPr>
+              <a:blipFill rotWithShape="0">
+                <a:blip r:embed="rId2"/>
+                <a:stretch>
+                  <a:fillRect l="-773" t="-1536" r="-773"/>
+                </a:stretch>
+              </a:blipFill>
+            </p:spPr>
+            <p:txBody>
+              <a:bodyPr/>
+              <a:lstStyle/>
+              <a:p>
+                <a:r>
+                  <a:rPr lang="en-US">
+                    <a:noFill/>
+                  </a:rPr>
+                  <a:t> </a:t>
+                </a:r>
+              </a:p>
+            </p:txBody>
+          </p:sp>
+        </mc:Fallback>
+      </mc:AlternateContent>
+    </p:spTree>
+    <p:extLst>
+      <p:ext uri="{BB962C8B-B14F-4D97-AF65-F5344CB8AC3E}">
+        <p14:creationId xmlns:p14="http://schemas.microsoft.com/office/powerpoint/2010/main" val="504650002"/>
+      </p:ext>
+    </p:extLst>
+  </p:cSld>
+  <p:clrMapOvr>
+    <a:masterClrMapping/>
+  </p:clrMapOvr>
+  <p:timing>
+    <p:tnLst>
+      <p:par>
+        <p:cTn id="1" dur="indefinite" restart="never" nodeType="tmRoot"/>
+      </p:par>
+    </p:tnLst>
+  </p:timing>
+</p:sld>
+</file>
+
+<file path=ppt/slides/slide17.xml><?xml version="1.0" encoding="utf-8"?>
+<p:sld xmlns:a="http://schemas.openxmlformats.org/drawingml/2006/main" xmlns:r="http://schemas.openxmlformats.org/officeDocument/2006/relationships" xmlns:p="http://schemas.openxmlformats.org/presentationml/2006/main">
+  <p:cSld>
+    <p:spTree>
+      <p:nvGrpSpPr>
+        <p:cNvPr id="1" name=""/>
+        <p:cNvGrpSpPr/>
+        <p:nvPr/>
+      </p:nvGrpSpPr>
+      <p:grpSpPr>
+        <a:xfrm>
+          <a:off x="0" y="0"/>
+          <a:ext cx="0" cy="0"/>
+          <a:chOff x="0" y="0"/>
+          <a:chExt cx="0" cy="0"/>
+        </a:xfrm>
+      </p:grpSpPr>
+      <p:sp>
+        <p:nvSpPr>
+          <p:cNvPr id="5" name="Title 4"/>
+          <p:cNvSpPr>
+            <a:spLocks noGrp="1"/>
+          </p:cNvSpPr>
+          <p:nvPr>
+            <p:ph type="title"/>
+          </p:nvPr>
+        </p:nvSpPr>
+        <p:spPr/>
+        <p:txBody>
+          <a:bodyPr/>
+          <a:lstStyle/>
+          <a:p>
+            <a:r>
+              <a:rPr lang="en-US" smtClean="0"/>
+              <a:t>Definitions</a:t>
+            </a:r>
+            <a:endParaRPr lang="en-US" dirty="0"/>
+          </a:p>
+        </p:txBody>
+      </p:sp>
+      <mc:AlternateContent xmlns:mc="http://schemas.openxmlformats.org/markup-compatibility/2006">
+        <mc:Choice xmlns:a14="http://schemas.microsoft.com/office/drawing/2010/main" Requires="a14">
+          <p:sp>
+            <p:nvSpPr>
+              <p:cNvPr id="3" name="Content Placeholder 2"/>
+              <p:cNvSpPr>
+                <a:spLocks noGrp="1"/>
+              </p:cNvSpPr>
+              <p:nvPr>
+                <p:ph idx="1"/>
+              </p:nvPr>
+            </p:nvSpPr>
+            <p:spPr/>
+            <p:txBody>
+              <a:bodyPr/>
+              <a:lstStyle/>
+              <a:p>
+                <a:pPr algn="just"/>
+                <a:r>
+                  <a:rPr lang="en-US" dirty="0" smtClean="0"/>
+                  <a:t>Perimeter Coverage Level (PCL)</a:t>
+                </a:r>
+              </a:p>
+              <a:p>
+                <a:pPr lvl="1" algn="just"/>
+                <a:r>
+                  <a:rPr lang="en-US" dirty="0" smtClean="0"/>
+                  <a:t>PCL of a sensor </a:t>
+                </a:r>
+                <a14:m>
+                  <m:oMath xmlns:m="http://schemas.openxmlformats.org/officeDocument/2006/math">
+                    <m:r>
+                      <a:rPr lang="en-US" i="1" dirty="0" smtClean="0">
+                        <a:latin typeface="Cambria Math" panose="02040503050406030204" pitchFamily="18" charset="0"/>
+                      </a:rPr>
+                      <m:t>𝐴</m:t>
+                    </m:r>
+                  </m:oMath>
+                </a14:m>
+                <a:r>
+                  <a:rPr lang="en-US" dirty="0" smtClean="0"/>
+                  <a:t> is the number of the sensors in the same set that cover any point on </a:t>
+                </a:r>
+                <a14:m>
+                  <m:oMath xmlns:m="http://schemas.openxmlformats.org/officeDocument/2006/math">
+                    <m:r>
+                      <a:rPr lang="en-US" i="1" dirty="0" smtClean="0">
+                        <a:latin typeface="Cambria Math" panose="02040503050406030204" pitchFamily="18" charset="0"/>
+                      </a:rPr>
+                      <m:t>𝐴</m:t>
+                    </m:r>
+                  </m:oMath>
+                </a14:m>
+                <a:r>
+                  <a:rPr lang="en-US" dirty="0" smtClean="0"/>
+                  <a:t>’s perimeter of the sensing area.</a:t>
+                </a:r>
+                <a:endParaRPr lang="en-US" dirty="0"/>
+              </a:p>
+            </p:txBody>
+          </p:sp>
+        </mc:Choice>
+        <mc:Fallback>
+          <p:sp>
+            <p:nvSpPr>
+              <p:cNvPr id="3" name="Content Placeholder 2"/>
+              <p:cNvSpPr>
+                <a:spLocks noGrp="1" noRot="1" noChangeAspect="1" noMove="1" noResize="1" noEditPoints="1" noAdjustHandles="1" noChangeArrowheads="1" noChangeShapeType="1" noTextEdit="1"/>
+              </p:cNvSpPr>
+              <p:nvPr>
+                <p:ph idx="1"/>
+              </p:nvPr>
+            </p:nvSpPr>
+            <p:spPr>
+              <a:blipFill rotWithShape="0">
+                <a:blip r:embed="rId2"/>
+                <a:stretch>
+                  <a:fillRect l="-773" t="-1536" r="-773"/>
+                </a:stretch>
+              </a:blipFill>
+            </p:spPr>
+            <p:txBody>
+              <a:bodyPr/>
+              <a:lstStyle/>
+              <a:p>
+                <a:r>
+                  <a:rPr lang="en-US">
+                    <a:noFill/>
+                  </a:rPr>
+                  <a:t> </a:t>
+                </a:r>
+              </a:p>
+            </p:txBody>
+          </p:sp>
+        </mc:Fallback>
+      </mc:AlternateContent>
+    </p:spTree>
+    <p:extLst>
+      <p:ext uri="{BB962C8B-B14F-4D97-AF65-F5344CB8AC3E}">
+        <p14:creationId xmlns:p14="http://schemas.microsoft.com/office/powerpoint/2010/main" val="1807854842"/>
+      </p:ext>
+    </p:extLst>
+  </p:cSld>
+  <p:clrMapOvr>
+    <a:masterClrMapping/>
+  </p:clrMapOvr>
+  <p:timing>
+    <p:tnLst>
+      <p:par>
+        <p:cTn id="1" dur="indefinite" restart="never" nodeType="tmRoot"/>
+      </p:par>
+    </p:tnLst>
+  </p:timing>
+</p:sld>
+</file>
+
+<file path=ppt/slides/slide18.xml><?xml version="1.0" encoding="utf-8"?>
+<p:sld xmlns:a="http://schemas.openxmlformats.org/drawingml/2006/main" xmlns:r="http://schemas.openxmlformats.org/officeDocument/2006/relationships" xmlns:p="http://schemas.openxmlformats.org/presentationml/2006/main">
+  <p:cSld>
+    <p:spTree>
+      <p:nvGrpSpPr>
+        <p:cNvPr id="1" name=""/>
+        <p:cNvGrpSpPr/>
+        <p:nvPr/>
+      </p:nvGrpSpPr>
+      <p:grpSpPr>
+        <a:xfrm>
+          <a:off x="0" y="0"/>
+          <a:ext cx="0" cy="0"/>
+          <a:chOff x="0" y="0"/>
+          <a:chExt cx="0" cy="0"/>
+        </a:xfrm>
+      </p:grpSpPr>
+      <p:sp>
+        <p:nvSpPr>
+          <p:cNvPr id="2" name="Title 1"/>
+          <p:cNvSpPr>
+            <a:spLocks noGrp="1"/>
+          </p:cNvSpPr>
+          <p:nvPr>
+            <p:ph type="title"/>
+          </p:nvPr>
+        </p:nvSpPr>
+        <p:spPr/>
+        <p:txBody>
+          <a:bodyPr/>
+          <a:lstStyle/>
+          <a:p>
+            <a:r>
+              <a:rPr lang="en-US" smtClean="0"/>
+              <a:t>Region Coverage</a:t>
+            </a:r>
+            <a:endParaRPr lang="en-US" dirty="0"/>
+          </a:p>
+        </p:txBody>
+      </p:sp>
+      <p:sp>
+        <p:nvSpPr>
+          <p:cNvPr id="3" name="Content Placeholder 2"/>
+          <p:cNvSpPr>
+            <a:spLocks noGrp="1"/>
+          </p:cNvSpPr>
+          <p:nvPr>
+            <p:ph idx="1"/>
+          </p:nvPr>
+        </p:nvSpPr>
+        <p:spPr/>
+        <p:txBody>
+          <a:bodyPr/>
+          <a:lstStyle/>
+          <a:p>
+            <a:r>
+              <a:rPr lang="en-US" dirty="0" smtClean="0"/>
+              <a:t>Huang and Tseng in their paper titled “The Coverage Problem in a Wireless Sensor Network” prove the following:</a:t>
+            </a:r>
+          </a:p>
+          <a:p>
+            <a:pPr lvl="1"/>
+            <a:endParaRPr lang="en-US" sz="2000" i="1" dirty="0" smtClean="0">
+              <a:latin typeface="Bookman Old Style" panose="02050604050505020204" pitchFamily="18" charset="0"/>
+            </a:endParaRPr>
+          </a:p>
+          <a:p>
+            <a:pPr lvl="1"/>
+            <a:r>
+              <a:rPr lang="en-US" sz="2000" i="1" dirty="0" smtClean="0">
+                <a:latin typeface="Bookman Old Style" panose="02050604050505020204" pitchFamily="18" charset="0"/>
+              </a:rPr>
+              <a:t>Suppose that no two sensors are located in the same location. The whole network area A is k-covered </a:t>
+            </a:r>
+            <a:r>
+              <a:rPr lang="en-US" sz="2000" i="1" dirty="0" err="1" smtClean="0">
+                <a:latin typeface="Bookman Old Style" panose="02050604050505020204" pitchFamily="18" charset="0"/>
+              </a:rPr>
+              <a:t>iff</a:t>
+            </a:r>
+            <a:r>
+              <a:rPr lang="en-US" sz="2000" i="1" dirty="0" smtClean="0">
+                <a:latin typeface="Bookman Old Style" panose="02050604050505020204" pitchFamily="18" charset="0"/>
+              </a:rPr>
+              <a:t> each sensor in the network is k-perimeter-covered</a:t>
+            </a:r>
+          </a:p>
+          <a:p>
+            <a:endParaRPr lang="en-US" dirty="0" smtClean="0"/>
+          </a:p>
+          <a:p>
+            <a:r>
+              <a:rPr lang="en-US" dirty="0" smtClean="0"/>
+              <a:t>Above result used in determining if a rectangular region is covered or not</a:t>
+            </a:r>
+          </a:p>
+          <a:p>
+            <a:endParaRPr lang="en-US" dirty="0"/>
+          </a:p>
+          <a:p>
+            <a:endParaRPr lang="en-US" dirty="0"/>
+          </a:p>
+        </p:txBody>
+      </p:sp>
+    </p:spTree>
+    <p:extLst>
+      <p:ext uri="{BB962C8B-B14F-4D97-AF65-F5344CB8AC3E}">
+        <p14:creationId xmlns:p14="http://schemas.microsoft.com/office/powerpoint/2010/main" val="3793133011"/>
+      </p:ext>
+    </p:extLst>
+  </p:cSld>
+  <p:clrMapOvr>
+    <a:masterClrMapping/>
+  </p:clrMapOvr>
+  <p:timing>
+    <p:tnLst>
+      <p:par>
+        <p:cTn id="1" dur="indefinite" restart="never" nodeType="tmRoot"/>
+      </p:par>
+    </p:tnLst>
+  </p:timing>
+</p:sld>
+</file>
+
+<file path=ppt/slides/slide19.xml><?xml version="1.0" encoding="utf-8"?>
+<p:sld xmlns:a="http://schemas.openxmlformats.org/drawingml/2006/main" xmlns:r="http://schemas.openxmlformats.org/officeDocument/2006/relationships" xmlns:p="http://schemas.openxmlformats.org/presentationml/2006/main">
+  <p:cSld>
+    <p:spTree>
+      <p:nvGrpSpPr>
+        <p:cNvPr id="1" name=""/>
+        <p:cNvGrpSpPr/>
+        <p:nvPr/>
+      </p:nvGrpSpPr>
+      <p:grpSpPr>
+        <a:xfrm>
+          <a:off x="0" y="0"/>
+          <a:ext cx="0" cy="0"/>
+          <a:chOff x="0" y="0"/>
+          <a:chExt cx="0" cy="0"/>
+        </a:xfrm>
+      </p:grpSpPr>
+      <p:sp>
+        <p:nvSpPr>
+          <p:cNvPr id="2" name="Title 1"/>
+          <p:cNvSpPr>
+            <a:spLocks noGrp="1"/>
+          </p:cNvSpPr>
+          <p:nvPr>
+            <p:ph type="title"/>
+          </p:nvPr>
+        </p:nvSpPr>
+        <p:spPr/>
+        <p:txBody>
+          <a:bodyPr/>
+          <a:lstStyle/>
+          <a:p>
+            <a:r>
+              <a:rPr lang="en-US" dirty="0" smtClean="0"/>
+              <a:t>Boundary Conditions</a:t>
+            </a:r>
+            <a:endParaRPr lang="en-US" dirty="0"/>
+          </a:p>
+        </p:txBody>
+      </p:sp>
+      <p:sp>
+        <p:nvSpPr>
+          <p:cNvPr id="16" name="Rectangle 15"/>
+          <p:cNvSpPr/>
+          <p:nvPr/>
+        </p:nvSpPr>
+        <p:spPr>
+          <a:xfrm>
+            <a:off x="731520" y="1874520"/>
+            <a:ext cx="1908810" cy="1245870"/>
+          </a:xfrm>
+          <a:prstGeom prst="rect">
+            <a:avLst/>
+          </a:prstGeom>
+          <a:noFill/>
+          <a:ln>
+            <a:solidFill>
+              <a:schemeClr val="bg1"/>
+            </a:solidFill>
+          </a:ln>
+        </p:spPr>
+        <p:style>
+          <a:lnRef idx="2">
+            <a:schemeClr val="accent1">
+              <a:shade val="50000"/>
+            </a:schemeClr>
+          </a:lnRef>
+          <a:fillRef idx="1">
+            <a:schemeClr val="accent1"/>
+          </a:fillRef>
+          <a:effectRef idx="0">
+            <a:schemeClr val="accent1"/>
+          </a:effectRef>
+          <a:fontRef idx="minor">
+            <a:schemeClr val="lt1"/>
+          </a:fontRef>
+        </p:style>
+        <p:txBody>
+          <a:bodyPr rtlCol="0" anchor="ctr"/>
+          <a:lstStyle/>
+          <a:p>
+            <a:pPr algn="ctr"/>
+            <a:endParaRPr lang="en-US"/>
+          </a:p>
+        </p:txBody>
+      </p:sp>
+      <p:grpSp>
+        <p:nvGrpSpPr>
+          <p:cNvPr id="23" name="Group 22"/>
+          <p:cNvGrpSpPr/>
+          <p:nvPr/>
+        </p:nvGrpSpPr>
+        <p:grpSpPr>
+          <a:xfrm>
+            <a:off x="1200150" y="2383155"/>
+            <a:ext cx="971550" cy="971550"/>
+            <a:chOff x="1200150" y="2383155"/>
+            <a:chExt cx="971550" cy="971550"/>
+          </a:xfrm>
+        </p:grpSpPr>
+        <p:sp>
+          <p:nvSpPr>
+            <p:cNvPr id="17" name="Oval 16"/>
+            <p:cNvSpPr/>
+            <p:nvPr/>
+          </p:nvSpPr>
+          <p:spPr>
+            <a:xfrm>
+              <a:off x="1200150" y="2383155"/>
+              <a:ext cx="971550" cy="971550"/>
+            </a:xfrm>
+            <a:prstGeom prst="ellipse">
+              <a:avLst/>
+            </a:prstGeom>
+            <a:noFill/>
+            <a:ln>
+              <a:solidFill>
+                <a:schemeClr val="bg1"/>
+              </a:solidFill>
+            </a:ln>
+          </p:spPr>
+          <p:style>
+            <a:lnRef idx="2">
+              <a:schemeClr val="accent1">
+                <a:shade val="50000"/>
+              </a:schemeClr>
+            </a:lnRef>
+            <a:fillRef idx="1">
+              <a:schemeClr val="accent1"/>
+            </a:fillRef>
+            <a:effectRef idx="0">
+              <a:schemeClr val="accent1"/>
+            </a:effectRef>
+            <a:fontRef idx="minor">
+              <a:schemeClr val="lt1"/>
+            </a:fontRef>
+          </p:style>
+          <p:txBody>
+            <a:bodyPr rot="0" spcFirstLastPara="0" vertOverflow="overflow" horzOverflow="overflow" vert="horz" wrap="square" lIns="91440" tIns="45720" rIns="91440" bIns="45720" numCol="1" spcCol="0" rtlCol="0" fromWordArt="0" anchor="ctr" anchorCtr="0" forceAA="0" compatLnSpc="1">
+              <a:prstTxWarp prst="textNoShape">
+                <a:avLst/>
+              </a:prstTxWarp>
+              <a:noAutofit/>
+            </a:bodyPr>
+            <a:lstStyle/>
+            <a:p>
+              <a:pPr algn="ctr"/>
+              <a:endParaRPr lang="en-US"/>
+            </a:p>
+          </p:txBody>
+        </p:sp>
+        <p:sp>
+          <p:nvSpPr>
+            <p:cNvPr id="22" name="Oval 21"/>
+            <p:cNvSpPr/>
+            <p:nvPr/>
+          </p:nvSpPr>
+          <p:spPr>
+            <a:xfrm>
+              <a:off x="1672590" y="2855595"/>
+              <a:ext cx="36000" cy="36000"/>
+            </a:xfrm>
+            <a:prstGeom prst="ellipse">
+              <a:avLst/>
+            </a:prstGeom>
+            <a:solidFill>
+              <a:schemeClr val="bg1"/>
+            </a:solidFill>
+            <a:ln>
+              <a:solidFill>
+                <a:schemeClr val="bg1"/>
+              </a:solidFill>
+            </a:ln>
+          </p:spPr>
+          <p:style>
+            <a:lnRef idx="2">
+              <a:schemeClr val="accent1">
+                <a:shade val="50000"/>
+              </a:schemeClr>
+            </a:lnRef>
+            <a:fillRef idx="1">
+              <a:schemeClr val="accent1"/>
+            </a:fillRef>
+            <a:effectRef idx="0">
+              <a:schemeClr val="accent1"/>
+            </a:effectRef>
+            <a:fontRef idx="minor">
+              <a:schemeClr val="lt1"/>
+            </a:fontRef>
+          </p:style>
+          <p:txBody>
+            <a:bodyPr rot="0" spcFirstLastPara="0" vertOverflow="overflow" horzOverflow="overflow" vert="horz" wrap="square" lIns="91440" tIns="45720" rIns="91440" bIns="45720" numCol="1" spcCol="0" rtlCol="0" fromWordArt="0" anchor="ctr" anchorCtr="0" forceAA="0" compatLnSpc="1">
+              <a:prstTxWarp prst="textNoShape">
+                <a:avLst/>
+              </a:prstTxWarp>
+              <a:noAutofit/>
+            </a:bodyPr>
+            <a:lstStyle/>
+            <a:p>
+              <a:pPr algn="ctr"/>
+              <a:endParaRPr lang="en-US"/>
+            </a:p>
+          </p:txBody>
+        </p:sp>
+      </p:grpSp>
+      <p:cxnSp>
+        <p:nvCxnSpPr>
+          <p:cNvPr id="25" name="Straight Connector 24"/>
+          <p:cNvCxnSpPr>
+            <a:stCxn id="22" idx="6"/>
+          </p:cNvCxnSpPr>
+          <p:nvPr/>
+        </p:nvCxnSpPr>
+        <p:spPr>
+          <a:xfrm flipH="1">
+            <a:off x="1268963" y="2873595"/>
+            <a:ext cx="439627" cy="249050"/>
+          </a:xfrm>
+          <a:prstGeom prst="line">
+            <a:avLst/>
+          </a:prstGeom>
+          <a:ln>
+            <a:solidFill>
+              <a:srgbClr val="FFFF00"/>
+            </a:solidFill>
+          </a:ln>
+        </p:spPr>
+        <p:style>
+          <a:lnRef idx="1">
+            <a:schemeClr val="accent1"/>
+          </a:lnRef>
+          <a:fillRef idx="0">
+            <a:schemeClr val="accent1"/>
+          </a:fillRef>
+          <a:effectRef idx="0">
+            <a:schemeClr val="accent1"/>
+          </a:effectRef>
+          <a:fontRef idx="minor">
+            <a:schemeClr val="tx1"/>
+          </a:fontRef>
+        </p:style>
+      </p:cxnSp>
+      <p:cxnSp>
+        <p:nvCxnSpPr>
+          <p:cNvPr id="27" name="Straight Connector 26"/>
+          <p:cNvCxnSpPr>
+            <a:stCxn id="22" idx="1"/>
+            <a:endCxn id="17" idx="5"/>
+          </p:cNvCxnSpPr>
+          <p:nvPr/>
+        </p:nvCxnSpPr>
+        <p:spPr>
+          <a:xfrm>
+            <a:off x="1677862" y="2860867"/>
+            <a:ext cx="418416" cy="261778"/>
+          </a:xfrm>
+          <a:prstGeom prst="line">
+            <a:avLst/>
+          </a:prstGeom>
+          <a:ln>
+            <a:solidFill>
+              <a:srgbClr val="FFFF00"/>
+            </a:solidFill>
+          </a:ln>
+        </p:spPr>
+        <p:style>
+          <a:lnRef idx="1">
+            <a:schemeClr val="accent1"/>
+          </a:lnRef>
+          <a:fillRef idx="0">
+            <a:schemeClr val="accent1"/>
+          </a:fillRef>
+          <a:effectRef idx="0">
+            <a:schemeClr val="accent1"/>
+          </a:effectRef>
+          <a:fontRef idx="minor">
+            <a:schemeClr val="tx1"/>
+          </a:fontRef>
+        </p:style>
+      </p:cxnSp>
+    </p:spTree>
+    <p:extLst>
+      <p:ext uri="{BB962C8B-B14F-4D97-AF65-F5344CB8AC3E}">
+        <p14:creationId xmlns:p14="http://schemas.microsoft.com/office/powerpoint/2010/main" val="1858652947"/>
+      </p:ext>
+    </p:extLst>
+  </p:cSld>
+  <p:clrMapOvr>
+    <a:masterClrMapping/>
+  </p:clrMapOvr>
+  <p:timing>
+    <p:tnLst>
+      <p:par>
+        <p:cTn id="1" dur="indefinite" restart="never" nodeType="tmRoot"/>
+      </p:par>
+    </p:tnLst>
+  </p:timing>
+</p:sld>
+</file>
+
 <file path=ppt/slides/slide2.xml><?xml version="1.0" encoding="utf-8"?>
 <p:sld xmlns:a="http://schemas.openxmlformats.org/drawingml/2006/main" xmlns:r="http://schemas.openxmlformats.org/officeDocument/2006/relationships" xmlns:p="http://schemas.openxmlformats.org/presentationml/2006/main">
   <p:cSld>
@@ -3856,7 +6924,7 @@
           <a:p>
             <a:r>
               <a:rPr lang="en-US" dirty="0" smtClean="0"/>
-              <a:t>Introduction</a:t>
+              <a:t>Purview</a:t>
             </a:r>
             <a:endParaRPr lang="en-US" dirty="0"/>
           </a:p>
@@ -3875,30 +6943,14 @@
         <p:spPr/>
         <p:txBody>
           <a:bodyPr>
-            <a:normAutofit fontScale="92500" lnSpcReduction="10000"/>
+            <a:normAutofit/>
           </a:bodyPr>
           <a:lstStyle/>
           <a:p>
             <a:r>
               <a:rPr lang="en-US" dirty="0" smtClean="0"/>
-              <a:t>What </a:t>
-            </a:r>
-            <a:r>
-              <a:rPr lang="en-US" dirty="0" smtClean="0"/>
-              <a:t>are Wireless Sensor Networks (WSN)</a:t>
-            </a:r>
-          </a:p>
-          <a:p>
-            <a:endParaRPr lang="en-US" dirty="0" smtClean="0"/>
-          </a:p>
-          <a:p>
-            <a:r>
-              <a:rPr lang="en-US" dirty="0" smtClean="0"/>
-              <a:t>Deployment options</a:t>
-            </a:r>
-          </a:p>
-          <a:p>
-            <a:endParaRPr lang="en-US" dirty="0" smtClean="0"/>
+              <a:t>Introduction</a:t>
+            </a:r>
           </a:p>
           <a:p>
             <a:r>
@@ -3907,51 +6959,58 @@
             </a:r>
           </a:p>
           <a:p>
-            <a:pPr lvl="1"/>
             <a:r>
               <a:rPr lang="en-US" dirty="0" smtClean="0"/>
-              <a:t>Agriculture</a:t>
-            </a:r>
-          </a:p>
-          <a:p>
-            <a:pPr lvl="1"/>
+              <a:t>Motivation</a:t>
+            </a:r>
+          </a:p>
+          <a:p>
             <a:r>
               <a:rPr lang="en-US" dirty="0" smtClean="0"/>
-              <a:t>Environmental Monitoring</a:t>
-            </a:r>
-          </a:p>
-          <a:p>
-            <a:pPr lvl="1"/>
+              <a:t>Broad Objective</a:t>
+            </a:r>
+          </a:p>
+          <a:p>
             <a:r>
               <a:rPr lang="en-US" dirty="0" smtClean="0"/>
-              <a:t>Military Applications</a:t>
-            </a:r>
-          </a:p>
-          <a:p>
-            <a:endParaRPr lang="en-US" dirty="0" smtClean="0"/>
+              <a:t>Certain Definitions</a:t>
+            </a:r>
           </a:p>
           <a:p>
             <a:r>
               <a:rPr lang="en-US" dirty="0" smtClean="0"/>
-              <a:t>Threat by Jammers</a:t>
-            </a:r>
-          </a:p>
-          <a:p>
-            <a:pPr lvl="1"/>
+              <a:t>Problem Statement</a:t>
+            </a:r>
+          </a:p>
+          <a:p>
             <a:r>
               <a:rPr lang="en-US" dirty="0" smtClean="0"/>
-              <a:t>Attacks on the network</a:t>
-            </a:r>
-          </a:p>
-          <a:p>
-            <a:pPr lvl="1"/>
+              <a:t>Approach to Solve the problem</a:t>
+            </a:r>
+          </a:p>
+          <a:p>
             <a:r>
               <a:rPr lang="en-US" dirty="0" smtClean="0"/>
-              <a:t>Attacks on the sensor</a:t>
-            </a:r>
-          </a:p>
-          <a:p>
-            <a:pPr lvl="1"/>
+              <a:t>Experimental Setup</a:t>
+            </a:r>
+          </a:p>
+          <a:p>
+            <a:r>
+              <a:rPr lang="en-US" dirty="0" smtClean="0"/>
+              <a:t>Results obtained</a:t>
+            </a:r>
+          </a:p>
+          <a:p>
+            <a:r>
+              <a:rPr lang="en-US" dirty="0" smtClean="0"/>
+              <a:t>Future aim</a:t>
+            </a:r>
+          </a:p>
+          <a:p>
+            <a:r>
+              <a:rPr lang="en-US" dirty="0" smtClean="0"/>
+              <a:t>References </a:t>
+            </a:r>
             <a:endParaRPr lang="en-US" dirty="0"/>
           </a:p>
         </p:txBody>
@@ -3959,7 +7018,7 @@
     </p:spTree>
     <p:extLst>
       <p:ext uri="{BB962C8B-B14F-4D97-AF65-F5344CB8AC3E}">
-        <p14:creationId xmlns:p14="http://schemas.microsoft.com/office/powerpoint/2010/main" val="2755713596"/>
+        <p14:creationId xmlns:p14="http://schemas.microsoft.com/office/powerpoint/2010/main" val="2712839627"/>
       </p:ext>
     </p:extLst>
   </p:cSld>
@@ -4010,7 +7069,7 @@
           <a:p>
             <a:r>
               <a:rPr lang="en-US" dirty="0" smtClean="0"/>
-              <a:t>Coverage in WSNs</a:t>
+              <a:t>Introduction</a:t>
             </a:r>
             <a:endParaRPr lang="en-US" dirty="0"/>
           </a:p>
@@ -4029,13 +7088,13 @@
         <p:spPr/>
         <p:txBody>
           <a:bodyPr>
-            <a:normAutofit fontScale="92500" lnSpcReduction="20000"/>
+            <a:normAutofit/>
           </a:bodyPr>
           <a:lstStyle/>
           <a:p>
             <a:r>
               <a:rPr lang="en-US" dirty="0" smtClean="0"/>
-              <a:t>Point Coverage</a:t>
+              <a:t>What are Wireless Sensor Networks (WSN)</a:t>
             </a:r>
           </a:p>
           <a:p>
@@ -4044,7 +7103,7 @@
           <a:p>
             <a:r>
               <a:rPr lang="en-US" dirty="0" smtClean="0"/>
-              <a:t>Sweep Coverage</a:t>
+              <a:t>Deployment options</a:t>
             </a:r>
           </a:p>
           <a:p>
@@ -4053,16 +7112,28 @@
           <a:p>
             <a:r>
               <a:rPr lang="en-US" dirty="0" smtClean="0"/>
-              <a:t>Path Coverage</a:t>
-            </a:r>
-          </a:p>
-          <a:p>
-            <a:endParaRPr lang="en-US" dirty="0"/>
-          </a:p>
-          <a:p>
+              <a:t>Applications</a:t>
+            </a:r>
+          </a:p>
+          <a:p>
+            <a:pPr lvl="1"/>
             <a:r>
               <a:rPr lang="en-US" dirty="0" smtClean="0"/>
-              <a:t>Breach Coverage</a:t>
+              <a:t>Agriculture</a:t>
+            </a:r>
+          </a:p>
+          <a:p>
+            <a:pPr lvl="1"/>
+            <a:r>
+              <a:rPr lang="en-US" dirty="0" smtClean="0"/>
+              <a:t>Environmental Monitoring</a:t>
+            </a:r>
+          </a:p>
+          <a:p>
+            <a:pPr lvl="1"/>
+            <a:r>
+              <a:rPr lang="en-US" dirty="0" smtClean="0"/>
+              <a:t>Military Applications</a:t>
             </a:r>
           </a:p>
           <a:p>
@@ -4071,19 +7142,25 @@
           <a:p>
             <a:r>
               <a:rPr lang="en-US" dirty="0" smtClean="0"/>
-              <a:t>Barrier Coverage</a:t>
-            </a:r>
-          </a:p>
-          <a:p>
-            <a:endParaRPr lang="en-US" dirty="0" smtClean="0"/>
-          </a:p>
-          <a:p>
+              <a:t>Threat by Jammers</a:t>
+            </a:r>
+          </a:p>
+          <a:p>
+            <a:pPr lvl="1"/>
             <a:r>
               <a:rPr lang="en-US" dirty="0" smtClean="0"/>
-              <a:t>Area Coverage</a:t>
-            </a:r>
-          </a:p>
-          <a:p>
+              <a:t>Attacks on the network</a:t>
+            </a:r>
+          </a:p>
+          <a:p>
+            <a:pPr lvl="1"/>
+            <a:r>
+              <a:rPr lang="en-US" dirty="0" smtClean="0"/>
+              <a:t>Attacks on the sensor</a:t>
+            </a:r>
+          </a:p>
+          <a:p>
+            <a:pPr lvl="1"/>
             <a:endParaRPr lang="en-US" dirty="0"/>
           </a:p>
         </p:txBody>
@@ -4091,7 +7168,7 @@
     </p:spTree>
     <p:extLst>
       <p:ext uri="{BB962C8B-B14F-4D97-AF65-F5344CB8AC3E}">
-        <p14:creationId xmlns:p14="http://schemas.microsoft.com/office/powerpoint/2010/main" val="2828392605"/>
+        <p14:creationId xmlns:p14="http://schemas.microsoft.com/office/powerpoint/2010/main" val="2755713596"/>
       </p:ext>
     </p:extLst>
   </p:cSld>
@@ -4142,7 +7219,7 @@
           <a:p>
             <a:r>
               <a:rPr lang="en-US" dirty="0" smtClean="0"/>
-              <a:t>Motivation</a:t>
+              <a:t>Coverage in WSNs</a:t>
             </a:r>
             <a:endParaRPr lang="en-US" dirty="0"/>
           </a:p>
@@ -4161,13 +7238,13 @@
         <p:spPr/>
         <p:txBody>
           <a:bodyPr>
-            <a:normAutofit fontScale="70000" lnSpcReduction="20000"/>
+            <a:normAutofit/>
           </a:bodyPr>
           <a:lstStyle/>
           <a:p>
             <a:r>
               <a:rPr lang="en-US" dirty="0" smtClean="0"/>
-              <a:t>Reconnaissance &amp; Surveillance </a:t>
+              <a:t>Point Coverage</a:t>
             </a:r>
           </a:p>
           <a:p>
@@ -4176,21 +7253,25 @@
           <a:p>
             <a:r>
               <a:rPr lang="en-US" dirty="0" smtClean="0"/>
-              <a:t>Long border with enemy</a:t>
-            </a:r>
-          </a:p>
-          <a:p>
-            <a:pPr lvl="1"/>
+              <a:t>Sweep Coverage</a:t>
+            </a:r>
+          </a:p>
+          <a:p>
+            <a:endParaRPr lang="en-US" dirty="0" smtClean="0"/>
+          </a:p>
+          <a:p>
             <a:r>
               <a:rPr lang="en-US" dirty="0" smtClean="0"/>
-              <a:t>Large patches inhospitable</a:t>
-            </a:r>
-          </a:p>
-          <a:p>
-            <a:pPr lvl="1"/>
+              <a:t>Path Coverage</a:t>
+            </a:r>
+          </a:p>
+          <a:p>
+            <a:endParaRPr lang="en-US" dirty="0"/>
+          </a:p>
+          <a:p>
             <a:r>
               <a:rPr lang="en-US" dirty="0" smtClean="0"/>
-              <a:t>Can’t cover every inch of land manually</a:t>
+              <a:t>Breach Coverage</a:t>
             </a:r>
           </a:p>
           <a:p>
@@ -4199,7 +7280,7 @@
           <a:p>
             <a:r>
               <a:rPr lang="en-US" dirty="0" smtClean="0"/>
-              <a:t>Increase in cross-border activity</a:t>
+              <a:t>Barrier Coverage</a:t>
             </a:r>
           </a:p>
           <a:p>
@@ -4208,48 +7289,7 @@
           <a:p>
             <a:r>
               <a:rPr lang="en-US" dirty="0" smtClean="0"/>
-              <a:t>Easier to transport troops to affected areas than placing them there ab-initio </a:t>
-            </a:r>
-          </a:p>
-          <a:p>
-            <a:endParaRPr lang="en-US" dirty="0" smtClean="0"/>
-          </a:p>
-          <a:p>
-            <a:r>
-              <a:rPr lang="en-US" dirty="0" smtClean="0"/>
-              <a:t>Enemy </a:t>
-            </a:r>
-            <a:r>
-              <a:rPr lang="en-US" dirty="0"/>
-              <a:t>will interfere with our WSN</a:t>
-            </a:r>
-          </a:p>
-          <a:p>
-            <a:pPr lvl="1"/>
-            <a:r>
-              <a:rPr lang="en-US" dirty="0"/>
-              <a:t>Jam the network</a:t>
-            </a:r>
-          </a:p>
-          <a:p>
-            <a:pPr lvl="1"/>
-            <a:r>
-              <a:rPr lang="en-US" dirty="0"/>
-              <a:t>Jam the sensor</a:t>
-            </a:r>
-          </a:p>
-          <a:p>
-            <a:pPr lvl="1"/>
-            <a:r>
-              <a:rPr lang="en-US" dirty="0"/>
-              <a:t>Inject false information</a:t>
-            </a:r>
-          </a:p>
-          <a:p>
-            <a:pPr lvl="1"/>
-            <a:r>
-              <a:rPr lang="en-US" dirty="0"/>
-              <a:t>Deceive the sensor</a:t>
+              <a:t>Area Coverage</a:t>
             </a:r>
           </a:p>
           <a:p>
@@ -4260,7 +7300,7 @@
     </p:spTree>
     <p:extLst>
       <p:ext uri="{BB962C8B-B14F-4D97-AF65-F5344CB8AC3E}">
-        <p14:creationId xmlns:p14="http://schemas.microsoft.com/office/powerpoint/2010/main" val="508889087"/>
+        <p14:creationId xmlns:p14="http://schemas.microsoft.com/office/powerpoint/2010/main" val="2828392605"/>
       </p:ext>
     </p:extLst>
   </p:cSld>
@@ -4311,6 +7351,175 @@
           <a:p>
             <a:r>
               <a:rPr lang="en-US" dirty="0" smtClean="0"/>
+              <a:t>Motivation</a:t>
+            </a:r>
+            <a:endParaRPr lang="en-US" dirty="0"/>
+          </a:p>
+        </p:txBody>
+      </p:sp>
+      <p:sp>
+        <p:nvSpPr>
+          <p:cNvPr id="3" name="Content Placeholder 2"/>
+          <p:cNvSpPr>
+            <a:spLocks noGrp="1"/>
+          </p:cNvSpPr>
+          <p:nvPr>
+            <p:ph idx="1"/>
+          </p:nvPr>
+        </p:nvSpPr>
+        <p:spPr/>
+        <p:txBody>
+          <a:bodyPr>
+            <a:normAutofit fontScale="85000" lnSpcReduction="20000"/>
+          </a:bodyPr>
+          <a:lstStyle/>
+          <a:p>
+            <a:r>
+              <a:rPr lang="en-US" dirty="0" smtClean="0"/>
+              <a:t>Reconnaissance &amp; Surveillance </a:t>
+            </a:r>
+          </a:p>
+          <a:p>
+            <a:endParaRPr lang="en-US" dirty="0" smtClean="0"/>
+          </a:p>
+          <a:p>
+            <a:r>
+              <a:rPr lang="en-US" dirty="0" smtClean="0"/>
+              <a:t>Long border with enemy</a:t>
+            </a:r>
+          </a:p>
+          <a:p>
+            <a:pPr lvl="1"/>
+            <a:r>
+              <a:rPr lang="en-US" dirty="0" smtClean="0"/>
+              <a:t>Large patches inhospitable</a:t>
+            </a:r>
+          </a:p>
+          <a:p>
+            <a:pPr lvl="1"/>
+            <a:r>
+              <a:rPr lang="en-US" dirty="0" smtClean="0"/>
+              <a:t>Can’t cover every inch of land manually</a:t>
+            </a:r>
+          </a:p>
+          <a:p>
+            <a:endParaRPr lang="en-US" dirty="0" smtClean="0"/>
+          </a:p>
+          <a:p>
+            <a:r>
+              <a:rPr lang="en-US" dirty="0" smtClean="0"/>
+              <a:t>Increase in cross-border activity</a:t>
+            </a:r>
+          </a:p>
+          <a:p>
+            <a:endParaRPr lang="en-US" dirty="0" smtClean="0"/>
+          </a:p>
+          <a:p>
+            <a:r>
+              <a:rPr lang="en-US" dirty="0" smtClean="0"/>
+              <a:t>Easier to transport troops to affected areas than placing them there ab-initio </a:t>
+            </a:r>
+          </a:p>
+          <a:p>
+            <a:endParaRPr lang="en-US" dirty="0" smtClean="0"/>
+          </a:p>
+          <a:p>
+            <a:r>
+              <a:rPr lang="en-US" dirty="0" smtClean="0"/>
+              <a:t>Enemy </a:t>
+            </a:r>
+            <a:r>
+              <a:rPr lang="en-US" dirty="0"/>
+              <a:t>will interfere with our WSN</a:t>
+            </a:r>
+          </a:p>
+          <a:p>
+            <a:pPr lvl="1"/>
+            <a:r>
+              <a:rPr lang="en-US" dirty="0"/>
+              <a:t>Jam the network</a:t>
+            </a:r>
+          </a:p>
+          <a:p>
+            <a:pPr lvl="1"/>
+            <a:r>
+              <a:rPr lang="en-US" dirty="0"/>
+              <a:t>Jam the sensor</a:t>
+            </a:r>
+          </a:p>
+          <a:p>
+            <a:pPr lvl="1"/>
+            <a:r>
+              <a:rPr lang="en-US" dirty="0"/>
+              <a:t>Inject false information</a:t>
+            </a:r>
+          </a:p>
+          <a:p>
+            <a:pPr lvl="1"/>
+            <a:r>
+              <a:rPr lang="en-US" dirty="0"/>
+              <a:t>Deceive the sensor</a:t>
+            </a:r>
+          </a:p>
+          <a:p>
+            <a:endParaRPr lang="en-US" dirty="0"/>
+          </a:p>
+        </p:txBody>
+      </p:sp>
+    </p:spTree>
+    <p:extLst>
+      <p:ext uri="{BB962C8B-B14F-4D97-AF65-F5344CB8AC3E}">
+        <p14:creationId xmlns:p14="http://schemas.microsoft.com/office/powerpoint/2010/main" val="508889087"/>
+      </p:ext>
+    </p:extLst>
+  </p:cSld>
+  <p:clrMapOvr>
+    <a:masterClrMapping/>
+  </p:clrMapOvr>
+  <p:timing>
+    <p:tnLst>
+      <p:par>
+        <p:cTn id="1" dur="indefinite" restart="never" nodeType="tmRoot"/>
+      </p:par>
+    </p:tnLst>
+  </p:timing>
+</p:sld>
+</file>
+
+<file path=ppt/slides/slide6.xml><?xml version="1.0" encoding="utf-8"?>
+<p:sld xmlns:a="http://schemas.openxmlformats.org/drawingml/2006/main" xmlns:r="http://schemas.openxmlformats.org/officeDocument/2006/relationships" xmlns:p="http://schemas.openxmlformats.org/presentationml/2006/main">
+  <p:cSld>
+    <p:spTree>
+      <p:nvGrpSpPr>
+        <p:cNvPr id="1" name=""/>
+        <p:cNvGrpSpPr/>
+        <p:nvPr/>
+      </p:nvGrpSpPr>
+      <p:grpSpPr>
+        <a:xfrm>
+          <a:off x="0" y="0"/>
+          <a:ext cx="0" cy="0"/>
+          <a:chOff x="0" y="0"/>
+          <a:chExt cx="0" cy="0"/>
+        </a:xfrm>
+      </p:grpSpPr>
+      <p:sp>
+        <p:nvSpPr>
+          <p:cNvPr id="2" name="Title 1"/>
+          <p:cNvSpPr>
+            <a:spLocks noGrp="1"/>
+          </p:cNvSpPr>
+          <p:nvPr>
+            <p:ph type="title"/>
+          </p:nvPr>
+        </p:nvSpPr>
+        <p:spPr/>
+        <p:txBody>
+          <a:bodyPr/>
+          <a:lstStyle/>
+          <a:p>
+            <a:r>
+              <a:rPr lang="en-US" dirty="0" smtClean="0"/>
               <a:t>Broad Objective</a:t>
             </a:r>
             <a:endParaRPr lang="en-US" dirty="0"/>
@@ -4389,6 +7598,2867 @@
     <p:extLst>
       <p:ext uri="{BB962C8B-B14F-4D97-AF65-F5344CB8AC3E}">
         <p14:creationId xmlns:p14="http://schemas.microsoft.com/office/powerpoint/2010/main" val="4217241501"/>
+      </p:ext>
+    </p:extLst>
+  </p:cSld>
+  <p:clrMapOvr>
+    <a:masterClrMapping/>
+  </p:clrMapOvr>
+  <p:timing>
+    <p:tnLst>
+      <p:par>
+        <p:cTn id="1" dur="indefinite" restart="never" nodeType="tmRoot"/>
+      </p:par>
+    </p:tnLst>
+  </p:timing>
+</p:sld>
+</file>
+
+<file path=ppt/slides/slide7.xml><?xml version="1.0" encoding="utf-8"?>
+<p:sld xmlns:a="http://schemas.openxmlformats.org/drawingml/2006/main" xmlns:r="http://schemas.openxmlformats.org/officeDocument/2006/relationships" xmlns:p="http://schemas.openxmlformats.org/presentationml/2006/main">
+  <p:cSld>
+    <p:spTree>
+      <p:nvGrpSpPr>
+        <p:cNvPr id="1" name=""/>
+        <p:cNvGrpSpPr/>
+        <p:nvPr/>
+      </p:nvGrpSpPr>
+      <p:grpSpPr>
+        <a:xfrm>
+          <a:off x="0" y="0"/>
+          <a:ext cx="0" cy="0"/>
+          <a:chOff x="0" y="0"/>
+          <a:chExt cx="0" cy="0"/>
+        </a:xfrm>
+      </p:grpSpPr>
+      <p:sp>
+        <p:nvSpPr>
+          <p:cNvPr id="2" name="Title 1"/>
+          <p:cNvSpPr>
+            <a:spLocks noGrp="1"/>
+          </p:cNvSpPr>
+          <p:nvPr>
+            <p:ph type="title"/>
+          </p:nvPr>
+        </p:nvSpPr>
+        <p:spPr/>
+        <p:txBody>
+          <a:bodyPr/>
+          <a:lstStyle/>
+          <a:p>
+            <a:r>
+              <a:rPr lang="en-US" dirty="0" smtClean="0"/>
+              <a:t>Definitions</a:t>
+            </a:r>
+            <a:endParaRPr lang="en-US" dirty="0"/>
+          </a:p>
+        </p:txBody>
+      </p:sp>
+      <mc:AlternateContent xmlns:mc="http://schemas.openxmlformats.org/markup-compatibility/2006">
+        <mc:Choice xmlns:a14="http://schemas.microsoft.com/office/drawing/2010/main" Requires="a14">
+          <p:sp>
+            <p:nvSpPr>
+              <p:cNvPr id="3" name="Content Placeholder 2"/>
+              <p:cNvSpPr>
+                <a:spLocks noGrp="1"/>
+              </p:cNvSpPr>
+              <p:nvPr>
+                <p:ph idx="1"/>
+              </p:nvPr>
+            </p:nvSpPr>
+            <p:spPr>
+              <a:xfrm>
+                <a:off x="633844" y="1420009"/>
+                <a:ext cx="8361566" cy="4760129"/>
+              </a:xfrm>
+            </p:spPr>
+            <p:txBody>
+              <a:bodyPr>
+                <a:normAutofit/>
+              </a:bodyPr>
+              <a:lstStyle/>
+              <a:p>
+                <a:r>
+                  <a:rPr lang="en-US" dirty="0" smtClean="0"/>
+                  <a:t>Area of Interest</a:t>
+                </a:r>
+              </a:p>
+              <a:p>
+                <a:pPr lvl="1"/>
+                <a:r>
+                  <a:rPr lang="en-GB" dirty="0" smtClean="0"/>
+                  <a:t>The </a:t>
+                </a:r>
+                <a:r>
+                  <a:rPr lang="en-GB" dirty="0"/>
+                  <a:t>area under surveillance </a:t>
+                </a:r>
+                <a:endParaRPr lang="en-GB" dirty="0" smtClean="0"/>
+              </a:p>
+              <a:p>
+                <a:pPr lvl="1"/>
+                <a:r>
+                  <a:rPr lang="en-US" dirty="0" smtClean="0"/>
+                  <a:t>Depicted by </a:t>
+                </a:r>
+                <a14:m>
+                  <m:oMath xmlns:m="http://schemas.openxmlformats.org/officeDocument/2006/math">
+                    <m:r>
+                      <a:rPr lang="en-GB" sz="2000" i="1">
+                        <a:latin typeface="Cambria Math" panose="02040503050406030204" pitchFamily="18" charset="0"/>
+                      </a:rPr>
+                      <m:t>𝐴</m:t>
+                    </m:r>
+                    <m:r>
+                      <a:rPr lang="en-GB" sz="2000" i="1">
+                        <a:latin typeface="Cambria Math" panose="02040503050406030204" pitchFamily="18" charset="0"/>
+                      </a:rPr>
+                      <m:t>={</m:t>
+                    </m:r>
+                    <m:d>
+                      <m:dPr>
+                        <m:ctrlPr>
+                          <a:rPr lang="en-US" sz="2000" i="1">
+                            <a:latin typeface="Cambria Math" panose="02040503050406030204" pitchFamily="18" charset="0"/>
+                          </a:rPr>
+                        </m:ctrlPr>
+                      </m:dPr>
+                      <m:e>
+                        <m:sSubSup>
+                          <m:sSubSupPr>
+                            <m:ctrlPr>
+                              <a:rPr lang="en-US" sz="2000" i="1">
+                                <a:latin typeface="Cambria Math" panose="02040503050406030204" pitchFamily="18" charset="0"/>
+                              </a:rPr>
+                            </m:ctrlPr>
+                          </m:sSubSupPr>
+                          <m:e>
+                            <m:r>
+                              <a:rPr lang="en-GB" sz="2000" i="1">
+                                <a:latin typeface="Cambria Math" panose="02040503050406030204" pitchFamily="18" charset="0"/>
+                              </a:rPr>
+                              <m:t>𝑥</m:t>
+                            </m:r>
+                          </m:e>
+                          <m:sub>
+                            <m:r>
+                              <a:rPr lang="en-GB" sz="2000" i="1">
+                                <a:latin typeface="Cambria Math" panose="02040503050406030204" pitchFamily="18" charset="0"/>
+                              </a:rPr>
+                              <m:t>0</m:t>
+                            </m:r>
+                          </m:sub>
+                          <m:sup>
+                            <m:r>
+                              <a:rPr lang="en-GB" sz="2000" i="1">
+                                <a:latin typeface="Cambria Math" panose="02040503050406030204" pitchFamily="18" charset="0"/>
+                              </a:rPr>
+                              <m:t>𝐴</m:t>
+                            </m:r>
+                          </m:sup>
+                        </m:sSubSup>
+                        <m:r>
+                          <a:rPr lang="en-GB" sz="2000" i="1">
+                            <a:latin typeface="Cambria Math" panose="02040503050406030204" pitchFamily="18" charset="0"/>
+                          </a:rPr>
+                          <m:t>,</m:t>
+                        </m:r>
+                        <m:sSubSup>
+                          <m:sSubSupPr>
+                            <m:ctrlPr>
+                              <a:rPr lang="en-US" sz="2000" i="1">
+                                <a:latin typeface="Cambria Math" panose="02040503050406030204" pitchFamily="18" charset="0"/>
+                              </a:rPr>
+                            </m:ctrlPr>
+                          </m:sSubSupPr>
+                          <m:e>
+                            <m:r>
+                              <a:rPr lang="en-GB" sz="2000" i="1">
+                                <a:latin typeface="Cambria Math" panose="02040503050406030204" pitchFamily="18" charset="0"/>
+                              </a:rPr>
+                              <m:t>𝑦</m:t>
+                            </m:r>
+                          </m:e>
+                          <m:sub>
+                            <m:r>
+                              <a:rPr lang="en-GB" sz="2000" i="1">
+                                <a:latin typeface="Cambria Math" panose="02040503050406030204" pitchFamily="18" charset="0"/>
+                              </a:rPr>
+                              <m:t>0</m:t>
+                            </m:r>
+                          </m:sub>
+                          <m:sup>
+                            <m:r>
+                              <a:rPr lang="en-GB" sz="2000" i="1">
+                                <a:latin typeface="Cambria Math" panose="02040503050406030204" pitchFamily="18" charset="0"/>
+                              </a:rPr>
+                              <m:t>𝐴</m:t>
+                            </m:r>
+                          </m:sup>
+                        </m:sSubSup>
+                      </m:e>
+                    </m:d>
+                    <m:r>
+                      <a:rPr lang="en-GB" sz="2000" i="1">
+                        <a:latin typeface="Cambria Math" panose="02040503050406030204" pitchFamily="18" charset="0"/>
+                      </a:rPr>
+                      <m:t>, </m:t>
+                    </m:r>
+                    <m:d>
+                      <m:dPr>
+                        <m:ctrlPr>
+                          <a:rPr lang="en-US" sz="2000" i="1">
+                            <a:latin typeface="Cambria Math" panose="02040503050406030204" pitchFamily="18" charset="0"/>
+                          </a:rPr>
+                        </m:ctrlPr>
+                      </m:dPr>
+                      <m:e>
+                        <m:sSubSup>
+                          <m:sSubSupPr>
+                            <m:ctrlPr>
+                              <a:rPr lang="en-US" sz="2000" i="1">
+                                <a:latin typeface="Cambria Math" panose="02040503050406030204" pitchFamily="18" charset="0"/>
+                              </a:rPr>
+                            </m:ctrlPr>
+                          </m:sSubSupPr>
+                          <m:e>
+                            <m:r>
+                              <a:rPr lang="en-GB" sz="2000" i="1">
+                                <a:latin typeface="Cambria Math" panose="02040503050406030204" pitchFamily="18" charset="0"/>
+                              </a:rPr>
+                              <m:t>𝑥</m:t>
+                            </m:r>
+                          </m:e>
+                          <m:sub>
+                            <m:r>
+                              <a:rPr lang="en-GB" sz="2000" i="1">
+                                <a:latin typeface="Cambria Math" panose="02040503050406030204" pitchFamily="18" charset="0"/>
+                              </a:rPr>
+                              <m:t>0</m:t>
+                            </m:r>
+                          </m:sub>
+                          <m:sup>
+                            <m:r>
+                              <a:rPr lang="en-GB" sz="2000" i="1">
+                                <a:latin typeface="Cambria Math" panose="02040503050406030204" pitchFamily="18" charset="0"/>
+                              </a:rPr>
+                              <m:t>𝐴</m:t>
+                            </m:r>
+                          </m:sup>
+                        </m:sSubSup>
+                        <m:r>
+                          <a:rPr lang="en-GB" sz="2000" i="1">
+                            <a:latin typeface="Cambria Math" panose="02040503050406030204" pitchFamily="18" charset="0"/>
+                          </a:rPr>
+                          <m:t>,</m:t>
+                        </m:r>
+                        <m:sSubSup>
+                          <m:sSubSupPr>
+                            <m:ctrlPr>
+                              <a:rPr lang="en-US" sz="2000" i="1">
+                                <a:latin typeface="Cambria Math" panose="02040503050406030204" pitchFamily="18" charset="0"/>
+                              </a:rPr>
+                            </m:ctrlPr>
+                          </m:sSubSupPr>
+                          <m:e>
+                            <m:r>
+                              <a:rPr lang="en-GB" sz="2000" i="1">
+                                <a:latin typeface="Cambria Math" panose="02040503050406030204" pitchFamily="18" charset="0"/>
+                              </a:rPr>
+                              <m:t>𝑦</m:t>
+                            </m:r>
+                          </m:e>
+                          <m:sub>
+                            <m:r>
+                              <a:rPr lang="en-GB" sz="2000" i="1">
+                                <a:latin typeface="Cambria Math" panose="02040503050406030204" pitchFamily="18" charset="0"/>
+                              </a:rPr>
+                              <m:t>1</m:t>
+                            </m:r>
+                          </m:sub>
+                          <m:sup>
+                            <m:r>
+                              <a:rPr lang="en-GB" sz="2000" i="1">
+                                <a:latin typeface="Cambria Math" panose="02040503050406030204" pitchFamily="18" charset="0"/>
+                              </a:rPr>
+                              <m:t>𝐴</m:t>
+                            </m:r>
+                          </m:sup>
+                        </m:sSubSup>
+                      </m:e>
+                    </m:d>
+                    <m:r>
+                      <a:rPr lang="en-GB" sz="2000" i="1">
+                        <a:latin typeface="Cambria Math" panose="02040503050406030204" pitchFamily="18" charset="0"/>
+                      </a:rPr>
+                      <m:t>, </m:t>
+                    </m:r>
+                    <m:d>
+                      <m:dPr>
+                        <m:ctrlPr>
+                          <a:rPr lang="en-US" sz="2000" i="1">
+                            <a:latin typeface="Cambria Math" panose="02040503050406030204" pitchFamily="18" charset="0"/>
+                          </a:rPr>
+                        </m:ctrlPr>
+                      </m:dPr>
+                      <m:e>
+                        <m:sSubSup>
+                          <m:sSubSupPr>
+                            <m:ctrlPr>
+                              <a:rPr lang="en-US" sz="2000" i="1">
+                                <a:latin typeface="Cambria Math" panose="02040503050406030204" pitchFamily="18" charset="0"/>
+                              </a:rPr>
+                            </m:ctrlPr>
+                          </m:sSubSupPr>
+                          <m:e>
+                            <m:r>
+                              <a:rPr lang="en-GB" sz="2000" i="1">
+                                <a:latin typeface="Cambria Math" panose="02040503050406030204" pitchFamily="18" charset="0"/>
+                              </a:rPr>
+                              <m:t>𝑥</m:t>
+                            </m:r>
+                          </m:e>
+                          <m:sub>
+                            <m:r>
+                              <a:rPr lang="en-GB" sz="2000" i="1">
+                                <a:latin typeface="Cambria Math" panose="02040503050406030204" pitchFamily="18" charset="0"/>
+                              </a:rPr>
+                              <m:t>1</m:t>
+                            </m:r>
+                          </m:sub>
+                          <m:sup>
+                            <m:r>
+                              <a:rPr lang="en-GB" sz="2000" i="1">
+                                <a:latin typeface="Cambria Math" panose="02040503050406030204" pitchFamily="18" charset="0"/>
+                              </a:rPr>
+                              <m:t>𝐴</m:t>
+                            </m:r>
+                          </m:sup>
+                        </m:sSubSup>
+                        <m:r>
+                          <a:rPr lang="en-GB" sz="2000" i="1">
+                            <a:latin typeface="Cambria Math" panose="02040503050406030204" pitchFamily="18" charset="0"/>
+                          </a:rPr>
+                          <m:t>,</m:t>
+                        </m:r>
+                        <m:sSubSup>
+                          <m:sSubSupPr>
+                            <m:ctrlPr>
+                              <a:rPr lang="en-US" sz="2000" i="1">
+                                <a:latin typeface="Cambria Math" panose="02040503050406030204" pitchFamily="18" charset="0"/>
+                              </a:rPr>
+                            </m:ctrlPr>
+                          </m:sSubSupPr>
+                          <m:e>
+                            <m:r>
+                              <a:rPr lang="en-GB" sz="2000" i="1">
+                                <a:latin typeface="Cambria Math" panose="02040503050406030204" pitchFamily="18" charset="0"/>
+                              </a:rPr>
+                              <m:t>𝑦</m:t>
+                            </m:r>
+                          </m:e>
+                          <m:sub>
+                            <m:r>
+                              <a:rPr lang="en-GB" sz="2000" i="1">
+                                <a:latin typeface="Cambria Math" panose="02040503050406030204" pitchFamily="18" charset="0"/>
+                              </a:rPr>
+                              <m:t>1</m:t>
+                            </m:r>
+                          </m:sub>
+                          <m:sup>
+                            <m:r>
+                              <a:rPr lang="en-GB" sz="2000" i="1">
+                                <a:latin typeface="Cambria Math" panose="02040503050406030204" pitchFamily="18" charset="0"/>
+                              </a:rPr>
+                              <m:t>𝐴</m:t>
+                            </m:r>
+                          </m:sup>
+                        </m:sSubSup>
+                      </m:e>
+                    </m:d>
+                    <m:r>
+                      <a:rPr lang="en-GB" sz="2000" i="1">
+                        <a:latin typeface="Cambria Math" panose="02040503050406030204" pitchFamily="18" charset="0"/>
+                      </a:rPr>
+                      <m:t>, </m:t>
+                    </m:r>
+                    <m:d>
+                      <m:dPr>
+                        <m:ctrlPr>
+                          <a:rPr lang="en-US" sz="2000" i="1">
+                            <a:latin typeface="Cambria Math" panose="02040503050406030204" pitchFamily="18" charset="0"/>
+                          </a:rPr>
+                        </m:ctrlPr>
+                      </m:dPr>
+                      <m:e>
+                        <m:sSubSup>
+                          <m:sSubSupPr>
+                            <m:ctrlPr>
+                              <a:rPr lang="en-US" sz="2000" i="1">
+                                <a:latin typeface="Cambria Math" panose="02040503050406030204" pitchFamily="18" charset="0"/>
+                              </a:rPr>
+                            </m:ctrlPr>
+                          </m:sSubSupPr>
+                          <m:e>
+                            <m:r>
+                              <a:rPr lang="en-GB" sz="2000" i="1">
+                                <a:latin typeface="Cambria Math" panose="02040503050406030204" pitchFamily="18" charset="0"/>
+                              </a:rPr>
+                              <m:t>𝑥</m:t>
+                            </m:r>
+                          </m:e>
+                          <m:sub>
+                            <m:r>
+                              <a:rPr lang="en-GB" sz="2000" i="1">
+                                <a:latin typeface="Cambria Math" panose="02040503050406030204" pitchFamily="18" charset="0"/>
+                              </a:rPr>
+                              <m:t>1</m:t>
+                            </m:r>
+                          </m:sub>
+                          <m:sup>
+                            <m:r>
+                              <a:rPr lang="en-GB" sz="2000" i="1">
+                                <a:latin typeface="Cambria Math" panose="02040503050406030204" pitchFamily="18" charset="0"/>
+                              </a:rPr>
+                              <m:t>𝐴</m:t>
+                            </m:r>
+                          </m:sup>
+                        </m:sSubSup>
+                        <m:r>
+                          <a:rPr lang="en-GB" sz="2000" i="1">
+                            <a:latin typeface="Cambria Math" panose="02040503050406030204" pitchFamily="18" charset="0"/>
+                          </a:rPr>
+                          <m:t>,</m:t>
+                        </m:r>
+                        <m:sSubSup>
+                          <m:sSubSupPr>
+                            <m:ctrlPr>
+                              <a:rPr lang="en-US" sz="2000" i="1">
+                                <a:latin typeface="Cambria Math" panose="02040503050406030204" pitchFamily="18" charset="0"/>
+                              </a:rPr>
+                            </m:ctrlPr>
+                          </m:sSubSupPr>
+                          <m:e>
+                            <m:r>
+                              <a:rPr lang="en-GB" sz="2000" i="1">
+                                <a:latin typeface="Cambria Math" panose="02040503050406030204" pitchFamily="18" charset="0"/>
+                              </a:rPr>
+                              <m:t>𝑦</m:t>
+                            </m:r>
+                          </m:e>
+                          <m:sub>
+                            <m:r>
+                              <a:rPr lang="en-GB" sz="2000" i="1">
+                                <a:latin typeface="Cambria Math" panose="02040503050406030204" pitchFamily="18" charset="0"/>
+                              </a:rPr>
+                              <m:t>0</m:t>
+                            </m:r>
+                          </m:sub>
+                          <m:sup>
+                            <m:r>
+                              <a:rPr lang="en-GB" sz="2000" i="1">
+                                <a:latin typeface="Cambria Math" panose="02040503050406030204" pitchFamily="18" charset="0"/>
+                              </a:rPr>
+                              <m:t>𝐴</m:t>
+                            </m:r>
+                          </m:sup>
+                        </m:sSubSup>
+                      </m:e>
+                    </m:d>
+                    <m:r>
+                      <a:rPr lang="en-GB" sz="2000" i="1">
+                        <a:latin typeface="Cambria Math" panose="02040503050406030204" pitchFamily="18" charset="0"/>
+                      </a:rPr>
+                      <m:t>} </m:t>
+                    </m:r>
+                  </m:oMath>
+                </a14:m>
+                <a:endParaRPr lang="en-US" dirty="0" smtClean="0"/>
+              </a:p>
+              <a:p>
+                <a:endParaRPr lang="en-US" dirty="0"/>
+              </a:p>
+              <a:p>
+                <a:r>
+                  <a:rPr lang="en-US" dirty="0" smtClean="0"/>
+                  <a:t>Set of heterogeneous sensors</a:t>
+                </a:r>
+              </a:p>
+              <a:p>
+                <a:pPr lvl="1"/>
+                <a14:m>
+                  <m:oMath xmlns:m="http://schemas.openxmlformats.org/officeDocument/2006/math">
+                    <m:r>
+                      <a:rPr lang="en-GB" i="1">
+                        <a:latin typeface="Cambria Math" panose="02040503050406030204" pitchFamily="18" charset="0"/>
+                      </a:rPr>
+                      <m:t>𝑆</m:t>
+                    </m:r>
+                    <m:r>
+                      <a:rPr lang="en-GB" i="1">
+                        <a:latin typeface="Cambria Math" panose="02040503050406030204" pitchFamily="18" charset="0"/>
+                      </a:rPr>
+                      <m:t>=</m:t>
+                    </m:r>
+                    <m:d>
+                      <m:dPr>
+                        <m:begChr m:val="{"/>
+                        <m:endChr m:val="}"/>
+                        <m:ctrlPr>
+                          <a:rPr lang="en-US" i="1">
+                            <a:latin typeface="Cambria Math" panose="02040503050406030204" pitchFamily="18" charset="0"/>
+                          </a:rPr>
+                        </m:ctrlPr>
+                      </m:dPr>
+                      <m:e>
+                        <m:sSub>
+                          <m:sSubPr>
+                            <m:ctrlPr>
+                              <a:rPr lang="en-US" i="1">
+                                <a:latin typeface="Cambria Math" panose="02040503050406030204" pitchFamily="18" charset="0"/>
+                              </a:rPr>
+                            </m:ctrlPr>
+                          </m:sSubPr>
+                          <m:e>
+                            <m:r>
+                              <a:rPr lang="en-GB" i="1">
+                                <a:latin typeface="Cambria Math" panose="02040503050406030204" pitchFamily="18" charset="0"/>
+                              </a:rPr>
+                              <m:t>𝑆</m:t>
+                            </m:r>
+                          </m:e>
+                          <m:sub>
+                            <m:r>
+                              <a:rPr lang="en-GB" i="1">
+                                <a:latin typeface="Cambria Math" panose="02040503050406030204" pitchFamily="18" charset="0"/>
+                              </a:rPr>
+                              <m:t>0</m:t>
+                            </m:r>
+                          </m:sub>
+                        </m:sSub>
+                        <m:r>
+                          <a:rPr lang="en-GB" i="1">
+                            <a:latin typeface="Cambria Math" panose="02040503050406030204" pitchFamily="18" charset="0"/>
+                          </a:rPr>
+                          <m:t>,</m:t>
+                        </m:r>
+                        <m:sSub>
+                          <m:sSubPr>
+                            <m:ctrlPr>
+                              <a:rPr lang="en-US" i="1">
+                                <a:latin typeface="Cambria Math" panose="02040503050406030204" pitchFamily="18" charset="0"/>
+                              </a:rPr>
+                            </m:ctrlPr>
+                          </m:sSubPr>
+                          <m:e>
+                            <m:r>
+                              <a:rPr lang="en-GB" i="1">
+                                <a:latin typeface="Cambria Math" panose="02040503050406030204" pitchFamily="18" charset="0"/>
+                              </a:rPr>
+                              <m:t>𝑆</m:t>
+                            </m:r>
+                          </m:e>
+                          <m:sub>
+                            <m:r>
+                              <a:rPr lang="en-GB" i="1">
+                                <a:latin typeface="Cambria Math" panose="02040503050406030204" pitchFamily="18" charset="0"/>
+                              </a:rPr>
+                              <m:t>1</m:t>
+                            </m:r>
+                          </m:sub>
+                        </m:sSub>
+                        <m:r>
+                          <a:rPr lang="en-GB" i="1">
+                            <a:latin typeface="Cambria Math" panose="02040503050406030204" pitchFamily="18" charset="0"/>
+                          </a:rPr>
+                          <m:t>,</m:t>
+                        </m:r>
+                        <m:sSub>
+                          <m:sSubPr>
+                            <m:ctrlPr>
+                              <a:rPr lang="en-US" i="1">
+                                <a:latin typeface="Cambria Math" panose="02040503050406030204" pitchFamily="18" charset="0"/>
+                              </a:rPr>
+                            </m:ctrlPr>
+                          </m:sSubPr>
+                          <m:e>
+                            <m:r>
+                              <a:rPr lang="en-GB" i="1">
+                                <a:latin typeface="Cambria Math" panose="02040503050406030204" pitchFamily="18" charset="0"/>
+                              </a:rPr>
+                              <m:t>𝑆</m:t>
+                            </m:r>
+                          </m:e>
+                          <m:sub>
+                            <m:r>
+                              <a:rPr lang="en-GB" i="1">
+                                <a:latin typeface="Cambria Math" panose="02040503050406030204" pitchFamily="18" charset="0"/>
+                              </a:rPr>
+                              <m:t>2</m:t>
+                            </m:r>
+                          </m:sub>
+                        </m:sSub>
+                        <m:r>
+                          <a:rPr lang="en-GB" i="1">
+                            <a:latin typeface="Cambria Math" panose="02040503050406030204" pitchFamily="18" charset="0"/>
+                          </a:rPr>
+                          <m:t>,…, </m:t>
+                        </m:r>
+                        <m:sSub>
+                          <m:sSubPr>
+                            <m:ctrlPr>
+                              <a:rPr lang="en-US" i="1">
+                                <a:latin typeface="Cambria Math" panose="02040503050406030204" pitchFamily="18" charset="0"/>
+                              </a:rPr>
+                            </m:ctrlPr>
+                          </m:sSubPr>
+                          <m:e>
+                            <m:r>
+                              <a:rPr lang="en-GB" i="1">
+                                <a:latin typeface="Cambria Math" panose="02040503050406030204" pitchFamily="18" charset="0"/>
+                              </a:rPr>
+                              <m:t>𝑆</m:t>
+                            </m:r>
+                          </m:e>
+                          <m:sub>
+                            <m:r>
+                              <a:rPr lang="en-GB" i="1">
+                                <a:latin typeface="Cambria Math" panose="02040503050406030204" pitchFamily="18" charset="0"/>
+                              </a:rPr>
+                              <m:t>𝑛</m:t>
+                            </m:r>
+                          </m:sub>
+                        </m:sSub>
+                      </m:e>
+                    </m:d>
+                    <m:r>
+                      <a:rPr lang="en-GB" i="1">
+                        <a:latin typeface="Cambria Math" panose="02040503050406030204" pitchFamily="18" charset="0"/>
+                      </a:rPr>
+                      <m:t>    </m:t>
+                    </m:r>
+                    <m:r>
+                      <a:rPr lang="en-GB" i="1">
+                        <a:latin typeface="Cambria Math" panose="02040503050406030204" pitchFamily="18" charset="0"/>
+                      </a:rPr>
+                      <m:t>𝑛</m:t>
+                    </m:r>
+                    <m:r>
+                      <a:rPr lang="en-GB" i="1">
+                        <a:latin typeface="Cambria Math" panose="02040503050406030204" pitchFamily="18" charset="0"/>
+                      </a:rPr>
+                      <m:t>≥1</m:t>
+                    </m:r>
+                  </m:oMath>
+                </a14:m>
+                <a:endParaRPr lang="en-US" dirty="0" smtClean="0"/>
+              </a:p>
+              <a:p>
+                <a:pPr lvl="1"/>
+                <a:r>
+                  <a:rPr lang="en-US" dirty="0" smtClean="0"/>
+                  <a:t>Info with each sensor type </a:t>
+                </a:r>
+                <a14:m>
+                  <m:oMath xmlns:m="http://schemas.openxmlformats.org/officeDocument/2006/math">
+                    <m:sSub>
+                      <m:sSubPr>
+                        <m:ctrlPr>
+                          <a:rPr lang="en-US" b="0" i="1" smtClean="0">
+                            <a:latin typeface="Cambria Math" panose="02040503050406030204" pitchFamily="18" charset="0"/>
+                          </a:rPr>
+                        </m:ctrlPr>
+                      </m:sSubPr>
+                      <m:e>
+                        <m:r>
+                          <a:rPr lang="en-US" b="0" i="1" smtClean="0">
+                            <a:latin typeface="Cambria Math" panose="02040503050406030204" pitchFamily="18" charset="0"/>
+                          </a:rPr>
+                          <m:t>𝑆</m:t>
+                        </m:r>
+                      </m:e>
+                      <m:sub>
+                        <m:r>
+                          <a:rPr lang="en-US" b="0" i="1" smtClean="0">
+                            <a:latin typeface="Cambria Math" panose="02040503050406030204" pitchFamily="18" charset="0"/>
+                          </a:rPr>
+                          <m:t>𝑖</m:t>
+                        </m:r>
+                      </m:sub>
+                    </m:sSub>
+                    <m:r>
+                      <a:rPr lang="en-US" b="0" i="1" smtClean="0">
+                        <a:latin typeface="Cambria Math" panose="02040503050406030204" pitchFamily="18" charset="0"/>
+                      </a:rPr>
+                      <m:t>∈</m:t>
+                    </m:r>
+                    <m:r>
+                      <a:rPr lang="en-US" b="0" i="1" smtClean="0">
+                        <a:latin typeface="Cambria Math" panose="02040503050406030204" pitchFamily="18" charset="0"/>
+                      </a:rPr>
+                      <m:t>𝑆</m:t>
+                    </m:r>
+                  </m:oMath>
+                </a14:m>
+                <a:endParaRPr lang="en-US" dirty="0" smtClean="0"/>
+              </a:p>
+              <a:p>
+                <a:pPr lvl="2"/>
+                <a:r>
+                  <a:rPr lang="en-GB" dirty="0"/>
+                  <a:t>Range of operation </a:t>
+                </a:r>
+                <a14:m>
+                  <m:oMath xmlns:m="http://schemas.openxmlformats.org/officeDocument/2006/math">
+                    <m:sSubSup>
+                      <m:sSubSupPr>
+                        <m:ctrlPr>
+                          <a:rPr lang="en-US" i="1">
+                            <a:latin typeface="Cambria Math" panose="02040503050406030204" pitchFamily="18" charset="0"/>
+                          </a:rPr>
+                        </m:ctrlPr>
+                      </m:sSubSupPr>
+                      <m:e>
+                        <m:r>
+                          <a:rPr lang="en-GB" i="1">
+                            <a:latin typeface="Cambria Math" panose="02040503050406030204" pitchFamily="18" charset="0"/>
+                          </a:rPr>
+                          <m:t>𝑅</m:t>
+                        </m:r>
+                      </m:e>
+                      <m:sub>
+                        <m:r>
+                          <a:rPr lang="en-GB" i="1">
+                            <a:latin typeface="Cambria Math" panose="02040503050406030204" pitchFamily="18" charset="0"/>
+                          </a:rPr>
+                          <m:t>𝑖</m:t>
+                        </m:r>
+                      </m:sub>
+                      <m:sup>
+                        <m:r>
+                          <a:rPr lang="en-GB" i="1">
+                            <a:latin typeface="Cambria Math" panose="02040503050406030204" pitchFamily="18" charset="0"/>
+                          </a:rPr>
+                          <m:t>𝑆</m:t>
+                        </m:r>
+                      </m:sup>
+                    </m:sSubSup>
+                  </m:oMath>
+                </a14:m>
+                <a:r>
+                  <a:rPr lang="en-GB" dirty="0"/>
+                  <a:t> which determines the Area of Influence </a:t>
+                </a:r>
+                <a14:m>
+                  <m:oMath xmlns:m="http://schemas.openxmlformats.org/officeDocument/2006/math">
+                    <m:sSubSup>
+                      <m:sSubSupPr>
+                        <m:ctrlPr>
+                          <a:rPr lang="en-US" i="1">
+                            <a:latin typeface="Cambria Math" panose="02040503050406030204" pitchFamily="18" charset="0"/>
+                          </a:rPr>
+                        </m:ctrlPr>
+                      </m:sSubSupPr>
+                      <m:e>
+                        <m:r>
+                          <a:rPr lang="en-GB" i="1">
+                            <a:latin typeface="Cambria Math" panose="02040503050406030204" pitchFamily="18" charset="0"/>
+                          </a:rPr>
+                          <m:t>𝐴</m:t>
+                        </m:r>
+                      </m:e>
+                      <m:sub>
+                        <m:r>
+                          <a:rPr lang="en-GB" i="1">
+                            <a:latin typeface="Cambria Math" panose="02040503050406030204" pitchFamily="18" charset="0"/>
+                          </a:rPr>
+                          <m:t>𝑖</m:t>
+                        </m:r>
+                      </m:sub>
+                      <m:sup>
+                        <m:r>
+                          <a:rPr lang="en-GB" i="1">
+                            <a:latin typeface="Cambria Math" panose="02040503050406030204" pitchFamily="18" charset="0"/>
+                          </a:rPr>
+                          <m:t>𝑆</m:t>
+                        </m:r>
+                      </m:sup>
+                    </m:sSubSup>
+                    <m:r>
+                      <a:rPr lang="en-US" b="0" i="1" smtClean="0">
+                        <a:latin typeface="Cambria Math" panose="02040503050406030204" pitchFamily="18" charset="0"/>
+                      </a:rPr>
+                      <m:t> </m:t>
+                    </m:r>
+                  </m:oMath>
+                </a14:m>
+                <a:r>
+                  <a:rPr lang="en-US" sz="1200" dirty="0"/>
+                  <a:t> </a:t>
+                </a:r>
+                <a:r>
+                  <a:rPr lang="en-US" dirty="0"/>
+                  <a:t>of the sensor</a:t>
+                </a:r>
+              </a:p>
+              <a:p>
+                <a:pPr lvl="2"/>
+                <a:r>
+                  <a:rPr lang="en-GB" dirty="0"/>
+                  <a:t>Set of feasible locations </a:t>
+                </a:r>
+                <a14:m>
+                  <m:oMath xmlns:m="http://schemas.openxmlformats.org/officeDocument/2006/math">
+                    <m:sSubSup>
+                      <m:sSubSupPr>
+                        <m:ctrlPr>
+                          <a:rPr lang="en-US" i="1">
+                            <a:latin typeface="Cambria Math" panose="02040503050406030204" pitchFamily="18" charset="0"/>
+                          </a:rPr>
+                        </m:ctrlPr>
+                      </m:sSubSupPr>
+                      <m:e>
+                        <m:r>
+                          <a:rPr lang="en-GB" i="1">
+                            <a:latin typeface="Cambria Math" panose="02040503050406030204" pitchFamily="18" charset="0"/>
+                          </a:rPr>
+                          <m:t>𝐿</m:t>
+                        </m:r>
+                      </m:e>
+                      <m:sub>
+                        <m:r>
+                          <a:rPr lang="en-GB" i="1">
+                            <a:latin typeface="Cambria Math" panose="02040503050406030204" pitchFamily="18" charset="0"/>
+                          </a:rPr>
+                          <m:t>𝑖</m:t>
+                        </m:r>
+                      </m:sub>
+                      <m:sup>
+                        <m:r>
+                          <a:rPr lang="en-GB" i="1">
+                            <a:latin typeface="Cambria Math" panose="02040503050406030204" pitchFamily="18" charset="0"/>
+                          </a:rPr>
+                          <m:t>𝑆</m:t>
+                        </m:r>
+                      </m:sup>
+                    </m:sSubSup>
+                    <m:r>
+                      <a:rPr lang="en-GB" i="1">
+                        <a:latin typeface="Cambria Math" panose="02040503050406030204" pitchFamily="18" charset="0"/>
+                      </a:rPr>
+                      <m:t>=</m:t>
+                    </m:r>
+                    <m:d>
+                      <m:dPr>
+                        <m:begChr m:val="{"/>
+                        <m:endChr m:val="|"/>
+                        <m:ctrlPr>
+                          <a:rPr lang="en-US" i="1">
+                            <a:latin typeface="Cambria Math" panose="02040503050406030204" pitchFamily="18" charset="0"/>
+                          </a:rPr>
+                        </m:ctrlPr>
+                      </m:dPr>
+                      <m:e>
+                        <m:d>
+                          <m:dPr>
+                            <m:ctrlPr>
+                              <a:rPr lang="en-US" i="1">
+                                <a:latin typeface="Cambria Math" panose="02040503050406030204" pitchFamily="18" charset="0"/>
+                              </a:rPr>
+                            </m:ctrlPr>
+                          </m:dPr>
+                          <m:e>
+                            <m:r>
+                              <a:rPr lang="en-GB" i="1">
+                                <a:latin typeface="Cambria Math" panose="02040503050406030204" pitchFamily="18" charset="0"/>
+                              </a:rPr>
+                              <m:t>𝑥</m:t>
+                            </m:r>
+                            <m:r>
+                              <a:rPr lang="en-GB" i="1">
+                                <a:latin typeface="Cambria Math" panose="02040503050406030204" pitchFamily="18" charset="0"/>
+                              </a:rPr>
+                              <m:t>,</m:t>
+                            </m:r>
+                            <m:r>
+                              <a:rPr lang="en-GB" i="1">
+                                <a:latin typeface="Cambria Math" panose="02040503050406030204" pitchFamily="18" charset="0"/>
+                              </a:rPr>
+                              <m:t>𝑦</m:t>
+                            </m:r>
+                          </m:e>
+                        </m:d>
+                      </m:e>
+                    </m:d>
+                    <m:r>
+                      <a:rPr lang="en-GB" i="1">
+                        <a:latin typeface="Cambria Math" panose="02040503050406030204" pitchFamily="18" charset="0"/>
+                      </a:rPr>
+                      <m:t> </m:t>
+                    </m:r>
+                    <m:sSubSup>
+                      <m:sSubSupPr>
+                        <m:ctrlPr>
+                          <a:rPr lang="en-US" i="1">
+                            <a:latin typeface="Cambria Math" panose="02040503050406030204" pitchFamily="18" charset="0"/>
+                          </a:rPr>
+                        </m:ctrlPr>
+                      </m:sSubSupPr>
+                      <m:e>
+                        <m:r>
+                          <a:rPr lang="en-GB" i="1">
+                            <a:latin typeface="Cambria Math" panose="02040503050406030204" pitchFamily="18" charset="0"/>
+                          </a:rPr>
+                          <m:t>𝑥</m:t>
+                        </m:r>
+                      </m:e>
+                      <m:sub>
+                        <m:r>
+                          <a:rPr lang="en-GB" i="1">
+                            <a:latin typeface="Cambria Math" panose="02040503050406030204" pitchFamily="18" charset="0"/>
+                          </a:rPr>
+                          <m:t>0</m:t>
+                        </m:r>
+                      </m:sub>
+                      <m:sup>
+                        <m:r>
+                          <a:rPr lang="en-GB" i="1">
+                            <a:latin typeface="Cambria Math" panose="02040503050406030204" pitchFamily="18" charset="0"/>
+                          </a:rPr>
+                          <m:t>𝐴</m:t>
+                        </m:r>
+                      </m:sup>
+                    </m:sSubSup>
+                    <m:r>
+                      <a:rPr lang="en-GB" i="1">
+                        <a:latin typeface="Cambria Math" panose="02040503050406030204" pitchFamily="18" charset="0"/>
+                      </a:rPr>
+                      <m:t>≤</m:t>
+                    </m:r>
+                    <m:r>
+                      <a:rPr lang="en-GB" i="1">
+                        <a:latin typeface="Cambria Math" panose="02040503050406030204" pitchFamily="18" charset="0"/>
+                      </a:rPr>
+                      <m:t>𝑥</m:t>
+                    </m:r>
+                    <m:r>
+                      <a:rPr lang="en-GB" i="1">
+                        <a:latin typeface="Cambria Math" panose="02040503050406030204" pitchFamily="18" charset="0"/>
+                      </a:rPr>
+                      <m:t>≤</m:t>
+                    </m:r>
+                    <m:sSubSup>
+                      <m:sSubSupPr>
+                        <m:ctrlPr>
+                          <a:rPr lang="en-US" i="1">
+                            <a:latin typeface="Cambria Math" panose="02040503050406030204" pitchFamily="18" charset="0"/>
+                          </a:rPr>
+                        </m:ctrlPr>
+                      </m:sSubSupPr>
+                      <m:e>
+                        <m:r>
+                          <a:rPr lang="en-GB" i="1">
+                            <a:latin typeface="Cambria Math" panose="02040503050406030204" pitchFamily="18" charset="0"/>
+                          </a:rPr>
+                          <m:t>𝑥</m:t>
+                        </m:r>
+                      </m:e>
+                      <m:sub>
+                        <m:r>
+                          <a:rPr lang="en-GB" i="1">
+                            <a:latin typeface="Cambria Math" panose="02040503050406030204" pitchFamily="18" charset="0"/>
+                          </a:rPr>
+                          <m:t>1</m:t>
+                        </m:r>
+                      </m:sub>
+                      <m:sup>
+                        <m:r>
+                          <a:rPr lang="en-GB" i="1">
+                            <a:latin typeface="Cambria Math" panose="02040503050406030204" pitchFamily="18" charset="0"/>
+                          </a:rPr>
+                          <m:t>𝐴</m:t>
+                        </m:r>
+                      </m:sup>
+                    </m:sSubSup>
+                    <m:r>
+                      <a:rPr lang="en-GB" i="1">
+                        <a:latin typeface="Cambria Math" panose="02040503050406030204" pitchFamily="18" charset="0"/>
+                      </a:rPr>
+                      <m:t>,  </m:t>
+                    </m:r>
+                    <m:sSubSup>
+                      <m:sSubSupPr>
+                        <m:ctrlPr>
+                          <a:rPr lang="en-US" i="1">
+                            <a:latin typeface="Cambria Math" panose="02040503050406030204" pitchFamily="18" charset="0"/>
+                          </a:rPr>
+                        </m:ctrlPr>
+                      </m:sSubSupPr>
+                      <m:e>
+                        <m:r>
+                          <a:rPr lang="en-GB" i="1">
+                            <a:latin typeface="Cambria Math" panose="02040503050406030204" pitchFamily="18" charset="0"/>
+                          </a:rPr>
+                          <m:t>𝑦</m:t>
+                        </m:r>
+                      </m:e>
+                      <m:sub>
+                        <m:r>
+                          <a:rPr lang="en-GB" i="1">
+                            <a:latin typeface="Cambria Math" panose="02040503050406030204" pitchFamily="18" charset="0"/>
+                          </a:rPr>
+                          <m:t>0</m:t>
+                        </m:r>
+                      </m:sub>
+                      <m:sup>
+                        <m:r>
+                          <a:rPr lang="en-GB" i="1">
+                            <a:latin typeface="Cambria Math" panose="02040503050406030204" pitchFamily="18" charset="0"/>
+                          </a:rPr>
+                          <m:t>𝐴</m:t>
+                        </m:r>
+                      </m:sup>
+                    </m:sSubSup>
+                    <m:r>
+                      <a:rPr lang="en-GB" i="1">
+                        <a:latin typeface="Cambria Math" panose="02040503050406030204" pitchFamily="18" charset="0"/>
+                      </a:rPr>
+                      <m:t>≤</m:t>
+                    </m:r>
+                    <m:r>
+                      <a:rPr lang="en-GB" i="1">
+                        <a:latin typeface="Cambria Math" panose="02040503050406030204" pitchFamily="18" charset="0"/>
+                      </a:rPr>
+                      <m:t>𝑦</m:t>
+                    </m:r>
+                    <m:r>
+                      <a:rPr lang="en-GB" i="1">
+                        <a:latin typeface="Cambria Math" panose="02040503050406030204" pitchFamily="18" charset="0"/>
+                      </a:rPr>
+                      <m:t>≤</m:t>
+                    </m:r>
+                    <m:sSubSup>
+                      <m:sSubSupPr>
+                        <m:ctrlPr>
+                          <a:rPr lang="en-US" i="1">
+                            <a:latin typeface="Cambria Math" panose="02040503050406030204" pitchFamily="18" charset="0"/>
+                          </a:rPr>
+                        </m:ctrlPr>
+                      </m:sSubSupPr>
+                      <m:e>
+                        <m:r>
+                          <a:rPr lang="en-GB" i="1">
+                            <a:latin typeface="Cambria Math" panose="02040503050406030204" pitchFamily="18" charset="0"/>
+                          </a:rPr>
+                          <m:t>𝑦</m:t>
+                        </m:r>
+                      </m:e>
+                      <m:sub>
+                        <m:r>
+                          <a:rPr lang="en-GB" i="1">
+                            <a:latin typeface="Cambria Math" panose="02040503050406030204" pitchFamily="18" charset="0"/>
+                          </a:rPr>
+                          <m:t>1</m:t>
+                        </m:r>
+                      </m:sub>
+                      <m:sup>
+                        <m:r>
+                          <a:rPr lang="en-GB" i="1">
+                            <a:latin typeface="Cambria Math" panose="02040503050406030204" pitchFamily="18" charset="0"/>
+                          </a:rPr>
+                          <m:t>𝐴</m:t>
+                        </m:r>
+                      </m:sup>
+                    </m:sSubSup>
+                    <m:r>
+                      <a:rPr lang="en-GB" i="1">
+                        <a:latin typeface="Cambria Math" panose="02040503050406030204" pitchFamily="18" charset="0"/>
+                      </a:rPr>
+                      <m:t> }</m:t>
+                    </m:r>
+                  </m:oMath>
+                </a14:m>
+                <a:endParaRPr lang="en-US" sz="1200" dirty="0"/>
+              </a:p>
+              <a:p>
+                <a:pPr lvl="2"/>
+                <a:r>
+                  <a:rPr lang="en-GB" dirty="0"/>
+                  <a:t>Cost </a:t>
+                </a:r>
+                <a14:m>
+                  <m:oMath xmlns:m="http://schemas.openxmlformats.org/officeDocument/2006/math">
+                    <m:sSubSup>
+                      <m:sSubSupPr>
+                        <m:ctrlPr>
+                          <a:rPr lang="en-US" i="1">
+                            <a:latin typeface="Cambria Math" panose="02040503050406030204" pitchFamily="18" charset="0"/>
+                          </a:rPr>
+                        </m:ctrlPr>
+                      </m:sSubSupPr>
+                      <m:e>
+                        <m:r>
+                          <a:rPr lang="en-GB" i="1">
+                            <a:latin typeface="Cambria Math" panose="02040503050406030204" pitchFamily="18" charset="0"/>
+                          </a:rPr>
+                          <m:t>𝐶</m:t>
+                        </m:r>
+                      </m:e>
+                      <m:sub>
+                        <m:r>
+                          <a:rPr lang="en-GB" i="1">
+                            <a:latin typeface="Cambria Math" panose="02040503050406030204" pitchFamily="18" charset="0"/>
+                          </a:rPr>
+                          <m:t>𝑖</m:t>
+                        </m:r>
+                      </m:sub>
+                      <m:sup>
+                        <m:r>
+                          <a:rPr lang="en-GB" i="1">
+                            <a:latin typeface="Cambria Math" panose="02040503050406030204" pitchFamily="18" charset="0"/>
+                          </a:rPr>
+                          <m:t>𝑠</m:t>
+                        </m:r>
+                      </m:sup>
+                    </m:sSubSup>
+                  </m:oMath>
+                </a14:m>
+                <a:endParaRPr lang="en-US" sz="1200" dirty="0"/>
+              </a:p>
+              <a:p>
+                <a:pPr lvl="2"/>
+                <a:endParaRPr lang="en-US" dirty="0"/>
+              </a:p>
+            </p:txBody>
+          </p:sp>
+        </mc:Choice>
+        <mc:Fallback>
+          <p:sp>
+            <p:nvSpPr>
+              <p:cNvPr id="3" name="Content Placeholder 2"/>
+              <p:cNvSpPr>
+                <a:spLocks noGrp="1" noRot="1" noChangeAspect="1" noMove="1" noResize="1" noEditPoints="1" noAdjustHandles="1" noChangeArrowheads="1" noChangeShapeType="1" noTextEdit="1"/>
+              </p:cNvSpPr>
+              <p:nvPr>
+                <p:ph idx="1"/>
+              </p:nvPr>
+            </p:nvSpPr>
+            <p:spPr>
+              <a:xfrm>
+                <a:off x="633844" y="1420009"/>
+                <a:ext cx="8361566" cy="4760129"/>
+              </a:xfrm>
+              <a:blipFill rotWithShape="0">
+                <a:blip r:embed="rId2"/>
+                <a:stretch>
+                  <a:fillRect l="-729" t="-1536"/>
+                </a:stretch>
+              </a:blipFill>
+            </p:spPr>
+            <p:txBody>
+              <a:bodyPr/>
+              <a:lstStyle/>
+              <a:p>
+                <a:r>
+                  <a:rPr lang="en-US">
+                    <a:noFill/>
+                  </a:rPr>
+                  <a:t> </a:t>
+                </a:r>
+              </a:p>
+            </p:txBody>
+          </p:sp>
+        </mc:Fallback>
+      </mc:AlternateContent>
+    </p:spTree>
+    <p:extLst>
+      <p:ext uri="{BB962C8B-B14F-4D97-AF65-F5344CB8AC3E}">
+        <p14:creationId xmlns:p14="http://schemas.microsoft.com/office/powerpoint/2010/main" val="3331434190"/>
+      </p:ext>
+    </p:extLst>
+  </p:cSld>
+  <p:clrMapOvr>
+    <a:masterClrMapping/>
+  </p:clrMapOvr>
+  <p:timing>
+    <p:tnLst>
+      <p:par>
+        <p:cTn id="1" dur="indefinite" restart="never" nodeType="tmRoot"/>
+      </p:par>
+    </p:tnLst>
+  </p:timing>
+</p:sld>
+</file>
+
+<file path=ppt/slides/slide8.xml><?xml version="1.0" encoding="utf-8"?>
+<p:sld xmlns:a="http://schemas.openxmlformats.org/drawingml/2006/main" xmlns:r="http://schemas.openxmlformats.org/officeDocument/2006/relationships" xmlns:p="http://schemas.openxmlformats.org/presentationml/2006/main">
+  <p:cSld>
+    <p:spTree>
+      <p:nvGrpSpPr>
+        <p:cNvPr id="1" name=""/>
+        <p:cNvGrpSpPr/>
+        <p:nvPr/>
+      </p:nvGrpSpPr>
+      <p:grpSpPr>
+        <a:xfrm>
+          <a:off x="0" y="0"/>
+          <a:ext cx="0" cy="0"/>
+          <a:chOff x="0" y="0"/>
+          <a:chExt cx="0" cy="0"/>
+        </a:xfrm>
+      </p:grpSpPr>
+      <p:sp>
+        <p:nvSpPr>
+          <p:cNvPr id="2" name="Title 1"/>
+          <p:cNvSpPr>
+            <a:spLocks noGrp="1"/>
+          </p:cNvSpPr>
+          <p:nvPr>
+            <p:ph type="title"/>
+          </p:nvPr>
+        </p:nvSpPr>
+        <p:spPr/>
+        <p:txBody>
+          <a:bodyPr/>
+          <a:lstStyle/>
+          <a:p>
+            <a:endParaRPr lang="en-US"/>
+          </a:p>
+        </p:txBody>
+      </p:sp>
+      <mc:AlternateContent xmlns:mc="http://schemas.openxmlformats.org/markup-compatibility/2006">
+        <mc:Choice xmlns:a14="http://schemas.microsoft.com/office/drawing/2010/main" Requires="a14">
+          <p:sp>
+            <p:nvSpPr>
+              <p:cNvPr id="3" name="Content Placeholder 2"/>
+              <p:cNvSpPr>
+                <a:spLocks noGrp="1"/>
+              </p:cNvSpPr>
+              <p:nvPr>
+                <p:ph idx="1"/>
+              </p:nvPr>
+            </p:nvSpPr>
+            <p:spPr/>
+            <p:txBody>
+              <a:bodyPr>
+                <a:normAutofit fontScale="92500" lnSpcReduction="20000"/>
+              </a:bodyPr>
+              <a:lstStyle/>
+              <a:p>
+                <a14:m>
+                  <m:oMath xmlns:m="http://schemas.openxmlformats.org/officeDocument/2006/math">
+                    <m:r>
+                      <a:rPr lang="en-US" b="0" i="1" smtClean="0">
+                        <a:latin typeface="Cambria Math" panose="02040503050406030204" pitchFamily="18" charset="0"/>
+                      </a:rPr>
+                      <m:t>∀</m:t>
+                    </m:r>
+                    <m:r>
+                      <a:rPr lang="en-US" b="0" i="1" smtClean="0">
+                        <a:latin typeface="Cambria Math" panose="02040503050406030204" pitchFamily="18" charset="0"/>
+                      </a:rPr>
+                      <m:t>𝑠</m:t>
+                    </m:r>
+                    <m:r>
+                      <a:rPr lang="en-US" b="0" i="1" smtClean="0">
+                        <a:latin typeface="Cambria Math" panose="02040503050406030204" pitchFamily="18" charset="0"/>
+                      </a:rPr>
+                      <m:t>∈</m:t>
+                    </m:r>
+                    <m:sSub>
+                      <m:sSubPr>
+                        <m:ctrlPr>
+                          <a:rPr lang="en-US" b="0" i="1" smtClean="0">
+                            <a:latin typeface="Cambria Math" panose="02040503050406030204" pitchFamily="18" charset="0"/>
+                          </a:rPr>
+                        </m:ctrlPr>
+                      </m:sSubPr>
+                      <m:e>
+                        <m:r>
+                          <a:rPr lang="en-US" b="0" i="1" smtClean="0">
+                            <a:latin typeface="Cambria Math" panose="02040503050406030204" pitchFamily="18" charset="0"/>
+                          </a:rPr>
+                          <m:t>𝑆</m:t>
+                        </m:r>
+                      </m:e>
+                      <m:sub>
+                        <m:r>
+                          <a:rPr lang="en-US" b="0" i="1" smtClean="0">
+                            <a:latin typeface="Cambria Math" panose="02040503050406030204" pitchFamily="18" charset="0"/>
+                          </a:rPr>
+                          <m:t>𝑖</m:t>
+                        </m:r>
+                      </m:sub>
+                    </m:sSub>
+                  </m:oMath>
+                </a14:m>
+                <a:r>
+                  <a:rPr lang="en-US" dirty="0" smtClean="0"/>
+                  <a:t> following tuple is associated</a:t>
+                </a:r>
+              </a:p>
+              <a:p>
+                <a:pPr lvl="1"/>
+                <a14:m>
+                  <m:oMath xmlns:m="http://schemas.openxmlformats.org/officeDocument/2006/math">
+                    <m:r>
+                      <a:rPr lang="en-US" b="0" i="1" smtClean="0">
+                        <a:latin typeface="Cambria Math" panose="02040503050406030204" pitchFamily="18" charset="0"/>
+                      </a:rPr>
+                      <m:t>    </m:t>
+                    </m:r>
+                    <m:d>
+                      <m:dPr>
+                        <m:ctrlPr>
+                          <a:rPr lang="en-US" b="0" i="1" smtClean="0">
+                            <a:latin typeface="Cambria Math" panose="02040503050406030204" pitchFamily="18" charset="0"/>
+                          </a:rPr>
+                        </m:ctrlPr>
+                      </m:dPr>
+                      <m:e>
+                        <m:r>
+                          <a:rPr lang="en-GB" i="1">
+                            <a:latin typeface="Cambria Math" panose="02040503050406030204" pitchFamily="18" charset="0"/>
+                          </a:rPr>
+                          <m:t>𝑠</m:t>
+                        </m:r>
+                        <m:r>
+                          <a:rPr lang="en-GB" i="1">
+                            <a:latin typeface="Cambria Math" panose="02040503050406030204" pitchFamily="18" charset="0"/>
+                          </a:rPr>
+                          <m:t>.</m:t>
+                        </m:r>
+                        <m:r>
+                          <a:rPr lang="en-GB" i="1">
+                            <a:latin typeface="Cambria Math" panose="02040503050406030204" pitchFamily="18" charset="0"/>
+                          </a:rPr>
+                          <m:t>𝑡𝑦𝑝𝑒</m:t>
+                        </m:r>
+                        <m:r>
+                          <a:rPr lang="en-GB" i="1">
+                            <a:latin typeface="Cambria Math" panose="02040503050406030204" pitchFamily="18" charset="0"/>
+                          </a:rPr>
+                          <m:t>, </m:t>
+                        </m:r>
+                        <m:r>
+                          <a:rPr lang="en-GB" i="1">
+                            <a:latin typeface="Cambria Math" panose="02040503050406030204" pitchFamily="18" charset="0"/>
+                          </a:rPr>
+                          <m:t>𝑠</m:t>
+                        </m:r>
+                        <m:r>
+                          <a:rPr lang="en-GB" i="1">
+                            <a:latin typeface="Cambria Math" panose="02040503050406030204" pitchFamily="18" charset="0"/>
+                          </a:rPr>
+                          <m:t>.</m:t>
+                        </m:r>
+                        <m:r>
+                          <a:rPr lang="en-GB" i="1">
+                            <a:latin typeface="Cambria Math" panose="02040503050406030204" pitchFamily="18" charset="0"/>
+                          </a:rPr>
+                          <m:t>𝑟𝑎𝑛𝑔𝑒</m:t>
+                        </m:r>
+                        <m:r>
+                          <a:rPr lang="en-GB" i="1">
+                            <a:latin typeface="Cambria Math" panose="02040503050406030204" pitchFamily="18" charset="0"/>
+                          </a:rPr>
+                          <m:t>, </m:t>
+                        </m:r>
+                        <m:r>
+                          <a:rPr lang="en-GB" i="1">
+                            <a:latin typeface="Cambria Math" panose="02040503050406030204" pitchFamily="18" charset="0"/>
+                          </a:rPr>
+                          <m:t>𝑠</m:t>
+                        </m:r>
+                        <m:r>
+                          <a:rPr lang="en-GB" i="1">
+                            <a:latin typeface="Cambria Math" panose="02040503050406030204" pitchFamily="18" charset="0"/>
+                          </a:rPr>
+                          <m:t>.</m:t>
+                        </m:r>
+                        <m:r>
+                          <a:rPr lang="en-GB" i="1">
+                            <a:latin typeface="Cambria Math" panose="02040503050406030204" pitchFamily="18" charset="0"/>
+                          </a:rPr>
+                          <m:t>𝑙𝑜𝑐𝑎𝑡𝑖𝑜𝑛</m:t>
+                        </m:r>
+                        <m:r>
+                          <a:rPr lang="en-GB" i="1">
+                            <a:latin typeface="Cambria Math" panose="02040503050406030204" pitchFamily="18" charset="0"/>
+                          </a:rPr>
+                          <m:t>, </m:t>
+                        </m:r>
+                        <m:r>
+                          <a:rPr lang="en-GB" i="1">
+                            <a:latin typeface="Cambria Math" panose="02040503050406030204" pitchFamily="18" charset="0"/>
+                          </a:rPr>
+                          <m:t>𝑠</m:t>
+                        </m:r>
+                        <m:r>
+                          <a:rPr lang="en-GB" i="1">
+                            <a:latin typeface="Cambria Math" panose="02040503050406030204" pitchFamily="18" charset="0"/>
+                          </a:rPr>
+                          <m:t>.</m:t>
+                        </m:r>
+                        <m:r>
+                          <a:rPr lang="en-GB" i="1">
+                            <a:latin typeface="Cambria Math" panose="02040503050406030204" pitchFamily="18" charset="0"/>
+                          </a:rPr>
+                          <m:t>𝑐𝑜𝑠𝑡</m:t>
+                        </m:r>
+                      </m:e>
+                    </m:d>
+                  </m:oMath>
+                </a14:m>
+                <a:endParaRPr lang="en-US" i="1" dirty="0" smtClean="0">
+                  <a:latin typeface="Cambria Math" panose="02040503050406030204" pitchFamily="18" charset="0"/>
+                </a:endParaRPr>
+              </a:p>
+              <a:p>
+                <a:pPr marL="982663" indent="0">
+                  <a:buNone/>
+                </a:pPr>
+                <a:r>
+                  <a:rPr lang="en-US" sz="2000" dirty="0" smtClean="0"/>
+                  <a:t>where, </a:t>
+                </a:r>
+                <a:r>
+                  <a:rPr lang="en-US" sz="2000" dirty="0"/>
+                  <a:t>	</a:t>
+                </a:r>
+                <a14:m>
+                  <m:oMath xmlns:m="http://schemas.openxmlformats.org/officeDocument/2006/math">
+                    <m:r>
+                      <a:rPr lang="en-US" sz="2000" i="1">
+                        <a:latin typeface="Cambria Math" panose="02040503050406030204" pitchFamily="18" charset="0"/>
+                      </a:rPr>
+                      <m:t>𝑠</m:t>
+                    </m:r>
+                    <m:r>
+                      <a:rPr lang="en-US" sz="2000" i="1">
+                        <a:latin typeface="Cambria Math" panose="02040503050406030204" pitchFamily="18" charset="0"/>
+                      </a:rPr>
+                      <m:t>.</m:t>
+                    </m:r>
+                    <m:r>
+                      <a:rPr lang="en-US" sz="2000" i="1">
+                        <a:latin typeface="Cambria Math" panose="02040503050406030204" pitchFamily="18" charset="0"/>
+                      </a:rPr>
+                      <m:t>𝑡𝑦𝑝𝑒</m:t>
+                    </m:r>
+                    <m:r>
+                      <a:rPr lang="en-US" sz="2000" i="1">
+                        <a:latin typeface="Cambria Math" panose="02040503050406030204" pitchFamily="18" charset="0"/>
+                      </a:rPr>
+                      <m:t>∈</m:t>
+                    </m:r>
+                    <m:r>
+                      <a:rPr lang="en-US" sz="2000" i="1">
+                        <a:latin typeface="Cambria Math" panose="02040503050406030204" pitchFamily="18" charset="0"/>
+                      </a:rPr>
+                      <m:t>𝑆</m:t>
+                    </m:r>
+                  </m:oMath>
+                </a14:m>
+                <a:endParaRPr lang="en-US" sz="2000" dirty="0"/>
+              </a:p>
+              <a:p>
+                <a:pPr marL="982663" indent="0">
+                  <a:buNone/>
+                </a:pPr>
+                <a:r>
+                  <a:rPr lang="en-US" sz="2000" b="0" i="1" dirty="0" smtClean="0">
+                    <a:latin typeface="Cambria Math" panose="02040503050406030204" pitchFamily="18" charset="0"/>
+                  </a:rPr>
+                  <a:t>	</a:t>
+                </a:r>
+                <a14:m>
+                  <m:oMath xmlns:m="http://schemas.openxmlformats.org/officeDocument/2006/math">
+                    <m:r>
+                      <a:rPr lang="en-US" sz="2000" b="0" i="1" smtClean="0">
+                        <a:latin typeface="Cambria Math" panose="02040503050406030204" pitchFamily="18" charset="0"/>
+                      </a:rPr>
+                      <m:t>𝑠</m:t>
+                    </m:r>
+                    <m:r>
+                      <a:rPr lang="en-US" sz="2000" b="0" i="1" smtClean="0">
+                        <a:latin typeface="Cambria Math" panose="02040503050406030204" pitchFamily="18" charset="0"/>
+                      </a:rPr>
+                      <m:t>.</m:t>
+                    </m:r>
+                    <m:r>
+                      <a:rPr lang="en-US" sz="2000" b="0" i="1" smtClean="0">
+                        <a:latin typeface="Cambria Math" panose="02040503050406030204" pitchFamily="18" charset="0"/>
+                      </a:rPr>
+                      <m:t>𝑟𝑎𝑛𝑔𝑒</m:t>
+                    </m:r>
+                    <m:r>
+                      <a:rPr lang="en-US" sz="2000" b="0" i="1" smtClean="0">
+                        <a:latin typeface="Cambria Math" panose="02040503050406030204" pitchFamily="18" charset="0"/>
+                      </a:rPr>
+                      <m:t>=</m:t>
+                    </m:r>
+                    <m:sSubSup>
+                      <m:sSubSupPr>
+                        <m:ctrlPr>
+                          <a:rPr lang="en-US" sz="2000" b="0" i="1" smtClean="0">
+                            <a:latin typeface="Cambria Math" panose="02040503050406030204" pitchFamily="18" charset="0"/>
+                          </a:rPr>
+                        </m:ctrlPr>
+                      </m:sSubSupPr>
+                      <m:e>
+                        <m:r>
+                          <a:rPr lang="en-US" sz="2000" b="0" i="1" smtClean="0">
+                            <a:latin typeface="Cambria Math" panose="02040503050406030204" pitchFamily="18" charset="0"/>
+                          </a:rPr>
+                          <m:t>𝑅</m:t>
+                        </m:r>
+                      </m:e>
+                      <m:sub>
+                        <m:r>
+                          <a:rPr lang="en-US" sz="2000" b="0" i="1" smtClean="0">
+                            <a:latin typeface="Cambria Math" panose="02040503050406030204" pitchFamily="18" charset="0"/>
+                          </a:rPr>
+                          <m:t>𝑠</m:t>
+                        </m:r>
+                        <m:r>
+                          <a:rPr lang="en-US" sz="2000" b="0" i="1" smtClean="0">
+                            <a:latin typeface="Cambria Math" panose="02040503050406030204" pitchFamily="18" charset="0"/>
+                          </a:rPr>
+                          <m:t>.</m:t>
+                        </m:r>
+                        <m:r>
+                          <a:rPr lang="en-US" sz="2000" b="0" i="1" smtClean="0">
+                            <a:latin typeface="Cambria Math" panose="02040503050406030204" pitchFamily="18" charset="0"/>
+                          </a:rPr>
+                          <m:t>𝑡𝑦𝑝𝑒</m:t>
+                        </m:r>
+                      </m:sub>
+                      <m:sup>
+                        <m:r>
+                          <a:rPr lang="en-US" sz="2000" b="0" i="1" smtClean="0">
+                            <a:latin typeface="Cambria Math" panose="02040503050406030204" pitchFamily="18" charset="0"/>
+                          </a:rPr>
+                          <m:t>𝑆</m:t>
+                        </m:r>
+                      </m:sup>
+                    </m:sSubSup>
+                  </m:oMath>
+                </a14:m>
+                <a:endParaRPr lang="en-GB" sz="2000" dirty="0" smtClean="0"/>
+              </a:p>
+              <a:p>
+                <a:pPr marL="982663" indent="0">
+                  <a:buNone/>
+                </a:pPr>
+                <a:r>
+                  <a:rPr lang="en-GB" sz="2000" dirty="0"/>
+                  <a:t>	</a:t>
+                </a:r>
+                <a14:m>
+                  <m:oMath xmlns:m="http://schemas.openxmlformats.org/officeDocument/2006/math">
+                    <m:r>
+                      <a:rPr lang="en-GB" sz="2000" i="1">
+                        <a:latin typeface="Cambria Math" panose="02040503050406030204" pitchFamily="18" charset="0"/>
+                      </a:rPr>
+                      <m:t>𝑠</m:t>
+                    </m:r>
+                    <m:r>
+                      <a:rPr lang="en-GB" sz="2000" i="1">
+                        <a:latin typeface="Cambria Math" panose="02040503050406030204" pitchFamily="18" charset="0"/>
+                      </a:rPr>
+                      <m:t>.</m:t>
+                    </m:r>
+                    <m:r>
+                      <a:rPr lang="en-GB" sz="2000" i="1">
+                        <a:latin typeface="Cambria Math" panose="02040503050406030204" pitchFamily="18" charset="0"/>
+                      </a:rPr>
+                      <m:t>𝑙𝑜𝑐𝑎𝑡𝑖𝑜𝑛</m:t>
+                    </m:r>
+                    <m:r>
+                      <a:rPr lang="en-GB" sz="2000" i="1">
+                        <a:latin typeface="Cambria Math" panose="02040503050406030204" pitchFamily="18" charset="0"/>
+                      </a:rPr>
+                      <m:t>∈</m:t>
+                    </m:r>
+                    <m:sSubSup>
+                      <m:sSubSupPr>
+                        <m:ctrlPr>
+                          <a:rPr lang="en-US" sz="2000" i="1">
+                            <a:latin typeface="Cambria Math" panose="02040503050406030204" pitchFamily="18" charset="0"/>
+                          </a:rPr>
+                        </m:ctrlPr>
+                      </m:sSubSupPr>
+                      <m:e>
+                        <m:r>
+                          <a:rPr lang="en-GB" sz="2000" i="1">
+                            <a:latin typeface="Cambria Math" panose="02040503050406030204" pitchFamily="18" charset="0"/>
+                          </a:rPr>
+                          <m:t>𝐿</m:t>
+                        </m:r>
+                      </m:e>
+                      <m:sub>
+                        <m:r>
+                          <a:rPr lang="en-GB" sz="2000" i="1">
+                            <a:latin typeface="Cambria Math" panose="02040503050406030204" pitchFamily="18" charset="0"/>
+                          </a:rPr>
+                          <m:t>𝑠</m:t>
+                        </m:r>
+                        <m:r>
+                          <a:rPr lang="en-GB" sz="2000" i="1">
+                            <a:latin typeface="Cambria Math" panose="02040503050406030204" pitchFamily="18" charset="0"/>
+                          </a:rPr>
+                          <m:t>.</m:t>
+                        </m:r>
+                        <m:r>
+                          <a:rPr lang="en-GB" sz="2000" i="1">
+                            <a:latin typeface="Cambria Math" panose="02040503050406030204" pitchFamily="18" charset="0"/>
+                          </a:rPr>
+                          <m:t>𝑡𝑦𝑝𝑒</m:t>
+                        </m:r>
+                      </m:sub>
+                      <m:sup>
+                        <m:r>
+                          <a:rPr lang="en-GB" sz="2000" i="1">
+                            <a:latin typeface="Cambria Math" panose="02040503050406030204" pitchFamily="18" charset="0"/>
+                          </a:rPr>
+                          <m:t>𝑆</m:t>
+                        </m:r>
+                      </m:sup>
+                    </m:sSubSup>
+                  </m:oMath>
+                </a14:m>
+                <a:r>
+                  <a:rPr lang="en-GB" sz="2000" dirty="0"/>
+                  <a:t> (the current location of the sensor)</a:t>
+                </a:r>
+                <a:endParaRPr lang="en-US" sz="1600" dirty="0"/>
+              </a:p>
+              <a:p>
+                <a:pPr marL="982663" indent="0">
+                  <a:buNone/>
+                </a:pPr>
+                <a:r>
+                  <a:rPr lang="en-GB" sz="2000" dirty="0"/>
+                  <a:t>	</a:t>
+                </a:r>
+                <a14:m>
+                  <m:oMath xmlns:m="http://schemas.openxmlformats.org/officeDocument/2006/math">
+                    <m:r>
+                      <a:rPr lang="en-GB" sz="2000" i="1">
+                        <a:latin typeface="Cambria Math" panose="02040503050406030204" pitchFamily="18" charset="0"/>
+                      </a:rPr>
+                      <m:t>𝑠</m:t>
+                    </m:r>
+                    <m:r>
+                      <a:rPr lang="en-GB" sz="2000" i="1">
+                        <a:latin typeface="Cambria Math" panose="02040503050406030204" pitchFamily="18" charset="0"/>
+                      </a:rPr>
+                      <m:t>.</m:t>
+                    </m:r>
+                    <m:r>
+                      <a:rPr lang="en-GB" sz="2000" i="1">
+                        <a:latin typeface="Cambria Math" panose="02040503050406030204" pitchFamily="18" charset="0"/>
+                      </a:rPr>
+                      <m:t>𝑐𝑜𝑠𝑡</m:t>
+                    </m:r>
+                    <m:r>
+                      <a:rPr lang="en-GB" sz="2000" i="1">
+                        <a:latin typeface="Cambria Math" panose="02040503050406030204" pitchFamily="18" charset="0"/>
+                      </a:rPr>
+                      <m:t>=</m:t>
+                    </m:r>
+                    <m:sSubSup>
+                      <m:sSubSupPr>
+                        <m:ctrlPr>
+                          <a:rPr lang="en-US" sz="2000" i="1">
+                            <a:latin typeface="Cambria Math" panose="02040503050406030204" pitchFamily="18" charset="0"/>
+                          </a:rPr>
+                        </m:ctrlPr>
+                      </m:sSubSupPr>
+                      <m:e>
+                        <m:r>
+                          <a:rPr lang="en-GB" sz="2000" i="1">
+                            <a:latin typeface="Cambria Math" panose="02040503050406030204" pitchFamily="18" charset="0"/>
+                          </a:rPr>
+                          <m:t>𝐶</m:t>
+                        </m:r>
+                      </m:e>
+                      <m:sub>
+                        <m:r>
+                          <a:rPr lang="en-GB" sz="2000" i="1">
+                            <a:latin typeface="Cambria Math" panose="02040503050406030204" pitchFamily="18" charset="0"/>
+                          </a:rPr>
+                          <m:t>𝑠</m:t>
+                        </m:r>
+                        <m:r>
+                          <a:rPr lang="en-GB" sz="2000" i="1">
+                            <a:latin typeface="Cambria Math" panose="02040503050406030204" pitchFamily="18" charset="0"/>
+                          </a:rPr>
+                          <m:t>.</m:t>
+                        </m:r>
+                        <m:r>
+                          <a:rPr lang="en-GB" sz="2000" i="1">
+                            <a:latin typeface="Cambria Math" panose="02040503050406030204" pitchFamily="18" charset="0"/>
+                          </a:rPr>
+                          <m:t>𝑡𝑦𝑝𝑒</m:t>
+                        </m:r>
+                      </m:sub>
+                      <m:sup>
+                        <m:r>
+                          <a:rPr lang="en-GB" sz="2000" i="1">
+                            <a:latin typeface="Cambria Math" panose="02040503050406030204" pitchFamily="18" charset="0"/>
+                          </a:rPr>
+                          <m:t>𝑆</m:t>
+                        </m:r>
+                      </m:sup>
+                    </m:sSubSup>
+                  </m:oMath>
+                </a14:m>
+                <a:endParaRPr lang="en-US" sz="2000" dirty="0"/>
+              </a:p>
+              <a:p>
+                <a:pPr defTabSz="982663"/>
+                <a:endParaRPr lang="en-US" dirty="0" smtClean="0"/>
+              </a:p>
+              <a:p>
+                <a:pPr defTabSz="982663"/>
+                <a:r>
+                  <a:rPr lang="en-GB" dirty="0" smtClean="0"/>
+                  <a:t>Set </a:t>
+                </a:r>
+                <a:r>
+                  <a:rPr lang="en-GB" dirty="0"/>
+                  <a:t>of jammers </a:t>
+                </a:r>
+                <a14:m>
+                  <m:oMath xmlns:m="http://schemas.openxmlformats.org/officeDocument/2006/math">
+                    <m:r>
+                      <a:rPr lang="en-GB" i="1">
+                        <a:latin typeface="Cambria Math" panose="02040503050406030204" pitchFamily="18" charset="0"/>
+                      </a:rPr>
+                      <m:t>𝐽</m:t>
+                    </m:r>
+                    <m:r>
+                      <a:rPr lang="en-GB" i="1">
+                        <a:latin typeface="Cambria Math" panose="02040503050406030204" pitchFamily="18" charset="0"/>
+                      </a:rPr>
+                      <m:t>=</m:t>
+                    </m:r>
+                    <m:d>
+                      <m:dPr>
+                        <m:begChr m:val="{"/>
+                        <m:endChr m:val="}"/>
+                        <m:ctrlPr>
+                          <a:rPr lang="en-US" i="1">
+                            <a:latin typeface="Cambria Math" panose="02040503050406030204" pitchFamily="18" charset="0"/>
+                          </a:rPr>
+                        </m:ctrlPr>
+                      </m:dPr>
+                      <m:e>
+                        <m:sSub>
+                          <m:sSubPr>
+                            <m:ctrlPr>
+                              <a:rPr lang="en-US" i="1">
+                                <a:latin typeface="Cambria Math" panose="02040503050406030204" pitchFamily="18" charset="0"/>
+                              </a:rPr>
+                            </m:ctrlPr>
+                          </m:sSubPr>
+                          <m:e>
+                            <m:r>
+                              <a:rPr lang="en-GB" i="1">
+                                <a:latin typeface="Cambria Math" panose="02040503050406030204" pitchFamily="18" charset="0"/>
+                              </a:rPr>
+                              <m:t>𝐽</m:t>
+                            </m:r>
+                          </m:e>
+                          <m:sub>
+                            <m:r>
+                              <a:rPr lang="en-GB" i="1">
+                                <a:latin typeface="Cambria Math" panose="02040503050406030204" pitchFamily="18" charset="0"/>
+                              </a:rPr>
+                              <m:t>0</m:t>
+                            </m:r>
+                          </m:sub>
+                        </m:sSub>
+                        <m:r>
+                          <a:rPr lang="en-GB" i="1">
+                            <a:latin typeface="Cambria Math" panose="02040503050406030204" pitchFamily="18" charset="0"/>
+                          </a:rPr>
+                          <m:t>,</m:t>
+                        </m:r>
+                        <m:sSub>
+                          <m:sSubPr>
+                            <m:ctrlPr>
+                              <a:rPr lang="en-US" i="1">
+                                <a:latin typeface="Cambria Math" panose="02040503050406030204" pitchFamily="18" charset="0"/>
+                              </a:rPr>
+                            </m:ctrlPr>
+                          </m:sSubPr>
+                          <m:e>
+                            <m:r>
+                              <a:rPr lang="en-GB" i="1">
+                                <a:latin typeface="Cambria Math" panose="02040503050406030204" pitchFamily="18" charset="0"/>
+                              </a:rPr>
+                              <m:t>𝐽</m:t>
+                            </m:r>
+                          </m:e>
+                          <m:sub>
+                            <m:r>
+                              <a:rPr lang="en-GB" i="1">
+                                <a:latin typeface="Cambria Math" panose="02040503050406030204" pitchFamily="18" charset="0"/>
+                              </a:rPr>
+                              <m:t>1</m:t>
+                            </m:r>
+                          </m:sub>
+                        </m:sSub>
+                        <m:r>
+                          <a:rPr lang="en-GB" i="1">
+                            <a:latin typeface="Cambria Math" panose="02040503050406030204" pitchFamily="18" charset="0"/>
+                          </a:rPr>
+                          <m:t>,…, </m:t>
+                        </m:r>
+                        <m:sSub>
+                          <m:sSubPr>
+                            <m:ctrlPr>
+                              <a:rPr lang="en-US" i="1">
+                                <a:latin typeface="Cambria Math" panose="02040503050406030204" pitchFamily="18" charset="0"/>
+                              </a:rPr>
+                            </m:ctrlPr>
+                          </m:sSubPr>
+                          <m:e>
+                            <m:r>
+                              <a:rPr lang="en-GB" i="1">
+                                <a:latin typeface="Cambria Math" panose="02040503050406030204" pitchFamily="18" charset="0"/>
+                              </a:rPr>
+                              <m:t>𝐽</m:t>
+                            </m:r>
+                          </m:e>
+                          <m:sub>
+                            <m:r>
+                              <a:rPr lang="en-GB" i="1">
+                                <a:latin typeface="Cambria Math" panose="02040503050406030204" pitchFamily="18" charset="0"/>
+                              </a:rPr>
+                              <m:t>𝑚</m:t>
+                            </m:r>
+                          </m:sub>
+                        </m:sSub>
+                      </m:e>
+                    </m:d>
+                    <m:r>
+                      <a:rPr lang="en-GB" i="1">
+                        <a:latin typeface="Cambria Math" panose="02040503050406030204" pitchFamily="18" charset="0"/>
+                      </a:rPr>
+                      <m:t>    </m:t>
+                    </m:r>
+                    <m:r>
+                      <a:rPr lang="en-GB" i="1">
+                        <a:latin typeface="Cambria Math" panose="02040503050406030204" pitchFamily="18" charset="0"/>
+                      </a:rPr>
+                      <m:t>𝑚</m:t>
+                    </m:r>
+                    <m:r>
+                      <a:rPr lang="en-GB" i="1">
+                        <a:latin typeface="Cambria Math" panose="02040503050406030204" pitchFamily="18" charset="0"/>
+                      </a:rPr>
+                      <m:t>≥1</m:t>
+                    </m:r>
+                  </m:oMath>
+                </a14:m>
+                <a:endParaRPr lang="en-US" dirty="0" smtClean="0"/>
+              </a:p>
+              <a:p>
+                <a:pPr lvl="1" defTabSz="982663"/>
+                <a14:m>
+                  <m:oMath xmlns:m="http://schemas.openxmlformats.org/officeDocument/2006/math">
+                    <m:r>
+                      <a:rPr lang="en-US" b="0" i="1" smtClean="0">
+                        <a:latin typeface="Cambria Math" panose="02040503050406030204" pitchFamily="18" charset="0"/>
+                      </a:rPr>
+                      <m:t>∀</m:t>
+                    </m:r>
+                    <m:sSub>
+                      <m:sSubPr>
+                        <m:ctrlPr>
+                          <a:rPr lang="en-US" b="0" i="1" smtClean="0">
+                            <a:latin typeface="Cambria Math" panose="02040503050406030204" pitchFamily="18" charset="0"/>
+                          </a:rPr>
+                        </m:ctrlPr>
+                      </m:sSubPr>
+                      <m:e>
+                        <m:r>
+                          <a:rPr lang="en-US" b="0" i="1" smtClean="0">
+                            <a:latin typeface="Cambria Math" panose="02040503050406030204" pitchFamily="18" charset="0"/>
+                          </a:rPr>
+                          <m:t>𝐽</m:t>
+                        </m:r>
+                      </m:e>
+                      <m:sub>
+                        <m:r>
+                          <a:rPr lang="en-US" b="0" i="1" smtClean="0">
+                            <a:latin typeface="Cambria Math" panose="02040503050406030204" pitchFamily="18" charset="0"/>
+                          </a:rPr>
+                          <m:t>𝑖</m:t>
+                        </m:r>
+                      </m:sub>
+                    </m:sSub>
+                    <m:r>
+                      <a:rPr lang="en-US" b="0" i="1" smtClean="0">
+                        <a:latin typeface="Cambria Math" panose="02040503050406030204" pitchFamily="18" charset="0"/>
+                      </a:rPr>
+                      <m:t>∈</m:t>
+                    </m:r>
+                    <m:r>
+                      <a:rPr lang="en-US" b="0" i="1" smtClean="0">
+                        <a:latin typeface="Cambria Math" panose="02040503050406030204" pitchFamily="18" charset="0"/>
+                      </a:rPr>
+                      <m:t>𝐽</m:t>
+                    </m:r>
+                    <m:r>
+                      <a:rPr lang="en-US" b="0" i="1" smtClean="0">
+                        <a:latin typeface="Cambria Math" panose="02040503050406030204" pitchFamily="18" charset="0"/>
+                      </a:rPr>
+                      <m:t> </m:t>
+                    </m:r>
+                  </m:oMath>
+                </a14:m>
+                <a:r>
+                  <a:rPr lang="en-US" dirty="0" smtClean="0"/>
+                  <a:t> following holds:</a:t>
+                </a:r>
+              </a:p>
+              <a:p>
+                <a:pPr lvl="2" defTabSz="982663"/>
+                <a:r>
+                  <a:rPr lang="en-US" dirty="0" smtClean="0"/>
+                  <a:t>have a circular area of influence</a:t>
+                </a:r>
+              </a:p>
+              <a:p>
+                <a:pPr lvl="2"/>
+                <a:r>
+                  <a:rPr lang="en-GB" dirty="0"/>
+                  <a:t>Range of operation </a:t>
+                </a:r>
+                <a14:m>
+                  <m:oMath xmlns:m="http://schemas.openxmlformats.org/officeDocument/2006/math">
+                    <m:sSubSup>
+                      <m:sSubSupPr>
+                        <m:ctrlPr>
+                          <a:rPr lang="en-US" i="1">
+                            <a:latin typeface="Cambria Math" panose="02040503050406030204" pitchFamily="18" charset="0"/>
+                          </a:rPr>
+                        </m:ctrlPr>
+                      </m:sSubSupPr>
+                      <m:e>
+                        <m:r>
+                          <a:rPr lang="en-GB" i="1">
+                            <a:latin typeface="Cambria Math" panose="02040503050406030204" pitchFamily="18" charset="0"/>
+                          </a:rPr>
+                          <m:t>𝑅</m:t>
+                        </m:r>
+                      </m:e>
+                      <m:sub>
+                        <m:r>
+                          <a:rPr lang="en-GB" i="1">
+                            <a:latin typeface="Cambria Math" panose="02040503050406030204" pitchFamily="18" charset="0"/>
+                          </a:rPr>
+                          <m:t>𝑖</m:t>
+                        </m:r>
+                      </m:sub>
+                      <m:sup>
+                        <m:r>
+                          <a:rPr lang="en-GB" i="1">
+                            <a:latin typeface="Cambria Math" panose="02040503050406030204" pitchFamily="18" charset="0"/>
+                          </a:rPr>
+                          <m:t>𝐽</m:t>
+                        </m:r>
+                      </m:sup>
+                    </m:sSubSup>
+                  </m:oMath>
+                </a14:m>
+                <a:r>
+                  <a:rPr lang="en-GB" dirty="0"/>
+                  <a:t> which determines the </a:t>
+                </a:r>
+                <a:r>
+                  <a:rPr lang="en-GB" dirty="0" smtClean="0"/>
+                  <a:t>area of influence of </a:t>
+                </a:r>
+                <a:r>
+                  <a:rPr lang="en-GB" dirty="0"/>
+                  <a:t>the jammer </a:t>
+                </a:r>
+                <a14:m>
+                  <m:oMath xmlns:m="http://schemas.openxmlformats.org/officeDocument/2006/math">
+                    <m:sSubSup>
+                      <m:sSubSupPr>
+                        <m:ctrlPr>
+                          <a:rPr lang="en-US" i="1">
+                            <a:latin typeface="Cambria Math" panose="02040503050406030204" pitchFamily="18" charset="0"/>
+                          </a:rPr>
+                        </m:ctrlPr>
+                      </m:sSubSupPr>
+                      <m:e>
+                        <m:r>
+                          <a:rPr lang="en-GB" i="1">
+                            <a:latin typeface="Cambria Math" panose="02040503050406030204" pitchFamily="18" charset="0"/>
+                          </a:rPr>
+                          <m:t>𝐴</m:t>
+                        </m:r>
+                      </m:e>
+                      <m:sub>
+                        <m:r>
+                          <a:rPr lang="en-GB" i="1">
+                            <a:latin typeface="Cambria Math" panose="02040503050406030204" pitchFamily="18" charset="0"/>
+                          </a:rPr>
+                          <m:t>𝑖</m:t>
+                        </m:r>
+                      </m:sub>
+                      <m:sup>
+                        <m:r>
+                          <a:rPr lang="en-GB" i="1">
+                            <a:latin typeface="Cambria Math" panose="02040503050406030204" pitchFamily="18" charset="0"/>
+                          </a:rPr>
+                          <m:t>𝐽</m:t>
+                        </m:r>
+                      </m:sup>
+                    </m:sSubSup>
+                  </m:oMath>
+                </a14:m>
+                <a:endParaRPr lang="en-US" sz="1200" dirty="0"/>
+              </a:p>
+              <a:p>
+                <a:pPr lvl="2"/>
+                <a:r>
+                  <a:rPr lang="en-GB" dirty="0"/>
+                  <a:t>Fixed location </a:t>
+                </a:r>
+                <a14:m>
+                  <m:oMath xmlns:m="http://schemas.openxmlformats.org/officeDocument/2006/math">
+                    <m:sSubSup>
+                      <m:sSubSupPr>
+                        <m:ctrlPr>
+                          <a:rPr lang="en-US" i="1">
+                            <a:latin typeface="Cambria Math" panose="02040503050406030204" pitchFamily="18" charset="0"/>
+                          </a:rPr>
+                        </m:ctrlPr>
+                      </m:sSubSupPr>
+                      <m:e>
+                        <m:r>
+                          <a:rPr lang="en-GB" i="1">
+                            <a:latin typeface="Cambria Math" panose="02040503050406030204" pitchFamily="18" charset="0"/>
+                          </a:rPr>
+                          <m:t>𝐿</m:t>
+                        </m:r>
+                      </m:e>
+                      <m:sub>
+                        <m:r>
+                          <a:rPr lang="en-GB" i="1">
+                            <a:latin typeface="Cambria Math" panose="02040503050406030204" pitchFamily="18" charset="0"/>
+                          </a:rPr>
+                          <m:t>𝑖</m:t>
+                        </m:r>
+                      </m:sub>
+                      <m:sup>
+                        <m:r>
+                          <a:rPr lang="en-GB" i="1">
+                            <a:latin typeface="Cambria Math" panose="02040503050406030204" pitchFamily="18" charset="0"/>
+                          </a:rPr>
+                          <m:t>𝐽</m:t>
+                        </m:r>
+                      </m:sup>
+                    </m:sSubSup>
+                    <m:r>
+                      <a:rPr lang="en-GB" i="1">
+                        <a:latin typeface="Cambria Math" panose="02040503050406030204" pitchFamily="18" charset="0"/>
+                      </a:rPr>
+                      <m:t>=(</m:t>
+                    </m:r>
+                    <m:sSub>
+                      <m:sSubPr>
+                        <m:ctrlPr>
+                          <a:rPr lang="en-US" i="1">
+                            <a:latin typeface="Cambria Math" panose="02040503050406030204" pitchFamily="18" charset="0"/>
+                          </a:rPr>
+                        </m:ctrlPr>
+                      </m:sSubPr>
+                      <m:e>
+                        <m:r>
+                          <a:rPr lang="en-GB" i="1">
+                            <a:latin typeface="Cambria Math" panose="02040503050406030204" pitchFamily="18" charset="0"/>
+                          </a:rPr>
+                          <m:t>𝑥</m:t>
+                        </m:r>
+                      </m:e>
+                      <m:sub>
+                        <m:r>
+                          <a:rPr lang="en-GB" i="1">
+                            <a:latin typeface="Cambria Math" panose="02040503050406030204" pitchFamily="18" charset="0"/>
+                          </a:rPr>
+                          <m:t>𝑖</m:t>
+                        </m:r>
+                      </m:sub>
+                    </m:sSub>
+                    <m:r>
+                      <a:rPr lang="en-GB" i="1">
+                        <a:latin typeface="Cambria Math" panose="02040503050406030204" pitchFamily="18" charset="0"/>
+                      </a:rPr>
+                      <m:t>,</m:t>
+                    </m:r>
+                    <m:sSub>
+                      <m:sSubPr>
+                        <m:ctrlPr>
+                          <a:rPr lang="en-US" i="1">
+                            <a:latin typeface="Cambria Math" panose="02040503050406030204" pitchFamily="18" charset="0"/>
+                          </a:rPr>
+                        </m:ctrlPr>
+                      </m:sSubPr>
+                      <m:e>
+                        <m:r>
+                          <a:rPr lang="en-GB" i="1">
+                            <a:latin typeface="Cambria Math" panose="02040503050406030204" pitchFamily="18" charset="0"/>
+                          </a:rPr>
+                          <m:t>𝑦</m:t>
+                        </m:r>
+                      </m:e>
+                      <m:sub>
+                        <m:r>
+                          <a:rPr lang="en-GB" i="1">
+                            <a:latin typeface="Cambria Math" panose="02040503050406030204" pitchFamily="18" charset="0"/>
+                          </a:rPr>
+                          <m:t>𝑖</m:t>
+                        </m:r>
+                      </m:sub>
+                    </m:sSub>
+                    <m:r>
+                      <a:rPr lang="en-GB" i="1">
+                        <a:latin typeface="Cambria Math" panose="02040503050406030204" pitchFamily="18" charset="0"/>
+                      </a:rPr>
+                      <m:t>) </m:t>
+                    </m:r>
+                  </m:oMath>
+                </a14:m>
+                <a:endParaRPr lang="en-US" sz="1200" dirty="0"/>
+              </a:p>
+              <a:p>
+                <a:pPr lvl="2"/>
+                <a:r>
+                  <a:rPr lang="en-GB" dirty="0"/>
+                  <a:t>Cost of operation </a:t>
+                </a:r>
+                <a14:m>
+                  <m:oMath xmlns:m="http://schemas.openxmlformats.org/officeDocument/2006/math">
+                    <m:sSubSup>
+                      <m:sSubSupPr>
+                        <m:ctrlPr>
+                          <a:rPr lang="en-US" i="1">
+                            <a:latin typeface="Cambria Math" panose="02040503050406030204" pitchFamily="18" charset="0"/>
+                          </a:rPr>
+                        </m:ctrlPr>
+                      </m:sSubSupPr>
+                      <m:e>
+                        <m:r>
+                          <a:rPr lang="en-GB" i="1">
+                            <a:latin typeface="Cambria Math" panose="02040503050406030204" pitchFamily="18" charset="0"/>
+                          </a:rPr>
+                          <m:t>𝐶</m:t>
+                        </m:r>
+                      </m:e>
+                      <m:sub>
+                        <m:r>
+                          <a:rPr lang="en-GB" i="1">
+                            <a:latin typeface="Cambria Math" panose="02040503050406030204" pitchFamily="18" charset="0"/>
+                          </a:rPr>
+                          <m:t>𝑘</m:t>
+                        </m:r>
+                      </m:sub>
+                      <m:sup>
+                        <m:r>
+                          <a:rPr lang="en-GB" i="1">
+                            <a:latin typeface="Cambria Math" panose="02040503050406030204" pitchFamily="18" charset="0"/>
+                          </a:rPr>
+                          <m:t>𝐽</m:t>
+                        </m:r>
+                      </m:sup>
+                    </m:sSubSup>
+                  </m:oMath>
+                </a14:m>
+                <a:endParaRPr lang="en-US" dirty="0" smtClean="0"/>
+              </a:p>
+              <a:p>
+                <a:pPr lvl="2"/>
+                <a:endParaRPr lang="en-US" sz="1200" dirty="0" smtClean="0"/>
+              </a:p>
+              <a:p>
+                <a:pPr lvl="2"/>
+                <a:endParaRPr lang="en-US" sz="1200" dirty="0"/>
+              </a:p>
+              <a:p>
+                <a:pPr lvl="2" defTabSz="982663"/>
+                <a:endParaRPr lang="en-US" dirty="0" smtClean="0"/>
+              </a:p>
+              <a:p>
+                <a:pPr lvl="1" defTabSz="982663"/>
+                <a:endParaRPr lang="en-US" dirty="0" smtClean="0"/>
+              </a:p>
+            </p:txBody>
+          </p:sp>
+        </mc:Choice>
+        <mc:Fallback>
+          <p:sp>
+            <p:nvSpPr>
+              <p:cNvPr id="3" name="Content Placeholder 2"/>
+              <p:cNvSpPr>
+                <a:spLocks noGrp="1" noRot="1" noChangeAspect="1" noMove="1" noResize="1" noEditPoints="1" noAdjustHandles="1" noChangeArrowheads="1" noChangeShapeType="1" noTextEdit="1"/>
+              </p:cNvSpPr>
+              <p:nvPr>
+                <p:ph idx="1"/>
+              </p:nvPr>
+            </p:nvSpPr>
+            <p:spPr>
+              <a:blipFill rotWithShape="0">
+                <a:blip r:embed="rId2"/>
+                <a:stretch>
+                  <a:fillRect l="-618" t="-2561"/>
+                </a:stretch>
+              </a:blipFill>
+            </p:spPr>
+            <p:txBody>
+              <a:bodyPr/>
+              <a:lstStyle/>
+              <a:p>
+                <a:r>
+                  <a:rPr lang="en-US">
+                    <a:noFill/>
+                  </a:rPr>
+                  <a:t> </a:t>
+                </a:r>
+              </a:p>
+            </p:txBody>
+          </p:sp>
+        </mc:Fallback>
+      </mc:AlternateContent>
+    </p:spTree>
+    <p:extLst>
+      <p:ext uri="{BB962C8B-B14F-4D97-AF65-F5344CB8AC3E}">
+        <p14:creationId xmlns:p14="http://schemas.microsoft.com/office/powerpoint/2010/main" val="1546440861"/>
+      </p:ext>
+    </p:extLst>
+  </p:cSld>
+  <p:clrMapOvr>
+    <a:masterClrMapping/>
+  </p:clrMapOvr>
+  <p:timing>
+    <p:tnLst>
+      <p:par>
+        <p:cTn id="1" dur="indefinite" restart="never" nodeType="tmRoot"/>
+      </p:par>
+    </p:tnLst>
+  </p:timing>
+</p:sld>
+</file>
+
+<file path=ppt/slides/slide9.xml><?xml version="1.0" encoding="utf-8"?>
+<p:sld xmlns:a="http://schemas.openxmlformats.org/drawingml/2006/main" xmlns:r="http://schemas.openxmlformats.org/officeDocument/2006/relationships" xmlns:p="http://schemas.openxmlformats.org/presentationml/2006/main">
+  <p:cSld>
+    <p:spTree>
+      <p:nvGrpSpPr>
+        <p:cNvPr id="1" name=""/>
+        <p:cNvGrpSpPr/>
+        <p:nvPr/>
+      </p:nvGrpSpPr>
+      <p:grpSpPr>
+        <a:xfrm>
+          <a:off x="0" y="0"/>
+          <a:ext cx="0" cy="0"/>
+          <a:chOff x="0" y="0"/>
+          <a:chExt cx="0" cy="0"/>
+        </a:xfrm>
+      </p:grpSpPr>
+      <p:sp>
+        <p:nvSpPr>
+          <p:cNvPr id="2" name="Title 1"/>
+          <p:cNvSpPr>
+            <a:spLocks noGrp="1"/>
+          </p:cNvSpPr>
+          <p:nvPr>
+            <p:ph type="title"/>
+          </p:nvPr>
+        </p:nvSpPr>
+        <p:spPr/>
+        <p:txBody>
+          <a:bodyPr/>
+          <a:lstStyle/>
+          <a:p>
+            <a:endParaRPr lang="en-US"/>
+          </a:p>
+        </p:txBody>
+      </p:sp>
+      <mc:AlternateContent xmlns:mc="http://schemas.openxmlformats.org/markup-compatibility/2006" xmlns:a14="http://schemas.microsoft.com/office/drawing/2010/main">
+        <mc:Choice Requires="a14">
+          <p:sp>
+            <p:nvSpPr>
+              <p:cNvPr id="3" name="Content Placeholder 2"/>
+              <p:cNvSpPr>
+                <a:spLocks noGrp="1"/>
+              </p:cNvSpPr>
+              <p:nvPr>
+                <p:ph idx="1"/>
+              </p:nvPr>
+            </p:nvSpPr>
+            <p:spPr/>
+            <p:txBody>
+              <a:bodyPr/>
+              <a:lstStyle/>
+              <a:p>
+                <a14:m>
+                  <m:oMath xmlns:m="http://schemas.openxmlformats.org/officeDocument/2006/math">
+                    <m:r>
+                      <a:rPr lang="en-US" b="0" i="1" smtClean="0">
+                        <a:latin typeface="Cambria Math" panose="02040503050406030204" pitchFamily="18" charset="0"/>
+                      </a:rPr>
+                      <m:t>∀</m:t>
+                    </m:r>
+                    <m:sSub>
+                      <m:sSubPr>
+                        <m:ctrlPr>
+                          <a:rPr lang="en-US" i="1">
+                            <a:latin typeface="Cambria Math" panose="02040503050406030204" pitchFamily="18" charset="0"/>
+                          </a:rPr>
+                        </m:ctrlPr>
+                      </m:sSubPr>
+                      <m:e>
+                        <m:r>
+                          <a:rPr lang="en-GB" i="1">
+                            <a:latin typeface="Cambria Math" panose="02040503050406030204" pitchFamily="18" charset="0"/>
+                          </a:rPr>
+                          <m:t>𝑆</m:t>
+                        </m:r>
+                      </m:e>
+                      <m:sub>
+                        <m:r>
+                          <a:rPr lang="en-GB" i="1">
+                            <a:latin typeface="Cambria Math" panose="02040503050406030204" pitchFamily="18" charset="0"/>
+                          </a:rPr>
+                          <m:t>𝑗</m:t>
+                        </m:r>
+                      </m:sub>
+                    </m:sSub>
+                    <m:r>
+                      <a:rPr lang="en-US" b="0" i="1" smtClean="0">
+                        <a:latin typeface="Cambria Math" panose="02040503050406030204" pitchFamily="18" charset="0"/>
+                      </a:rPr>
+                      <m:t>∈</m:t>
+                    </m:r>
+                    <m:r>
+                      <a:rPr lang="en-US" b="0" i="1" smtClean="0">
+                        <a:latin typeface="Cambria Math" panose="02040503050406030204" pitchFamily="18" charset="0"/>
+                      </a:rPr>
+                      <m:t>𝑆</m:t>
+                    </m:r>
+                  </m:oMath>
+                </a14:m>
+                <a:r>
+                  <a:rPr lang="en-GB" dirty="0"/>
+                  <a:t> </a:t>
+                </a:r>
+                <a:r>
+                  <a:rPr lang="en-GB" dirty="0" smtClean="0"/>
+                  <a:t> in </a:t>
+                </a:r>
+                <a:r>
+                  <a:rPr lang="en-GB" dirty="0"/>
+                  <a:t>presence of a jammer </a:t>
+                </a:r>
+                <a14:m>
+                  <m:oMath xmlns:m="http://schemas.openxmlformats.org/officeDocument/2006/math">
+                    <m:sSub>
+                      <m:sSubPr>
+                        <m:ctrlPr>
+                          <a:rPr lang="en-US" i="1">
+                            <a:latin typeface="Cambria Math" panose="02040503050406030204" pitchFamily="18" charset="0"/>
+                          </a:rPr>
+                        </m:ctrlPr>
+                      </m:sSubPr>
+                      <m:e>
+                        <m:r>
+                          <a:rPr lang="en-GB" i="1">
+                            <a:latin typeface="Cambria Math" panose="02040503050406030204" pitchFamily="18" charset="0"/>
+                          </a:rPr>
+                          <m:t>𝐽</m:t>
+                        </m:r>
+                      </m:e>
+                      <m:sub>
+                        <m:r>
+                          <a:rPr lang="en-GB" i="1">
+                            <a:latin typeface="Cambria Math" panose="02040503050406030204" pitchFamily="18" charset="0"/>
+                          </a:rPr>
+                          <m:t>𝑘</m:t>
+                        </m:r>
+                      </m:sub>
+                    </m:sSub>
+                  </m:oMath>
+                </a14:m>
+                <a:r>
+                  <a:rPr lang="en-GB" dirty="0"/>
+                  <a:t> has a probability of sensing </a:t>
+                </a:r>
+                <a14:m>
+                  <m:oMath xmlns:m="http://schemas.openxmlformats.org/officeDocument/2006/math">
+                    <m:sSub>
+                      <m:sSubPr>
+                        <m:ctrlPr>
+                          <a:rPr lang="en-US" i="1">
+                            <a:latin typeface="Cambria Math" panose="02040503050406030204" pitchFamily="18" charset="0"/>
+                          </a:rPr>
+                        </m:ctrlPr>
+                      </m:sSubPr>
+                      <m:e>
+                        <m:r>
+                          <a:rPr lang="en-GB" i="1">
+                            <a:latin typeface="Cambria Math" panose="02040503050406030204" pitchFamily="18" charset="0"/>
+                          </a:rPr>
+                          <m:t>𝑃</m:t>
+                        </m:r>
+                      </m:e>
+                      <m:sub>
+                        <m:r>
+                          <a:rPr lang="en-GB" i="1">
+                            <a:latin typeface="Cambria Math" panose="02040503050406030204" pitchFamily="18" charset="0"/>
+                          </a:rPr>
+                          <m:t>𝑗𝑘</m:t>
+                        </m:r>
+                      </m:sub>
+                    </m:sSub>
+                  </m:oMath>
+                </a14:m>
+                <a:r>
+                  <a:rPr lang="en-GB" dirty="0"/>
+                  <a:t> defines as follows</a:t>
+                </a:r>
+                <a:r>
+                  <a:rPr lang="en-GB" dirty="0" smtClean="0"/>
+                  <a:t>:</a:t>
+                </a:r>
+              </a:p>
+              <a:p>
+                <a:endParaRPr lang="en-GB" dirty="0" smtClean="0"/>
+              </a:p>
+              <a:p>
+                <a:pPr marL="457200" lvl="1" indent="0">
+                  <a:buNone/>
+                </a:pPr>
+                <a14:m>
+                  <m:oMathPara xmlns:m="http://schemas.openxmlformats.org/officeDocument/2006/math">
+                    <m:oMathParaPr>
+                      <m:jc m:val="center"/>
+                    </m:oMathParaPr>
+                    <m:oMath xmlns:m="http://schemas.openxmlformats.org/officeDocument/2006/math">
+                      <m:sSub>
+                        <m:sSubPr>
+                          <m:ctrlPr>
+                            <a:rPr lang="en-US" sz="1600" i="1">
+                              <a:latin typeface="Cambria Math" panose="02040503050406030204" pitchFamily="18" charset="0"/>
+                            </a:rPr>
+                          </m:ctrlPr>
+                        </m:sSubPr>
+                        <m:e>
+                          <m:r>
+                            <a:rPr lang="en-GB" sz="1600" i="1">
+                              <a:latin typeface="Cambria Math" panose="02040503050406030204" pitchFamily="18" charset="0"/>
+                            </a:rPr>
+                            <m:t>𝑃</m:t>
+                          </m:r>
+                        </m:e>
+                        <m:sub>
+                          <m:r>
+                            <a:rPr lang="en-GB" sz="1600" i="1">
+                              <a:latin typeface="Cambria Math" panose="02040503050406030204" pitchFamily="18" charset="0"/>
+                            </a:rPr>
+                            <m:t>𝑗𝑘</m:t>
+                          </m:r>
+                        </m:sub>
+                      </m:sSub>
+                      <m:r>
+                        <a:rPr lang="en-GB" sz="1600" i="1">
+                          <a:latin typeface="Cambria Math" panose="02040503050406030204" pitchFamily="18" charset="0"/>
+                        </a:rPr>
+                        <m:t>=</m:t>
+                      </m:r>
+                      <m:d>
+                        <m:dPr>
+                          <m:begChr m:val="{"/>
+                          <m:endChr m:val=""/>
+                          <m:ctrlPr>
+                            <a:rPr lang="en-US" sz="1600" i="1">
+                              <a:latin typeface="Cambria Math" panose="02040503050406030204" pitchFamily="18" charset="0"/>
+                            </a:rPr>
+                          </m:ctrlPr>
+                        </m:dPr>
+                        <m:e>
+                          <m:eqArr>
+                            <m:eqArrPr>
+                              <m:ctrlPr>
+                                <a:rPr lang="en-US" sz="1600" i="1">
+                                  <a:latin typeface="Cambria Math" panose="02040503050406030204" pitchFamily="18" charset="0"/>
+                                </a:rPr>
+                              </m:ctrlPr>
+                            </m:eqArrPr>
+                            <m:e>
+                              <m:r>
+                                <a:rPr lang="en-GB" sz="1600" i="1">
+                                  <a:latin typeface="Cambria Math" panose="02040503050406030204" pitchFamily="18" charset="0"/>
+                                </a:rPr>
+                                <m:t>0    </m:t>
+                              </m:r>
+                              <m:r>
+                                <a:rPr lang="en-GB" sz="1600" i="1">
+                                  <a:latin typeface="Cambria Math" panose="02040503050406030204" pitchFamily="18" charset="0"/>
+                                </a:rPr>
+                                <m:t>𝑖𝑓</m:t>
+                              </m:r>
+                              <m:r>
+                                <a:rPr lang="en-GB" sz="1600" i="1">
+                                  <a:latin typeface="Cambria Math" panose="02040503050406030204" pitchFamily="18" charset="0"/>
+                                </a:rPr>
+                                <m:t> </m:t>
+                              </m:r>
+                              <m:sSub>
+                                <m:sSubPr>
+                                  <m:ctrlPr>
+                                    <a:rPr lang="en-US" sz="1600" i="1">
+                                      <a:latin typeface="Cambria Math" panose="02040503050406030204" pitchFamily="18" charset="0"/>
+                                    </a:rPr>
+                                  </m:ctrlPr>
+                                </m:sSubPr>
+                                <m:e>
+                                  <m:r>
+                                    <a:rPr lang="en-GB" sz="1600" i="1">
+                                      <a:latin typeface="Cambria Math" panose="02040503050406030204" pitchFamily="18" charset="0"/>
+                                    </a:rPr>
+                                    <m:t>𝑆</m:t>
+                                  </m:r>
+                                </m:e>
+                                <m:sub>
+                                  <m:r>
+                                    <a:rPr lang="en-GB" sz="1600" i="1">
+                                      <a:latin typeface="Cambria Math" panose="02040503050406030204" pitchFamily="18" charset="0"/>
+                                    </a:rPr>
+                                    <m:t>𝑗</m:t>
+                                  </m:r>
+                                </m:sub>
+                              </m:sSub>
+                              <m:r>
+                                <a:rPr lang="en-GB" sz="1600" i="1">
+                                  <a:latin typeface="Cambria Math" panose="02040503050406030204" pitchFamily="18" charset="0"/>
+                                </a:rPr>
+                                <m:t> </m:t>
+                              </m:r>
+                              <m:r>
+                                <a:rPr lang="en-GB" sz="1600" i="1">
+                                  <a:latin typeface="Cambria Math" panose="02040503050406030204" pitchFamily="18" charset="0"/>
+                                </a:rPr>
+                                <m:t>𝑐𝑎𝑛</m:t>
+                              </m:r>
+                              <m:r>
+                                <a:rPr lang="en-GB" sz="1600" i="1">
+                                  <a:latin typeface="Cambria Math" panose="02040503050406030204" pitchFamily="18" charset="0"/>
+                                </a:rPr>
+                                <m:t> </m:t>
+                              </m:r>
+                              <m:r>
+                                <a:rPr lang="en-GB" sz="1600" i="1">
+                                  <a:latin typeface="Cambria Math" panose="02040503050406030204" pitchFamily="18" charset="0"/>
+                                </a:rPr>
+                                <m:t>𝑏𝑒</m:t>
+                              </m:r>
+                              <m:r>
+                                <a:rPr lang="en-GB" sz="1600" i="1">
+                                  <a:latin typeface="Cambria Math" panose="02040503050406030204" pitchFamily="18" charset="0"/>
+                                </a:rPr>
+                                <m:t> </m:t>
+                              </m:r>
+                              <m:r>
+                                <a:rPr lang="en-GB" sz="1600" i="1">
+                                  <a:latin typeface="Cambria Math" panose="02040503050406030204" pitchFamily="18" charset="0"/>
+                                </a:rPr>
+                                <m:t>𝑗𝑎𝑚𝑚𝑒𝑑</m:t>
+                              </m:r>
+                              <m:r>
+                                <a:rPr lang="en-GB" sz="1600" i="1">
+                                  <a:latin typeface="Cambria Math" panose="02040503050406030204" pitchFamily="18" charset="0"/>
+                                </a:rPr>
+                                <m:t> </m:t>
+                              </m:r>
+                              <m:r>
+                                <a:rPr lang="en-GB" sz="1600" i="1">
+                                  <a:latin typeface="Cambria Math" panose="02040503050406030204" pitchFamily="18" charset="0"/>
+                                </a:rPr>
+                                <m:t>𝑏𝑦</m:t>
+                              </m:r>
+                              <m:r>
+                                <a:rPr lang="en-GB" sz="1600" i="1">
+                                  <a:latin typeface="Cambria Math" panose="02040503050406030204" pitchFamily="18" charset="0"/>
+                                </a:rPr>
+                                <m:t> </m:t>
+                              </m:r>
+                              <m:sSub>
+                                <m:sSubPr>
+                                  <m:ctrlPr>
+                                    <a:rPr lang="en-US" sz="1600" i="1">
+                                      <a:latin typeface="Cambria Math" panose="02040503050406030204" pitchFamily="18" charset="0"/>
+                                    </a:rPr>
+                                  </m:ctrlPr>
+                                </m:sSubPr>
+                                <m:e>
+                                  <m:r>
+                                    <a:rPr lang="en-GB" sz="1600" i="1">
+                                      <a:latin typeface="Cambria Math" panose="02040503050406030204" pitchFamily="18" charset="0"/>
+                                    </a:rPr>
+                                    <m:t>𝐽</m:t>
+                                  </m:r>
+                                </m:e>
+                                <m:sub>
+                                  <m:r>
+                                    <a:rPr lang="en-GB" sz="1600" i="1">
+                                      <a:latin typeface="Cambria Math" panose="02040503050406030204" pitchFamily="18" charset="0"/>
+                                    </a:rPr>
+                                    <m:t>𝑘</m:t>
+                                  </m:r>
+                                </m:sub>
+                              </m:sSub>
+                              <m:r>
+                                <a:rPr lang="en-GB" sz="1600" i="1">
+                                  <a:latin typeface="Cambria Math" panose="02040503050406030204" pitchFamily="18" charset="0"/>
+                                </a:rPr>
+                                <m:t>      </m:t>
+                              </m:r>
+                            </m:e>
+                            <m:e>
+                              <m:r>
+                                <a:rPr lang="en-GB" sz="1600" i="1">
+                                  <a:latin typeface="Cambria Math" panose="02040503050406030204" pitchFamily="18" charset="0"/>
+                                </a:rPr>
+                                <m:t>1    </m:t>
+                              </m:r>
+                              <m:r>
+                                <a:rPr lang="en-GB" sz="1600" i="1">
+                                  <a:latin typeface="Cambria Math" panose="02040503050406030204" pitchFamily="18" charset="0"/>
+                                </a:rPr>
+                                <m:t>𝑖𝑓</m:t>
+                              </m:r>
+                              <m:r>
+                                <a:rPr lang="en-GB" sz="1600" i="1">
+                                  <a:latin typeface="Cambria Math" panose="02040503050406030204" pitchFamily="18" charset="0"/>
+                                </a:rPr>
+                                <m:t> </m:t>
+                              </m:r>
+                              <m:sSub>
+                                <m:sSubPr>
+                                  <m:ctrlPr>
+                                    <a:rPr lang="en-US" sz="1600" i="1">
+                                      <a:latin typeface="Cambria Math" panose="02040503050406030204" pitchFamily="18" charset="0"/>
+                                    </a:rPr>
+                                  </m:ctrlPr>
+                                </m:sSubPr>
+                                <m:e>
+                                  <m:r>
+                                    <a:rPr lang="en-GB" sz="1600" i="1">
+                                      <a:latin typeface="Cambria Math" panose="02040503050406030204" pitchFamily="18" charset="0"/>
+                                    </a:rPr>
+                                    <m:t>𝑆</m:t>
+                                  </m:r>
+                                </m:e>
+                                <m:sub>
+                                  <m:r>
+                                    <a:rPr lang="en-GB" sz="1600" i="1">
+                                      <a:latin typeface="Cambria Math" panose="02040503050406030204" pitchFamily="18" charset="0"/>
+                                    </a:rPr>
+                                    <m:t>𝑗</m:t>
+                                  </m:r>
+                                </m:sub>
+                              </m:sSub>
+                              <m:r>
+                                <a:rPr lang="en-GB" sz="1600" i="1">
+                                  <a:latin typeface="Cambria Math" panose="02040503050406030204" pitchFamily="18" charset="0"/>
+                                </a:rPr>
+                                <m:t> </m:t>
+                              </m:r>
+                              <m:r>
+                                <a:rPr lang="en-GB" sz="1600" i="1">
+                                  <a:latin typeface="Cambria Math" panose="02040503050406030204" pitchFamily="18" charset="0"/>
+                                </a:rPr>
+                                <m:t>𝑐𝑎𝑛𝑛𝑜𝑡</m:t>
+                              </m:r>
+                              <m:r>
+                                <a:rPr lang="en-GB" sz="1600" i="1">
+                                  <a:latin typeface="Cambria Math" panose="02040503050406030204" pitchFamily="18" charset="0"/>
+                                </a:rPr>
+                                <m:t> </m:t>
+                              </m:r>
+                              <m:r>
+                                <a:rPr lang="en-GB" sz="1600" i="1">
+                                  <a:latin typeface="Cambria Math" panose="02040503050406030204" pitchFamily="18" charset="0"/>
+                                </a:rPr>
+                                <m:t>𝑏𝑒</m:t>
+                              </m:r>
+                              <m:r>
+                                <a:rPr lang="en-GB" sz="1600" i="1">
+                                  <a:latin typeface="Cambria Math" panose="02040503050406030204" pitchFamily="18" charset="0"/>
+                                </a:rPr>
+                                <m:t> </m:t>
+                              </m:r>
+                              <m:r>
+                                <a:rPr lang="en-GB" sz="1600" i="1">
+                                  <a:latin typeface="Cambria Math" panose="02040503050406030204" pitchFamily="18" charset="0"/>
+                                </a:rPr>
+                                <m:t>𝑗𝑎𝑚𝑚𝑒𝑑</m:t>
+                              </m:r>
+                              <m:r>
+                                <a:rPr lang="en-GB" sz="1600" i="1">
+                                  <a:latin typeface="Cambria Math" panose="02040503050406030204" pitchFamily="18" charset="0"/>
+                                </a:rPr>
+                                <m:t> </m:t>
+                              </m:r>
+                              <m:r>
+                                <a:rPr lang="en-GB" sz="1600" i="1">
+                                  <a:latin typeface="Cambria Math" panose="02040503050406030204" pitchFamily="18" charset="0"/>
+                                </a:rPr>
+                                <m:t>𝑏𝑦</m:t>
+                              </m:r>
+                              <m:r>
+                                <a:rPr lang="en-GB" sz="1600" i="1">
+                                  <a:latin typeface="Cambria Math" panose="02040503050406030204" pitchFamily="18" charset="0"/>
+                                </a:rPr>
+                                <m:t> </m:t>
+                              </m:r>
+                              <m:sSub>
+                                <m:sSubPr>
+                                  <m:ctrlPr>
+                                    <a:rPr lang="en-US" sz="1600" i="1">
+                                      <a:latin typeface="Cambria Math" panose="02040503050406030204" pitchFamily="18" charset="0"/>
+                                    </a:rPr>
+                                  </m:ctrlPr>
+                                </m:sSubPr>
+                                <m:e>
+                                  <m:r>
+                                    <a:rPr lang="en-GB" sz="1600" i="1">
+                                      <a:latin typeface="Cambria Math" panose="02040503050406030204" pitchFamily="18" charset="0"/>
+                                    </a:rPr>
+                                    <m:t>𝐽</m:t>
+                                  </m:r>
+                                </m:e>
+                                <m:sub>
+                                  <m:r>
+                                    <a:rPr lang="en-GB" sz="1600" i="1">
+                                      <a:latin typeface="Cambria Math" panose="02040503050406030204" pitchFamily="18" charset="0"/>
+                                    </a:rPr>
+                                    <m:t>𝑘</m:t>
+                                  </m:r>
+                                </m:sub>
+                              </m:sSub>
+                            </m:e>
+                          </m:eqArr>
+                        </m:e>
+                      </m:d>
+                      <m:r>
+                        <a:rPr lang="en-GB" sz="1600" i="1">
+                          <a:latin typeface="Cambria Math" panose="02040503050406030204" pitchFamily="18" charset="0"/>
+                        </a:rPr>
+                        <m:t>   0≤</m:t>
+                      </m:r>
+                      <m:r>
+                        <a:rPr lang="en-GB" sz="1600" i="1">
+                          <a:latin typeface="Cambria Math" panose="02040503050406030204" pitchFamily="18" charset="0"/>
+                        </a:rPr>
+                        <m:t>𝑖</m:t>
+                      </m:r>
+                      <m:r>
+                        <a:rPr lang="en-GB" sz="1600" i="1">
+                          <a:latin typeface="Cambria Math" panose="02040503050406030204" pitchFamily="18" charset="0"/>
+                        </a:rPr>
+                        <m:t>≤</m:t>
+                      </m:r>
+                      <m:r>
+                        <a:rPr lang="en-GB" sz="1600" i="1">
+                          <a:latin typeface="Cambria Math" panose="02040503050406030204" pitchFamily="18" charset="0"/>
+                        </a:rPr>
+                        <m:t>𝑚</m:t>
+                      </m:r>
+                      <m:r>
+                        <a:rPr lang="en-GB" sz="1600" i="1">
+                          <a:latin typeface="Cambria Math" panose="02040503050406030204" pitchFamily="18" charset="0"/>
+                        </a:rPr>
+                        <m:t>,    0≤</m:t>
+                      </m:r>
+                      <m:r>
+                        <a:rPr lang="en-GB" sz="1600" i="1">
+                          <a:latin typeface="Cambria Math" panose="02040503050406030204" pitchFamily="18" charset="0"/>
+                        </a:rPr>
+                        <m:t>𝑗</m:t>
+                      </m:r>
+                      <m:r>
+                        <a:rPr lang="en-GB" sz="1600" i="1">
+                          <a:latin typeface="Cambria Math" panose="02040503050406030204" pitchFamily="18" charset="0"/>
+                        </a:rPr>
+                        <m:t>≤</m:t>
+                      </m:r>
+                      <m:r>
+                        <a:rPr lang="en-GB" sz="1600" i="1">
+                          <a:latin typeface="Cambria Math" panose="02040503050406030204" pitchFamily="18" charset="0"/>
+                        </a:rPr>
+                        <m:t>𝑛</m:t>
+                      </m:r>
+                    </m:oMath>
+                  </m:oMathPara>
+                </a14:m>
+                <a:endParaRPr lang="en-US" dirty="0"/>
+              </a:p>
+              <a:p>
+                <a:endParaRPr lang="en-US" dirty="0"/>
+              </a:p>
+            </p:txBody>
+          </p:sp>
+        </mc:Choice>
+        <mc:Fallback xmlns="">
+          <p:sp>
+            <p:nvSpPr>
+              <p:cNvPr id="3" name="Content Placeholder 2"/>
+              <p:cNvSpPr>
+                <a:spLocks noGrp="1" noRot="1" noChangeAspect="1" noMove="1" noResize="1" noEditPoints="1" noAdjustHandles="1" noChangeArrowheads="1" noChangeShapeType="1" noTextEdit="1"/>
+              </p:cNvSpPr>
+              <p:nvPr>
+                <p:ph idx="1"/>
+              </p:nvPr>
+            </p:nvSpPr>
+            <p:spPr>
+              <a:blipFill rotWithShape="0">
+                <a:blip r:embed="rId2"/>
+                <a:stretch>
+                  <a:fillRect t="-2177"/>
+                </a:stretch>
+              </a:blipFill>
+            </p:spPr>
+            <p:txBody>
+              <a:bodyPr/>
+              <a:lstStyle/>
+              <a:p>
+                <a:r>
+                  <a:rPr lang="en-US">
+                    <a:noFill/>
+                  </a:rPr>
+                  <a:t> </a:t>
+                </a:r>
+              </a:p>
+            </p:txBody>
+          </p:sp>
+        </mc:Fallback>
+      </mc:AlternateContent>
+    </p:spTree>
+    <p:extLst>
+      <p:ext uri="{BB962C8B-B14F-4D97-AF65-F5344CB8AC3E}">
+        <p14:creationId xmlns:p14="http://schemas.microsoft.com/office/powerpoint/2010/main" val="627514534"/>
       </p:ext>
     </p:extLst>
   </p:cSld>
@@ -4446,76 +10516,16 @@
         <a:srgbClr val="954F72"/>
       </a:folHlink>
     </a:clrScheme>
-    <a:fontScheme name="Office">
+    <a:fontScheme name="Thesis Presentation">
       <a:majorFont>
-        <a:latin typeface="Calibri Light"/>
+        <a:latin typeface="Garamond"/>
         <a:ea typeface=""/>
         <a:cs typeface=""/>
-        <a:font script="Jpan" typeface="ＭＳ Ｐゴシック"/>
-        <a:font script="Hang" typeface="맑은 고딕"/>
-        <a:font script="Hans" typeface="宋体"/>
-        <a:font script="Hant" typeface="新細明體"/>
-        <a:font script="Arab" typeface="Times New Roman"/>
-        <a:font script="Hebr" typeface="Times New Roman"/>
-        <a:font script="Thai" typeface="Angsana New"/>
-        <a:font script="Ethi" typeface="Nyala"/>
-        <a:font script="Beng" typeface="Vrinda"/>
-        <a:font script="Gujr" typeface="Shruti"/>
-        <a:font script="Khmr" typeface="MoolBoran"/>
-        <a:font script="Knda" typeface="Tunga"/>
-        <a:font script="Guru" typeface="Raavi"/>
-        <a:font script="Cans" typeface="Euphemia"/>
-        <a:font script="Cher" typeface="Plantagenet Cherokee"/>
-        <a:font script="Yiii" typeface="Microsoft Yi Baiti"/>
-        <a:font script="Tibt" typeface="Microsoft Himalaya"/>
-        <a:font script="Thaa" typeface="MV Boli"/>
-        <a:font script="Deva" typeface="Mangal"/>
-        <a:font script="Telu" typeface="Gautami"/>
-        <a:font script="Taml" typeface="Latha"/>
-        <a:font script="Syrc" typeface="Estrangelo Edessa"/>
-        <a:font script="Orya" typeface="Kalinga"/>
-        <a:font script="Mlym" typeface="Kartika"/>
-        <a:font script="Laoo" typeface="DokChampa"/>
-        <a:font script="Sinh" typeface="Iskoola Pota"/>
-        <a:font script="Mong" typeface="Mongolian Baiti"/>
-        <a:font script="Viet" typeface="Times New Roman"/>
-        <a:font script="Uigh" typeface="Microsoft Uighur"/>
-        <a:font script="Geor" typeface="Sylfaen"/>
       </a:majorFont>
       <a:minorFont>
-        <a:latin typeface="Calibri"/>
+        <a:latin typeface="Bookman Old Style"/>
         <a:ea typeface=""/>
         <a:cs typeface=""/>
-        <a:font script="Jpan" typeface="ＭＳ Ｐゴシック"/>
-        <a:font script="Hang" typeface="맑은 고딕"/>
-        <a:font script="Hans" typeface="宋体"/>
-        <a:font script="Hant" typeface="新細明體"/>
-        <a:font script="Arab" typeface="Arial"/>
-        <a:font script="Hebr" typeface="Arial"/>
-        <a:font script="Thai" typeface="Cordia New"/>
-        <a:font script="Ethi" typeface="Nyala"/>
-        <a:font script="Beng" typeface="Vrinda"/>
-        <a:font script="Gujr" typeface="Shruti"/>
-        <a:font script="Khmr" typeface="DaunPenh"/>
-        <a:font script="Knda" typeface="Tunga"/>
-        <a:font script="Guru" typeface="Raavi"/>
-        <a:font script="Cans" typeface="Euphemia"/>
-        <a:font script="Cher" typeface="Plantagenet Cherokee"/>
-        <a:font script="Yiii" typeface="Microsoft Yi Baiti"/>
-        <a:font script="Tibt" typeface="Microsoft Himalaya"/>
-        <a:font script="Thaa" typeface="MV Boli"/>
-        <a:font script="Deva" typeface="Mangal"/>
-        <a:font script="Telu" typeface="Gautami"/>
-        <a:font script="Taml" typeface="Latha"/>
-        <a:font script="Syrc" typeface="Estrangelo Edessa"/>
-        <a:font script="Orya" typeface="Kalinga"/>
-        <a:font script="Mlym" typeface="Kartika"/>
-        <a:font script="Laoo" typeface="DokChampa"/>
-        <a:font script="Sinh" typeface="Iskoola Pota"/>
-        <a:font script="Mong" typeface="Mongolian Baiti"/>
-        <a:font script="Viet" typeface="Arial"/>
-        <a:font script="Uigh" typeface="Microsoft Uighur"/>
-        <a:font script="Geor" typeface="Sylfaen"/>
       </a:minorFont>
     </a:fontScheme>
     <a:fmtScheme name="Office">
@@ -4653,7 +10663,65 @@
       </a:bgFillStyleLst>
     </a:fmtScheme>
   </a:themeElements>
-  <a:objectDefaults/>
+  <a:objectDefaults>
+    <a:spDef>
+      <a:spPr>
+        <a:noFill/>
+        <a:ln>
+          <a:solidFill>
+            <a:schemeClr val="bg1"/>
+          </a:solidFill>
+        </a:ln>
+      </a:spPr>
+      <a:bodyPr rtlCol="0" anchor="ctr"/>
+      <a:lstStyle>
+        <a:defPPr algn="ctr">
+          <a:defRPr/>
+        </a:defPPr>
+      </a:lstStyle>
+      <a:style>
+        <a:lnRef idx="2">
+          <a:schemeClr val="accent1">
+            <a:shade val="50000"/>
+          </a:schemeClr>
+        </a:lnRef>
+        <a:fillRef idx="1">
+          <a:schemeClr val="accent1"/>
+        </a:fillRef>
+        <a:effectRef idx="0">
+          <a:schemeClr val="accent1"/>
+        </a:effectRef>
+        <a:fontRef idx="minor">
+          <a:schemeClr val="lt1"/>
+        </a:fontRef>
+      </a:style>
+    </a:spDef>
+    <a:lnDef>
+      <a:spPr>
+        <a:ln>
+          <a:solidFill>
+            <a:schemeClr val="bg1"/>
+          </a:solidFill>
+        </a:ln>
+      </a:spPr>
+      <a:bodyPr/>
+      <a:lstStyle/>
+      <a:style>
+        <a:lnRef idx="1">
+          <a:schemeClr val="accent1"/>
+        </a:lnRef>
+        <a:fillRef idx="0">
+          <a:schemeClr val="accent1"/>
+        </a:fillRef>
+        <a:effectRef idx="0">
+          <a:schemeClr val="accent1"/>
+        </a:effectRef>
+        <a:fontRef idx="minor">
+          <a:schemeClr val="tx1"/>
+        </a:fontRef>
+      </a:style>
+    </a:lnDef>
+  </a:objectDefaults>
   <a:extraClrSchemeLst/>
 </a:theme>
 </file>
@@ -4917,4 +10985,265 @@
     </a:ext>
   </a:extLst>
 </a:theme>
+</file>
+
+<file path=ppt/theme/theme3.xml><?xml version="1.0" encoding="utf-8"?>
+<a:theme xmlns:a="http://schemas.openxmlformats.org/drawingml/2006/main" name="Office Theme">
+  <a:themeElements>
+    <a:clrScheme name="Office">
+      <a:dk1>
+        <a:sysClr val="windowText" lastClr="000000"/>
+      </a:dk1>
+      <a:lt1>
+        <a:sysClr val="window" lastClr="FFFFFF"/>
+      </a:lt1>
+      <a:dk2>
+        <a:srgbClr val="44546A"/>
+      </a:dk2>
+      <a:lt2>
+        <a:srgbClr val="E7E6E6"/>
+      </a:lt2>
+      <a:accent1>
+        <a:srgbClr val="5B9BD5"/>
+      </a:accent1>
+      <a:accent2>
+        <a:srgbClr val="ED7D31"/>
+      </a:accent2>
+      <a:accent3>
+        <a:srgbClr val="A5A5A5"/>
+      </a:accent3>
+      <a:accent4>
+        <a:srgbClr val="FFC000"/>
+      </a:accent4>
+      <a:accent5>
+        <a:srgbClr val="4472C4"/>
+      </a:accent5>
+      <a:accent6>
+        <a:srgbClr val="70AD47"/>
+      </a:accent6>
+      <a:hlink>
+        <a:srgbClr val="0563C1"/>
+      </a:hlink>
+      <a:folHlink>
+        <a:srgbClr val="954F72"/>
+      </a:folHlink>
+    </a:clrScheme>
+    <a:fontScheme name="Office">
+      <a:majorFont>
+        <a:latin typeface="Calibri Light" panose="020F0302020204030204"/>
+        <a:ea typeface=""/>
+        <a:cs typeface=""/>
+        <a:font script="Jpan" typeface="ＭＳ Ｐゴシック"/>
+        <a:font script="Hang" typeface="맑은 고딕"/>
+        <a:font script="Hans" typeface="宋体"/>
+        <a:font script="Hant" typeface="新細明體"/>
+        <a:font script="Arab" typeface="Times New Roman"/>
+        <a:font script="Hebr" typeface="Times New Roman"/>
+        <a:font script="Thai" typeface="Angsana New"/>
+        <a:font script="Ethi" typeface="Nyala"/>
+        <a:font script="Beng" typeface="Vrinda"/>
+        <a:font script="Gujr" typeface="Shruti"/>
+        <a:font script="Khmr" typeface="MoolBoran"/>
+        <a:font script="Knda" typeface="Tunga"/>
+        <a:font script="Guru" typeface="Raavi"/>
+        <a:font script="Cans" typeface="Euphemia"/>
+        <a:font script="Cher" typeface="Plantagenet Cherokee"/>
+        <a:font script="Yiii" typeface="Microsoft Yi Baiti"/>
+        <a:font script="Tibt" typeface="Microsoft Himalaya"/>
+        <a:font script="Thaa" typeface="MV Boli"/>
+        <a:font script="Deva" typeface="Mangal"/>
+        <a:font script="Telu" typeface="Gautami"/>
+        <a:font script="Taml" typeface="Latha"/>
+        <a:font script="Syrc" typeface="Estrangelo Edessa"/>
+        <a:font script="Orya" typeface="Kalinga"/>
+        <a:font script="Mlym" typeface="Kartika"/>
+        <a:font script="Laoo" typeface="DokChampa"/>
+        <a:font script="Sinh" typeface="Iskoola Pota"/>
+        <a:font script="Mong" typeface="Mongolian Baiti"/>
+        <a:font script="Viet" typeface="Times New Roman"/>
+        <a:font script="Uigh" typeface="Microsoft Uighur"/>
+        <a:font script="Geor" typeface="Sylfaen"/>
+      </a:majorFont>
+      <a:minorFont>
+        <a:latin typeface="Calibri" panose="020F0502020204030204"/>
+        <a:ea typeface=""/>
+        <a:cs typeface=""/>
+        <a:font script="Jpan" typeface="ＭＳ Ｐゴシック"/>
+        <a:font script="Hang" typeface="맑은 고딕"/>
+        <a:font script="Hans" typeface="宋体"/>
+        <a:font script="Hant" typeface="新細明體"/>
+        <a:font script="Arab" typeface="Arial"/>
+        <a:font script="Hebr" typeface="Arial"/>
+        <a:font script="Thai" typeface="Cordia New"/>
+        <a:font script="Ethi" typeface="Nyala"/>
+        <a:font script="Beng" typeface="Vrinda"/>
+        <a:font script="Gujr" typeface="Shruti"/>
+        <a:font script="Khmr" typeface="DaunPenh"/>
+        <a:font script="Knda" typeface="Tunga"/>
+        <a:font script="Guru" typeface="Raavi"/>
+        <a:font script="Cans" typeface="Euphemia"/>
+        <a:font script="Cher" typeface="Plantagenet Cherokee"/>
+        <a:font script="Yiii" typeface="Microsoft Yi Baiti"/>
+        <a:font script="Tibt" typeface="Microsoft Himalaya"/>
+        <a:font script="Thaa" typeface="MV Boli"/>
+        <a:font script="Deva" typeface="Mangal"/>
+        <a:font script="Telu" typeface="Gautami"/>
+        <a:font script="Taml" typeface="Latha"/>
+        <a:font script="Syrc" typeface="Estrangelo Edessa"/>
+        <a:font script="Orya" typeface="Kalinga"/>
+        <a:font script="Mlym" typeface="Kartika"/>
+        <a:font script="Laoo" typeface="DokChampa"/>
+        <a:font script="Sinh" typeface="Iskoola Pota"/>
+        <a:font script="Mong" typeface="Mongolian Baiti"/>
+        <a:font script="Viet" typeface="Arial"/>
+        <a:font script="Uigh" typeface="Microsoft Uighur"/>
+        <a:font script="Geor" typeface="Sylfaen"/>
+      </a:minorFont>
+    </a:fontScheme>
+    <a:fmtScheme name="Office">
+      <a:fillStyleLst>
+        <a:solidFill>
+          <a:schemeClr val="phClr"/>
+        </a:solidFill>
+        <a:gradFill rotWithShape="1">
+          <a:gsLst>
+            <a:gs pos="0">
+              <a:schemeClr val="phClr">
+                <a:lumMod val="110000"/>
+                <a:satMod val="105000"/>
+                <a:tint val="67000"/>
+              </a:schemeClr>
+            </a:gs>
+            <a:gs pos="50000">
+              <a:schemeClr val="phClr">
+                <a:lumMod val="105000"/>
+                <a:satMod val="103000"/>
+                <a:tint val="73000"/>
+              </a:schemeClr>
+            </a:gs>
+            <a:gs pos="100000">
+              <a:schemeClr val="phClr">
+                <a:lumMod val="105000"/>
+                <a:satMod val="109000"/>
+                <a:tint val="81000"/>
+              </a:schemeClr>
+            </a:gs>
+          </a:gsLst>
+          <a:lin ang="5400000" scaled="0"/>
+        </a:gradFill>
+        <a:gradFill rotWithShape="1">
+          <a:gsLst>
+            <a:gs pos="0">
+              <a:schemeClr val="phClr">
+                <a:satMod val="103000"/>
+                <a:lumMod val="102000"/>
+                <a:tint val="94000"/>
+              </a:schemeClr>
+            </a:gs>
+            <a:gs pos="50000">
+              <a:schemeClr val="phClr">
+                <a:satMod val="110000"/>
+                <a:lumMod val="100000"/>
+                <a:shade val="100000"/>
+              </a:schemeClr>
+            </a:gs>
+            <a:gs pos="100000">
+              <a:schemeClr val="phClr">
+                <a:lumMod val="99000"/>
+                <a:satMod val="120000"/>
+                <a:shade val="78000"/>
+              </a:schemeClr>
+            </a:gs>
+          </a:gsLst>
+          <a:lin ang="5400000" scaled="0"/>
+        </a:gradFill>
+      </a:fillStyleLst>
+      <a:lnStyleLst>
+        <a:ln w="6350" cap="flat" cmpd="sng" algn="ctr">
+          <a:solidFill>
+            <a:schemeClr val="phClr"/>
+          </a:solidFill>
+          <a:prstDash val="solid"/>
+          <a:miter lim="800000"/>
+        </a:ln>
+        <a:ln w="12700" cap="flat" cmpd="sng" algn="ctr">
+          <a:solidFill>
+            <a:schemeClr val="phClr"/>
+          </a:solidFill>
+          <a:prstDash val="solid"/>
+          <a:miter lim="800000"/>
+        </a:ln>
+        <a:ln w="19050" cap="flat" cmpd="sng" algn="ctr">
+          <a:solidFill>
+            <a:schemeClr val="phClr"/>
+          </a:solidFill>
+          <a:prstDash val="solid"/>
+          <a:miter lim="800000"/>
+        </a:ln>
+      </a:lnStyleLst>
+      <a:effectStyleLst>
+        <a:effectStyle>
+          <a:effectLst/>
+        </a:effectStyle>
+        <a:effectStyle>
+          <a:effectLst/>
+        </a:effectStyle>
+        <a:effectStyle>
+          <a:effectLst>
+            <a:outerShdw blurRad="57150" dist="19050" dir="5400000" algn="ctr" rotWithShape="0">
+              <a:srgbClr val="000000">
+                <a:alpha val="63000"/>
+              </a:srgbClr>
+            </a:outerShdw>
+          </a:effectLst>
+        </a:effectStyle>
+      </a:effectStyleLst>
+      <a:bgFillStyleLst>
+        <a:solidFill>
+          <a:schemeClr val="phClr"/>
+        </a:solidFill>
+        <a:solidFill>
+          <a:schemeClr val="phClr">
+            <a:tint val="95000"/>
+            <a:satMod val="170000"/>
+          </a:schemeClr>
+        </a:solidFill>
+        <a:gradFill rotWithShape="1">
+          <a:gsLst>
+            <a:gs pos="0">
+              <a:schemeClr val="phClr">
+                <a:tint val="93000"/>
+                <a:satMod val="150000"/>
+                <a:shade val="98000"/>
+                <a:lumMod val="102000"/>
+              </a:schemeClr>
+            </a:gs>
+            <a:gs pos="50000">
+              <a:schemeClr val="phClr">
+                <a:tint val="98000"/>
+                <a:satMod val="130000"/>
+                <a:shade val="90000"/>
+                <a:lumMod val="103000"/>
+              </a:schemeClr>
+            </a:gs>
+            <a:gs pos="100000">
+              <a:schemeClr val="phClr">
+                <a:shade val="63000"/>
+                <a:satMod val="120000"/>
+              </a:schemeClr>
+            </a:gs>
+          </a:gsLst>
+          <a:lin ang="5400000" scaled="0"/>
+        </a:gradFill>
+      </a:bgFillStyleLst>
+    </a:fmtScheme>
+  </a:themeElements>
+  <a:objectDefaults/>
+  <a:extraClrSchemeLst/>
+  <a:extLst>
+    <a:ext uri="{05A4C25C-085E-4340-85A3-A5531E510DB2}">
+      <thm15:themeFamily xmlns:thm15="http://schemas.microsoft.com/office/thememl/2012/main" name="Office Theme" id="{62F939B6-93AF-4DB8-9C6B-D6C7DFDC589F}" vid="{4A3C46E8-61CC-4603-A589-7422A47A8E4A}"/>
+    </a:ext>
+  </a:extLst>
+</a:theme>
 </file>
--- a/MTP/Thesis/JBR_PPT.pptx
+++ b/MTP/Thesis/JBR_PPT.pptx
@@ -5,31 +5,38 @@
     <p:sldMasterId id="2147483798" r:id="rId1"/>
   </p:sldMasterIdLst>
   <p:notesMasterIdLst>
-    <p:notesMasterId r:id="rId21"/>
+    <p:notesMasterId r:id="rId28"/>
   </p:notesMasterIdLst>
   <p:handoutMasterIdLst>
-    <p:handoutMasterId r:id="rId22"/>
+    <p:handoutMasterId r:id="rId29"/>
   </p:handoutMasterIdLst>
   <p:sldIdLst>
     <p:sldId id="256" r:id="rId2"/>
     <p:sldId id="268" r:id="rId3"/>
     <p:sldId id="257" r:id="rId4"/>
     <p:sldId id="258" r:id="rId5"/>
-    <p:sldId id="259" r:id="rId6"/>
-    <p:sldId id="260" r:id="rId7"/>
-    <p:sldId id="261" r:id="rId8"/>
-    <p:sldId id="262" r:id="rId9"/>
-    <p:sldId id="263" r:id="rId10"/>
-    <p:sldId id="264" r:id="rId11"/>
-    <p:sldId id="265" r:id="rId12"/>
-    <p:sldId id="267" r:id="rId13"/>
-    <p:sldId id="266" r:id="rId14"/>
-    <p:sldId id="270" r:id="rId15"/>
-    <p:sldId id="269" r:id="rId16"/>
-    <p:sldId id="272" r:id="rId17"/>
-    <p:sldId id="274" r:id="rId18"/>
-    <p:sldId id="271" r:id="rId19"/>
-    <p:sldId id="275" r:id="rId20"/>
+    <p:sldId id="276" r:id="rId6"/>
+    <p:sldId id="259" r:id="rId7"/>
+    <p:sldId id="277" r:id="rId8"/>
+    <p:sldId id="260" r:id="rId9"/>
+    <p:sldId id="278" r:id="rId10"/>
+    <p:sldId id="279" r:id="rId11"/>
+    <p:sldId id="261" r:id="rId12"/>
+    <p:sldId id="262" r:id="rId13"/>
+    <p:sldId id="263" r:id="rId14"/>
+    <p:sldId id="265" r:id="rId15"/>
+    <p:sldId id="266" r:id="rId16"/>
+    <p:sldId id="280" r:id="rId17"/>
+    <p:sldId id="281" r:id="rId18"/>
+    <p:sldId id="270" r:id="rId19"/>
+    <p:sldId id="269" r:id="rId20"/>
+    <p:sldId id="283" r:id="rId21"/>
+    <p:sldId id="271" r:id="rId22"/>
+    <p:sldId id="275" r:id="rId23"/>
+    <p:sldId id="284" r:id="rId24"/>
+    <p:sldId id="285" r:id="rId25"/>
+    <p:sldId id="286" r:id="rId26"/>
+    <p:sldId id="287" r:id="rId27"/>
   </p:sldIdLst>
   <p:sldSz cx="9144000" cy="6858000" type="screen4x3"/>
   <p:notesSz cx="6858000" cy="9144000"/>
@@ -132,6 +139,9 @@
     <p:ext uri="{EFAFB233-063F-42B5-8137-9DF3F51BA10A}">
       <p15:sldGuideLst xmlns:p15="http://schemas.microsoft.com/office/powerpoint/2012/main"/>
     </p:ext>
+    <p:ext uri="{2D200454-40CA-4A62-9FC3-DE9A4176ACB9}">
+      <p15:notesGuideLst xmlns:p15="http://schemas.microsoft.com/office/powerpoint/2012/main"/>
+    </p:ext>
   </p:extLst>
 </p:presentation>
 </file>
@@ -218,7 +228,7 @@
           <a:p>
             <a:fld id="{B638A882-0C08-4005-8769-9764EF7B131B}" type="datetimeFigureOut">
               <a:rPr lang="en-US" smtClean="0"/>
-              <a:t>11/17/2015</a:t>
+              <a:t>11/21/2015</a:t>
             </a:fld>
             <a:endParaRPr lang="en-US"/>
           </a:p>
@@ -383,7 +393,7 @@
           <a:p>
             <a:fld id="{32A5677F-ADE5-4413-A5B0-4374FDD11AF8}" type="datetimeFigureOut">
               <a:rPr lang="en-US" smtClean="0"/>
-              <a:t>11/17/2015</a:t>
+              <a:t>11/21/2015</a:t>
             </a:fld>
             <a:endParaRPr lang="en-US"/>
           </a:p>
@@ -735,6 +745,90 @@
 </p:notes>
 </file>
 
+<file path=ppt/notesSlides/notesSlide2.xml><?xml version="1.0" encoding="utf-8"?>
+<p:notes xmlns:a="http://schemas.openxmlformats.org/drawingml/2006/main" xmlns:r="http://schemas.openxmlformats.org/officeDocument/2006/relationships" xmlns:p="http://schemas.openxmlformats.org/presentationml/2006/main">
+  <p:cSld>
+    <p:spTree>
+      <p:nvGrpSpPr>
+        <p:cNvPr id="1" name=""/>
+        <p:cNvGrpSpPr/>
+        <p:nvPr/>
+      </p:nvGrpSpPr>
+      <p:grpSpPr>
+        <a:xfrm>
+          <a:off x="0" y="0"/>
+          <a:ext cx="0" cy="0"/>
+          <a:chOff x="0" y="0"/>
+          <a:chExt cx="0" cy="0"/>
+        </a:xfrm>
+      </p:grpSpPr>
+      <p:sp>
+        <p:nvSpPr>
+          <p:cNvPr id="2" name="Slide Image Placeholder 1"/>
+          <p:cNvSpPr>
+            <a:spLocks noGrp="1" noRot="1" noChangeAspect="1"/>
+          </p:cNvSpPr>
+          <p:nvPr>
+            <p:ph type="sldImg"/>
+          </p:nvPr>
+        </p:nvSpPr>
+        <p:spPr/>
+      </p:sp>
+      <p:sp>
+        <p:nvSpPr>
+          <p:cNvPr id="3" name="Notes Placeholder 2"/>
+          <p:cNvSpPr>
+            <a:spLocks noGrp="1"/>
+          </p:cNvSpPr>
+          <p:nvPr>
+            <p:ph type="body" idx="1"/>
+          </p:nvPr>
+        </p:nvSpPr>
+        <p:spPr/>
+        <p:txBody>
+          <a:bodyPr/>
+          <a:lstStyle/>
+          <a:p>
+            <a:endParaRPr lang="en-IN"/>
+          </a:p>
+        </p:txBody>
+      </p:sp>
+      <p:sp>
+        <p:nvSpPr>
+          <p:cNvPr id="4" name="Slide Number Placeholder 3"/>
+          <p:cNvSpPr>
+            <a:spLocks noGrp="1"/>
+          </p:cNvSpPr>
+          <p:nvPr>
+            <p:ph type="sldNum" sz="quarter" idx="10"/>
+          </p:nvPr>
+        </p:nvSpPr>
+        <p:spPr/>
+        <p:txBody>
+          <a:bodyPr/>
+          <a:lstStyle/>
+          <a:p>
+            <a:fld id="{C59B8D34-3800-4268-A6E7-E700DDBB8C03}" type="slidenum">
+              <a:rPr lang="en-US" smtClean="0"/>
+              <a:t>22</a:t>
+            </a:fld>
+            <a:endParaRPr lang="en-US"/>
+          </a:p>
+        </p:txBody>
+      </p:sp>
+    </p:spTree>
+    <p:extLst>
+      <p:ext uri="{BB962C8B-B14F-4D97-AF65-F5344CB8AC3E}">
+        <p14:creationId xmlns:p14="http://schemas.microsoft.com/office/powerpoint/2010/main" val="3716202267"/>
+      </p:ext>
+    </p:extLst>
+  </p:cSld>
+  <p:clrMapOvr>
+    <a:masterClrMapping/>
+  </p:clrMapOvr>
+</p:notes>
+</file>
+
 <file path=ppt/slideLayouts/slideLayout1.xml><?xml version="1.0" encoding="utf-8"?>
 <p:sldLayout xmlns:a="http://schemas.openxmlformats.org/drawingml/2006/main" xmlns:r="http://schemas.openxmlformats.org/officeDocument/2006/relationships" xmlns:p="http://schemas.openxmlformats.org/presentationml/2006/main" type="title" preserve="1">
   <p:cSld name="Title Slide">
@@ -891,7 +985,7 @@
             <a:fld id="{AA28D7F1-A228-4E6D-BCA2-957708F4644B}" type="datetimeFigureOut">
               <a:rPr lang="en-US" smtClean="0"/>
               <a:pPr/>
-              <a:t>11/17/2015</a:t>
+              <a:t>11/21/2015</a:t>
             </a:fld>
             <a:endParaRPr lang="en-US"/>
           </a:p>
@@ -1089,7 +1183,7 @@
           <a:p>
             <a:fld id="{AA28D7F1-A228-4E6D-BCA2-957708F4644B}" type="datetimeFigureOut">
               <a:rPr lang="en-US" smtClean="0"/>
-              <a:t>11/17/2015</a:t>
+              <a:t>11/21/2015</a:t>
             </a:fld>
             <a:endParaRPr lang="en-US"/>
           </a:p>
@@ -1269,7 +1363,7 @@
           <a:p>
             <a:fld id="{AA28D7F1-A228-4E6D-BCA2-957708F4644B}" type="datetimeFigureOut">
               <a:rPr lang="en-US" smtClean="0"/>
-              <a:t>11/17/2015</a:t>
+              <a:t>11/21/2015</a:t>
             </a:fld>
             <a:endParaRPr lang="en-US"/>
           </a:p>
@@ -1369,7 +1463,7 @@
             <a:lvl1pPr algn="ctr">
               <a:defRPr b="1" u="none">
                 <a:solidFill>
-                  <a:schemeClr val="bg1"/>
+                  <a:schemeClr val="tx1"/>
                 </a:solidFill>
                 <a:effectLst>
                   <a:outerShdw blurRad="38100" dist="38100" dir="2700000" algn="tl">
@@ -1412,9 +1506,7 @@
             <a:lvl1pPr>
               <a:defRPr sz="2200">
                 <a:solidFill>
-                  <a:schemeClr val="bg1">
-                    <a:lumMod val="85000"/>
-                  </a:schemeClr>
+                  <a:schemeClr val="tx1"/>
                 </a:solidFill>
               </a:defRPr>
             </a:lvl1pPr>
@@ -1424,9 +1516,7 @@
               <a:buChar char="v"/>
               <a:defRPr sz="2000">
                 <a:solidFill>
-                  <a:schemeClr val="bg1">
-                    <a:lumMod val="85000"/>
-                  </a:schemeClr>
+                  <a:schemeClr val="tx1"/>
                 </a:solidFill>
               </a:defRPr>
             </a:lvl2pPr>
@@ -1436,27 +1526,21 @@
               <a:buChar char="Ø"/>
               <a:defRPr sz="1800">
                 <a:solidFill>
-                  <a:schemeClr val="bg1">
-                    <a:lumMod val="85000"/>
-                  </a:schemeClr>
+                  <a:schemeClr val="tx1"/>
                 </a:solidFill>
               </a:defRPr>
             </a:lvl3pPr>
             <a:lvl4pPr>
               <a:defRPr sz="1600">
                 <a:solidFill>
-                  <a:schemeClr val="bg1">
-                    <a:lumMod val="85000"/>
-                  </a:schemeClr>
+                  <a:schemeClr val="tx1"/>
                 </a:solidFill>
               </a:defRPr>
             </a:lvl4pPr>
             <a:lvl5pPr>
               <a:defRPr sz="1400">
                 <a:solidFill>
-                  <a:schemeClr val="bg1">
-                    <a:lumMod val="85000"/>
-                  </a:schemeClr>
+                  <a:schemeClr val="tx1"/>
                 </a:solidFill>
               </a:defRPr>
             </a:lvl5pPr>
@@ -1527,7 +1611,7 @@
             <a:fld id="{AA28D7F1-A228-4E6D-BCA2-957708F4644B}" type="datetimeFigureOut">
               <a:rPr lang="en-US" smtClean="0"/>
               <a:pPr/>
-              <a:t>11/17/2015</a:t>
+              <a:t>11/21/2015</a:t>
             </a:fld>
             <a:endParaRPr lang="en-US" dirty="0"/>
           </a:p>
@@ -1612,7 +1696,7 @@
           </a:prstGeom>
           <a:ln>
             <a:solidFill>
-              <a:schemeClr val="bg1"/>
+              <a:schemeClr val="tx1"/>
             </a:solidFill>
           </a:ln>
           <a:effectLst>
@@ -1855,7 +1939,7 @@
           <a:p>
             <a:fld id="{AA28D7F1-A228-4E6D-BCA2-957708F4644B}" type="datetimeFigureOut">
               <a:rPr lang="en-US" smtClean="0"/>
-              <a:t>11/17/2015</a:t>
+              <a:t>11/21/2015</a:t>
             </a:fld>
             <a:endParaRPr lang="en-US"/>
           </a:p>
@@ -2087,7 +2171,7 @@
           <a:p>
             <a:fld id="{AA28D7F1-A228-4E6D-BCA2-957708F4644B}" type="datetimeFigureOut">
               <a:rPr lang="en-US" smtClean="0"/>
-              <a:t>11/17/2015</a:t>
+              <a:t>11/21/2015</a:t>
             </a:fld>
             <a:endParaRPr lang="en-US"/>
           </a:p>
@@ -2434,7 +2518,7 @@
           <a:p>
             <a:fld id="{AA28D7F1-A228-4E6D-BCA2-957708F4644B}" type="datetimeFigureOut">
               <a:rPr lang="en-US" smtClean="0"/>
-              <a:t>11/17/2015</a:t>
+              <a:t>11/21/2015</a:t>
             </a:fld>
             <a:endParaRPr lang="en-US"/>
           </a:p>
@@ -2552,7 +2636,7 @@
           <a:p>
             <a:fld id="{AA28D7F1-A228-4E6D-BCA2-957708F4644B}" type="datetimeFigureOut">
               <a:rPr lang="en-US" smtClean="0"/>
-              <a:t>11/17/2015</a:t>
+              <a:t>11/21/2015</a:t>
             </a:fld>
             <a:endParaRPr lang="en-US" dirty="0"/>
           </a:p>
@@ -2631,7 +2715,7 @@
               <a:buNone/>
               <a:defRPr lang="en-US" sz="4400" b="1" u="none" kern="1200" dirty="0">
                 <a:solidFill>
-                  <a:schemeClr val="bg1"/>
+                  <a:schemeClr val="tx1"/>
                 </a:solidFill>
                 <a:effectLst>
                   <a:outerShdw blurRad="38100" dist="38100" dir="2700000" algn="tl">
@@ -2709,7 +2793,7 @@
           <a:p>
             <a:fld id="{AA28D7F1-A228-4E6D-BCA2-957708F4644B}" type="datetimeFigureOut">
               <a:rPr lang="en-US" smtClean="0"/>
-              <a:t>11/17/2015</a:t>
+              <a:t>11/21/2015</a:t>
             </a:fld>
             <a:endParaRPr lang="en-US"/>
           </a:p>
@@ -2993,7 +3077,7 @@
           <a:p>
             <a:fld id="{AA28D7F1-A228-4E6D-BCA2-957708F4644B}" type="datetimeFigureOut">
               <a:rPr lang="en-US" smtClean="0"/>
-              <a:t>11/17/2015</a:t>
+              <a:t>11/21/2015</a:t>
             </a:fld>
             <a:endParaRPr lang="en-US"/>
           </a:p>
@@ -3257,7 +3341,7 @@
           <a:p>
             <a:fld id="{AA28D7F1-A228-4E6D-BCA2-957708F4644B}" type="datetimeFigureOut">
               <a:rPr lang="en-US" smtClean="0"/>
-              <a:t>11/17/2015</a:t>
+              <a:t>11/21/2015</a:t>
             </a:fld>
             <a:endParaRPr lang="en-US"/>
           </a:p>
@@ -3324,7 +3408,7 @@
     <p:bg>
       <p:bgPr>
         <a:solidFill>
-          <a:schemeClr val="tx1"/>
+          <a:schemeClr val="bg1"/>
         </a:solidFill>
         <a:effectLst/>
       </p:bgPr>
@@ -3369,7 +3453,7 @@
           <a:lstStyle/>
           <a:p>
             <a:r>
-              <a:rPr lang="en-US" smtClean="0"/>
+              <a:rPr lang="en-US" dirty="0" smtClean="0"/>
               <a:t>Click to edit Master title style</a:t>
             </a:r>
             <a:endParaRPr lang="en-US" dirty="0"/>
@@ -3474,7 +3558,7 @@
           <a:p>
             <a:fld id="{AA28D7F1-A228-4E6D-BCA2-957708F4644B}" type="datetimeFigureOut">
               <a:rPr lang="en-US" smtClean="0"/>
-              <a:t>11/17/2015</a:t>
+              <a:t>11/21/2015</a:t>
             </a:fld>
             <a:endParaRPr lang="en-US"/>
           </a:p>
@@ -3887,8 +3971,8 @@
         </p:nvSpPr>
         <p:spPr>
           <a:xfrm>
-            <a:off x="697230" y="1124530"/>
-            <a:ext cx="7749540" cy="2387600"/>
+            <a:off x="152400" y="1124530"/>
+            <a:ext cx="8839200" cy="2387600"/>
           </a:xfrm>
         </p:spPr>
         <p:txBody>
@@ -3898,9 +3982,58 @@
           <a:lstStyle/>
           <a:p>
             <a:r>
-              <a:rPr lang="en-US" sz="3200" b="1" dirty="0"/>
-              <a:t>Area Coverage with Heterogeneous Sensors in the presence of Jammers in a Wireless Sensor Network environment</a:t>
-            </a:r>
+              <a:rPr lang="en-US" sz="3200" b="1" dirty="0">
+                <a:solidFill>
+                  <a:schemeClr val="tx1"/>
+                </a:solidFill>
+              </a:rPr>
+              <a:t>Area Coverage with Heterogeneous Sensors in </a:t>
+            </a:r>
+            <a:r>
+              <a:rPr lang="en-US" sz="3200" b="1" dirty="0" smtClean="0">
+                <a:solidFill>
+                  <a:schemeClr val="tx1"/>
+                </a:solidFill>
+              </a:rPr>
+              <a:t>Presence </a:t>
+            </a:r>
+            <a:r>
+              <a:rPr lang="en-US" sz="3200" b="1" dirty="0">
+                <a:solidFill>
+                  <a:schemeClr val="tx1"/>
+                </a:solidFill>
+              </a:rPr>
+              <a:t>of Jammers in </a:t>
+            </a:r>
+            <a:r>
+              <a:rPr lang="en-US" sz="3200" b="1" dirty="0" smtClean="0">
+                <a:solidFill>
+                  <a:schemeClr val="tx1"/>
+                </a:solidFill>
+              </a:rPr>
+              <a:t>Wireless </a:t>
+            </a:r>
+            <a:r>
+              <a:rPr lang="en-US" sz="3200" b="1" dirty="0">
+                <a:solidFill>
+                  <a:schemeClr val="tx1"/>
+                </a:solidFill>
+              </a:rPr>
+              <a:t>Sensor </a:t>
+            </a:r>
+            <a:r>
+              <a:rPr lang="en-US" sz="3200" b="1" dirty="0" smtClean="0">
+                <a:solidFill>
+                  <a:schemeClr val="tx1"/>
+                </a:solidFill>
+              </a:rPr>
+              <a:t>Network</a:t>
+            </a:r>
+            <a:endParaRPr lang="en-US" sz="3200" b="1" dirty="0">
+              <a:solidFill>
+                <a:schemeClr val="tx1"/>
+              </a:solidFill>
+            </a:endParaRPr>
           </a:p>
         </p:txBody>
       </p:sp>
@@ -3913,7 +4046,7 @@
         <p:spPr>
           <a:xfrm>
             <a:off x="939982" y="4463144"/>
-            <a:ext cx="2637608" cy="1077218"/>
+            <a:ext cx="2637608" cy="1323439"/>
           </a:xfrm>
           <a:prstGeom prst="rect">
             <a:avLst/>
@@ -3926,86 +4059,37 @@
           </a:bodyPr>
           <a:lstStyle/>
           <a:p>
+            <a:r>
+              <a:rPr lang="en-US" sz="1600" u="sng" dirty="0" smtClean="0"/>
+              <a:t>Presented by</a:t>
+            </a:r>
+          </a:p>
+          <a:p>
             <a:pPr algn="ctr"/>
-            <a:r>
-              <a:rPr lang="en-US" sz="1600" dirty="0" smtClean="0">
-                <a:solidFill>
-                  <a:schemeClr val="bg1">
-                    <a:lumMod val="85000"/>
-                  </a:schemeClr>
-                </a:solidFill>
-              </a:rPr>
-              <a:t>By</a:t>
-            </a:r>
-          </a:p>
-          <a:p>
-            <a:pPr algn="ctr"/>
-            <a:endParaRPr lang="en-US" sz="1600" dirty="0" smtClean="0">
-              <a:solidFill>
-                <a:schemeClr val="bg1">
-                  <a:lumMod val="85000"/>
-                </a:schemeClr>
-              </a:solidFill>
-            </a:endParaRPr>
-          </a:p>
-          <a:p>
-            <a:r>
-              <a:rPr lang="en-US" sz="1600" dirty="0" smtClean="0">
-                <a:solidFill>
-                  <a:schemeClr val="bg1">
-                    <a:lumMod val="85000"/>
-                  </a:schemeClr>
-                </a:solidFill>
-              </a:rPr>
+            <a:endParaRPr lang="en-US" sz="1600" dirty="0" smtClean="0"/>
+          </a:p>
+          <a:p>
+            <a:r>
+              <a:rPr lang="en-US" sz="1600" dirty="0" smtClean="0"/>
               <a:t>Major </a:t>
             </a:r>
             <a:r>
-              <a:rPr lang="en-US" sz="1600" dirty="0" err="1" smtClean="0">
-                <a:solidFill>
-                  <a:schemeClr val="bg1">
-                    <a:lumMod val="85000"/>
-                  </a:schemeClr>
-                </a:solidFill>
-              </a:rPr>
+              <a:rPr lang="en-US" sz="1600" dirty="0" err="1" smtClean="0"/>
               <a:t>Jaydeep</a:t>
             </a:r>
             <a:r>
-              <a:rPr lang="en-US" sz="1600" dirty="0" smtClean="0">
-                <a:solidFill>
-                  <a:schemeClr val="bg1">
-                    <a:lumMod val="85000"/>
-                  </a:schemeClr>
-                </a:solidFill>
-              </a:rPr>
+              <a:rPr lang="en-US" sz="1600" dirty="0" smtClean="0"/>
               <a:t> </a:t>
             </a:r>
             <a:r>
-              <a:rPr lang="en-US" sz="1600" dirty="0" err="1" smtClean="0">
-                <a:solidFill>
-                  <a:schemeClr val="bg1">
-                    <a:lumMod val="85000"/>
-                  </a:schemeClr>
-                </a:solidFill>
-              </a:rPr>
+              <a:rPr lang="en-US" sz="1600" dirty="0" err="1" smtClean="0"/>
               <a:t>Bodwadkar</a:t>
             </a:r>
-            <a:endParaRPr lang="en-US" sz="1600" dirty="0" smtClean="0">
-              <a:solidFill>
-                <a:schemeClr val="bg1">
-                  <a:lumMod val="85000"/>
-                </a:schemeClr>
-              </a:solidFill>
-            </a:endParaRPr>
-          </a:p>
-          <a:p>
-            <a:r>
-              <a:rPr lang="en-US" sz="1600" dirty="0" smtClean="0">
-                <a:solidFill>
-                  <a:schemeClr val="bg1">
-                    <a:lumMod val="85000"/>
-                  </a:schemeClr>
-                </a:solidFill>
-              </a:rPr>
+            <a:endParaRPr lang="en-US" sz="1600" dirty="0" smtClean="0"/>
+          </a:p>
+          <a:p>
+            <a:r>
+              <a:rPr lang="en-US" sz="1600" dirty="0" smtClean="0"/>
               <a:t>Roll No: 14CS60D01</a:t>
             </a:r>
           </a:p>
@@ -4019,8 +4103,8 @@
         </p:nvSpPr>
         <p:spPr>
           <a:xfrm>
-            <a:off x="5878831" y="4463144"/>
-            <a:ext cx="2567940" cy="1569660"/>
+            <a:off x="4994910" y="4463144"/>
+            <a:ext cx="3817619" cy="1569660"/>
           </a:xfrm>
           <a:prstGeom prst="rect">
             <a:avLst/>
@@ -4033,90 +4117,41 @@
           </a:bodyPr>
           <a:lstStyle/>
           <a:p>
+            <a:r>
+              <a:rPr lang="en-US" sz="1600" u="sng" dirty="0" smtClean="0"/>
+              <a:t>Supervisor</a:t>
+            </a:r>
+          </a:p>
+          <a:p>
             <a:pPr algn="ctr"/>
-            <a:r>
-              <a:rPr lang="en-US" sz="1600" dirty="0" smtClean="0">
-                <a:solidFill>
-                  <a:schemeClr val="bg1">
-                    <a:lumMod val="85000"/>
-                  </a:schemeClr>
-                </a:solidFill>
-              </a:rPr>
-              <a:t>Supervisor</a:t>
-            </a:r>
-          </a:p>
-          <a:p>
-            <a:pPr algn="ctr"/>
-            <a:endParaRPr lang="en-US" sz="1600" dirty="0" smtClean="0">
-              <a:solidFill>
-                <a:schemeClr val="bg1">
-                  <a:lumMod val="85000"/>
-                </a:schemeClr>
-              </a:solidFill>
-            </a:endParaRPr>
-          </a:p>
-          <a:p>
-            <a:r>
-              <a:rPr lang="en-US" sz="1600" dirty="0" smtClean="0">
-                <a:solidFill>
-                  <a:schemeClr val="bg1">
-                    <a:lumMod val="85000"/>
-                  </a:schemeClr>
-                </a:solidFill>
-              </a:rPr>
+            <a:endParaRPr lang="en-US" sz="1600" dirty="0" smtClean="0"/>
+          </a:p>
+          <a:p>
+            <a:r>
+              <a:rPr lang="en-US" sz="1600" dirty="0" smtClean="0"/>
               <a:t>Dr. </a:t>
             </a:r>
             <a:r>
-              <a:rPr lang="en-US" sz="1600" dirty="0" err="1" smtClean="0">
-                <a:solidFill>
-                  <a:schemeClr val="bg1">
-                    <a:lumMod val="85000"/>
-                  </a:schemeClr>
-                </a:solidFill>
-              </a:rPr>
+              <a:rPr lang="en-US" sz="1600" dirty="0" err="1" smtClean="0"/>
               <a:t>Arobinda</a:t>
             </a:r>
             <a:r>
-              <a:rPr lang="en-US" sz="1600" dirty="0" smtClean="0">
-                <a:solidFill>
-                  <a:schemeClr val="bg1">
-                    <a:lumMod val="85000"/>
-                  </a:schemeClr>
-                </a:solidFill>
-              </a:rPr>
+              <a:rPr lang="en-US" sz="1600" dirty="0" smtClean="0"/>
               <a:t> Gupta</a:t>
             </a:r>
           </a:p>
           <a:p>
             <a:r>
-              <a:rPr lang="en-US" sz="1600" dirty="0" smtClean="0">
-                <a:solidFill>
-                  <a:schemeClr val="bg1">
-                    <a:lumMod val="85000"/>
-                  </a:schemeClr>
-                </a:solidFill>
-              </a:rPr>
+              <a:rPr lang="en-US" sz="1600" dirty="0" smtClean="0"/>
               <a:t>Professor</a:t>
             </a:r>
           </a:p>
           <a:p>
             <a:r>
-              <a:rPr lang="en-US" sz="1600" dirty="0" smtClean="0">
-                <a:solidFill>
-                  <a:schemeClr val="bg1">
-                    <a:lumMod val="85000"/>
-                  </a:schemeClr>
-                </a:solidFill>
-              </a:rPr>
+              <a:rPr lang="en-US" sz="1600" dirty="0" smtClean="0"/>
               <a:t>Department of Computer Science &amp; Engineering</a:t>
             </a:r>
-            <a:endParaRPr lang="en-US" sz="1600" dirty="0">
-              <a:solidFill>
-                <a:schemeClr val="bg1">
-                  <a:lumMod val="85000"/>
-                </a:schemeClr>
-              </a:solidFill>
-            </a:endParaRPr>
+            <a:endParaRPr lang="en-US" sz="1600" dirty="0"/>
           </a:p>
         </p:txBody>
       </p:sp>
@@ -4136,7 +4171,7 @@
           </a:prstGeom>
           <a:ln>
             <a:solidFill>
-              <a:schemeClr val="bg1"/>
+              <a:schemeClr val="tx1"/>
             </a:solidFill>
           </a:ln>
           <a:effectLst>
@@ -4184,6 +4219,9 @@
             <a:avLst/>
           </a:prstGeom>
           <a:noFill/>
+          <a:ln>
+            <a:noFill/>
+          </a:ln>
           <a:effectLst/>
           <a:scene3d>
             <a:camera prst="orthographicFront"/>
@@ -4202,9 +4240,6 @@
             <a:pPr algn="ctr"/>
             <a:r>
               <a:rPr lang="en-US" sz="4000" dirty="0" smtClean="0">
-                <a:solidFill>
-                  <a:schemeClr val="bg1"/>
-                </a:solidFill>
                 <a:effectLst>
                   <a:outerShdw blurRad="50800" dist="38100" dir="5400000" algn="t" rotWithShape="0">
                     <a:prstClr val="black">
@@ -4217,9 +4252,6 @@
               <a:t>d</a:t>
             </a:r>
             <a:endParaRPr lang="en-US" sz="4000" dirty="0">
-              <a:solidFill>
-                <a:schemeClr val="bg1"/>
-              </a:solidFill>
               <a:effectLst>
                 <a:outerShdw blurRad="50800" dist="38100" dir="5400000" algn="t" rotWithShape="0">
                   <a:prstClr val="black">
@@ -4248,7 +4280,7 @@
           </a:prstGeom>
           <a:ln>
             <a:solidFill>
-              <a:schemeClr val="bg1"/>
+              <a:schemeClr val="tx1"/>
             </a:solidFill>
           </a:ln>
           <a:effectLst>
@@ -4341,114 +4373,65 @@
           </a:p>
         </p:txBody>
       </p:sp>
-      <mc:AlternateContent xmlns:mc="http://schemas.openxmlformats.org/markup-compatibility/2006" xmlns:a14="http://schemas.microsoft.com/office/drawing/2010/main">
-        <mc:Choice Requires="a14">
-          <p:sp>
-            <p:nvSpPr>
-              <p:cNvPr id="3" name="Content Placeholder 2"/>
-              <p:cNvSpPr>
-                <a:spLocks noGrp="1"/>
-              </p:cNvSpPr>
-              <p:nvPr>
-                <p:ph idx="1"/>
-              </p:nvPr>
-            </p:nvSpPr>
-            <p:spPr/>
-            <p:txBody>
-              <a:bodyPr/>
-              <a:lstStyle/>
-              <a:p>
-                <a:r>
-                  <a:rPr lang="en-GB" dirty="0"/>
-                  <a:t>Position of the enemy Jammers remain static.</a:t>
-                </a:r>
-                <a:endParaRPr lang="en-US" sz="2200" dirty="0"/>
-              </a:p>
-              <a:p>
-                <a:r>
-                  <a:rPr lang="en-GB" dirty="0"/>
-                  <a:t>Area of Interest </a:t>
-                </a:r>
-                <a14:m>
-                  <m:oMath xmlns:m="http://schemas.openxmlformats.org/officeDocument/2006/math">
-                    <m:r>
-                      <a:rPr lang="en-GB" i="1">
-                        <a:latin typeface="Cambria Math" panose="02040503050406030204" pitchFamily="18" charset="0"/>
-                      </a:rPr>
-                      <m:t>𝐴</m:t>
-                    </m:r>
-                    <m:r>
-                      <a:rPr lang="en-GB" i="1">
-                        <a:latin typeface="Cambria Math" panose="02040503050406030204" pitchFamily="18" charset="0"/>
-                      </a:rPr>
-                      <m:t> </m:t>
-                    </m:r>
-                  </m:oMath>
-                </a14:m>
-                <a:r>
-                  <a:rPr lang="en-GB" dirty="0"/>
-                  <a:t>is a rectangle.</a:t>
-                </a:r>
-                <a:endParaRPr lang="en-US" sz="2200" dirty="0"/>
-              </a:p>
-              <a:p>
-                <a:r>
-                  <a:rPr lang="en-GB" dirty="0"/>
-                  <a:t>Infinite number of sensors of each type are available</a:t>
-                </a:r>
-                <a:endParaRPr lang="en-US" sz="2200" dirty="0"/>
-              </a:p>
-              <a:p>
-                <a:r>
-                  <a:rPr lang="en-GB" dirty="0"/>
-                  <a:t>Feasible locations for the sensors is within the Area of Interest.</a:t>
-                </a:r>
-                <a:endParaRPr lang="en-US" sz="2200" dirty="0"/>
-              </a:p>
-              <a:p>
-                <a:endParaRPr lang="en-US" dirty="0"/>
-              </a:p>
-            </p:txBody>
-          </p:sp>
-        </mc:Choice>
-        <mc:Fallback xmlns="">
-          <p:sp>
-            <p:nvSpPr>
-              <p:cNvPr id="3" name="Content Placeholder 2"/>
-              <p:cNvSpPr>
-                <a:spLocks noGrp="1" noRot="1" noChangeAspect="1" noMove="1" noResize="1" noEditPoints="1" noAdjustHandles="1" noChangeArrowheads="1" noChangeShapeType="1" noTextEdit="1"/>
-              </p:cNvSpPr>
-              <p:nvPr>
-                <p:ph idx="1"/>
-              </p:nvPr>
-            </p:nvSpPr>
-            <p:spPr>
-              <a:blipFill rotWithShape="0">
-                <a:blip r:embed="rId2"/>
-                <a:stretch>
-                  <a:fillRect l="-1236" t="-2177" r="-1932"/>
-                </a:stretch>
-              </a:blipFill>
-            </p:spPr>
-            <p:txBody>
-              <a:bodyPr/>
-              <a:lstStyle/>
-              <a:p>
-                <a:r>
-                  <a:rPr lang="en-US">
-                    <a:noFill/>
-                  </a:rPr>
-                  <a:t> </a:t>
-                </a:r>
-              </a:p>
-            </p:txBody>
-          </p:sp>
-        </mc:Fallback>
-      </mc:AlternateContent>
+      <p:sp>
+        <p:nvSpPr>
+          <p:cNvPr id="3" name="Content Placeholder 2"/>
+          <p:cNvSpPr>
+            <a:spLocks noGrp="1"/>
+          </p:cNvSpPr>
+          <p:nvPr>
+            <p:ph idx="1"/>
+          </p:nvPr>
+        </p:nvSpPr>
+        <p:spPr/>
+        <p:txBody>
+          <a:bodyPr/>
+          <a:lstStyle/>
+          <a:p>
+            <a:r>
+              <a:rPr lang="en-GB" dirty="0" smtClean="0"/>
+              <a:t>Position of the enemy Jammers remain static.</a:t>
+            </a:r>
+            <a:endParaRPr lang="en-US" sz="2200" dirty="0"/>
+          </a:p>
+          <a:p>
+            <a:r>
+              <a:rPr lang="en-GB" dirty="0"/>
+              <a:t>Area under surveillance is a rectangle.</a:t>
+            </a:r>
+            <a:endParaRPr lang="en-US" sz="2200" dirty="0"/>
+          </a:p>
+          <a:p>
+            <a:r>
+              <a:rPr lang="en-GB" dirty="0" smtClean="0"/>
+              <a:t>Unlimited number </a:t>
+            </a:r>
+            <a:r>
+              <a:rPr lang="en-GB" dirty="0"/>
+              <a:t>of sensors of each type are available</a:t>
+            </a:r>
+            <a:endParaRPr lang="en-US" sz="2200" dirty="0"/>
+          </a:p>
+          <a:p>
+            <a:r>
+              <a:rPr lang="en-GB" dirty="0" smtClean="0"/>
+              <a:t>Feasible locations for the sensors is within the </a:t>
+            </a:r>
+            <a:r>
+              <a:rPr lang="en-GB" dirty="0"/>
+              <a:t>area under surveillance .</a:t>
+            </a:r>
+            <a:endParaRPr lang="en-US" sz="2200" dirty="0" smtClean="0"/>
+          </a:p>
+          <a:p>
+            <a:endParaRPr lang="en-US" dirty="0"/>
+          </a:p>
+        </p:txBody>
+      </p:sp>
     </p:spTree>
     <p:extLst>
       <p:ext uri="{BB962C8B-B14F-4D97-AF65-F5344CB8AC3E}">
-        <p14:creationId xmlns:p14="http://schemas.microsoft.com/office/powerpoint/2010/main" val="721341724"/>
+        <p14:creationId xmlns:p14="http://schemas.microsoft.com/office/powerpoint/2010/main" val="636805044"/>
       </p:ext>
     </p:extLst>
   </p:cSld>
@@ -4499,7 +4482,7 @@
           <a:p>
             <a:r>
               <a:rPr lang="en-US" dirty="0" smtClean="0"/>
-              <a:t>Goal</a:t>
+              <a:t>Notations</a:t>
             </a:r>
             <a:endParaRPr lang="en-US" dirty="0"/>
           </a:p>
@@ -4507,3155 +4490,6 @@
       </p:sp>
       <mc:AlternateContent xmlns:mc="http://schemas.openxmlformats.org/markup-compatibility/2006" xmlns:a14="http://schemas.microsoft.com/office/drawing/2010/main">
         <mc:Choice Requires="a14">
-          <p:sp>
-            <p:nvSpPr>
-              <p:cNvPr id="3" name="Content Placeholder 2"/>
-              <p:cNvSpPr>
-                <a:spLocks noGrp="1"/>
-              </p:cNvSpPr>
-              <p:nvPr>
-                <p:ph idx="1"/>
-              </p:nvPr>
-            </p:nvSpPr>
-            <p:spPr>
-              <a:xfrm>
-                <a:off x="599555" y="1420009"/>
-                <a:ext cx="7886700" cy="4760129"/>
-              </a:xfrm>
-            </p:spPr>
-            <p:txBody>
-              <a:bodyPr>
-                <a:normAutofit/>
-              </a:bodyPr>
-              <a:lstStyle/>
-              <a:p>
-                <a:endParaRPr lang="en-GB" sz="2400" dirty="0" smtClean="0"/>
-              </a:p>
-              <a:p>
-                <a:r>
-                  <a:rPr lang="en-GB" sz="2400" dirty="0" smtClean="0"/>
-                  <a:t>Find </a:t>
-                </a:r>
-                <a:r>
-                  <a:rPr lang="en-GB" sz="2400" dirty="0"/>
-                  <a:t>a minimum cardinality set </a:t>
-                </a:r>
-                <a14:m>
-                  <m:oMath xmlns:m="http://schemas.openxmlformats.org/officeDocument/2006/math">
-                    <m:r>
-                      <a:rPr lang="en-GB" sz="2400" i="1">
-                        <a:latin typeface="Cambria Math" panose="02040503050406030204" pitchFamily="18" charset="0"/>
-                      </a:rPr>
-                      <m:t>𝑅</m:t>
-                    </m:r>
-                    <m:r>
-                      <a:rPr lang="en-GB" sz="2400">
-                        <a:latin typeface="Cambria Math" panose="02040503050406030204" pitchFamily="18" charset="0"/>
-                      </a:rPr>
-                      <m:t>=</m:t>
-                    </m:r>
-                    <m:d>
-                      <m:dPr>
-                        <m:begChr m:val="{"/>
-                        <m:endChr m:val="}"/>
-                        <m:ctrlPr>
-                          <a:rPr lang="en-US" sz="2400" i="1">
-                            <a:latin typeface="Cambria Math" panose="02040503050406030204" pitchFamily="18" charset="0"/>
-                          </a:rPr>
-                        </m:ctrlPr>
-                      </m:dPr>
-                      <m:e>
-                        <m:sSub>
-                          <m:sSubPr>
-                            <m:ctrlPr>
-                              <a:rPr lang="en-US" sz="2400" i="1">
-                                <a:latin typeface="Cambria Math" panose="02040503050406030204" pitchFamily="18" charset="0"/>
-                              </a:rPr>
-                            </m:ctrlPr>
-                          </m:sSubPr>
-                          <m:e>
-                            <m:r>
-                              <a:rPr lang="en-GB" sz="2400" i="1">
-                                <a:latin typeface="Cambria Math" panose="02040503050406030204" pitchFamily="18" charset="0"/>
-                              </a:rPr>
-                              <m:t>𝑟</m:t>
-                            </m:r>
-                          </m:e>
-                          <m:sub>
-                            <m:r>
-                              <a:rPr lang="en-GB" sz="2400" i="1">
-                                <a:latin typeface="Cambria Math" panose="02040503050406030204" pitchFamily="18" charset="0"/>
-                              </a:rPr>
-                              <m:t>𝑖</m:t>
-                            </m:r>
-                          </m:sub>
-                        </m:sSub>
-                      </m:e>
-                    </m:d>
-                    <m:r>
-                      <a:rPr lang="en-GB" sz="2400">
-                        <a:latin typeface="Cambria Math" panose="02040503050406030204" pitchFamily="18" charset="0"/>
-                      </a:rPr>
-                      <m:t>  1≤</m:t>
-                    </m:r>
-                    <m:r>
-                      <a:rPr lang="en-GB" sz="2400" i="1">
-                        <a:latin typeface="Cambria Math" panose="02040503050406030204" pitchFamily="18" charset="0"/>
-                      </a:rPr>
-                      <m:t>𝑖</m:t>
-                    </m:r>
-                    <m:r>
-                      <a:rPr lang="en-GB" sz="2400">
-                        <a:latin typeface="Cambria Math" panose="02040503050406030204" pitchFamily="18" charset="0"/>
-                      </a:rPr>
-                      <m:t>≤</m:t>
-                    </m:r>
-                    <m:r>
-                      <a:rPr lang="en-GB" sz="2400" i="1">
-                        <a:latin typeface="Cambria Math" panose="02040503050406030204" pitchFamily="18" charset="0"/>
-                      </a:rPr>
-                      <m:t>𝑞</m:t>
-                    </m:r>
-                  </m:oMath>
-                </a14:m>
-                <a:r>
-                  <a:rPr lang="en-GB" sz="2400" dirty="0"/>
-                  <a:t> </a:t>
-                </a:r>
-                <a:r>
-                  <a:rPr lang="en-GB" sz="2400" dirty="0" smtClean="0"/>
-                  <a:t> where,</a:t>
-                </a:r>
-              </a:p>
-              <a:p>
-                <a:pPr lvl="1"/>
-                <a14:m>
-                  <m:oMath xmlns:m="http://schemas.openxmlformats.org/officeDocument/2006/math">
-                    <m:sSub>
-                      <m:sSubPr>
-                        <m:ctrlPr>
-                          <a:rPr lang="en-US" sz="2000" i="1">
-                            <a:latin typeface="Cambria Math" panose="02040503050406030204" pitchFamily="18" charset="0"/>
-                          </a:rPr>
-                        </m:ctrlPr>
-                      </m:sSubPr>
-                      <m:e>
-                        <m:r>
-                          <a:rPr lang="en-GB" sz="2000" i="1">
-                            <a:latin typeface="Cambria Math" panose="02040503050406030204" pitchFamily="18" charset="0"/>
-                          </a:rPr>
-                          <m:t>𝑟</m:t>
-                        </m:r>
-                      </m:e>
-                      <m:sub>
-                        <m:r>
-                          <a:rPr lang="en-GB" sz="2000" i="1">
-                            <a:latin typeface="Cambria Math" panose="02040503050406030204" pitchFamily="18" charset="0"/>
-                          </a:rPr>
-                          <m:t>𝑖</m:t>
-                        </m:r>
-                      </m:sub>
-                    </m:sSub>
-                    <m:r>
-                      <a:rPr lang="en-GB" sz="2000">
-                        <a:latin typeface="Cambria Math" panose="02040503050406030204" pitchFamily="18" charset="0"/>
-                      </a:rPr>
-                      <m:t> </m:t>
-                    </m:r>
-                  </m:oMath>
-                </a14:m>
-                <a:r>
-                  <a:rPr lang="en-GB" sz="2000" dirty="0"/>
-                  <a:t>is a sensor such that </a:t>
-                </a:r>
-                <a14:m>
-                  <m:oMath xmlns:m="http://schemas.openxmlformats.org/officeDocument/2006/math">
-                    <m:sSub>
-                      <m:sSubPr>
-                        <m:ctrlPr>
-                          <a:rPr lang="en-US" sz="2000" i="1">
-                            <a:latin typeface="Cambria Math" panose="02040503050406030204" pitchFamily="18" charset="0"/>
-                          </a:rPr>
-                        </m:ctrlPr>
-                      </m:sSubPr>
-                      <m:e>
-                        <m:r>
-                          <a:rPr lang="en-GB" sz="2000" i="1">
-                            <a:latin typeface="Cambria Math" panose="02040503050406030204" pitchFamily="18" charset="0"/>
-                          </a:rPr>
-                          <m:t>𝑟</m:t>
-                        </m:r>
-                      </m:e>
-                      <m:sub>
-                        <m:r>
-                          <a:rPr lang="en-GB" sz="2000" i="1">
-                            <a:latin typeface="Cambria Math" panose="02040503050406030204" pitchFamily="18" charset="0"/>
-                          </a:rPr>
-                          <m:t>𝑖</m:t>
-                        </m:r>
-                      </m:sub>
-                    </m:sSub>
-                    <m:r>
-                      <a:rPr lang="en-GB" sz="2000">
-                        <a:latin typeface="Cambria Math" panose="02040503050406030204" pitchFamily="18" charset="0"/>
-                      </a:rPr>
-                      <m:t>.</m:t>
-                    </m:r>
-                    <m:r>
-                      <a:rPr lang="en-GB" sz="2000" i="1">
-                        <a:latin typeface="Cambria Math" panose="02040503050406030204" pitchFamily="18" charset="0"/>
-                      </a:rPr>
-                      <m:t>𝑡𝑦𝑝𝑒</m:t>
-                    </m:r>
-                    <m:r>
-                      <a:rPr lang="en-GB" sz="2000">
-                        <a:latin typeface="Cambria Math" panose="02040503050406030204" pitchFamily="18" charset="0"/>
-                      </a:rPr>
-                      <m:t>∈</m:t>
-                    </m:r>
-                    <m:r>
-                      <a:rPr lang="en-GB" sz="2000" i="1">
-                        <a:latin typeface="Cambria Math" panose="02040503050406030204" pitchFamily="18" charset="0"/>
-                      </a:rPr>
-                      <m:t>𝑆</m:t>
-                    </m:r>
-                    <m:r>
-                      <a:rPr lang="en-GB" sz="2000">
-                        <a:latin typeface="Cambria Math" panose="02040503050406030204" pitchFamily="18" charset="0"/>
-                      </a:rPr>
-                      <m:t> </m:t>
-                    </m:r>
-                  </m:oMath>
-                </a14:m>
-                <a:endParaRPr lang="en-US" sz="2000" dirty="0" smtClean="0"/>
-              </a:p>
-              <a:p>
-                <a:pPr lvl="1"/>
-                <a14:m>
-                  <m:oMath xmlns:m="http://schemas.openxmlformats.org/officeDocument/2006/math">
-                    <m:sSub>
-                      <m:sSubPr>
-                        <m:ctrlPr>
-                          <a:rPr lang="en-US" sz="2000" i="1">
-                            <a:latin typeface="Cambria Math" panose="02040503050406030204" pitchFamily="18" charset="0"/>
-                          </a:rPr>
-                        </m:ctrlPr>
-                      </m:sSubPr>
-                      <m:e>
-                        <m:r>
-                          <a:rPr lang="en-GB" sz="2000" i="1">
-                            <a:latin typeface="Cambria Math" panose="02040503050406030204" pitchFamily="18" charset="0"/>
-                          </a:rPr>
-                          <m:t>𝑟</m:t>
-                        </m:r>
-                      </m:e>
-                      <m:sub>
-                        <m:r>
-                          <a:rPr lang="en-GB" sz="2000" i="1">
-                            <a:latin typeface="Cambria Math" panose="02040503050406030204" pitchFamily="18" charset="0"/>
-                          </a:rPr>
-                          <m:t>𝑖</m:t>
-                        </m:r>
-                      </m:sub>
-                    </m:sSub>
-                    <m:r>
-                      <a:rPr lang="en-GB" sz="2000" i="1">
-                        <a:latin typeface="Cambria Math" panose="02040503050406030204" pitchFamily="18" charset="0"/>
-                      </a:rPr>
-                      <m:t>.</m:t>
-                    </m:r>
-                    <m:r>
-                      <a:rPr lang="en-GB" sz="2000" i="1">
-                        <a:latin typeface="Cambria Math" panose="02040503050406030204" pitchFamily="18" charset="0"/>
-                      </a:rPr>
-                      <m:t>𝑙𝑜𝑐𝑎𝑡𝑖𝑜𝑛</m:t>
-                    </m:r>
-                    <m:r>
-                      <a:rPr lang="en-GB" sz="2000" i="1">
-                        <a:latin typeface="Cambria Math" panose="02040503050406030204" pitchFamily="18" charset="0"/>
-                      </a:rPr>
-                      <m:t>∈</m:t>
-                    </m:r>
-                    <m:sSubSup>
-                      <m:sSubSupPr>
-                        <m:ctrlPr>
-                          <a:rPr lang="en-US" sz="2000" i="1">
-                            <a:latin typeface="Cambria Math" panose="02040503050406030204" pitchFamily="18" charset="0"/>
-                          </a:rPr>
-                        </m:ctrlPr>
-                      </m:sSubSupPr>
-                      <m:e>
-                        <m:r>
-                          <a:rPr lang="en-GB" sz="2000" i="1">
-                            <a:latin typeface="Cambria Math" panose="02040503050406030204" pitchFamily="18" charset="0"/>
-                          </a:rPr>
-                          <m:t>𝐿</m:t>
-                        </m:r>
-                      </m:e>
-                      <m:sub>
-                        <m:sSub>
-                          <m:sSubPr>
-                            <m:ctrlPr>
-                              <a:rPr lang="en-US" sz="2000" i="1">
-                                <a:latin typeface="Cambria Math" panose="02040503050406030204" pitchFamily="18" charset="0"/>
-                              </a:rPr>
-                            </m:ctrlPr>
-                          </m:sSubPr>
-                          <m:e>
-                            <m:r>
-                              <a:rPr lang="en-GB" sz="2000" i="1">
-                                <a:latin typeface="Cambria Math" panose="02040503050406030204" pitchFamily="18" charset="0"/>
-                              </a:rPr>
-                              <m:t>𝑟</m:t>
-                            </m:r>
-                          </m:e>
-                          <m:sub>
-                            <m:r>
-                              <a:rPr lang="en-GB" sz="2000" i="1">
-                                <a:latin typeface="Cambria Math" panose="02040503050406030204" pitchFamily="18" charset="0"/>
-                              </a:rPr>
-                              <m:t>𝑖</m:t>
-                            </m:r>
-                          </m:sub>
-                        </m:sSub>
-                        <m:r>
-                          <a:rPr lang="en-GB" sz="2000" i="1">
-                            <a:latin typeface="Cambria Math" panose="02040503050406030204" pitchFamily="18" charset="0"/>
-                          </a:rPr>
-                          <m:t>.</m:t>
-                        </m:r>
-                        <m:r>
-                          <a:rPr lang="en-GB" sz="2000" i="1">
-                            <a:latin typeface="Cambria Math" panose="02040503050406030204" pitchFamily="18" charset="0"/>
-                          </a:rPr>
-                          <m:t>𝑡𝑦𝑝𝑒</m:t>
-                        </m:r>
-                      </m:sub>
-                      <m:sup>
-                        <m:r>
-                          <a:rPr lang="en-GB" sz="2000" i="1">
-                            <a:latin typeface="Cambria Math" panose="02040503050406030204" pitchFamily="18" charset="0"/>
-                          </a:rPr>
-                          <m:t>𝑆</m:t>
-                        </m:r>
-                      </m:sup>
-                    </m:sSubSup>
-                  </m:oMath>
-                </a14:m>
-                <a:r>
-                  <a:rPr lang="en-GB" sz="2000" dirty="0"/>
-                  <a:t> is the location of the sensor fixed by the algorithm. </a:t>
-                </a:r>
-                <a:endParaRPr lang="en-GB" sz="2000" dirty="0" smtClean="0"/>
-              </a:p>
-              <a:p>
-                <a:pPr lvl="1"/>
-                <a:r>
-                  <a:rPr lang="en-GB" sz="2000" dirty="0" smtClean="0"/>
-                  <a:t>For </a:t>
-                </a:r>
-                <a:r>
-                  <a:rPr lang="en-GB" sz="2000" dirty="0"/>
-                  <a:t>every point </a:t>
-                </a:r>
-                <a14:m>
-                  <m:oMath xmlns:m="http://schemas.openxmlformats.org/officeDocument/2006/math">
-                    <m:r>
-                      <a:rPr lang="en-GB" sz="2000" i="1">
-                        <a:latin typeface="Cambria Math" panose="02040503050406030204" pitchFamily="18" charset="0"/>
-                      </a:rPr>
-                      <m:t>𝑝</m:t>
-                    </m:r>
-                    <m:r>
-                      <a:rPr lang="en-GB" sz="2000" i="1">
-                        <a:latin typeface="Cambria Math" panose="02040503050406030204" pitchFamily="18" charset="0"/>
-                      </a:rPr>
-                      <m:t>∈</m:t>
-                    </m:r>
-                    <m:r>
-                      <a:rPr lang="en-GB" sz="2000" i="1">
-                        <a:latin typeface="Cambria Math" panose="02040503050406030204" pitchFamily="18" charset="0"/>
-                      </a:rPr>
-                      <m:t>𝐴</m:t>
-                    </m:r>
-                  </m:oMath>
-                </a14:m>
-                <a:r>
-                  <a:rPr lang="en-GB" sz="2000" dirty="0"/>
-                  <a:t> following should </a:t>
-                </a:r>
-                <a:r>
-                  <a:rPr lang="en-GB" sz="2000" dirty="0" smtClean="0"/>
-                  <a:t>hold</a:t>
-                </a:r>
-                <a:r>
-                  <a:rPr lang="en-GB" sz="2000" dirty="0"/>
-                  <a:t>:</a:t>
-                </a:r>
-                <a:endParaRPr lang="en-US" sz="2000" dirty="0"/>
-              </a:p>
-              <a:p>
-                <a:pPr lvl="2"/>
-                <a:r>
-                  <a:rPr lang="en-GB" sz="1600" dirty="0"/>
-                  <a:t>If </a:t>
-                </a:r>
-                <a14:m>
-                  <m:oMath xmlns:m="http://schemas.openxmlformats.org/officeDocument/2006/math">
-                    <m:r>
-                      <a:rPr lang="en-GB" sz="1600" i="1">
-                        <a:latin typeface="Cambria Math" panose="02040503050406030204" pitchFamily="18" charset="0"/>
-                      </a:rPr>
-                      <m:t>𝑝</m:t>
-                    </m:r>
-                  </m:oMath>
-                </a14:m>
-                <a:r>
-                  <a:rPr lang="en-GB" sz="1600" dirty="0"/>
-                  <a:t> is in the Area of Influence of a jammer </a:t>
-                </a:r>
-                <a14:m>
-                  <m:oMath xmlns:m="http://schemas.openxmlformats.org/officeDocument/2006/math">
-                    <m:sSub>
-                      <m:sSubPr>
-                        <m:ctrlPr>
-                          <a:rPr lang="en-US" sz="1600" i="1">
-                            <a:latin typeface="Cambria Math" panose="02040503050406030204" pitchFamily="18" charset="0"/>
-                          </a:rPr>
-                        </m:ctrlPr>
-                      </m:sSubPr>
-                      <m:e>
-                        <m:r>
-                          <a:rPr lang="en-GB" sz="1600" i="1">
-                            <a:latin typeface="Cambria Math" panose="02040503050406030204" pitchFamily="18" charset="0"/>
-                          </a:rPr>
-                          <m:t>𝐽</m:t>
-                        </m:r>
-                      </m:e>
-                      <m:sub>
-                        <m:r>
-                          <a:rPr lang="en-GB" sz="1600" i="1">
-                            <a:latin typeface="Cambria Math" panose="02040503050406030204" pitchFamily="18" charset="0"/>
-                          </a:rPr>
-                          <m:t>𝑘</m:t>
-                        </m:r>
-                      </m:sub>
-                    </m:sSub>
-                    <m:r>
-                      <a:rPr lang="en-GB" sz="1600" i="1">
-                        <a:latin typeface="Cambria Math" panose="02040503050406030204" pitchFamily="18" charset="0"/>
-                      </a:rPr>
-                      <m:t>∈</m:t>
-                    </m:r>
-                    <m:r>
-                      <a:rPr lang="en-GB" sz="1600" i="1">
-                        <a:latin typeface="Cambria Math" panose="02040503050406030204" pitchFamily="18" charset="0"/>
-                      </a:rPr>
-                      <m:t>𝐽</m:t>
-                    </m:r>
-                  </m:oMath>
-                </a14:m>
-                <a:r>
-                  <a:rPr lang="en-GB" sz="1600" dirty="0"/>
-                  <a:t> then </a:t>
-                </a:r>
-                <a14:m>
-                  <m:oMath xmlns:m="http://schemas.openxmlformats.org/officeDocument/2006/math">
-                    <m:r>
-                      <a:rPr lang="en-GB" sz="1600" i="1">
-                        <a:latin typeface="Cambria Math" panose="02040503050406030204" pitchFamily="18" charset="0"/>
-                      </a:rPr>
-                      <m:t>𝑝</m:t>
-                    </m:r>
-                  </m:oMath>
-                </a14:m>
-                <a:r>
-                  <a:rPr lang="en-GB" sz="1600" dirty="0"/>
-                  <a:t> is in the Area of Influence of some sensor </a:t>
-                </a:r>
-                <a14:m>
-                  <m:oMath xmlns:m="http://schemas.openxmlformats.org/officeDocument/2006/math">
-                    <m:sSub>
-                      <m:sSubPr>
-                        <m:ctrlPr>
-                          <a:rPr lang="en-US" sz="1600" i="1">
-                            <a:latin typeface="Cambria Math" panose="02040503050406030204" pitchFamily="18" charset="0"/>
-                          </a:rPr>
-                        </m:ctrlPr>
-                      </m:sSubPr>
-                      <m:e>
-                        <m:r>
-                          <a:rPr lang="en-GB" sz="1600" i="1">
-                            <a:latin typeface="Cambria Math" panose="02040503050406030204" pitchFamily="18" charset="0"/>
-                          </a:rPr>
-                          <m:t>𝑟</m:t>
-                        </m:r>
-                      </m:e>
-                      <m:sub>
-                        <m:r>
-                          <a:rPr lang="en-GB" sz="1600" i="1">
-                            <a:latin typeface="Cambria Math" panose="02040503050406030204" pitchFamily="18" charset="0"/>
-                          </a:rPr>
-                          <m:t>𝑖</m:t>
-                        </m:r>
-                      </m:sub>
-                    </m:sSub>
-                  </m:oMath>
-                </a14:m>
-                <a:r>
-                  <a:rPr lang="en-GB" sz="1600" dirty="0"/>
-                  <a:t> with </a:t>
-                </a:r>
-                <a14:m>
-                  <m:oMath xmlns:m="http://schemas.openxmlformats.org/officeDocument/2006/math">
-                    <m:r>
-                      <a:rPr lang="en-GB" sz="1600" i="1">
-                        <a:latin typeface="Cambria Math" panose="02040503050406030204" pitchFamily="18" charset="0"/>
-                      </a:rPr>
-                      <m:t>𝑡</m:t>
-                    </m:r>
-                    <m:r>
-                      <a:rPr lang="en-GB" sz="1600" i="1">
-                        <a:latin typeface="Cambria Math" panose="02040503050406030204" pitchFamily="18" charset="0"/>
-                      </a:rPr>
-                      <m:t>=</m:t>
-                    </m:r>
-                    <m:sSub>
-                      <m:sSubPr>
-                        <m:ctrlPr>
-                          <a:rPr lang="en-US" sz="1600" i="1">
-                            <a:latin typeface="Cambria Math" panose="02040503050406030204" pitchFamily="18" charset="0"/>
-                          </a:rPr>
-                        </m:ctrlPr>
-                      </m:sSubPr>
-                      <m:e>
-                        <m:r>
-                          <a:rPr lang="en-GB" sz="1600" i="1">
-                            <a:latin typeface="Cambria Math" panose="02040503050406030204" pitchFamily="18" charset="0"/>
-                          </a:rPr>
-                          <m:t>𝑟</m:t>
-                        </m:r>
-                      </m:e>
-                      <m:sub>
-                        <m:r>
-                          <a:rPr lang="en-GB" sz="1600" i="1">
-                            <a:latin typeface="Cambria Math" panose="02040503050406030204" pitchFamily="18" charset="0"/>
-                          </a:rPr>
-                          <m:t>𝑖</m:t>
-                        </m:r>
-                      </m:sub>
-                    </m:sSub>
-                    <m:r>
-                      <a:rPr lang="en-GB" sz="1600" i="1">
-                        <a:latin typeface="Cambria Math" panose="02040503050406030204" pitchFamily="18" charset="0"/>
-                      </a:rPr>
-                      <m:t>.</m:t>
-                    </m:r>
-                    <m:r>
-                      <a:rPr lang="en-GB" sz="1600" i="1">
-                        <a:latin typeface="Cambria Math" panose="02040503050406030204" pitchFamily="18" charset="0"/>
-                      </a:rPr>
-                      <m:t>𝑡𝑦𝑝𝑒</m:t>
-                    </m:r>
-                    <m:r>
-                      <a:rPr lang="en-GB" sz="1600" i="1">
-                        <a:latin typeface="Cambria Math" panose="02040503050406030204" pitchFamily="18" charset="0"/>
-                      </a:rPr>
-                      <m:t> </m:t>
-                    </m:r>
-                  </m:oMath>
-                </a14:m>
-                <a:r>
-                  <a:rPr lang="en-GB" sz="1600" dirty="0"/>
-                  <a:t>such that </a:t>
-                </a:r>
-                <a14:m>
-                  <m:oMath xmlns:m="http://schemas.openxmlformats.org/officeDocument/2006/math">
-                    <m:sSub>
-                      <m:sSubPr>
-                        <m:ctrlPr>
-                          <a:rPr lang="en-US" sz="1600" i="1">
-                            <a:latin typeface="Cambria Math" panose="02040503050406030204" pitchFamily="18" charset="0"/>
-                          </a:rPr>
-                        </m:ctrlPr>
-                      </m:sSubPr>
-                      <m:e>
-                        <m:r>
-                          <a:rPr lang="en-GB" sz="1600" i="1">
-                            <a:latin typeface="Cambria Math" panose="02040503050406030204" pitchFamily="18" charset="0"/>
-                          </a:rPr>
-                          <m:t>𝑃</m:t>
-                        </m:r>
-                      </m:e>
-                      <m:sub>
-                        <m:r>
-                          <a:rPr lang="en-GB" sz="1600" i="1">
-                            <a:latin typeface="Cambria Math" panose="02040503050406030204" pitchFamily="18" charset="0"/>
-                          </a:rPr>
-                          <m:t>𝑡𝑘</m:t>
-                        </m:r>
-                      </m:sub>
-                    </m:sSub>
-                  </m:oMath>
-                </a14:m>
-                <a:r>
-                  <a:rPr lang="en-GB" sz="1600" dirty="0"/>
-                  <a:t>=1</a:t>
-                </a:r>
-                <a:endParaRPr lang="en-US" sz="1600" dirty="0"/>
-              </a:p>
-              <a:p>
-                <a:pPr lvl="2"/>
-                <a:r>
-                  <a:rPr lang="en-GB" sz="1600" dirty="0"/>
-                  <a:t>If </a:t>
-                </a:r>
-                <a14:m>
-                  <m:oMath xmlns:m="http://schemas.openxmlformats.org/officeDocument/2006/math">
-                    <m:r>
-                      <a:rPr lang="en-GB" sz="1600" i="1">
-                        <a:latin typeface="Cambria Math" panose="02040503050406030204" pitchFamily="18" charset="0"/>
-                      </a:rPr>
-                      <m:t>𝑝</m:t>
-                    </m:r>
-                  </m:oMath>
-                </a14:m>
-                <a:r>
-                  <a:rPr lang="en-GB" sz="1600" dirty="0"/>
-                  <a:t> is out of the Area of Influence of all jammers then </a:t>
-                </a:r>
-                <a14:m>
-                  <m:oMath xmlns:m="http://schemas.openxmlformats.org/officeDocument/2006/math">
-                    <m:r>
-                      <a:rPr lang="en-GB" sz="1600" i="1">
-                        <a:latin typeface="Cambria Math" panose="02040503050406030204" pitchFamily="18" charset="0"/>
-                      </a:rPr>
-                      <m:t>𝑝</m:t>
-                    </m:r>
-                  </m:oMath>
-                </a14:m>
-                <a:r>
-                  <a:rPr lang="en-GB" sz="1600" dirty="0"/>
-                  <a:t> is in the Area of Influence of some sensor </a:t>
-                </a:r>
-                <a14:m>
-                  <m:oMath xmlns:m="http://schemas.openxmlformats.org/officeDocument/2006/math">
-                    <m:sSub>
-                      <m:sSubPr>
-                        <m:ctrlPr>
-                          <a:rPr lang="en-US" sz="1600" i="1">
-                            <a:latin typeface="Cambria Math" panose="02040503050406030204" pitchFamily="18" charset="0"/>
-                          </a:rPr>
-                        </m:ctrlPr>
-                      </m:sSubPr>
-                      <m:e>
-                        <m:r>
-                          <a:rPr lang="en-GB" sz="1600" i="1">
-                            <a:latin typeface="Cambria Math" panose="02040503050406030204" pitchFamily="18" charset="0"/>
-                          </a:rPr>
-                          <m:t>𝑟</m:t>
-                        </m:r>
-                      </m:e>
-                      <m:sub>
-                        <m:r>
-                          <a:rPr lang="en-GB" sz="1600" i="1">
-                            <a:latin typeface="Cambria Math" panose="02040503050406030204" pitchFamily="18" charset="0"/>
-                          </a:rPr>
-                          <m:t>𝑖</m:t>
-                        </m:r>
-                      </m:sub>
-                    </m:sSub>
-                  </m:oMath>
-                </a14:m>
-                <a:endParaRPr lang="en-US" sz="1600" dirty="0"/>
-              </a:p>
-              <a:p>
-                <a:endParaRPr lang="en-US" sz="2400" dirty="0"/>
-              </a:p>
-            </p:txBody>
-          </p:sp>
-        </mc:Choice>
-        <mc:Fallback xmlns="">
-          <p:sp>
-            <p:nvSpPr>
-              <p:cNvPr id="3" name="Content Placeholder 2"/>
-              <p:cNvSpPr>
-                <a:spLocks noGrp="1" noRot="1" noChangeAspect="1" noMove="1" noResize="1" noEditPoints="1" noAdjustHandles="1" noChangeArrowheads="1" noChangeShapeType="1" noTextEdit="1"/>
-              </p:cNvSpPr>
-              <p:nvPr>
-                <p:ph idx="1"/>
-              </p:nvPr>
-            </p:nvSpPr>
-            <p:spPr>
-              <a:xfrm>
-                <a:off x="599555" y="1420009"/>
-                <a:ext cx="7886700" cy="4760129"/>
-              </a:xfrm>
-              <a:blipFill rotWithShape="0">
-                <a:blip r:embed="rId2"/>
-                <a:stretch>
-                  <a:fillRect l="-927" r="-541"/>
-                </a:stretch>
-              </a:blipFill>
-            </p:spPr>
-            <p:txBody>
-              <a:bodyPr/>
-              <a:lstStyle/>
-              <a:p>
-                <a:r>
-                  <a:rPr lang="en-US">
-                    <a:noFill/>
-                  </a:rPr>
-                  <a:t> </a:t>
-                </a:r>
-              </a:p>
-            </p:txBody>
-          </p:sp>
-        </mc:Fallback>
-      </mc:AlternateContent>
-    </p:spTree>
-    <p:extLst>
-      <p:ext uri="{BB962C8B-B14F-4D97-AF65-F5344CB8AC3E}">
-        <p14:creationId xmlns:p14="http://schemas.microsoft.com/office/powerpoint/2010/main" val="2392983816"/>
-      </p:ext>
-    </p:extLst>
-  </p:cSld>
-  <p:clrMapOvr>
-    <a:masterClrMapping/>
-  </p:clrMapOvr>
-  <p:timing>
-    <p:tnLst>
-      <p:par>
-        <p:cTn id="1" dur="indefinite" restart="never" nodeType="tmRoot"/>
-      </p:par>
-    </p:tnLst>
-  </p:timing>
-</p:sld>
-</file>
-
-<file path=ppt/slides/slide12.xml><?xml version="1.0" encoding="utf-8"?>
-<p:sld xmlns:a="http://schemas.openxmlformats.org/drawingml/2006/main" xmlns:r="http://schemas.openxmlformats.org/officeDocument/2006/relationships" xmlns:p="http://schemas.openxmlformats.org/presentationml/2006/main">
-  <p:cSld>
-    <p:spTree>
-      <p:nvGrpSpPr>
-        <p:cNvPr id="1" name=""/>
-        <p:cNvGrpSpPr/>
-        <p:nvPr/>
-      </p:nvGrpSpPr>
-      <p:grpSpPr>
-        <a:xfrm>
-          <a:off x="0" y="0"/>
-          <a:ext cx="0" cy="0"/>
-          <a:chOff x="0" y="0"/>
-          <a:chExt cx="0" cy="0"/>
-        </a:xfrm>
-      </p:grpSpPr>
-      <p:sp>
-        <p:nvSpPr>
-          <p:cNvPr id="2" name="Title 1"/>
-          <p:cNvSpPr>
-            <a:spLocks noGrp="1"/>
-          </p:cNvSpPr>
-          <p:nvPr>
-            <p:ph type="title"/>
-          </p:nvPr>
-        </p:nvSpPr>
-        <p:spPr/>
-        <p:txBody>
-          <a:bodyPr/>
-          <a:lstStyle/>
-          <a:p>
-            <a:r>
-              <a:rPr lang="en-US" dirty="0" smtClean="0"/>
-              <a:t>Literature Survey</a:t>
-            </a:r>
-            <a:endParaRPr lang="en-US" dirty="0"/>
-          </a:p>
-        </p:txBody>
-      </p:sp>
-      <p:sp>
-        <p:nvSpPr>
-          <p:cNvPr id="3" name="Content Placeholder 2"/>
-          <p:cNvSpPr>
-            <a:spLocks noGrp="1"/>
-          </p:cNvSpPr>
-          <p:nvPr>
-            <p:ph idx="1"/>
-          </p:nvPr>
-        </p:nvSpPr>
-        <p:spPr/>
-        <p:txBody>
-          <a:bodyPr/>
-          <a:lstStyle/>
-          <a:p>
-            <a:endParaRPr lang="en-US" dirty="0"/>
-          </a:p>
-        </p:txBody>
-      </p:sp>
-    </p:spTree>
-    <p:extLst>
-      <p:ext uri="{BB962C8B-B14F-4D97-AF65-F5344CB8AC3E}">
-        <p14:creationId xmlns:p14="http://schemas.microsoft.com/office/powerpoint/2010/main" val="389853422"/>
-      </p:ext>
-    </p:extLst>
-  </p:cSld>
-  <p:clrMapOvr>
-    <a:masterClrMapping/>
-  </p:clrMapOvr>
-  <p:timing>
-    <p:tnLst>
-      <p:par>
-        <p:cTn id="1" dur="indefinite" restart="never" nodeType="tmRoot"/>
-      </p:par>
-    </p:tnLst>
-  </p:timing>
-</p:sld>
-</file>
-
-<file path=ppt/slides/slide13.xml><?xml version="1.0" encoding="utf-8"?>
-<p:sld xmlns:a="http://schemas.openxmlformats.org/drawingml/2006/main" xmlns:r="http://schemas.openxmlformats.org/officeDocument/2006/relationships" xmlns:p="http://schemas.openxmlformats.org/presentationml/2006/main">
-  <p:cSld>
-    <p:spTree>
-      <p:nvGrpSpPr>
-        <p:cNvPr id="1" name=""/>
-        <p:cNvGrpSpPr/>
-        <p:nvPr/>
-      </p:nvGrpSpPr>
-      <p:grpSpPr>
-        <a:xfrm>
-          <a:off x="0" y="0"/>
-          <a:ext cx="0" cy="0"/>
-          <a:chOff x="0" y="0"/>
-          <a:chExt cx="0" cy="0"/>
-        </a:xfrm>
-      </p:grpSpPr>
-      <p:sp>
-        <p:nvSpPr>
-          <p:cNvPr id="2" name="Title 1"/>
-          <p:cNvSpPr>
-            <a:spLocks noGrp="1"/>
-          </p:cNvSpPr>
-          <p:nvPr>
-            <p:ph type="title"/>
-          </p:nvPr>
-        </p:nvSpPr>
-        <p:spPr/>
-        <p:txBody>
-          <a:bodyPr/>
-          <a:lstStyle/>
-          <a:p>
-            <a:r>
-              <a:rPr lang="en-US" dirty="0" smtClean="0"/>
-              <a:t>Development Approach</a:t>
-            </a:r>
-            <a:endParaRPr lang="en-US" dirty="0"/>
-          </a:p>
-        </p:txBody>
-      </p:sp>
-      <mc:AlternateContent xmlns:mc="http://schemas.openxmlformats.org/markup-compatibility/2006">
-        <mc:Choice xmlns:a14="http://schemas.microsoft.com/office/drawing/2010/main" Requires="a14">
-          <p:sp>
-            <p:nvSpPr>
-              <p:cNvPr id="3" name="Content Placeholder 2"/>
-              <p:cNvSpPr>
-                <a:spLocks noGrp="1"/>
-              </p:cNvSpPr>
-              <p:nvPr>
-                <p:ph idx="1"/>
-              </p:nvPr>
-            </p:nvSpPr>
-            <p:spPr/>
-            <p:txBody>
-              <a:bodyPr>
-                <a:normAutofit/>
-              </a:bodyPr>
-              <a:lstStyle/>
-              <a:p>
-                <a:r>
-                  <a:rPr lang="en-US" dirty="0" smtClean="0"/>
-                  <a:t>Related </a:t>
-                </a:r>
-                <a:r>
-                  <a:rPr lang="en-US" dirty="0" smtClean="0"/>
-                  <a:t>computational geometry problems</a:t>
-                </a:r>
-              </a:p>
-              <a:p>
-                <a:pPr lvl="1"/>
-                <a:r>
-                  <a:rPr lang="en-US" dirty="0" smtClean="0"/>
-                  <a:t>Art gallery problem</a:t>
-                </a:r>
-              </a:p>
-              <a:p>
-                <a:pPr lvl="1"/>
-                <a:r>
-                  <a:rPr lang="en-US" dirty="0" smtClean="0"/>
-                  <a:t>Circle packing </a:t>
-                </a:r>
-                <a:r>
-                  <a:rPr lang="en-US" dirty="0" smtClean="0"/>
-                  <a:t>problem</a:t>
-                </a:r>
-              </a:p>
-              <a:p>
-                <a:endParaRPr lang="en-US" dirty="0"/>
-              </a:p>
-              <a:p>
-                <a:r>
-                  <a:rPr lang="en-US" dirty="0" smtClean="0"/>
-                  <a:t>Problems in direct application</a:t>
-                </a:r>
-              </a:p>
-              <a:p>
-                <a:pPr lvl="1"/>
-                <a:r>
-                  <a:rPr lang="en-US" dirty="0" smtClean="0"/>
-                  <a:t>Art gallery problem</a:t>
-                </a:r>
-              </a:p>
-              <a:p>
-                <a:pPr lvl="2"/>
-                <a:r>
-                  <a:rPr lang="en-US" dirty="0" smtClean="0"/>
-                  <a:t>Assumes the cameras have </a:t>
-                </a:r>
-                <a14:m>
-                  <m:oMath xmlns:m="http://schemas.openxmlformats.org/officeDocument/2006/math">
-                    <m:r>
-                      <a:rPr lang="en-US" b="0" i="1" smtClean="0">
-                        <a:latin typeface="Cambria Math" panose="02040503050406030204" pitchFamily="18" charset="0"/>
-                      </a:rPr>
-                      <m:t>∞</m:t>
-                    </m:r>
-                  </m:oMath>
-                </a14:m>
-                <a:r>
-                  <a:rPr lang="en-US" dirty="0" smtClean="0"/>
-                  <a:t> range</a:t>
-                </a:r>
-              </a:p>
-              <a:p>
-                <a:pPr lvl="2"/>
-                <a:r>
-                  <a:rPr lang="en-US" dirty="0" smtClean="0"/>
-                  <a:t>Heterogeneous sensors not considered</a:t>
-                </a:r>
-              </a:p>
-              <a:p>
-                <a:pPr lvl="2"/>
-                <a:endParaRPr lang="en-US" dirty="0" smtClean="0"/>
-              </a:p>
-              <a:p>
-                <a:pPr lvl="1"/>
-                <a:r>
-                  <a:rPr lang="en-US" dirty="0" smtClean="0"/>
-                  <a:t>Circle packing problem</a:t>
-                </a:r>
-              </a:p>
-              <a:p>
-                <a:pPr lvl="2"/>
-                <a:r>
-                  <a:rPr lang="en-US" dirty="0" smtClean="0"/>
-                  <a:t>Assumes all circles have the same radius when covering a rectangle</a:t>
-                </a:r>
-              </a:p>
-              <a:p>
-                <a:pPr lvl="2"/>
-                <a:r>
-                  <a:rPr lang="en-US" dirty="0" smtClean="0"/>
-                  <a:t>Variation with different radii circles leaves gaps between circles</a:t>
-                </a:r>
-                <a:endParaRPr lang="en-US" dirty="0"/>
-              </a:p>
-              <a:p>
-                <a:pPr lvl="2"/>
-                <a:endParaRPr lang="en-US" dirty="0" smtClean="0"/>
-              </a:p>
-            </p:txBody>
-          </p:sp>
-        </mc:Choice>
-        <mc:Fallback>
-          <p:sp>
-            <p:nvSpPr>
-              <p:cNvPr id="3" name="Content Placeholder 2"/>
-              <p:cNvSpPr>
-                <a:spLocks noGrp="1" noRot="1" noChangeAspect="1" noMove="1" noResize="1" noEditPoints="1" noAdjustHandles="1" noChangeArrowheads="1" noChangeShapeType="1" noTextEdit="1"/>
-              </p:cNvSpPr>
-              <p:nvPr>
-                <p:ph idx="1"/>
-              </p:nvPr>
-            </p:nvSpPr>
-            <p:spPr>
-              <a:blipFill rotWithShape="0">
-                <a:blip r:embed="rId2"/>
-                <a:stretch>
-                  <a:fillRect l="-773" t="-1536" r="-618"/>
-                </a:stretch>
-              </a:blipFill>
-            </p:spPr>
-            <p:txBody>
-              <a:bodyPr/>
-              <a:lstStyle/>
-              <a:p>
-                <a:r>
-                  <a:rPr lang="en-US">
-                    <a:noFill/>
-                  </a:rPr>
-                  <a:t> </a:t>
-                </a:r>
-              </a:p>
-            </p:txBody>
-          </p:sp>
-        </mc:Fallback>
-      </mc:AlternateContent>
-    </p:spTree>
-    <p:extLst>
-      <p:ext uri="{BB962C8B-B14F-4D97-AF65-F5344CB8AC3E}">
-        <p14:creationId xmlns:p14="http://schemas.microsoft.com/office/powerpoint/2010/main" val="2472530875"/>
-      </p:ext>
-    </p:extLst>
-  </p:cSld>
-  <p:clrMapOvr>
-    <a:masterClrMapping/>
-  </p:clrMapOvr>
-  <p:timing>
-    <p:tnLst>
-      <p:par>
-        <p:cTn id="1" dur="indefinite" restart="never" nodeType="tmRoot"/>
-      </p:par>
-    </p:tnLst>
-  </p:timing>
-</p:sld>
-</file>
-
-<file path=ppt/slides/slide14.xml><?xml version="1.0" encoding="utf-8"?>
-<p:sld xmlns:a="http://schemas.openxmlformats.org/drawingml/2006/main" xmlns:r="http://schemas.openxmlformats.org/officeDocument/2006/relationships" xmlns:p="http://schemas.openxmlformats.org/presentationml/2006/main">
-  <p:cSld>
-    <p:spTree>
-      <p:nvGrpSpPr>
-        <p:cNvPr id="1" name=""/>
-        <p:cNvGrpSpPr/>
-        <p:nvPr/>
-      </p:nvGrpSpPr>
-      <p:grpSpPr>
-        <a:xfrm>
-          <a:off x="0" y="0"/>
-          <a:ext cx="0" cy="0"/>
-          <a:chOff x="0" y="0"/>
-          <a:chExt cx="0" cy="0"/>
-        </a:xfrm>
-      </p:grpSpPr>
-      <p:sp>
-        <p:nvSpPr>
-          <p:cNvPr id="2" name="Title 1"/>
-          <p:cNvSpPr>
-            <a:spLocks noGrp="1"/>
-          </p:cNvSpPr>
-          <p:nvPr>
-            <p:ph type="title"/>
-          </p:nvPr>
-        </p:nvSpPr>
-        <p:spPr/>
-        <p:txBody>
-          <a:bodyPr/>
-          <a:lstStyle/>
-          <a:p>
-            <a:r>
-              <a:rPr lang="en-US" dirty="0" smtClean="0"/>
-              <a:t>Development Approach</a:t>
-            </a:r>
-            <a:endParaRPr lang="en-US" dirty="0"/>
-          </a:p>
-        </p:txBody>
-      </p:sp>
-      <mc:AlternateContent xmlns:mc="http://schemas.openxmlformats.org/markup-compatibility/2006">
-        <mc:Choice xmlns:a14="http://schemas.microsoft.com/office/drawing/2010/main" Requires="a14">
-          <p:sp>
-            <p:nvSpPr>
-              <p:cNvPr id="3" name="Content Placeholder 2"/>
-              <p:cNvSpPr>
-                <a:spLocks noGrp="1"/>
-              </p:cNvSpPr>
-              <p:nvPr>
-                <p:ph idx="1"/>
-              </p:nvPr>
-            </p:nvSpPr>
-            <p:spPr/>
-            <p:txBody>
-              <a:bodyPr>
-                <a:normAutofit/>
-              </a:bodyPr>
-              <a:lstStyle/>
-              <a:p>
-                <a:r>
-                  <a:rPr lang="en-US" dirty="0" smtClean="0"/>
-                  <a:t>Phase 1</a:t>
-                </a:r>
-              </a:p>
-              <a:p>
-                <a:pPr lvl="1"/>
-                <a:r>
-                  <a:rPr lang="en-US" dirty="0" smtClean="0"/>
-                  <a:t>Ignore the use of jammers</a:t>
-                </a:r>
-              </a:p>
-              <a:p>
-                <a:pPr lvl="1"/>
-                <a:r>
-                  <a:rPr lang="en-US" dirty="0" smtClean="0"/>
-                  <a:t>Assume all sensors have same cost</a:t>
-                </a:r>
-              </a:p>
-              <a:p>
-                <a:pPr lvl="1"/>
-                <a14:m>
-                  <m:oMath xmlns:m="http://schemas.openxmlformats.org/officeDocument/2006/math">
-                    <m:r>
-                      <a:rPr lang="en-US" b="0" i="1" smtClean="0">
-                        <a:latin typeface="Cambria Math" panose="02040503050406030204" pitchFamily="18" charset="0"/>
-                      </a:rPr>
-                      <m:t>∞ </m:t>
-                    </m:r>
-                  </m:oMath>
-                </a14:m>
-                <a:r>
-                  <a:rPr lang="en-US" dirty="0" smtClean="0"/>
-                  <a:t>sensors of each type are available</a:t>
-                </a:r>
-              </a:p>
-              <a:p>
-                <a:pPr lvl="1"/>
-                <a:r>
-                  <a:rPr lang="en-US" dirty="0" smtClean="0"/>
-                  <a:t>Find the minimum cardinality set of sensors which covers the rectangular region</a:t>
-                </a:r>
-              </a:p>
-              <a:p>
-                <a:pPr lvl="1"/>
-                <a:endParaRPr lang="en-US" dirty="0"/>
-              </a:p>
-              <a:p>
-                <a:r>
-                  <a:rPr lang="en-US" dirty="0" smtClean="0"/>
-                  <a:t>Phase 2</a:t>
-                </a:r>
-              </a:p>
-              <a:p>
-                <a:pPr lvl="1"/>
-                <a:r>
-                  <a:rPr lang="en-US" dirty="0" smtClean="0"/>
-                  <a:t>Jammers to be considered</a:t>
-                </a:r>
-              </a:p>
-              <a:p>
-                <a:pPr lvl="1"/>
-                <a:r>
-                  <a:rPr lang="en-US" dirty="0" smtClean="0"/>
-                  <a:t>Sensors types will incur different costs</a:t>
-                </a:r>
-              </a:p>
-              <a:p>
-                <a:pPr lvl="1"/>
-                <a:r>
-                  <a:rPr lang="en-US" dirty="0" smtClean="0"/>
-                  <a:t>Fixed number of each type of sensors are available</a:t>
-                </a:r>
-              </a:p>
-              <a:p>
-                <a:pPr lvl="1"/>
-                <a:r>
-                  <a:rPr lang="en-US" dirty="0"/>
-                  <a:t>Find the minimum cardinality set of sensors which covers the rectangular region</a:t>
-                </a:r>
-                <a:endParaRPr lang="en-US" dirty="0" smtClean="0"/>
-              </a:p>
-            </p:txBody>
-          </p:sp>
-        </mc:Choice>
-        <mc:Fallback>
-          <p:sp>
-            <p:nvSpPr>
-              <p:cNvPr id="3" name="Content Placeholder 2"/>
-              <p:cNvSpPr>
-                <a:spLocks noGrp="1" noRot="1" noChangeAspect="1" noMove="1" noResize="1" noEditPoints="1" noAdjustHandles="1" noChangeArrowheads="1" noChangeShapeType="1" noTextEdit="1"/>
-              </p:cNvSpPr>
-              <p:nvPr>
-                <p:ph idx="1"/>
-              </p:nvPr>
-            </p:nvSpPr>
-            <p:spPr>
-              <a:blipFill rotWithShape="0">
-                <a:blip r:embed="rId2"/>
-                <a:stretch>
-                  <a:fillRect l="-773" t="-1536"/>
-                </a:stretch>
-              </a:blipFill>
-            </p:spPr>
-            <p:txBody>
-              <a:bodyPr/>
-              <a:lstStyle/>
-              <a:p>
-                <a:r>
-                  <a:rPr lang="en-US">
-                    <a:noFill/>
-                  </a:rPr>
-                  <a:t> </a:t>
-                </a:r>
-              </a:p>
-            </p:txBody>
-          </p:sp>
-        </mc:Fallback>
-      </mc:AlternateContent>
-    </p:spTree>
-    <p:extLst>
-      <p:ext uri="{BB962C8B-B14F-4D97-AF65-F5344CB8AC3E}">
-        <p14:creationId xmlns:p14="http://schemas.microsoft.com/office/powerpoint/2010/main" val="1118905840"/>
-      </p:ext>
-    </p:extLst>
-  </p:cSld>
-  <p:clrMapOvr>
-    <a:masterClrMapping/>
-  </p:clrMapOvr>
-  <p:timing>
-    <p:tnLst>
-      <p:par>
-        <p:cTn id="1" dur="indefinite" restart="never" nodeType="tmRoot"/>
-      </p:par>
-    </p:tnLst>
-  </p:timing>
-</p:sld>
-</file>
-
-<file path=ppt/slides/slide15.xml><?xml version="1.0" encoding="utf-8"?>
-<p:sld xmlns:a="http://schemas.openxmlformats.org/drawingml/2006/main" xmlns:r="http://schemas.openxmlformats.org/officeDocument/2006/relationships" xmlns:p="http://schemas.openxmlformats.org/presentationml/2006/main">
-  <p:cSld>
-    <p:spTree>
-      <p:nvGrpSpPr>
-        <p:cNvPr id="1" name=""/>
-        <p:cNvGrpSpPr/>
-        <p:nvPr/>
-      </p:nvGrpSpPr>
-      <p:grpSpPr>
-        <a:xfrm>
-          <a:off x="0" y="0"/>
-          <a:ext cx="0" cy="0"/>
-          <a:chOff x="0" y="0"/>
-          <a:chExt cx="0" cy="0"/>
-        </a:xfrm>
-      </p:grpSpPr>
-      <p:sp>
-        <p:nvSpPr>
-          <p:cNvPr id="2" name="Title 1"/>
-          <p:cNvSpPr>
-            <a:spLocks noGrp="1"/>
-          </p:cNvSpPr>
-          <p:nvPr>
-            <p:ph type="title"/>
-          </p:nvPr>
-        </p:nvSpPr>
-        <p:spPr/>
-        <p:txBody>
-          <a:bodyPr/>
-          <a:lstStyle/>
-          <a:p>
-            <a:r>
-              <a:rPr lang="en-US" dirty="0" smtClean="0"/>
-              <a:t>Problem Subdivision</a:t>
-            </a:r>
-            <a:endParaRPr lang="en-US" dirty="0"/>
-          </a:p>
-        </p:txBody>
-      </p:sp>
-      <p:sp>
-        <p:nvSpPr>
-          <p:cNvPr id="3" name="Content Placeholder 2"/>
-          <p:cNvSpPr>
-            <a:spLocks noGrp="1"/>
-          </p:cNvSpPr>
-          <p:nvPr>
-            <p:ph idx="1"/>
-          </p:nvPr>
-        </p:nvSpPr>
-        <p:spPr/>
-        <p:txBody>
-          <a:bodyPr/>
-          <a:lstStyle/>
-          <a:p>
-            <a:r>
-              <a:rPr lang="en-US" dirty="0" smtClean="0"/>
-              <a:t>Problem can be subdivided into:</a:t>
-            </a:r>
-          </a:p>
-          <a:p>
-            <a:pPr lvl="1"/>
-            <a:r>
-              <a:rPr lang="en-US" dirty="0" smtClean="0"/>
-              <a:t>Identify if a rectangular region is covered by a set of heterogeneous sensors</a:t>
-            </a:r>
-          </a:p>
-          <a:p>
-            <a:pPr lvl="1"/>
-            <a:endParaRPr lang="en-US" dirty="0" smtClean="0"/>
-          </a:p>
-          <a:p>
-            <a:pPr lvl="1"/>
-            <a:r>
-              <a:rPr lang="en-US" dirty="0" smtClean="0"/>
-              <a:t>Find subsets of sensors which cover the region</a:t>
-            </a:r>
-          </a:p>
-          <a:p>
-            <a:pPr lvl="1"/>
-            <a:endParaRPr lang="en-US" dirty="0" smtClean="0"/>
-          </a:p>
-          <a:p>
-            <a:pPr lvl="1"/>
-            <a:r>
-              <a:rPr lang="en-US" dirty="0" smtClean="0"/>
-              <a:t>Find the minimum cardinality subset</a:t>
-            </a:r>
-          </a:p>
-          <a:p>
-            <a:pPr lvl="1"/>
-            <a:endParaRPr lang="en-US" dirty="0"/>
-          </a:p>
-        </p:txBody>
-      </p:sp>
-    </p:spTree>
-    <p:extLst>
-      <p:ext uri="{BB962C8B-B14F-4D97-AF65-F5344CB8AC3E}">
-        <p14:creationId xmlns:p14="http://schemas.microsoft.com/office/powerpoint/2010/main" val="1059931453"/>
-      </p:ext>
-    </p:extLst>
-  </p:cSld>
-  <p:clrMapOvr>
-    <a:masterClrMapping/>
-  </p:clrMapOvr>
-  <p:timing>
-    <p:tnLst>
-      <p:par>
-        <p:cTn id="1" dur="indefinite" restart="never" nodeType="tmRoot"/>
-      </p:par>
-    </p:tnLst>
-  </p:timing>
-</p:sld>
-</file>
-
-<file path=ppt/slides/slide16.xml><?xml version="1.0" encoding="utf-8"?>
-<p:sld xmlns:a="http://schemas.openxmlformats.org/drawingml/2006/main" xmlns:r="http://schemas.openxmlformats.org/officeDocument/2006/relationships" xmlns:p="http://schemas.openxmlformats.org/presentationml/2006/main">
-  <p:cSld>
-    <p:spTree>
-      <p:nvGrpSpPr>
-        <p:cNvPr id="1" name=""/>
-        <p:cNvGrpSpPr/>
-        <p:nvPr/>
-      </p:nvGrpSpPr>
-      <p:grpSpPr>
-        <a:xfrm>
-          <a:off x="0" y="0"/>
-          <a:ext cx="0" cy="0"/>
-          <a:chOff x="0" y="0"/>
-          <a:chExt cx="0" cy="0"/>
-        </a:xfrm>
-      </p:grpSpPr>
-      <p:sp>
-        <p:nvSpPr>
-          <p:cNvPr id="5" name="Title 4"/>
-          <p:cNvSpPr>
-            <a:spLocks noGrp="1"/>
-          </p:cNvSpPr>
-          <p:nvPr>
-            <p:ph type="title"/>
-          </p:nvPr>
-        </p:nvSpPr>
-        <p:spPr/>
-        <p:txBody>
-          <a:bodyPr/>
-          <a:lstStyle/>
-          <a:p>
-            <a:r>
-              <a:rPr lang="en-US" dirty="0" smtClean="0"/>
-              <a:t>Definitions</a:t>
-            </a:r>
-            <a:endParaRPr lang="en-US" dirty="0"/>
-          </a:p>
-        </p:txBody>
-      </p:sp>
-      <mc:AlternateContent xmlns:mc="http://schemas.openxmlformats.org/markup-compatibility/2006">
-        <mc:Choice xmlns:a14="http://schemas.microsoft.com/office/drawing/2010/main" Requires="a14">
-          <p:sp>
-            <p:nvSpPr>
-              <p:cNvPr id="3" name="Content Placeholder 2"/>
-              <p:cNvSpPr>
-                <a:spLocks noGrp="1"/>
-              </p:cNvSpPr>
-              <p:nvPr>
-                <p:ph idx="1"/>
-              </p:nvPr>
-            </p:nvSpPr>
-            <p:spPr/>
-            <p:txBody>
-              <a:bodyPr/>
-              <a:lstStyle/>
-              <a:p>
-                <a:pPr algn="just"/>
-                <a:r>
-                  <a:rPr lang="en-GB" dirty="0" smtClean="0"/>
-                  <a:t>Perimeter-covered</a:t>
-                </a:r>
-              </a:p>
-              <a:p>
-                <a:pPr lvl="1" algn="just"/>
-                <a:r>
-                  <a:rPr lang="en-GB" dirty="0" smtClean="0"/>
-                  <a:t>Consider any two sensors </a:t>
-                </a:r>
-                <a14:m>
-                  <m:oMath xmlns:m="http://schemas.openxmlformats.org/officeDocument/2006/math">
-                    <m:sSub>
-                      <m:sSubPr>
-                        <m:ctrlPr>
-                          <a:rPr lang="en-US"/>
-                        </m:ctrlPr>
-                      </m:sSubPr>
-                      <m:e>
-                        <m:r>
-                          <a:rPr lang="en-GB"/>
-                          <m:t>𝑠</m:t>
-                        </m:r>
-                      </m:e>
-                      <m:sub>
-                        <m:r>
-                          <a:rPr lang="en-GB"/>
-                          <m:t>𝑖</m:t>
-                        </m:r>
-                      </m:sub>
-                    </m:sSub>
-                  </m:oMath>
-                </a14:m>
-                <a:r>
-                  <a:rPr lang="en-GB" dirty="0"/>
-                  <a:t> and </a:t>
-                </a:r>
-                <a14:m>
-                  <m:oMath xmlns:m="http://schemas.openxmlformats.org/officeDocument/2006/math">
-                    <m:sSub>
-                      <m:sSubPr>
-                        <m:ctrlPr>
-                          <a:rPr lang="en-US"/>
-                        </m:ctrlPr>
-                      </m:sSubPr>
-                      <m:e>
-                        <m:r>
-                          <a:rPr lang="en-GB"/>
-                          <m:t>𝑠</m:t>
-                        </m:r>
-                      </m:e>
-                      <m:sub>
-                        <m:r>
-                          <a:rPr lang="en-GB"/>
-                          <m:t>𝑗</m:t>
-                        </m:r>
-                      </m:sub>
-                    </m:sSub>
-                  </m:oMath>
-                </a14:m>
-                <a:r>
-                  <a:rPr lang="en-GB" dirty="0"/>
-                  <a:t>. A point on the perimeter of </a:t>
-                </a:r>
-                <a14:m>
-                  <m:oMath xmlns:m="http://schemas.openxmlformats.org/officeDocument/2006/math">
-                    <m:sSub>
-                      <m:sSubPr>
-                        <m:ctrlPr>
-                          <a:rPr lang="en-US"/>
-                        </m:ctrlPr>
-                      </m:sSubPr>
-                      <m:e>
-                        <m:r>
-                          <a:rPr lang="en-GB"/>
-                          <m:t>𝑠</m:t>
-                        </m:r>
-                      </m:e>
-                      <m:sub>
-                        <m:r>
-                          <a:rPr lang="en-GB"/>
-                          <m:t>𝑖</m:t>
-                        </m:r>
-                      </m:sub>
-                    </m:sSub>
-                  </m:oMath>
-                </a14:m>
-                <a:r>
-                  <a:rPr lang="en-GB" dirty="0"/>
-                  <a:t> is perimeter-covered by </a:t>
-                </a:r>
-                <a14:m>
-                  <m:oMath xmlns:m="http://schemas.openxmlformats.org/officeDocument/2006/math">
-                    <m:sSub>
-                      <m:sSubPr>
-                        <m:ctrlPr>
-                          <a:rPr lang="en-US"/>
-                        </m:ctrlPr>
-                      </m:sSubPr>
-                      <m:e>
-                        <m:r>
-                          <a:rPr lang="en-GB"/>
-                          <m:t>𝑠</m:t>
-                        </m:r>
-                      </m:e>
-                      <m:sub>
-                        <m:r>
-                          <a:rPr lang="en-GB"/>
-                          <m:t>𝑗</m:t>
-                        </m:r>
-                      </m:sub>
-                    </m:sSub>
-                  </m:oMath>
-                </a14:m>
-                <a:r>
-                  <a:rPr lang="en-GB" dirty="0"/>
-                  <a:t> if this point is within the sensing range of</a:t>
-                </a:r>
-                <a14:m>
-                  <m:oMath xmlns:m="http://schemas.openxmlformats.org/officeDocument/2006/math">
-                    <m:sSub>
-                      <m:sSubPr>
-                        <m:ctrlPr>
-                          <a:rPr lang="en-US"/>
-                        </m:ctrlPr>
-                      </m:sSubPr>
-                      <m:e>
-                        <m:r>
-                          <a:rPr lang="en-GB"/>
-                          <m:t> </m:t>
-                        </m:r>
-                        <m:r>
-                          <a:rPr lang="en-GB"/>
-                          <m:t>𝑠</m:t>
-                        </m:r>
-                      </m:e>
-                      <m:sub>
-                        <m:r>
-                          <a:rPr lang="en-GB"/>
-                          <m:t>𝑗</m:t>
-                        </m:r>
-                      </m:sub>
-                    </m:sSub>
-                  </m:oMath>
-                </a14:m>
-                <a:r>
-                  <a:rPr lang="en-GB" dirty="0"/>
-                  <a:t>.</a:t>
-                </a:r>
-                <a:endParaRPr lang="en-US" dirty="0"/>
-              </a:p>
-              <a:p>
-                <a:pPr algn="just"/>
-                <a:r>
-                  <a:rPr lang="en-GB" dirty="0"/>
-                  <a:t> </a:t>
-                </a:r>
-                <a:endParaRPr lang="en-US" dirty="0"/>
-              </a:p>
-              <a:p>
-                <a:pPr algn="just"/>
-                <a:r>
-                  <a:rPr lang="en-GB" dirty="0" smtClean="0"/>
-                  <a:t>k-Perimeter covered</a:t>
-                </a:r>
-              </a:p>
-              <a:p>
-                <a:pPr lvl="1" algn="just"/>
-                <a:r>
-                  <a:rPr lang="en-GB" dirty="0" smtClean="0"/>
-                  <a:t>Consider </a:t>
-                </a:r>
-                <a:r>
-                  <a:rPr lang="en-GB" dirty="0"/>
-                  <a:t>any sensor </a:t>
-                </a:r>
-                <a14:m>
-                  <m:oMath xmlns:m="http://schemas.openxmlformats.org/officeDocument/2006/math">
-                    <m:sSub>
-                      <m:sSubPr>
-                        <m:ctrlPr>
-                          <a:rPr lang="en-US"/>
-                        </m:ctrlPr>
-                      </m:sSubPr>
-                      <m:e>
-                        <m:r>
-                          <a:rPr lang="en-GB"/>
-                          <m:t>𝑠</m:t>
-                        </m:r>
-                      </m:e>
-                      <m:sub>
-                        <m:r>
-                          <a:rPr lang="en-GB"/>
-                          <m:t>𝑖</m:t>
-                        </m:r>
-                      </m:sub>
-                    </m:sSub>
-                  </m:oMath>
-                </a14:m>
-                <a:r>
-                  <a:rPr lang="en-GB" dirty="0"/>
-                  <a:t>. We say that </a:t>
-                </a:r>
-                <a14:m>
-                  <m:oMath xmlns:m="http://schemas.openxmlformats.org/officeDocument/2006/math">
-                    <m:sSub>
-                      <m:sSubPr>
-                        <m:ctrlPr>
-                          <a:rPr lang="en-US"/>
-                        </m:ctrlPr>
-                      </m:sSubPr>
-                      <m:e>
-                        <m:r>
-                          <a:rPr lang="en-GB"/>
-                          <m:t>𝑠</m:t>
-                        </m:r>
-                      </m:e>
-                      <m:sub>
-                        <m:r>
-                          <a:rPr lang="en-GB"/>
-                          <m:t>𝑖</m:t>
-                        </m:r>
-                      </m:sub>
-                    </m:sSub>
-                  </m:oMath>
-                </a14:m>
-                <a:r>
-                  <a:rPr lang="en-GB" dirty="0"/>
-                  <a:t> is k-perimeter covered if all points on the perimeter of </a:t>
-                </a:r>
-                <a14:m>
-                  <m:oMath xmlns:m="http://schemas.openxmlformats.org/officeDocument/2006/math">
-                    <m:sSub>
-                      <m:sSubPr>
-                        <m:ctrlPr>
-                          <a:rPr lang="en-US"/>
-                        </m:ctrlPr>
-                      </m:sSubPr>
-                      <m:e>
-                        <m:r>
-                          <a:rPr lang="en-GB"/>
-                          <m:t>𝑠</m:t>
-                        </m:r>
-                      </m:e>
-                      <m:sub>
-                        <m:r>
-                          <a:rPr lang="en-GB"/>
-                          <m:t>𝑖</m:t>
-                        </m:r>
-                      </m:sub>
-                    </m:sSub>
-                  </m:oMath>
-                </a14:m>
-                <a:r>
-                  <a:rPr lang="en-GB" dirty="0"/>
-                  <a:t> are perimeter covered by at least k sensors other than </a:t>
-                </a:r>
-                <a14:m>
-                  <m:oMath xmlns:m="http://schemas.openxmlformats.org/officeDocument/2006/math">
-                    <m:sSub>
-                      <m:sSubPr>
-                        <m:ctrlPr>
-                          <a:rPr lang="en-US"/>
-                        </m:ctrlPr>
-                      </m:sSubPr>
-                      <m:e>
-                        <m:r>
-                          <a:rPr lang="en-GB"/>
-                          <m:t>𝑠</m:t>
-                        </m:r>
-                      </m:e>
-                      <m:sub>
-                        <m:r>
-                          <a:rPr lang="en-GB"/>
-                          <m:t>𝑖</m:t>
-                        </m:r>
-                      </m:sub>
-                    </m:sSub>
-                  </m:oMath>
-                </a14:m>
-                <a:r>
-                  <a:rPr lang="en-GB" dirty="0"/>
-                  <a:t> itself. Similarly, a segment of </a:t>
-                </a:r>
-                <a14:m>
-                  <m:oMath xmlns:m="http://schemas.openxmlformats.org/officeDocument/2006/math">
-                    <m:sSub>
-                      <m:sSubPr>
-                        <m:ctrlPr>
-                          <a:rPr lang="en-US"/>
-                        </m:ctrlPr>
-                      </m:sSubPr>
-                      <m:e>
-                        <m:r>
-                          <a:rPr lang="en-GB"/>
-                          <m:t>𝑠</m:t>
-                        </m:r>
-                      </m:e>
-                      <m:sub>
-                        <m:r>
-                          <a:rPr lang="en-GB"/>
-                          <m:t>𝑖</m:t>
-                        </m:r>
-                      </m:sub>
-                    </m:sSub>
-                    <m:r>
-                      <a:rPr lang="en-GB"/>
-                      <m:t>′</m:t>
-                    </m:r>
-                    <m:r>
-                      <a:rPr lang="en-GB"/>
-                      <m:t>𝑠</m:t>
-                    </m:r>
-                  </m:oMath>
-                </a14:m>
-                <a:r>
-                  <a:rPr lang="en-GB" dirty="0"/>
-                  <a:t> perimeter is k-perimeter covered if all points on the segment are perimeter covered by at least k sensors other than </a:t>
-                </a:r>
-                <a14:m>
-                  <m:oMath xmlns:m="http://schemas.openxmlformats.org/officeDocument/2006/math">
-                    <m:sSub>
-                      <m:sSubPr>
-                        <m:ctrlPr>
-                          <a:rPr lang="en-US"/>
-                        </m:ctrlPr>
-                      </m:sSubPr>
-                      <m:e>
-                        <m:r>
-                          <a:rPr lang="en-GB"/>
-                          <m:t>𝑠</m:t>
-                        </m:r>
-                      </m:e>
-                      <m:sub>
-                        <m:r>
-                          <a:rPr lang="en-GB"/>
-                          <m:t>𝑖</m:t>
-                        </m:r>
-                      </m:sub>
-                    </m:sSub>
-                    <m:r>
-                      <a:rPr lang="en-GB"/>
-                      <m:t> </m:t>
-                    </m:r>
-                  </m:oMath>
-                </a14:m>
-                <a:r>
-                  <a:rPr lang="en-GB" dirty="0"/>
-                  <a:t>itself.</a:t>
-                </a:r>
-                <a:endParaRPr lang="en-US" dirty="0"/>
-              </a:p>
-            </p:txBody>
-          </p:sp>
-        </mc:Choice>
-        <mc:Fallback>
-          <p:sp>
-            <p:nvSpPr>
-              <p:cNvPr id="3" name="Content Placeholder 2"/>
-              <p:cNvSpPr>
-                <a:spLocks noGrp="1" noRot="1" noChangeAspect="1" noMove="1" noResize="1" noEditPoints="1" noAdjustHandles="1" noChangeArrowheads="1" noChangeShapeType="1" noTextEdit="1"/>
-              </p:cNvSpPr>
-              <p:nvPr>
-                <p:ph idx="1"/>
-              </p:nvPr>
-            </p:nvSpPr>
-            <p:spPr>
-              <a:blipFill rotWithShape="0">
-                <a:blip r:embed="rId2"/>
-                <a:stretch>
-                  <a:fillRect l="-773" t="-1536" r="-773"/>
-                </a:stretch>
-              </a:blipFill>
-            </p:spPr>
-            <p:txBody>
-              <a:bodyPr/>
-              <a:lstStyle/>
-              <a:p>
-                <a:r>
-                  <a:rPr lang="en-US">
-                    <a:noFill/>
-                  </a:rPr>
-                  <a:t> </a:t>
-                </a:r>
-              </a:p>
-            </p:txBody>
-          </p:sp>
-        </mc:Fallback>
-      </mc:AlternateContent>
-    </p:spTree>
-    <p:extLst>
-      <p:ext uri="{BB962C8B-B14F-4D97-AF65-F5344CB8AC3E}">
-        <p14:creationId xmlns:p14="http://schemas.microsoft.com/office/powerpoint/2010/main" val="504650002"/>
-      </p:ext>
-    </p:extLst>
-  </p:cSld>
-  <p:clrMapOvr>
-    <a:masterClrMapping/>
-  </p:clrMapOvr>
-  <p:timing>
-    <p:tnLst>
-      <p:par>
-        <p:cTn id="1" dur="indefinite" restart="never" nodeType="tmRoot"/>
-      </p:par>
-    </p:tnLst>
-  </p:timing>
-</p:sld>
-</file>
-
-<file path=ppt/slides/slide17.xml><?xml version="1.0" encoding="utf-8"?>
-<p:sld xmlns:a="http://schemas.openxmlformats.org/drawingml/2006/main" xmlns:r="http://schemas.openxmlformats.org/officeDocument/2006/relationships" xmlns:p="http://schemas.openxmlformats.org/presentationml/2006/main">
-  <p:cSld>
-    <p:spTree>
-      <p:nvGrpSpPr>
-        <p:cNvPr id="1" name=""/>
-        <p:cNvGrpSpPr/>
-        <p:nvPr/>
-      </p:nvGrpSpPr>
-      <p:grpSpPr>
-        <a:xfrm>
-          <a:off x="0" y="0"/>
-          <a:ext cx="0" cy="0"/>
-          <a:chOff x="0" y="0"/>
-          <a:chExt cx="0" cy="0"/>
-        </a:xfrm>
-      </p:grpSpPr>
-      <p:sp>
-        <p:nvSpPr>
-          <p:cNvPr id="5" name="Title 4"/>
-          <p:cNvSpPr>
-            <a:spLocks noGrp="1"/>
-          </p:cNvSpPr>
-          <p:nvPr>
-            <p:ph type="title"/>
-          </p:nvPr>
-        </p:nvSpPr>
-        <p:spPr/>
-        <p:txBody>
-          <a:bodyPr/>
-          <a:lstStyle/>
-          <a:p>
-            <a:r>
-              <a:rPr lang="en-US" smtClean="0"/>
-              <a:t>Definitions</a:t>
-            </a:r>
-            <a:endParaRPr lang="en-US" dirty="0"/>
-          </a:p>
-        </p:txBody>
-      </p:sp>
-      <mc:AlternateContent xmlns:mc="http://schemas.openxmlformats.org/markup-compatibility/2006">
-        <mc:Choice xmlns:a14="http://schemas.microsoft.com/office/drawing/2010/main" Requires="a14">
-          <p:sp>
-            <p:nvSpPr>
-              <p:cNvPr id="3" name="Content Placeholder 2"/>
-              <p:cNvSpPr>
-                <a:spLocks noGrp="1"/>
-              </p:cNvSpPr>
-              <p:nvPr>
-                <p:ph idx="1"/>
-              </p:nvPr>
-            </p:nvSpPr>
-            <p:spPr/>
-            <p:txBody>
-              <a:bodyPr/>
-              <a:lstStyle/>
-              <a:p>
-                <a:pPr algn="just"/>
-                <a:r>
-                  <a:rPr lang="en-US" dirty="0" smtClean="0"/>
-                  <a:t>Perimeter Coverage Level (PCL)</a:t>
-                </a:r>
-              </a:p>
-              <a:p>
-                <a:pPr lvl="1" algn="just"/>
-                <a:r>
-                  <a:rPr lang="en-US" dirty="0" smtClean="0"/>
-                  <a:t>PCL of a sensor </a:t>
-                </a:r>
-                <a14:m>
-                  <m:oMath xmlns:m="http://schemas.openxmlformats.org/officeDocument/2006/math">
-                    <m:r>
-                      <a:rPr lang="en-US" i="1" dirty="0" smtClean="0">
-                        <a:latin typeface="Cambria Math" panose="02040503050406030204" pitchFamily="18" charset="0"/>
-                      </a:rPr>
-                      <m:t>𝐴</m:t>
-                    </m:r>
-                  </m:oMath>
-                </a14:m>
-                <a:r>
-                  <a:rPr lang="en-US" dirty="0" smtClean="0"/>
-                  <a:t> is the number of the sensors in the same set that cover any point on </a:t>
-                </a:r>
-                <a14:m>
-                  <m:oMath xmlns:m="http://schemas.openxmlformats.org/officeDocument/2006/math">
-                    <m:r>
-                      <a:rPr lang="en-US" i="1" dirty="0" smtClean="0">
-                        <a:latin typeface="Cambria Math" panose="02040503050406030204" pitchFamily="18" charset="0"/>
-                      </a:rPr>
-                      <m:t>𝐴</m:t>
-                    </m:r>
-                  </m:oMath>
-                </a14:m>
-                <a:r>
-                  <a:rPr lang="en-US" dirty="0" smtClean="0"/>
-                  <a:t>’s perimeter of the sensing area.</a:t>
-                </a:r>
-                <a:endParaRPr lang="en-US" dirty="0"/>
-              </a:p>
-            </p:txBody>
-          </p:sp>
-        </mc:Choice>
-        <mc:Fallback>
-          <p:sp>
-            <p:nvSpPr>
-              <p:cNvPr id="3" name="Content Placeholder 2"/>
-              <p:cNvSpPr>
-                <a:spLocks noGrp="1" noRot="1" noChangeAspect="1" noMove="1" noResize="1" noEditPoints="1" noAdjustHandles="1" noChangeArrowheads="1" noChangeShapeType="1" noTextEdit="1"/>
-              </p:cNvSpPr>
-              <p:nvPr>
-                <p:ph idx="1"/>
-              </p:nvPr>
-            </p:nvSpPr>
-            <p:spPr>
-              <a:blipFill rotWithShape="0">
-                <a:blip r:embed="rId2"/>
-                <a:stretch>
-                  <a:fillRect l="-773" t="-1536" r="-773"/>
-                </a:stretch>
-              </a:blipFill>
-            </p:spPr>
-            <p:txBody>
-              <a:bodyPr/>
-              <a:lstStyle/>
-              <a:p>
-                <a:r>
-                  <a:rPr lang="en-US">
-                    <a:noFill/>
-                  </a:rPr>
-                  <a:t> </a:t>
-                </a:r>
-              </a:p>
-            </p:txBody>
-          </p:sp>
-        </mc:Fallback>
-      </mc:AlternateContent>
-    </p:spTree>
-    <p:extLst>
-      <p:ext uri="{BB962C8B-B14F-4D97-AF65-F5344CB8AC3E}">
-        <p14:creationId xmlns:p14="http://schemas.microsoft.com/office/powerpoint/2010/main" val="1807854842"/>
-      </p:ext>
-    </p:extLst>
-  </p:cSld>
-  <p:clrMapOvr>
-    <a:masterClrMapping/>
-  </p:clrMapOvr>
-  <p:timing>
-    <p:tnLst>
-      <p:par>
-        <p:cTn id="1" dur="indefinite" restart="never" nodeType="tmRoot"/>
-      </p:par>
-    </p:tnLst>
-  </p:timing>
-</p:sld>
-</file>
-
-<file path=ppt/slides/slide18.xml><?xml version="1.0" encoding="utf-8"?>
-<p:sld xmlns:a="http://schemas.openxmlformats.org/drawingml/2006/main" xmlns:r="http://schemas.openxmlformats.org/officeDocument/2006/relationships" xmlns:p="http://schemas.openxmlformats.org/presentationml/2006/main">
-  <p:cSld>
-    <p:spTree>
-      <p:nvGrpSpPr>
-        <p:cNvPr id="1" name=""/>
-        <p:cNvGrpSpPr/>
-        <p:nvPr/>
-      </p:nvGrpSpPr>
-      <p:grpSpPr>
-        <a:xfrm>
-          <a:off x="0" y="0"/>
-          <a:ext cx="0" cy="0"/>
-          <a:chOff x="0" y="0"/>
-          <a:chExt cx="0" cy="0"/>
-        </a:xfrm>
-      </p:grpSpPr>
-      <p:sp>
-        <p:nvSpPr>
-          <p:cNvPr id="2" name="Title 1"/>
-          <p:cNvSpPr>
-            <a:spLocks noGrp="1"/>
-          </p:cNvSpPr>
-          <p:nvPr>
-            <p:ph type="title"/>
-          </p:nvPr>
-        </p:nvSpPr>
-        <p:spPr/>
-        <p:txBody>
-          <a:bodyPr/>
-          <a:lstStyle/>
-          <a:p>
-            <a:r>
-              <a:rPr lang="en-US" smtClean="0"/>
-              <a:t>Region Coverage</a:t>
-            </a:r>
-            <a:endParaRPr lang="en-US" dirty="0"/>
-          </a:p>
-        </p:txBody>
-      </p:sp>
-      <p:sp>
-        <p:nvSpPr>
-          <p:cNvPr id="3" name="Content Placeholder 2"/>
-          <p:cNvSpPr>
-            <a:spLocks noGrp="1"/>
-          </p:cNvSpPr>
-          <p:nvPr>
-            <p:ph idx="1"/>
-          </p:nvPr>
-        </p:nvSpPr>
-        <p:spPr/>
-        <p:txBody>
-          <a:bodyPr/>
-          <a:lstStyle/>
-          <a:p>
-            <a:r>
-              <a:rPr lang="en-US" dirty="0" smtClean="0"/>
-              <a:t>Huang and Tseng in their paper titled “The Coverage Problem in a Wireless Sensor Network” prove the following:</a:t>
-            </a:r>
-          </a:p>
-          <a:p>
-            <a:pPr lvl="1"/>
-            <a:endParaRPr lang="en-US" sz="2000" i="1" dirty="0" smtClean="0">
-              <a:latin typeface="Bookman Old Style" panose="02050604050505020204" pitchFamily="18" charset="0"/>
-            </a:endParaRPr>
-          </a:p>
-          <a:p>
-            <a:pPr lvl="1"/>
-            <a:r>
-              <a:rPr lang="en-US" sz="2000" i="1" dirty="0" smtClean="0">
-                <a:latin typeface="Bookman Old Style" panose="02050604050505020204" pitchFamily="18" charset="0"/>
-              </a:rPr>
-              <a:t>Suppose that no two sensors are located in the same location. The whole network area A is k-covered </a:t>
-            </a:r>
-            <a:r>
-              <a:rPr lang="en-US" sz="2000" i="1" dirty="0" err="1" smtClean="0">
-                <a:latin typeface="Bookman Old Style" panose="02050604050505020204" pitchFamily="18" charset="0"/>
-              </a:rPr>
-              <a:t>iff</a:t>
-            </a:r>
-            <a:r>
-              <a:rPr lang="en-US" sz="2000" i="1" dirty="0" smtClean="0">
-                <a:latin typeface="Bookman Old Style" panose="02050604050505020204" pitchFamily="18" charset="0"/>
-              </a:rPr>
-              <a:t> each sensor in the network is k-perimeter-covered</a:t>
-            </a:r>
-          </a:p>
-          <a:p>
-            <a:endParaRPr lang="en-US" dirty="0" smtClean="0"/>
-          </a:p>
-          <a:p>
-            <a:r>
-              <a:rPr lang="en-US" dirty="0" smtClean="0"/>
-              <a:t>Above result used in determining if a rectangular region is covered or not</a:t>
-            </a:r>
-          </a:p>
-          <a:p>
-            <a:endParaRPr lang="en-US" dirty="0"/>
-          </a:p>
-          <a:p>
-            <a:endParaRPr lang="en-US" dirty="0"/>
-          </a:p>
-        </p:txBody>
-      </p:sp>
-    </p:spTree>
-    <p:extLst>
-      <p:ext uri="{BB962C8B-B14F-4D97-AF65-F5344CB8AC3E}">
-        <p14:creationId xmlns:p14="http://schemas.microsoft.com/office/powerpoint/2010/main" val="3793133011"/>
-      </p:ext>
-    </p:extLst>
-  </p:cSld>
-  <p:clrMapOvr>
-    <a:masterClrMapping/>
-  </p:clrMapOvr>
-  <p:timing>
-    <p:tnLst>
-      <p:par>
-        <p:cTn id="1" dur="indefinite" restart="never" nodeType="tmRoot"/>
-      </p:par>
-    </p:tnLst>
-  </p:timing>
-</p:sld>
-</file>
-
-<file path=ppt/slides/slide19.xml><?xml version="1.0" encoding="utf-8"?>
-<p:sld xmlns:a="http://schemas.openxmlformats.org/drawingml/2006/main" xmlns:r="http://schemas.openxmlformats.org/officeDocument/2006/relationships" xmlns:p="http://schemas.openxmlformats.org/presentationml/2006/main">
-  <p:cSld>
-    <p:spTree>
-      <p:nvGrpSpPr>
-        <p:cNvPr id="1" name=""/>
-        <p:cNvGrpSpPr/>
-        <p:nvPr/>
-      </p:nvGrpSpPr>
-      <p:grpSpPr>
-        <a:xfrm>
-          <a:off x="0" y="0"/>
-          <a:ext cx="0" cy="0"/>
-          <a:chOff x="0" y="0"/>
-          <a:chExt cx="0" cy="0"/>
-        </a:xfrm>
-      </p:grpSpPr>
-      <p:sp>
-        <p:nvSpPr>
-          <p:cNvPr id="2" name="Title 1"/>
-          <p:cNvSpPr>
-            <a:spLocks noGrp="1"/>
-          </p:cNvSpPr>
-          <p:nvPr>
-            <p:ph type="title"/>
-          </p:nvPr>
-        </p:nvSpPr>
-        <p:spPr/>
-        <p:txBody>
-          <a:bodyPr/>
-          <a:lstStyle/>
-          <a:p>
-            <a:r>
-              <a:rPr lang="en-US" dirty="0" smtClean="0"/>
-              <a:t>Boundary Conditions</a:t>
-            </a:r>
-            <a:endParaRPr lang="en-US" dirty="0"/>
-          </a:p>
-        </p:txBody>
-      </p:sp>
-      <p:sp>
-        <p:nvSpPr>
-          <p:cNvPr id="16" name="Rectangle 15"/>
-          <p:cNvSpPr/>
-          <p:nvPr/>
-        </p:nvSpPr>
-        <p:spPr>
-          <a:xfrm>
-            <a:off x="731520" y="1874520"/>
-            <a:ext cx="1908810" cy="1245870"/>
-          </a:xfrm>
-          <a:prstGeom prst="rect">
-            <a:avLst/>
-          </a:prstGeom>
-          <a:noFill/>
-          <a:ln>
-            <a:solidFill>
-              <a:schemeClr val="bg1"/>
-            </a:solidFill>
-          </a:ln>
-        </p:spPr>
-        <p:style>
-          <a:lnRef idx="2">
-            <a:schemeClr val="accent1">
-              <a:shade val="50000"/>
-            </a:schemeClr>
-          </a:lnRef>
-          <a:fillRef idx="1">
-            <a:schemeClr val="accent1"/>
-          </a:fillRef>
-          <a:effectRef idx="0">
-            <a:schemeClr val="accent1"/>
-          </a:effectRef>
-          <a:fontRef idx="minor">
-            <a:schemeClr val="lt1"/>
-          </a:fontRef>
-        </p:style>
-        <p:txBody>
-          <a:bodyPr rtlCol="0" anchor="ctr"/>
-          <a:lstStyle/>
-          <a:p>
-            <a:pPr algn="ctr"/>
-            <a:endParaRPr lang="en-US"/>
-          </a:p>
-        </p:txBody>
-      </p:sp>
-      <p:grpSp>
-        <p:nvGrpSpPr>
-          <p:cNvPr id="23" name="Group 22"/>
-          <p:cNvGrpSpPr/>
-          <p:nvPr/>
-        </p:nvGrpSpPr>
-        <p:grpSpPr>
-          <a:xfrm>
-            <a:off x="1200150" y="2383155"/>
-            <a:ext cx="971550" cy="971550"/>
-            <a:chOff x="1200150" y="2383155"/>
-            <a:chExt cx="971550" cy="971550"/>
-          </a:xfrm>
-        </p:grpSpPr>
-        <p:sp>
-          <p:nvSpPr>
-            <p:cNvPr id="17" name="Oval 16"/>
-            <p:cNvSpPr/>
-            <p:nvPr/>
-          </p:nvSpPr>
-          <p:spPr>
-            <a:xfrm>
-              <a:off x="1200150" y="2383155"/>
-              <a:ext cx="971550" cy="971550"/>
-            </a:xfrm>
-            <a:prstGeom prst="ellipse">
-              <a:avLst/>
-            </a:prstGeom>
-            <a:noFill/>
-            <a:ln>
-              <a:solidFill>
-                <a:schemeClr val="bg1"/>
-              </a:solidFill>
-            </a:ln>
-          </p:spPr>
-          <p:style>
-            <a:lnRef idx="2">
-              <a:schemeClr val="accent1">
-                <a:shade val="50000"/>
-              </a:schemeClr>
-            </a:lnRef>
-            <a:fillRef idx="1">
-              <a:schemeClr val="accent1"/>
-            </a:fillRef>
-            <a:effectRef idx="0">
-              <a:schemeClr val="accent1"/>
-            </a:effectRef>
-            <a:fontRef idx="minor">
-              <a:schemeClr val="lt1"/>
-            </a:fontRef>
-          </p:style>
-          <p:txBody>
-            <a:bodyPr rot="0" spcFirstLastPara="0" vertOverflow="overflow" horzOverflow="overflow" vert="horz" wrap="square" lIns="91440" tIns="45720" rIns="91440" bIns="45720" numCol="1" spcCol="0" rtlCol="0" fromWordArt="0" anchor="ctr" anchorCtr="0" forceAA="0" compatLnSpc="1">
-              <a:prstTxWarp prst="textNoShape">
-                <a:avLst/>
-              </a:prstTxWarp>
-              <a:noAutofit/>
-            </a:bodyPr>
-            <a:lstStyle/>
-            <a:p>
-              <a:pPr algn="ctr"/>
-              <a:endParaRPr lang="en-US"/>
-            </a:p>
-          </p:txBody>
-        </p:sp>
-        <p:sp>
-          <p:nvSpPr>
-            <p:cNvPr id="22" name="Oval 21"/>
-            <p:cNvSpPr/>
-            <p:nvPr/>
-          </p:nvSpPr>
-          <p:spPr>
-            <a:xfrm>
-              <a:off x="1672590" y="2855595"/>
-              <a:ext cx="36000" cy="36000"/>
-            </a:xfrm>
-            <a:prstGeom prst="ellipse">
-              <a:avLst/>
-            </a:prstGeom>
-            <a:solidFill>
-              <a:schemeClr val="bg1"/>
-            </a:solidFill>
-            <a:ln>
-              <a:solidFill>
-                <a:schemeClr val="bg1"/>
-              </a:solidFill>
-            </a:ln>
-          </p:spPr>
-          <p:style>
-            <a:lnRef idx="2">
-              <a:schemeClr val="accent1">
-                <a:shade val="50000"/>
-              </a:schemeClr>
-            </a:lnRef>
-            <a:fillRef idx="1">
-              <a:schemeClr val="accent1"/>
-            </a:fillRef>
-            <a:effectRef idx="0">
-              <a:schemeClr val="accent1"/>
-            </a:effectRef>
-            <a:fontRef idx="minor">
-              <a:schemeClr val="lt1"/>
-            </a:fontRef>
-          </p:style>
-          <p:txBody>
-            <a:bodyPr rot="0" spcFirstLastPara="0" vertOverflow="overflow" horzOverflow="overflow" vert="horz" wrap="square" lIns="91440" tIns="45720" rIns="91440" bIns="45720" numCol="1" spcCol="0" rtlCol="0" fromWordArt="0" anchor="ctr" anchorCtr="0" forceAA="0" compatLnSpc="1">
-              <a:prstTxWarp prst="textNoShape">
-                <a:avLst/>
-              </a:prstTxWarp>
-              <a:noAutofit/>
-            </a:bodyPr>
-            <a:lstStyle/>
-            <a:p>
-              <a:pPr algn="ctr"/>
-              <a:endParaRPr lang="en-US"/>
-            </a:p>
-          </p:txBody>
-        </p:sp>
-      </p:grpSp>
-      <p:cxnSp>
-        <p:nvCxnSpPr>
-          <p:cNvPr id="25" name="Straight Connector 24"/>
-          <p:cNvCxnSpPr>
-            <a:stCxn id="22" idx="6"/>
-          </p:cNvCxnSpPr>
-          <p:nvPr/>
-        </p:nvCxnSpPr>
-        <p:spPr>
-          <a:xfrm flipH="1">
-            <a:off x="1268963" y="2873595"/>
-            <a:ext cx="439627" cy="249050"/>
-          </a:xfrm>
-          <a:prstGeom prst="line">
-            <a:avLst/>
-          </a:prstGeom>
-          <a:ln>
-            <a:solidFill>
-              <a:srgbClr val="FFFF00"/>
-            </a:solidFill>
-          </a:ln>
-        </p:spPr>
-        <p:style>
-          <a:lnRef idx="1">
-            <a:schemeClr val="accent1"/>
-          </a:lnRef>
-          <a:fillRef idx="0">
-            <a:schemeClr val="accent1"/>
-          </a:fillRef>
-          <a:effectRef idx="0">
-            <a:schemeClr val="accent1"/>
-          </a:effectRef>
-          <a:fontRef idx="minor">
-            <a:schemeClr val="tx1"/>
-          </a:fontRef>
-        </p:style>
-      </p:cxnSp>
-      <p:cxnSp>
-        <p:nvCxnSpPr>
-          <p:cNvPr id="27" name="Straight Connector 26"/>
-          <p:cNvCxnSpPr>
-            <a:stCxn id="22" idx="1"/>
-            <a:endCxn id="17" idx="5"/>
-          </p:cNvCxnSpPr>
-          <p:nvPr/>
-        </p:nvCxnSpPr>
-        <p:spPr>
-          <a:xfrm>
-            <a:off x="1677862" y="2860867"/>
-            <a:ext cx="418416" cy="261778"/>
-          </a:xfrm>
-          <a:prstGeom prst="line">
-            <a:avLst/>
-          </a:prstGeom>
-          <a:ln>
-            <a:solidFill>
-              <a:srgbClr val="FFFF00"/>
-            </a:solidFill>
-          </a:ln>
-        </p:spPr>
-        <p:style>
-          <a:lnRef idx="1">
-            <a:schemeClr val="accent1"/>
-          </a:lnRef>
-          <a:fillRef idx="0">
-            <a:schemeClr val="accent1"/>
-          </a:fillRef>
-          <a:effectRef idx="0">
-            <a:schemeClr val="accent1"/>
-          </a:effectRef>
-          <a:fontRef idx="minor">
-            <a:schemeClr val="tx1"/>
-          </a:fontRef>
-        </p:style>
-      </p:cxnSp>
-    </p:spTree>
-    <p:extLst>
-      <p:ext uri="{BB962C8B-B14F-4D97-AF65-F5344CB8AC3E}">
-        <p14:creationId xmlns:p14="http://schemas.microsoft.com/office/powerpoint/2010/main" val="1858652947"/>
-      </p:ext>
-    </p:extLst>
-  </p:cSld>
-  <p:clrMapOvr>
-    <a:masterClrMapping/>
-  </p:clrMapOvr>
-  <p:timing>
-    <p:tnLst>
-      <p:par>
-        <p:cTn id="1" dur="indefinite" restart="never" nodeType="tmRoot"/>
-      </p:par>
-    </p:tnLst>
-  </p:timing>
-</p:sld>
-</file>
-
-<file path=ppt/slides/slide2.xml><?xml version="1.0" encoding="utf-8"?>
-<p:sld xmlns:a="http://schemas.openxmlformats.org/drawingml/2006/main" xmlns:r="http://schemas.openxmlformats.org/officeDocument/2006/relationships" xmlns:p="http://schemas.openxmlformats.org/presentationml/2006/main">
-  <p:cSld>
-    <p:spTree>
-      <p:nvGrpSpPr>
-        <p:cNvPr id="1" name=""/>
-        <p:cNvGrpSpPr/>
-        <p:nvPr/>
-      </p:nvGrpSpPr>
-      <p:grpSpPr>
-        <a:xfrm>
-          <a:off x="0" y="0"/>
-          <a:ext cx="0" cy="0"/>
-          <a:chOff x="0" y="0"/>
-          <a:chExt cx="0" cy="0"/>
-        </a:xfrm>
-      </p:grpSpPr>
-      <p:sp>
-        <p:nvSpPr>
-          <p:cNvPr id="2" name="Title 1"/>
-          <p:cNvSpPr>
-            <a:spLocks noGrp="1"/>
-          </p:cNvSpPr>
-          <p:nvPr>
-            <p:ph type="title"/>
-          </p:nvPr>
-        </p:nvSpPr>
-        <p:spPr/>
-        <p:txBody>
-          <a:bodyPr/>
-          <a:lstStyle/>
-          <a:p>
-            <a:r>
-              <a:rPr lang="en-US" dirty="0" smtClean="0"/>
-              <a:t>Purview</a:t>
-            </a:r>
-            <a:endParaRPr lang="en-US" dirty="0"/>
-          </a:p>
-        </p:txBody>
-      </p:sp>
-      <p:sp>
-        <p:nvSpPr>
-          <p:cNvPr id="3" name="Content Placeholder 2"/>
-          <p:cNvSpPr>
-            <a:spLocks noGrp="1"/>
-          </p:cNvSpPr>
-          <p:nvPr>
-            <p:ph idx="1"/>
-          </p:nvPr>
-        </p:nvSpPr>
-        <p:spPr/>
-        <p:txBody>
-          <a:bodyPr>
-            <a:normAutofit/>
-          </a:bodyPr>
-          <a:lstStyle/>
-          <a:p>
-            <a:r>
-              <a:rPr lang="en-US" dirty="0" smtClean="0"/>
-              <a:t>Introduction</a:t>
-            </a:r>
-          </a:p>
-          <a:p>
-            <a:r>
-              <a:rPr lang="en-US" dirty="0" smtClean="0"/>
-              <a:t>Applications</a:t>
-            </a:r>
-          </a:p>
-          <a:p>
-            <a:r>
-              <a:rPr lang="en-US" dirty="0" smtClean="0"/>
-              <a:t>Motivation</a:t>
-            </a:r>
-          </a:p>
-          <a:p>
-            <a:r>
-              <a:rPr lang="en-US" dirty="0" smtClean="0"/>
-              <a:t>Broad Objective</a:t>
-            </a:r>
-          </a:p>
-          <a:p>
-            <a:r>
-              <a:rPr lang="en-US" dirty="0" smtClean="0"/>
-              <a:t>Certain Definitions</a:t>
-            </a:r>
-          </a:p>
-          <a:p>
-            <a:r>
-              <a:rPr lang="en-US" dirty="0" smtClean="0"/>
-              <a:t>Problem Statement</a:t>
-            </a:r>
-          </a:p>
-          <a:p>
-            <a:r>
-              <a:rPr lang="en-US" dirty="0" smtClean="0"/>
-              <a:t>Approach to Solve the problem</a:t>
-            </a:r>
-          </a:p>
-          <a:p>
-            <a:r>
-              <a:rPr lang="en-US" dirty="0" smtClean="0"/>
-              <a:t>Experimental Setup</a:t>
-            </a:r>
-          </a:p>
-          <a:p>
-            <a:r>
-              <a:rPr lang="en-US" dirty="0" smtClean="0"/>
-              <a:t>Results obtained</a:t>
-            </a:r>
-          </a:p>
-          <a:p>
-            <a:r>
-              <a:rPr lang="en-US" dirty="0" smtClean="0"/>
-              <a:t>Future aim</a:t>
-            </a:r>
-          </a:p>
-          <a:p>
-            <a:r>
-              <a:rPr lang="en-US" dirty="0" smtClean="0"/>
-              <a:t>References </a:t>
-            </a:r>
-            <a:endParaRPr lang="en-US" dirty="0"/>
-          </a:p>
-        </p:txBody>
-      </p:sp>
-    </p:spTree>
-    <p:extLst>
-      <p:ext uri="{BB962C8B-B14F-4D97-AF65-F5344CB8AC3E}">
-        <p14:creationId xmlns:p14="http://schemas.microsoft.com/office/powerpoint/2010/main" val="2712839627"/>
-      </p:ext>
-    </p:extLst>
-  </p:cSld>
-  <p:clrMapOvr>
-    <a:masterClrMapping/>
-  </p:clrMapOvr>
-  <p:timing>
-    <p:tnLst>
-      <p:par>
-        <p:cTn id="1" dur="indefinite" restart="never" nodeType="tmRoot"/>
-      </p:par>
-    </p:tnLst>
-  </p:timing>
-</p:sld>
-</file>
-
-<file path=ppt/slides/slide3.xml><?xml version="1.0" encoding="utf-8"?>
-<p:sld xmlns:a="http://schemas.openxmlformats.org/drawingml/2006/main" xmlns:r="http://schemas.openxmlformats.org/officeDocument/2006/relationships" xmlns:p="http://schemas.openxmlformats.org/presentationml/2006/main">
-  <p:cSld>
-    <p:spTree>
-      <p:nvGrpSpPr>
-        <p:cNvPr id="1" name=""/>
-        <p:cNvGrpSpPr/>
-        <p:nvPr/>
-      </p:nvGrpSpPr>
-      <p:grpSpPr>
-        <a:xfrm>
-          <a:off x="0" y="0"/>
-          <a:ext cx="0" cy="0"/>
-          <a:chOff x="0" y="0"/>
-          <a:chExt cx="0" cy="0"/>
-        </a:xfrm>
-      </p:grpSpPr>
-      <p:sp>
-        <p:nvSpPr>
-          <p:cNvPr id="2" name="Title 1"/>
-          <p:cNvSpPr>
-            <a:spLocks noGrp="1"/>
-          </p:cNvSpPr>
-          <p:nvPr>
-            <p:ph type="title"/>
-          </p:nvPr>
-        </p:nvSpPr>
-        <p:spPr/>
-        <p:txBody>
-          <a:bodyPr/>
-          <a:lstStyle/>
-          <a:p>
-            <a:r>
-              <a:rPr lang="en-US" dirty="0" smtClean="0"/>
-              <a:t>Introduction</a:t>
-            </a:r>
-            <a:endParaRPr lang="en-US" dirty="0"/>
-          </a:p>
-        </p:txBody>
-      </p:sp>
-      <p:sp>
-        <p:nvSpPr>
-          <p:cNvPr id="3" name="Content Placeholder 2"/>
-          <p:cNvSpPr>
-            <a:spLocks noGrp="1"/>
-          </p:cNvSpPr>
-          <p:nvPr>
-            <p:ph idx="1"/>
-          </p:nvPr>
-        </p:nvSpPr>
-        <p:spPr/>
-        <p:txBody>
-          <a:bodyPr>
-            <a:normAutofit/>
-          </a:bodyPr>
-          <a:lstStyle/>
-          <a:p>
-            <a:r>
-              <a:rPr lang="en-US" dirty="0" smtClean="0"/>
-              <a:t>What are Wireless Sensor Networks (WSN)</a:t>
-            </a:r>
-          </a:p>
-          <a:p>
-            <a:endParaRPr lang="en-US" dirty="0" smtClean="0"/>
-          </a:p>
-          <a:p>
-            <a:r>
-              <a:rPr lang="en-US" dirty="0" smtClean="0"/>
-              <a:t>Deployment options</a:t>
-            </a:r>
-          </a:p>
-          <a:p>
-            <a:endParaRPr lang="en-US" dirty="0" smtClean="0"/>
-          </a:p>
-          <a:p>
-            <a:r>
-              <a:rPr lang="en-US" dirty="0" smtClean="0"/>
-              <a:t>Applications</a:t>
-            </a:r>
-          </a:p>
-          <a:p>
-            <a:pPr lvl="1"/>
-            <a:r>
-              <a:rPr lang="en-US" dirty="0" smtClean="0"/>
-              <a:t>Agriculture</a:t>
-            </a:r>
-          </a:p>
-          <a:p>
-            <a:pPr lvl="1"/>
-            <a:r>
-              <a:rPr lang="en-US" dirty="0" smtClean="0"/>
-              <a:t>Environmental Monitoring</a:t>
-            </a:r>
-          </a:p>
-          <a:p>
-            <a:pPr lvl="1"/>
-            <a:r>
-              <a:rPr lang="en-US" dirty="0" smtClean="0"/>
-              <a:t>Military Applications</a:t>
-            </a:r>
-          </a:p>
-          <a:p>
-            <a:endParaRPr lang="en-US" dirty="0" smtClean="0"/>
-          </a:p>
-          <a:p>
-            <a:r>
-              <a:rPr lang="en-US" dirty="0" smtClean="0"/>
-              <a:t>Threat by Jammers</a:t>
-            </a:r>
-          </a:p>
-          <a:p>
-            <a:pPr lvl="1"/>
-            <a:r>
-              <a:rPr lang="en-US" dirty="0" smtClean="0"/>
-              <a:t>Attacks on the network</a:t>
-            </a:r>
-          </a:p>
-          <a:p>
-            <a:pPr lvl="1"/>
-            <a:r>
-              <a:rPr lang="en-US" dirty="0" smtClean="0"/>
-              <a:t>Attacks on the sensor</a:t>
-            </a:r>
-          </a:p>
-          <a:p>
-            <a:pPr lvl="1"/>
-            <a:endParaRPr lang="en-US" dirty="0"/>
-          </a:p>
-        </p:txBody>
-      </p:sp>
-    </p:spTree>
-    <p:extLst>
-      <p:ext uri="{BB962C8B-B14F-4D97-AF65-F5344CB8AC3E}">
-        <p14:creationId xmlns:p14="http://schemas.microsoft.com/office/powerpoint/2010/main" val="2755713596"/>
-      </p:ext>
-    </p:extLst>
-  </p:cSld>
-  <p:clrMapOvr>
-    <a:masterClrMapping/>
-  </p:clrMapOvr>
-  <p:timing>
-    <p:tnLst>
-      <p:par>
-        <p:cTn id="1" dur="indefinite" restart="never" nodeType="tmRoot"/>
-      </p:par>
-    </p:tnLst>
-  </p:timing>
-</p:sld>
-</file>
-
-<file path=ppt/slides/slide4.xml><?xml version="1.0" encoding="utf-8"?>
-<p:sld xmlns:a="http://schemas.openxmlformats.org/drawingml/2006/main" xmlns:r="http://schemas.openxmlformats.org/officeDocument/2006/relationships" xmlns:p="http://schemas.openxmlformats.org/presentationml/2006/main">
-  <p:cSld>
-    <p:spTree>
-      <p:nvGrpSpPr>
-        <p:cNvPr id="1" name=""/>
-        <p:cNvGrpSpPr/>
-        <p:nvPr/>
-      </p:nvGrpSpPr>
-      <p:grpSpPr>
-        <a:xfrm>
-          <a:off x="0" y="0"/>
-          <a:ext cx="0" cy="0"/>
-          <a:chOff x="0" y="0"/>
-          <a:chExt cx="0" cy="0"/>
-        </a:xfrm>
-      </p:grpSpPr>
-      <p:sp>
-        <p:nvSpPr>
-          <p:cNvPr id="2" name="Title 1"/>
-          <p:cNvSpPr>
-            <a:spLocks noGrp="1"/>
-          </p:cNvSpPr>
-          <p:nvPr>
-            <p:ph type="title"/>
-          </p:nvPr>
-        </p:nvSpPr>
-        <p:spPr/>
-        <p:txBody>
-          <a:bodyPr/>
-          <a:lstStyle/>
-          <a:p>
-            <a:r>
-              <a:rPr lang="en-US" dirty="0" smtClean="0"/>
-              <a:t>Coverage in WSNs</a:t>
-            </a:r>
-            <a:endParaRPr lang="en-US" dirty="0"/>
-          </a:p>
-        </p:txBody>
-      </p:sp>
-      <p:sp>
-        <p:nvSpPr>
-          <p:cNvPr id="3" name="Content Placeholder 2"/>
-          <p:cNvSpPr>
-            <a:spLocks noGrp="1"/>
-          </p:cNvSpPr>
-          <p:nvPr>
-            <p:ph idx="1"/>
-          </p:nvPr>
-        </p:nvSpPr>
-        <p:spPr/>
-        <p:txBody>
-          <a:bodyPr>
-            <a:normAutofit/>
-          </a:bodyPr>
-          <a:lstStyle/>
-          <a:p>
-            <a:r>
-              <a:rPr lang="en-US" dirty="0" smtClean="0"/>
-              <a:t>Point Coverage</a:t>
-            </a:r>
-          </a:p>
-          <a:p>
-            <a:endParaRPr lang="en-US" dirty="0" smtClean="0"/>
-          </a:p>
-          <a:p>
-            <a:r>
-              <a:rPr lang="en-US" dirty="0" smtClean="0"/>
-              <a:t>Sweep Coverage</a:t>
-            </a:r>
-          </a:p>
-          <a:p>
-            <a:endParaRPr lang="en-US" dirty="0" smtClean="0"/>
-          </a:p>
-          <a:p>
-            <a:r>
-              <a:rPr lang="en-US" dirty="0" smtClean="0"/>
-              <a:t>Path Coverage</a:t>
-            </a:r>
-          </a:p>
-          <a:p>
-            <a:endParaRPr lang="en-US" dirty="0"/>
-          </a:p>
-          <a:p>
-            <a:r>
-              <a:rPr lang="en-US" dirty="0" smtClean="0"/>
-              <a:t>Breach Coverage</a:t>
-            </a:r>
-          </a:p>
-          <a:p>
-            <a:endParaRPr lang="en-US" dirty="0" smtClean="0"/>
-          </a:p>
-          <a:p>
-            <a:r>
-              <a:rPr lang="en-US" dirty="0" smtClean="0"/>
-              <a:t>Barrier Coverage</a:t>
-            </a:r>
-          </a:p>
-          <a:p>
-            <a:endParaRPr lang="en-US" dirty="0" smtClean="0"/>
-          </a:p>
-          <a:p>
-            <a:r>
-              <a:rPr lang="en-US" dirty="0" smtClean="0"/>
-              <a:t>Area Coverage</a:t>
-            </a:r>
-          </a:p>
-          <a:p>
-            <a:endParaRPr lang="en-US" dirty="0"/>
-          </a:p>
-        </p:txBody>
-      </p:sp>
-    </p:spTree>
-    <p:extLst>
-      <p:ext uri="{BB962C8B-B14F-4D97-AF65-F5344CB8AC3E}">
-        <p14:creationId xmlns:p14="http://schemas.microsoft.com/office/powerpoint/2010/main" val="2828392605"/>
-      </p:ext>
-    </p:extLst>
-  </p:cSld>
-  <p:clrMapOvr>
-    <a:masterClrMapping/>
-  </p:clrMapOvr>
-  <p:timing>
-    <p:tnLst>
-      <p:par>
-        <p:cTn id="1" dur="indefinite" restart="never" nodeType="tmRoot"/>
-      </p:par>
-    </p:tnLst>
-  </p:timing>
-</p:sld>
-</file>
-
-<file path=ppt/slides/slide5.xml><?xml version="1.0" encoding="utf-8"?>
-<p:sld xmlns:a="http://schemas.openxmlformats.org/drawingml/2006/main" xmlns:r="http://schemas.openxmlformats.org/officeDocument/2006/relationships" xmlns:p="http://schemas.openxmlformats.org/presentationml/2006/main">
-  <p:cSld>
-    <p:spTree>
-      <p:nvGrpSpPr>
-        <p:cNvPr id="1" name=""/>
-        <p:cNvGrpSpPr/>
-        <p:nvPr/>
-      </p:nvGrpSpPr>
-      <p:grpSpPr>
-        <a:xfrm>
-          <a:off x="0" y="0"/>
-          <a:ext cx="0" cy="0"/>
-          <a:chOff x="0" y="0"/>
-          <a:chExt cx="0" cy="0"/>
-        </a:xfrm>
-      </p:grpSpPr>
-      <p:sp>
-        <p:nvSpPr>
-          <p:cNvPr id="2" name="Title 1"/>
-          <p:cNvSpPr>
-            <a:spLocks noGrp="1"/>
-          </p:cNvSpPr>
-          <p:nvPr>
-            <p:ph type="title"/>
-          </p:nvPr>
-        </p:nvSpPr>
-        <p:spPr/>
-        <p:txBody>
-          <a:bodyPr/>
-          <a:lstStyle/>
-          <a:p>
-            <a:r>
-              <a:rPr lang="en-US" dirty="0" smtClean="0"/>
-              <a:t>Motivation</a:t>
-            </a:r>
-            <a:endParaRPr lang="en-US" dirty="0"/>
-          </a:p>
-        </p:txBody>
-      </p:sp>
-      <p:sp>
-        <p:nvSpPr>
-          <p:cNvPr id="3" name="Content Placeholder 2"/>
-          <p:cNvSpPr>
-            <a:spLocks noGrp="1"/>
-          </p:cNvSpPr>
-          <p:nvPr>
-            <p:ph idx="1"/>
-          </p:nvPr>
-        </p:nvSpPr>
-        <p:spPr/>
-        <p:txBody>
-          <a:bodyPr>
-            <a:normAutofit fontScale="85000" lnSpcReduction="20000"/>
-          </a:bodyPr>
-          <a:lstStyle/>
-          <a:p>
-            <a:r>
-              <a:rPr lang="en-US" dirty="0" smtClean="0"/>
-              <a:t>Reconnaissance &amp; Surveillance </a:t>
-            </a:r>
-          </a:p>
-          <a:p>
-            <a:endParaRPr lang="en-US" dirty="0" smtClean="0"/>
-          </a:p>
-          <a:p>
-            <a:r>
-              <a:rPr lang="en-US" dirty="0" smtClean="0"/>
-              <a:t>Long border with enemy</a:t>
-            </a:r>
-          </a:p>
-          <a:p>
-            <a:pPr lvl="1"/>
-            <a:r>
-              <a:rPr lang="en-US" dirty="0" smtClean="0"/>
-              <a:t>Large patches inhospitable</a:t>
-            </a:r>
-          </a:p>
-          <a:p>
-            <a:pPr lvl="1"/>
-            <a:r>
-              <a:rPr lang="en-US" dirty="0" smtClean="0"/>
-              <a:t>Can’t cover every inch of land manually</a:t>
-            </a:r>
-          </a:p>
-          <a:p>
-            <a:endParaRPr lang="en-US" dirty="0" smtClean="0"/>
-          </a:p>
-          <a:p>
-            <a:r>
-              <a:rPr lang="en-US" dirty="0" smtClean="0"/>
-              <a:t>Increase in cross-border activity</a:t>
-            </a:r>
-          </a:p>
-          <a:p>
-            <a:endParaRPr lang="en-US" dirty="0" smtClean="0"/>
-          </a:p>
-          <a:p>
-            <a:r>
-              <a:rPr lang="en-US" dirty="0" smtClean="0"/>
-              <a:t>Easier to transport troops to affected areas than placing them there ab-initio </a:t>
-            </a:r>
-          </a:p>
-          <a:p>
-            <a:endParaRPr lang="en-US" dirty="0" smtClean="0"/>
-          </a:p>
-          <a:p>
-            <a:r>
-              <a:rPr lang="en-US" dirty="0" smtClean="0"/>
-              <a:t>Enemy </a:t>
-            </a:r>
-            <a:r>
-              <a:rPr lang="en-US" dirty="0"/>
-              <a:t>will interfere with our WSN</a:t>
-            </a:r>
-          </a:p>
-          <a:p>
-            <a:pPr lvl="1"/>
-            <a:r>
-              <a:rPr lang="en-US" dirty="0"/>
-              <a:t>Jam the network</a:t>
-            </a:r>
-          </a:p>
-          <a:p>
-            <a:pPr lvl="1"/>
-            <a:r>
-              <a:rPr lang="en-US" dirty="0"/>
-              <a:t>Jam the sensor</a:t>
-            </a:r>
-          </a:p>
-          <a:p>
-            <a:pPr lvl="1"/>
-            <a:r>
-              <a:rPr lang="en-US" dirty="0"/>
-              <a:t>Inject false information</a:t>
-            </a:r>
-          </a:p>
-          <a:p>
-            <a:pPr lvl="1"/>
-            <a:r>
-              <a:rPr lang="en-US" dirty="0"/>
-              <a:t>Deceive the sensor</a:t>
-            </a:r>
-          </a:p>
-          <a:p>
-            <a:endParaRPr lang="en-US" dirty="0"/>
-          </a:p>
-        </p:txBody>
-      </p:sp>
-    </p:spTree>
-    <p:extLst>
-      <p:ext uri="{BB962C8B-B14F-4D97-AF65-F5344CB8AC3E}">
-        <p14:creationId xmlns:p14="http://schemas.microsoft.com/office/powerpoint/2010/main" val="508889087"/>
-      </p:ext>
-    </p:extLst>
-  </p:cSld>
-  <p:clrMapOvr>
-    <a:masterClrMapping/>
-  </p:clrMapOvr>
-  <p:timing>
-    <p:tnLst>
-      <p:par>
-        <p:cTn id="1" dur="indefinite" restart="never" nodeType="tmRoot"/>
-      </p:par>
-    </p:tnLst>
-  </p:timing>
-</p:sld>
-</file>
-
-<file path=ppt/slides/slide6.xml><?xml version="1.0" encoding="utf-8"?>
-<p:sld xmlns:a="http://schemas.openxmlformats.org/drawingml/2006/main" xmlns:r="http://schemas.openxmlformats.org/officeDocument/2006/relationships" xmlns:p="http://schemas.openxmlformats.org/presentationml/2006/main">
-  <p:cSld>
-    <p:spTree>
-      <p:nvGrpSpPr>
-        <p:cNvPr id="1" name=""/>
-        <p:cNvGrpSpPr/>
-        <p:nvPr/>
-      </p:nvGrpSpPr>
-      <p:grpSpPr>
-        <a:xfrm>
-          <a:off x="0" y="0"/>
-          <a:ext cx="0" cy="0"/>
-          <a:chOff x="0" y="0"/>
-          <a:chExt cx="0" cy="0"/>
-        </a:xfrm>
-      </p:grpSpPr>
-      <p:sp>
-        <p:nvSpPr>
-          <p:cNvPr id="2" name="Title 1"/>
-          <p:cNvSpPr>
-            <a:spLocks noGrp="1"/>
-          </p:cNvSpPr>
-          <p:nvPr>
-            <p:ph type="title"/>
-          </p:nvPr>
-        </p:nvSpPr>
-        <p:spPr/>
-        <p:txBody>
-          <a:bodyPr/>
-          <a:lstStyle/>
-          <a:p>
-            <a:r>
-              <a:rPr lang="en-US" dirty="0" smtClean="0"/>
-              <a:t>Broad Objective</a:t>
-            </a:r>
-            <a:endParaRPr lang="en-US" dirty="0"/>
-          </a:p>
-        </p:txBody>
-      </p:sp>
-      <p:sp>
-        <p:nvSpPr>
-          <p:cNvPr id="3" name="Content Placeholder 2"/>
-          <p:cNvSpPr>
-            <a:spLocks noGrp="1"/>
-          </p:cNvSpPr>
-          <p:nvPr>
-            <p:ph idx="1"/>
-          </p:nvPr>
-        </p:nvSpPr>
-        <p:spPr/>
-        <p:txBody>
-          <a:bodyPr/>
-          <a:lstStyle/>
-          <a:p>
-            <a:endParaRPr lang="en-US" dirty="0"/>
-          </a:p>
-          <a:p>
-            <a:r>
-              <a:rPr lang="en-US" dirty="0" smtClean="0"/>
-              <a:t>Create a Surveillance Grid using WSN</a:t>
-            </a:r>
-          </a:p>
-          <a:p>
-            <a:pPr lvl="1"/>
-            <a:r>
-              <a:rPr lang="en-US" dirty="0" smtClean="0"/>
-              <a:t>Use of heterogeneous sensors like Radar, Camera, Audio sensors, etc.</a:t>
-            </a:r>
-          </a:p>
-          <a:p>
-            <a:pPr lvl="1"/>
-            <a:r>
-              <a:rPr lang="en-US" dirty="0" smtClean="0"/>
-              <a:t>All sensors types might have different ranges</a:t>
-            </a:r>
-          </a:p>
-          <a:p>
-            <a:pPr lvl="1"/>
-            <a:r>
-              <a:rPr lang="en-US" dirty="0" smtClean="0"/>
-              <a:t>Obviate the effect of enemy jammers</a:t>
-            </a:r>
-          </a:p>
-          <a:p>
-            <a:pPr lvl="1"/>
-            <a:r>
-              <a:rPr lang="en-US" dirty="0" smtClean="0"/>
-              <a:t>Minimize the number of sensors used</a:t>
-            </a:r>
-          </a:p>
-          <a:p>
-            <a:pPr lvl="1"/>
-            <a:endParaRPr lang="en-US"/>
-          </a:p>
-          <a:p>
-            <a:pPr lvl="1"/>
-            <a:endParaRPr lang="en-US" dirty="0" smtClean="0"/>
-          </a:p>
-          <a:p>
-            <a:pPr lvl="1"/>
-            <a:endParaRPr lang="en-US" dirty="0"/>
-          </a:p>
-          <a:p>
-            <a:endParaRPr lang="en-US" dirty="0"/>
-          </a:p>
-        </p:txBody>
-      </p:sp>
-    </p:spTree>
-    <p:extLst>
-      <p:ext uri="{BB962C8B-B14F-4D97-AF65-F5344CB8AC3E}">
-        <p14:creationId xmlns:p14="http://schemas.microsoft.com/office/powerpoint/2010/main" val="4217241501"/>
-      </p:ext>
-    </p:extLst>
-  </p:cSld>
-  <p:clrMapOvr>
-    <a:masterClrMapping/>
-  </p:clrMapOvr>
-  <p:timing>
-    <p:tnLst>
-      <p:par>
-        <p:cTn id="1" dur="indefinite" restart="never" nodeType="tmRoot"/>
-      </p:par>
-    </p:tnLst>
-  </p:timing>
-</p:sld>
-</file>
-
-<file path=ppt/slides/slide7.xml><?xml version="1.0" encoding="utf-8"?>
-<p:sld xmlns:a="http://schemas.openxmlformats.org/drawingml/2006/main" xmlns:r="http://schemas.openxmlformats.org/officeDocument/2006/relationships" xmlns:p="http://schemas.openxmlformats.org/presentationml/2006/main">
-  <p:cSld>
-    <p:spTree>
-      <p:nvGrpSpPr>
-        <p:cNvPr id="1" name=""/>
-        <p:cNvGrpSpPr/>
-        <p:nvPr/>
-      </p:nvGrpSpPr>
-      <p:grpSpPr>
-        <a:xfrm>
-          <a:off x="0" y="0"/>
-          <a:ext cx="0" cy="0"/>
-          <a:chOff x="0" y="0"/>
-          <a:chExt cx="0" cy="0"/>
-        </a:xfrm>
-      </p:grpSpPr>
-      <p:sp>
-        <p:nvSpPr>
-          <p:cNvPr id="2" name="Title 1"/>
-          <p:cNvSpPr>
-            <a:spLocks noGrp="1"/>
-          </p:cNvSpPr>
-          <p:nvPr>
-            <p:ph type="title"/>
-          </p:nvPr>
-        </p:nvSpPr>
-        <p:spPr/>
-        <p:txBody>
-          <a:bodyPr/>
-          <a:lstStyle/>
-          <a:p>
-            <a:r>
-              <a:rPr lang="en-US" dirty="0" smtClean="0"/>
-              <a:t>Definitions</a:t>
-            </a:r>
-            <a:endParaRPr lang="en-US" dirty="0"/>
-          </a:p>
-        </p:txBody>
-      </p:sp>
-      <mc:AlternateContent xmlns:mc="http://schemas.openxmlformats.org/markup-compatibility/2006">
-        <mc:Choice xmlns:a14="http://schemas.microsoft.com/office/drawing/2010/main" Requires="a14">
           <p:sp>
             <p:nvSpPr>
               <p:cNvPr id="3" name="Content Placeholder 2"/>
@@ -8732,7 +5566,7 @@
             </p:txBody>
           </p:sp>
         </mc:Choice>
-        <mc:Fallback>
+        <mc:Fallback xmlns="">
           <p:sp>
             <p:nvSpPr>
               <p:cNvPr id="3" name="Content Placeholder 2"/>
@@ -8790,7 +5624,7 @@
 </p:sld>
 </file>
 
-<file path=ppt/slides/slide8.xml><?xml version="1.0" encoding="utf-8"?>
+<file path=ppt/slides/slide12.xml><?xml version="1.0" encoding="utf-8"?>
 <p:sld xmlns:a="http://schemas.openxmlformats.org/drawingml/2006/main" xmlns:r="http://schemas.openxmlformats.org/officeDocument/2006/relationships" xmlns:p="http://schemas.openxmlformats.org/presentationml/2006/main">
   <p:cSld>
     <p:spTree>
@@ -8822,12 +5656,24 @@
           <a:bodyPr/>
           <a:lstStyle/>
           <a:p>
-            <a:endParaRPr lang="en-US"/>
+            <a:r>
+              <a:rPr lang="en-US" dirty="0" smtClean="0"/>
+              <a:t>Notations (</a:t>
+            </a:r>
+            <a:r>
+              <a:rPr lang="en-US" dirty="0" err="1" smtClean="0"/>
+              <a:t>contd</a:t>
+            </a:r>
+            <a:r>
+              <a:rPr lang="en-US" dirty="0" smtClean="0"/>
+              <a:t>…)</a:t>
+            </a:r>
+            <a:endParaRPr lang="en-US" dirty="0"/>
           </a:p>
         </p:txBody>
       </p:sp>
-      <mc:AlternateContent xmlns:mc="http://schemas.openxmlformats.org/markup-compatibility/2006">
-        <mc:Choice xmlns:a14="http://schemas.microsoft.com/office/drawing/2010/main" Requires="a14">
+      <mc:AlternateContent xmlns:mc="http://schemas.openxmlformats.org/markup-compatibility/2006" xmlns:a14="http://schemas.microsoft.com/office/drawing/2010/main">
+        <mc:Choice Requires="a14">
           <p:sp>
             <p:nvSpPr>
               <p:cNvPr id="3" name="Content Placeholder 2"/>
@@ -9805,7 +6651,7 @@
             </p:txBody>
           </p:sp>
         </mc:Choice>
-        <mc:Fallback>
+        <mc:Fallback xmlns="">
           <p:sp>
             <p:nvSpPr>
               <p:cNvPr id="3" name="Content Placeholder 2"/>
@@ -9859,7 +6705,7 @@
 </p:sld>
 </file>
 
-<file path=ppt/slides/slide9.xml><?xml version="1.0" encoding="utf-8"?>
+<file path=ppt/slides/slide13.xml><?xml version="1.0" encoding="utf-8"?>
 <p:sld xmlns:a="http://schemas.openxmlformats.org/drawingml/2006/main" xmlns:r="http://schemas.openxmlformats.org/officeDocument/2006/relationships" xmlns:p="http://schemas.openxmlformats.org/presentationml/2006/main">
   <p:cSld>
     <p:spTree>
@@ -9891,7 +6737,18 @@
           <a:bodyPr/>
           <a:lstStyle/>
           <a:p>
-            <a:endParaRPr lang="en-US"/>
+            <a:r>
+              <a:rPr lang="en-US" dirty="0"/>
+              <a:t>Notations (</a:t>
+            </a:r>
+            <a:r>
+              <a:rPr lang="en-US" dirty="0" err="1"/>
+              <a:t>contd</a:t>
+            </a:r>
+            <a:r>
+              <a:rPr lang="en-US" dirty="0"/>
+              <a:t>…)</a:t>
+            </a:r>
           </a:p>
         </p:txBody>
       </p:sp>
@@ -10459,6 +7316,4776 @@
     <p:extLst>
       <p:ext uri="{BB962C8B-B14F-4D97-AF65-F5344CB8AC3E}">
         <p14:creationId xmlns:p14="http://schemas.microsoft.com/office/powerpoint/2010/main" val="627514534"/>
+      </p:ext>
+    </p:extLst>
+  </p:cSld>
+  <p:clrMapOvr>
+    <a:masterClrMapping/>
+  </p:clrMapOvr>
+  <p:timing>
+    <p:tnLst>
+      <p:par>
+        <p:cTn id="1" dur="indefinite" restart="never" nodeType="tmRoot"/>
+      </p:par>
+    </p:tnLst>
+  </p:timing>
+</p:sld>
+</file>
+
+<file path=ppt/slides/slide14.xml><?xml version="1.0" encoding="utf-8"?>
+<p:sld xmlns:a="http://schemas.openxmlformats.org/drawingml/2006/main" xmlns:r="http://schemas.openxmlformats.org/officeDocument/2006/relationships" xmlns:p="http://schemas.openxmlformats.org/presentationml/2006/main">
+  <p:cSld>
+    <p:spTree>
+      <p:nvGrpSpPr>
+        <p:cNvPr id="1" name=""/>
+        <p:cNvGrpSpPr/>
+        <p:nvPr/>
+      </p:nvGrpSpPr>
+      <p:grpSpPr>
+        <a:xfrm>
+          <a:off x="0" y="0"/>
+          <a:ext cx="0" cy="0"/>
+          <a:chOff x="0" y="0"/>
+          <a:chExt cx="0" cy="0"/>
+        </a:xfrm>
+      </p:grpSpPr>
+      <p:sp>
+        <p:nvSpPr>
+          <p:cNvPr id="2" name="Title 1"/>
+          <p:cNvSpPr>
+            <a:spLocks noGrp="1"/>
+          </p:cNvSpPr>
+          <p:nvPr>
+            <p:ph type="title"/>
+          </p:nvPr>
+        </p:nvSpPr>
+        <p:spPr/>
+        <p:txBody>
+          <a:bodyPr/>
+          <a:lstStyle/>
+          <a:p>
+            <a:r>
+              <a:rPr lang="en-US" dirty="0" smtClean="0"/>
+              <a:t>Goal</a:t>
+            </a:r>
+            <a:endParaRPr lang="en-US" dirty="0"/>
+          </a:p>
+        </p:txBody>
+      </p:sp>
+      <mc:AlternateContent xmlns:mc="http://schemas.openxmlformats.org/markup-compatibility/2006" xmlns:a14="http://schemas.microsoft.com/office/drawing/2010/main">
+        <mc:Choice Requires="a14">
+          <p:sp>
+            <p:nvSpPr>
+              <p:cNvPr id="3" name="Content Placeholder 2"/>
+              <p:cNvSpPr>
+                <a:spLocks noGrp="1"/>
+              </p:cNvSpPr>
+              <p:nvPr>
+                <p:ph idx="1"/>
+              </p:nvPr>
+            </p:nvSpPr>
+            <p:spPr>
+              <a:xfrm>
+                <a:off x="599555" y="1420009"/>
+                <a:ext cx="7886700" cy="4760129"/>
+              </a:xfrm>
+            </p:spPr>
+            <p:txBody>
+              <a:bodyPr>
+                <a:normAutofit/>
+              </a:bodyPr>
+              <a:lstStyle/>
+              <a:p>
+                <a:endParaRPr lang="en-GB" sz="2400" dirty="0" smtClean="0"/>
+              </a:p>
+              <a:p>
+                <a:r>
+                  <a:rPr lang="en-GB" sz="2400" dirty="0" smtClean="0"/>
+                  <a:t>Find </a:t>
+                </a:r>
+                <a:r>
+                  <a:rPr lang="en-GB" sz="2400" dirty="0"/>
+                  <a:t>a minimum cardinality set </a:t>
+                </a:r>
+                <a14:m>
+                  <m:oMath xmlns:m="http://schemas.openxmlformats.org/officeDocument/2006/math">
+                    <m:r>
+                      <a:rPr lang="en-GB" sz="2400" i="1">
+                        <a:latin typeface="Cambria Math" panose="02040503050406030204" pitchFamily="18" charset="0"/>
+                      </a:rPr>
+                      <m:t>𝑅</m:t>
+                    </m:r>
+                    <m:r>
+                      <a:rPr lang="en-GB" sz="2400">
+                        <a:latin typeface="Cambria Math" panose="02040503050406030204" pitchFamily="18" charset="0"/>
+                      </a:rPr>
+                      <m:t>=</m:t>
+                    </m:r>
+                    <m:d>
+                      <m:dPr>
+                        <m:begChr m:val="{"/>
+                        <m:endChr m:val="}"/>
+                        <m:ctrlPr>
+                          <a:rPr lang="en-US" sz="2400" i="1">
+                            <a:latin typeface="Cambria Math" panose="02040503050406030204" pitchFamily="18" charset="0"/>
+                          </a:rPr>
+                        </m:ctrlPr>
+                      </m:dPr>
+                      <m:e>
+                        <m:sSub>
+                          <m:sSubPr>
+                            <m:ctrlPr>
+                              <a:rPr lang="en-US" sz="2400" i="1">
+                                <a:latin typeface="Cambria Math" panose="02040503050406030204" pitchFamily="18" charset="0"/>
+                              </a:rPr>
+                            </m:ctrlPr>
+                          </m:sSubPr>
+                          <m:e>
+                            <m:r>
+                              <a:rPr lang="en-GB" sz="2400" i="1">
+                                <a:latin typeface="Cambria Math" panose="02040503050406030204" pitchFamily="18" charset="0"/>
+                              </a:rPr>
+                              <m:t>𝑟</m:t>
+                            </m:r>
+                          </m:e>
+                          <m:sub>
+                            <m:r>
+                              <a:rPr lang="en-GB" sz="2400" i="1">
+                                <a:latin typeface="Cambria Math" panose="02040503050406030204" pitchFamily="18" charset="0"/>
+                              </a:rPr>
+                              <m:t>𝑖</m:t>
+                            </m:r>
+                          </m:sub>
+                        </m:sSub>
+                      </m:e>
+                    </m:d>
+                    <m:r>
+                      <a:rPr lang="en-GB" sz="2400">
+                        <a:latin typeface="Cambria Math" panose="02040503050406030204" pitchFamily="18" charset="0"/>
+                      </a:rPr>
+                      <m:t>  1≤</m:t>
+                    </m:r>
+                    <m:r>
+                      <a:rPr lang="en-GB" sz="2400" i="1">
+                        <a:latin typeface="Cambria Math" panose="02040503050406030204" pitchFamily="18" charset="0"/>
+                      </a:rPr>
+                      <m:t>𝑖</m:t>
+                    </m:r>
+                    <m:r>
+                      <a:rPr lang="en-GB" sz="2400">
+                        <a:latin typeface="Cambria Math" panose="02040503050406030204" pitchFamily="18" charset="0"/>
+                      </a:rPr>
+                      <m:t>≤</m:t>
+                    </m:r>
+                    <m:r>
+                      <a:rPr lang="en-GB" sz="2400" i="1">
+                        <a:latin typeface="Cambria Math" panose="02040503050406030204" pitchFamily="18" charset="0"/>
+                      </a:rPr>
+                      <m:t>𝑞</m:t>
+                    </m:r>
+                  </m:oMath>
+                </a14:m>
+                <a:r>
+                  <a:rPr lang="en-GB" sz="2400" dirty="0"/>
+                  <a:t> </a:t>
+                </a:r>
+                <a:r>
+                  <a:rPr lang="en-GB" sz="2400" dirty="0" smtClean="0"/>
+                  <a:t> where,</a:t>
+                </a:r>
+              </a:p>
+              <a:p>
+                <a:pPr lvl="1"/>
+                <a14:m>
+                  <m:oMath xmlns:m="http://schemas.openxmlformats.org/officeDocument/2006/math">
+                    <m:sSub>
+                      <m:sSubPr>
+                        <m:ctrlPr>
+                          <a:rPr lang="en-US" sz="2000" i="1">
+                            <a:latin typeface="Cambria Math" panose="02040503050406030204" pitchFamily="18" charset="0"/>
+                          </a:rPr>
+                        </m:ctrlPr>
+                      </m:sSubPr>
+                      <m:e>
+                        <m:r>
+                          <a:rPr lang="en-GB" sz="2000" i="1">
+                            <a:latin typeface="Cambria Math" panose="02040503050406030204" pitchFamily="18" charset="0"/>
+                          </a:rPr>
+                          <m:t>𝑟</m:t>
+                        </m:r>
+                      </m:e>
+                      <m:sub>
+                        <m:r>
+                          <a:rPr lang="en-GB" sz="2000" i="1">
+                            <a:latin typeface="Cambria Math" panose="02040503050406030204" pitchFamily="18" charset="0"/>
+                          </a:rPr>
+                          <m:t>𝑖</m:t>
+                        </m:r>
+                      </m:sub>
+                    </m:sSub>
+                    <m:r>
+                      <a:rPr lang="en-GB" sz="2000">
+                        <a:latin typeface="Cambria Math" panose="02040503050406030204" pitchFamily="18" charset="0"/>
+                      </a:rPr>
+                      <m:t> </m:t>
+                    </m:r>
+                  </m:oMath>
+                </a14:m>
+                <a:r>
+                  <a:rPr lang="en-GB" sz="2000" dirty="0"/>
+                  <a:t>is a sensor such that </a:t>
+                </a:r>
+                <a14:m>
+                  <m:oMath xmlns:m="http://schemas.openxmlformats.org/officeDocument/2006/math">
+                    <m:sSub>
+                      <m:sSubPr>
+                        <m:ctrlPr>
+                          <a:rPr lang="en-US" sz="2000" i="1">
+                            <a:latin typeface="Cambria Math" panose="02040503050406030204" pitchFamily="18" charset="0"/>
+                          </a:rPr>
+                        </m:ctrlPr>
+                      </m:sSubPr>
+                      <m:e>
+                        <m:r>
+                          <a:rPr lang="en-GB" sz="2000" i="1">
+                            <a:latin typeface="Cambria Math" panose="02040503050406030204" pitchFamily="18" charset="0"/>
+                          </a:rPr>
+                          <m:t>𝑟</m:t>
+                        </m:r>
+                      </m:e>
+                      <m:sub>
+                        <m:r>
+                          <a:rPr lang="en-GB" sz="2000" i="1">
+                            <a:latin typeface="Cambria Math" panose="02040503050406030204" pitchFamily="18" charset="0"/>
+                          </a:rPr>
+                          <m:t>𝑖</m:t>
+                        </m:r>
+                      </m:sub>
+                    </m:sSub>
+                    <m:r>
+                      <a:rPr lang="en-GB" sz="2000">
+                        <a:latin typeface="Cambria Math" panose="02040503050406030204" pitchFamily="18" charset="0"/>
+                      </a:rPr>
+                      <m:t>.</m:t>
+                    </m:r>
+                    <m:r>
+                      <a:rPr lang="en-GB" sz="2000" i="1">
+                        <a:latin typeface="Cambria Math" panose="02040503050406030204" pitchFamily="18" charset="0"/>
+                      </a:rPr>
+                      <m:t>𝑡𝑦𝑝𝑒</m:t>
+                    </m:r>
+                    <m:r>
+                      <a:rPr lang="en-GB" sz="2000">
+                        <a:latin typeface="Cambria Math" panose="02040503050406030204" pitchFamily="18" charset="0"/>
+                      </a:rPr>
+                      <m:t>∈</m:t>
+                    </m:r>
+                    <m:r>
+                      <a:rPr lang="en-GB" sz="2000" i="1">
+                        <a:latin typeface="Cambria Math" panose="02040503050406030204" pitchFamily="18" charset="0"/>
+                      </a:rPr>
+                      <m:t>𝑆</m:t>
+                    </m:r>
+                    <m:r>
+                      <a:rPr lang="en-GB" sz="2000">
+                        <a:latin typeface="Cambria Math" panose="02040503050406030204" pitchFamily="18" charset="0"/>
+                      </a:rPr>
+                      <m:t> </m:t>
+                    </m:r>
+                  </m:oMath>
+                </a14:m>
+                <a:endParaRPr lang="en-US" sz="2000" dirty="0" smtClean="0"/>
+              </a:p>
+              <a:p>
+                <a:pPr lvl="1"/>
+                <a14:m>
+                  <m:oMath xmlns:m="http://schemas.openxmlformats.org/officeDocument/2006/math">
+                    <m:sSub>
+                      <m:sSubPr>
+                        <m:ctrlPr>
+                          <a:rPr lang="en-US" sz="2000" i="1">
+                            <a:latin typeface="Cambria Math" panose="02040503050406030204" pitchFamily="18" charset="0"/>
+                          </a:rPr>
+                        </m:ctrlPr>
+                      </m:sSubPr>
+                      <m:e>
+                        <m:r>
+                          <a:rPr lang="en-GB" sz="2000" i="1">
+                            <a:latin typeface="Cambria Math" panose="02040503050406030204" pitchFamily="18" charset="0"/>
+                          </a:rPr>
+                          <m:t>𝑟</m:t>
+                        </m:r>
+                      </m:e>
+                      <m:sub>
+                        <m:r>
+                          <a:rPr lang="en-GB" sz="2000" i="1">
+                            <a:latin typeface="Cambria Math" panose="02040503050406030204" pitchFamily="18" charset="0"/>
+                          </a:rPr>
+                          <m:t>𝑖</m:t>
+                        </m:r>
+                      </m:sub>
+                    </m:sSub>
+                    <m:r>
+                      <a:rPr lang="en-GB" sz="2000" i="1">
+                        <a:latin typeface="Cambria Math" panose="02040503050406030204" pitchFamily="18" charset="0"/>
+                      </a:rPr>
+                      <m:t>.</m:t>
+                    </m:r>
+                    <m:r>
+                      <a:rPr lang="en-GB" sz="2000" i="1">
+                        <a:latin typeface="Cambria Math" panose="02040503050406030204" pitchFamily="18" charset="0"/>
+                      </a:rPr>
+                      <m:t>𝑙𝑜𝑐𝑎𝑡𝑖𝑜𝑛</m:t>
+                    </m:r>
+                    <m:r>
+                      <a:rPr lang="en-GB" sz="2000" i="1">
+                        <a:latin typeface="Cambria Math" panose="02040503050406030204" pitchFamily="18" charset="0"/>
+                      </a:rPr>
+                      <m:t>∈</m:t>
+                    </m:r>
+                    <m:sSubSup>
+                      <m:sSubSupPr>
+                        <m:ctrlPr>
+                          <a:rPr lang="en-US" sz="2000" i="1">
+                            <a:latin typeface="Cambria Math" panose="02040503050406030204" pitchFamily="18" charset="0"/>
+                          </a:rPr>
+                        </m:ctrlPr>
+                      </m:sSubSupPr>
+                      <m:e>
+                        <m:r>
+                          <a:rPr lang="en-GB" sz="2000" i="1">
+                            <a:latin typeface="Cambria Math" panose="02040503050406030204" pitchFamily="18" charset="0"/>
+                          </a:rPr>
+                          <m:t>𝐿</m:t>
+                        </m:r>
+                      </m:e>
+                      <m:sub>
+                        <m:sSub>
+                          <m:sSubPr>
+                            <m:ctrlPr>
+                              <a:rPr lang="en-US" sz="2000" i="1">
+                                <a:latin typeface="Cambria Math" panose="02040503050406030204" pitchFamily="18" charset="0"/>
+                              </a:rPr>
+                            </m:ctrlPr>
+                          </m:sSubPr>
+                          <m:e>
+                            <m:r>
+                              <a:rPr lang="en-GB" sz="2000" i="1">
+                                <a:latin typeface="Cambria Math" panose="02040503050406030204" pitchFamily="18" charset="0"/>
+                              </a:rPr>
+                              <m:t>𝑟</m:t>
+                            </m:r>
+                          </m:e>
+                          <m:sub>
+                            <m:r>
+                              <a:rPr lang="en-GB" sz="2000" i="1">
+                                <a:latin typeface="Cambria Math" panose="02040503050406030204" pitchFamily="18" charset="0"/>
+                              </a:rPr>
+                              <m:t>𝑖</m:t>
+                            </m:r>
+                          </m:sub>
+                        </m:sSub>
+                        <m:r>
+                          <a:rPr lang="en-GB" sz="2000" i="1">
+                            <a:latin typeface="Cambria Math" panose="02040503050406030204" pitchFamily="18" charset="0"/>
+                          </a:rPr>
+                          <m:t>.</m:t>
+                        </m:r>
+                        <m:r>
+                          <a:rPr lang="en-GB" sz="2000" i="1">
+                            <a:latin typeface="Cambria Math" panose="02040503050406030204" pitchFamily="18" charset="0"/>
+                          </a:rPr>
+                          <m:t>𝑡𝑦𝑝𝑒</m:t>
+                        </m:r>
+                      </m:sub>
+                      <m:sup>
+                        <m:r>
+                          <a:rPr lang="en-GB" sz="2000" i="1">
+                            <a:latin typeface="Cambria Math" panose="02040503050406030204" pitchFamily="18" charset="0"/>
+                          </a:rPr>
+                          <m:t>𝑆</m:t>
+                        </m:r>
+                      </m:sup>
+                    </m:sSubSup>
+                  </m:oMath>
+                </a14:m>
+                <a:r>
+                  <a:rPr lang="en-GB" sz="2000" dirty="0"/>
+                  <a:t> is the location of the sensor fixed by the algorithm. </a:t>
+                </a:r>
+                <a:endParaRPr lang="en-GB" sz="2000" dirty="0" smtClean="0"/>
+              </a:p>
+              <a:p>
+                <a:pPr lvl="1"/>
+                <a:r>
+                  <a:rPr lang="en-GB" sz="2000" dirty="0" smtClean="0"/>
+                  <a:t>For </a:t>
+                </a:r>
+                <a:r>
+                  <a:rPr lang="en-GB" sz="2000" dirty="0"/>
+                  <a:t>every point </a:t>
+                </a:r>
+                <a14:m>
+                  <m:oMath xmlns:m="http://schemas.openxmlformats.org/officeDocument/2006/math">
+                    <m:r>
+                      <a:rPr lang="en-GB" sz="2000" i="1">
+                        <a:latin typeface="Cambria Math" panose="02040503050406030204" pitchFamily="18" charset="0"/>
+                      </a:rPr>
+                      <m:t>𝑝</m:t>
+                    </m:r>
+                    <m:r>
+                      <a:rPr lang="en-GB" sz="2000" i="1">
+                        <a:latin typeface="Cambria Math" panose="02040503050406030204" pitchFamily="18" charset="0"/>
+                      </a:rPr>
+                      <m:t>∈</m:t>
+                    </m:r>
+                    <m:r>
+                      <a:rPr lang="en-GB" sz="2000" i="1">
+                        <a:latin typeface="Cambria Math" panose="02040503050406030204" pitchFamily="18" charset="0"/>
+                      </a:rPr>
+                      <m:t>𝐴</m:t>
+                    </m:r>
+                  </m:oMath>
+                </a14:m>
+                <a:r>
+                  <a:rPr lang="en-GB" sz="2000" dirty="0"/>
+                  <a:t> following should </a:t>
+                </a:r>
+                <a:r>
+                  <a:rPr lang="en-GB" sz="2000" dirty="0" smtClean="0"/>
+                  <a:t>hold</a:t>
+                </a:r>
+                <a:r>
+                  <a:rPr lang="en-GB" sz="2000" dirty="0"/>
+                  <a:t>:</a:t>
+                </a:r>
+                <a:endParaRPr lang="en-US" sz="2000" dirty="0"/>
+              </a:p>
+              <a:p>
+                <a:pPr lvl="2"/>
+                <a:r>
+                  <a:rPr lang="en-GB" sz="1600" dirty="0"/>
+                  <a:t>If </a:t>
+                </a:r>
+                <a14:m>
+                  <m:oMath xmlns:m="http://schemas.openxmlformats.org/officeDocument/2006/math">
+                    <m:r>
+                      <a:rPr lang="en-GB" sz="1600" i="1">
+                        <a:latin typeface="Cambria Math" panose="02040503050406030204" pitchFamily="18" charset="0"/>
+                      </a:rPr>
+                      <m:t>𝑝</m:t>
+                    </m:r>
+                  </m:oMath>
+                </a14:m>
+                <a:r>
+                  <a:rPr lang="en-GB" sz="1600" dirty="0"/>
+                  <a:t> is in the Area of Influence of a jammer </a:t>
+                </a:r>
+                <a14:m>
+                  <m:oMath xmlns:m="http://schemas.openxmlformats.org/officeDocument/2006/math">
+                    <m:sSub>
+                      <m:sSubPr>
+                        <m:ctrlPr>
+                          <a:rPr lang="en-US" sz="1600" i="1">
+                            <a:latin typeface="Cambria Math" panose="02040503050406030204" pitchFamily="18" charset="0"/>
+                          </a:rPr>
+                        </m:ctrlPr>
+                      </m:sSubPr>
+                      <m:e>
+                        <m:r>
+                          <a:rPr lang="en-GB" sz="1600" i="1">
+                            <a:latin typeface="Cambria Math" panose="02040503050406030204" pitchFamily="18" charset="0"/>
+                          </a:rPr>
+                          <m:t>𝐽</m:t>
+                        </m:r>
+                      </m:e>
+                      <m:sub>
+                        <m:r>
+                          <a:rPr lang="en-GB" sz="1600" i="1">
+                            <a:latin typeface="Cambria Math" panose="02040503050406030204" pitchFamily="18" charset="0"/>
+                          </a:rPr>
+                          <m:t>𝑘</m:t>
+                        </m:r>
+                      </m:sub>
+                    </m:sSub>
+                    <m:r>
+                      <a:rPr lang="en-GB" sz="1600" i="1">
+                        <a:latin typeface="Cambria Math" panose="02040503050406030204" pitchFamily="18" charset="0"/>
+                      </a:rPr>
+                      <m:t>∈</m:t>
+                    </m:r>
+                    <m:r>
+                      <a:rPr lang="en-GB" sz="1600" i="1">
+                        <a:latin typeface="Cambria Math" panose="02040503050406030204" pitchFamily="18" charset="0"/>
+                      </a:rPr>
+                      <m:t>𝐽</m:t>
+                    </m:r>
+                  </m:oMath>
+                </a14:m>
+                <a:r>
+                  <a:rPr lang="en-GB" sz="1600" dirty="0"/>
+                  <a:t> then </a:t>
+                </a:r>
+                <a14:m>
+                  <m:oMath xmlns:m="http://schemas.openxmlformats.org/officeDocument/2006/math">
+                    <m:r>
+                      <a:rPr lang="en-GB" sz="1600" i="1">
+                        <a:latin typeface="Cambria Math" panose="02040503050406030204" pitchFamily="18" charset="0"/>
+                      </a:rPr>
+                      <m:t>𝑝</m:t>
+                    </m:r>
+                  </m:oMath>
+                </a14:m>
+                <a:r>
+                  <a:rPr lang="en-GB" sz="1600" dirty="0"/>
+                  <a:t> is in the Area of Influence of some sensor </a:t>
+                </a:r>
+                <a14:m>
+                  <m:oMath xmlns:m="http://schemas.openxmlformats.org/officeDocument/2006/math">
+                    <m:sSub>
+                      <m:sSubPr>
+                        <m:ctrlPr>
+                          <a:rPr lang="en-US" sz="1600" i="1">
+                            <a:latin typeface="Cambria Math" panose="02040503050406030204" pitchFamily="18" charset="0"/>
+                          </a:rPr>
+                        </m:ctrlPr>
+                      </m:sSubPr>
+                      <m:e>
+                        <m:r>
+                          <a:rPr lang="en-GB" sz="1600" i="1">
+                            <a:latin typeface="Cambria Math" panose="02040503050406030204" pitchFamily="18" charset="0"/>
+                          </a:rPr>
+                          <m:t>𝑟</m:t>
+                        </m:r>
+                      </m:e>
+                      <m:sub>
+                        <m:r>
+                          <a:rPr lang="en-GB" sz="1600" i="1">
+                            <a:latin typeface="Cambria Math" panose="02040503050406030204" pitchFamily="18" charset="0"/>
+                          </a:rPr>
+                          <m:t>𝑖</m:t>
+                        </m:r>
+                      </m:sub>
+                    </m:sSub>
+                  </m:oMath>
+                </a14:m>
+                <a:r>
+                  <a:rPr lang="en-GB" sz="1600" dirty="0"/>
+                  <a:t> with </a:t>
+                </a:r>
+                <a14:m>
+                  <m:oMath xmlns:m="http://schemas.openxmlformats.org/officeDocument/2006/math">
+                    <m:r>
+                      <a:rPr lang="en-GB" sz="1600" i="1">
+                        <a:latin typeface="Cambria Math" panose="02040503050406030204" pitchFamily="18" charset="0"/>
+                      </a:rPr>
+                      <m:t>𝑡</m:t>
+                    </m:r>
+                    <m:r>
+                      <a:rPr lang="en-GB" sz="1600" i="1">
+                        <a:latin typeface="Cambria Math" panose="02040503050406030204" pitchFamily="18" charset="0"/>
+                      </a:rPr>
+                      <m:t>=</m:t>
+                    </m:r>
+                    <m:sSub>
+                      <m:sSubPr>
+                        <m:ctrlPr>
+                          <a:rPr lang="en-US" sz="1600" i="1">
+                            <a:latin typeface="Cambria Math" panose="02040503050406030204" pitchFamily="18" charset="0"/>
+                          </a:rPr>
+                        </m:ctrlPr>
+                      </m:sSubPr>
+                      <m:e>
+                        <m:r>
+                          <a:rPr lang="en-GB" sz="1600" i="1">
+                            <a:latin typeface="Cambria Math" panose="02040503050406030204" pitchFamily="18" charset="0"/>
+                          </a:rPr>
+                          <m:t>𝑟</m:t>
+                        </m:r>
+                      </m:e>
+                      <m:sub>
+                        <m:r>
+                          <a:rPr lang="en-GB" sz="1600" i="1">
+                            <a:latin typeface="Cambria Math" panose="02040503050406030204" pitchFamily="18" charset="0"/>
+                          </a:rPr>
+                          <m:t>𝑖</m:t>
+                        </m:r>
+                      </m:sub>
+                    </m:sSub>
+                    <m:r>
+                      <a:rPr lang="en-GB" sz="1600" i="1">
+                        <a:latin typeface="Cambria Math" panose="02040503050406030204" pitchFamily="18" charset="0"/>
+                      </a:rPr>
+                      <m:t>.</m:t>
+                    </m:r>
+                    <m:r>
+                      <a:rPr lang="en-GB" sz="1600" i="1">
+                        <a:latin typeface="Cambria Math" panose="02040503050406030204" pitchFamily="18" charset="0"/>
+                      </a:rPr>
+                      <m:t>𝑡𝑦𝑝𝑒</m:t>
+                    </m:r>
+                    <m:r>
+                      <a:rPr lang="en-GB" sz="1600" i="1">
+                        <a:latin typeface="Cambria Math" panose="02040503050406030204" pitchFamily="18" charset="0"/>
+                      </a:rPr>
+                      <m:t> </m:t>
+                    </m:r>
+                  </m:oMath>
+                </a14:m>
+                <a:r>
+                  <a:rPr lang="en-GB" sz="1600" dirty="0"/>
+                  <a:t>such that </a:t>
+                </a:r>
+                <a14:m>
+                  <m:oMath xmlns:m="http://schemas.openxmlformats.org/officeDocument/2006/math">
+                    <m:sSub>
+                      <m:sSubPr>
+                        <m:ctrlPr>
+                          <a:rPr lang="en-US" sz="1600" i="1">
+                            <a:latin typeface="Cambria Math" panose="02040503050406030204" pitchFamily="18" charset="0"/>
+                          </a:rPr>
+                        </m:ctrlPr>
+                      </m:sSubPr>
+                      <m:e>
+                        <m:r>
+                          <a:rPr lang="en-GB" sz="1600" i="1">
+                            <a:latin typeface="Cambria Math" panose="02040503050406030204" pitchFamily="18" charset="0"/>
+                          </a:rPr>
+                          <m:t>𝑃</m:t>
+                        </m:r>
+                      </m:e>
+                      <m:sub>
+                        <m:r>
+                          <a:rPr lang="en-GB" sz="1600" i="1">
+                            <a:latin typeface="Cambria Math" panose="02040503050406030204" pitchFamily="18" charset="0"/>
+                          </a:rPr>
+                          <m:t>𝑡𝑘</m:t>
+                        </m:r>
+                      </m:sub>
+                    </m:sSub>
+                  </m:oMath>
+                </a14:m>
+                <a:r>
+                  <a:rPr lang="en-GB" sz="1600" dirty="0"/>
+                  <a:t>=1</a:t>
+                </a:r>
+                <a:endParaRPr lang="en-US" sz="1600" dirty="0"/>
+              </a:p>
+              <a:p>
+                <a:pPr lvl="2"/>
+                <a:r>
+                  <a:rPr lang="en-GB" sz="1600" dirty="0"/>
+                  <a:t>If </a:t>
+                </a:r>
+                <a14:m>
+                  <m:oMath xmlns:m="http://schemas.openxmlformats.org/officeDocument/2006/math">
+                    <m:r>
+                      <a:rPr lang="en-GB" sz="1600" i="1">
+                        <a:latin typeface="Cambria Math" panose="02040503050406030204" pitchFamily="18" charset="0"/>
+                      </a:rPr>
+                      <m:t>𝑝</m:t>
+                    </m:r>
+                  </m:oMath>
+                </a14:m>
+                <a:r>
+                  <a:rPr lang="en-GB" sz="1600" dirty="0"/>
+                  <a:t> is out of the Area of Influence of all jammers then </a:t>
+                </a:r>
+                <a14:m>
+                  <m:oMath xmlns:m="http://schemas.openxmlformats.org/officeDocument/2006/math">
+                    <m:r>
+                      <a:rPr lang="en-GB" sz="1600" i="1">
+                        <a:latin typeface="Cambria Math" panose="02040503050406030204" pitchFamily="18" charset="0"/>
+                      </a:rPr>
+                      <m:t>𝑝</m:t>
+                    </m:r>
+                  </m:oMath>
+                </a14:m>
+                <a:r>
+                  <a:rPr lang="en-GB" sz="1600" dirty="0"/>
+                  <a:t> is in the Area of Influence of some sensor </a:t>
+                </a:r>
+                <a14:m>
+                  <m:oMath xmlns:m="http://schemas.openxmlformats.org/officeDocument/2006/math">
+                    <m:sSub>
+                      <m:sSubPr>
+                        <m:ctrlPr>
+                          <a:rPr lang="en-US" sz="1600" i="1">
+                            <a:latin typeface="Cambria Math" panose="02040503050406030204" pitchFamily="18" charset="0"/>
+                          </a:rPr>
+                        </m:ctrlPr>
+                      </m:sSubPr>
+                      <m:e>
+                        <m:r>
+                          <a:rPr lang="en-GB" sz="1600" i="1">
+                            <a:latin typeface="Cambria Math" panose="02040503050406030204" pitchFamily="18" charset="0"/>
+                          </a:rPr>
+                          <m:t>𝑟</m:t>
+                        </m:r>
+                      </m:e>
+                      <m:sub>
+                        <m:r>
+                          <a:rPr lang="en-GB" sz="1600" i="1">
+                            <a:latin typeface="Cambria Math" panose="02040503050406030204" pitchFamily="18" charset="0"/>
+                          </a:rPr>
+                          <m:t>𝑖</m:t>
+                        </m:r>
+                      </m:sub>
+                    </m:sSub>
+                  </m:oMath>
+                </a14:m>
+                <a:endParaRPr lang="en-US" sz="1600" dirty="0"/>
+              </a:p>
+              <a:p>
+                <a:endParaRPr lang="en-US" sz="2400" dirty="0"/>
+              </a:p>
+            </p:txBody>
+          </p:sp>
+        </mc:Choice>
+        <mc:Fallback xmlns="">
+          <p:sp>
+            <p:nvSpPr>
+              <p:cNvPr id="3" name="Content Placeholder 2"/>
+              <p:cNvSpPr>
+                <a:spLocks noGrp="1" noRot="1" noChangeAspect="1" noMove="1" noResize="1" noEditPoints="1" noAdjustHandles="1" noChangeArrowheads="1" noChangeShapeType="1" noTextEdit="1"/>
+              </p:cNvSpPr>
+              <p:nvPr>
+                <p:ph idx="1"/>
+              </p:nvPr>
+            </p:nvSpPr>
+            <p:spPr>
+              <a:xfrm>
+                <a:off x="599555" y="1420009"/>
+                <a:ext cx="7886700" cy="4760129"/>
+              </a:xfrm>
+              <a:blipFill rotWithShape="0">
+                <a:blip r:embed="rId2"/>
+                <a:stretch>
+                  <a:fillRect l="-927" r="-541"/>
+                </a:stretch>
+              </a:blipFill>
+            </p:spPr>
+            <p:txBody>
+              <a:bodyPr/>
+              <a:lstStyle/>
+              <a:p>
+                <a:r>
+                  <a:rPr lang="en-US">
+                    <a:noFill/>
+                  </a:rPr>
+                  <a:t> </a:t>
+                </a:r>
+              </a:p>
+            </p:txBody>
+          </p:sp>
+        </mc:Fallback>
+      </mc:AlternateContent>
+    </p:spTree>
+    <p:extLst>
+      <p:ext uri="{BB962C8B-B14F-4D97-AF65-F5344CB8AC3E}">
+        <p14:creationId xmlns:p14="http://schemas.microsoft.com/office/powerpoint/2010/main" val="2392983816"/>
+      </p:ext>
+    </p:extLst>
+  </p:cSld>
+  <p:clrMapOvr>
+    <a:masterClrMapping/>
+  </p:clrMapOvr>
+  <p:timing>
+    <p:tnLst>
+      <p:par>
+        <p:cTn id="1" dur="indefinite" restart="never" nodeType="tmRoot"/>
+      </p:par>
+    </p:tnLst>
+  </p:timing>
+</p:sld>
+</file>
+
+<file path=ppt/slides/slide15.xml><?xml version="1.0" encoding="utf-8"?>
+<p:sld xmlns:a="http://schemas.openxmlformats.org/drawingml/2006/main" xmlns:r="http://schemas.openxmlformats.org/officeDocument/2006/relationships" xmlns:p="http://schemas.openxmlformats.org/presentationml/2006/main">
+  <p:cSld>
+    <p:spTree>
+      <p:nvGrpSpPr>
+        <p:cNvPr id="1" name=""/>
+        <p:cNvGrpSpPr/>
+        <p:nvPr/>
+      </p:nvGrpSpPr>
+      <p:grpSpPr>
+        <a:xfrm>
+          <a:off x="0" y="0"/>
+          <a:ext cx="0" cy="0"/>
+          <a:chOff x="0" y="0"/>
+          <a:chExt cx="0" cy="0"/>
+        </a:xfrm>
+      </p:grpSpPr>
+      <p:sp>
+        <p:nvSpPr>
+          <p:cNvPr id="2" name="Title 1"/>
+          <p:cNvSpPr>
+            <a:spLocks noGrp="1"/>
+          </p:cNvSpPr>
+          <p:nvPr>
+            <p:ph type="title"/>
+          </p:nvPr>
+        </p:nvSpPr>
+        <p:spPr/>
+        <p:txBody>
+          <a:bodyPr/>
+          <a:lstStyle/>
+          <a:p>
+            <a:r>
+              <a:rPr lang="en-US" dirty="0" smtClean="0"/>
+              <a:t>Related Work</a:t>
+            </a:r>
+            <a:endParaRPr lang="en-US" dirty="0"/>
+          </a:p>
+        </p:txBody>
+      </p:sp>
+      <mc:AlternateContent xmlns:mc="http://schemas.openxmlformats.org/markup-compatibility/2006" xmlns:a14="http://schemas.microsoft.com/office/drawing/2010/main">
+        <mc:Choice Requires="a14">
+          <p:sp>
+            <p:nvSpPr>
+              <p:cNvPr id="3" name="Content Placeholder 2"/>
+              <p:cNvSpPr>
+                <a:spLocks noGrp="1"/>
+              </p:cNvSpPr>
+              <p:nvPr>
+                <p:ph idx="1"/>
+              </p:nvPr>
+            </p:nvSpPr>
+            <p:spPr/>
+            <p:txBody>
+              <a:bodyPr>
+                <a:normAutofit/>
+              </a:bodyPr>
+              <a:lstStyle/>
+              <a:p>
+                <a:r>
+                  <a:rPr lang="en-US" dirty="0" smtClean="0"/>
+                  <a:t>Related computational geometry problems</a:t>
+                </a:r>
+              </a:p>
+              <a:p>
+                <a:pPr lvl="1"/>
+                <a:r>
+                  <a:rPr lang="en-US" dirty="0" smtClean="0"/>
+                  <a:t>Art gallery problem</a:t>
+                </a:r>
+              </a:p>
+              <a:p>
+                <a:pPr lvl="1"/>
+                <a:r>
+                  <a:rPr lang="en-US" dirty="0" smtClean="0"/>
+                  <a:t>Circle packing problem</a:t>
+                </a:r>
+              </a:p>
+              <a:p>
+                <a:endParaRPr lang="en-US" dirty="0"/>
+              </a:p>
+              <a:p>
+                <a:r>
+                  <a:rPr lang="en-US" dirty="0" smtClean="0"/>
+                  <a:t>Problems in direct application</a:t>
+                </a:r>
+              </a:p>
+              <a:p>
+                <a:pPr lvl="1"/>
+                <a:r>
+                  <a:rPr lang="en-US" dirty="0" smtClean="0"/>
+                  <a:t>Art gallery problem</a:t>
+                </a:r>
+              </a:p>
+              <a:p>
+                <a:pPr lvl="2"/>
+                <a:r>
+                  <a:rPr lang="en-US" dirty="0" smtClean="0"/>
+                  <a:t>Assumes the cameras have </a:t>
+                </a:r>
+                <a14:m>
+                  <m:oMath xmlns:m="http://schemas.openxmlformats.org/officeDocument/2006/math">
+                    <m:r>
+                      <a:rPr lang="en-US" b="0" i="1" smtClean="0">
+                        <a:latin typeface="Cambria Math" panose="02040503050406030204" pitchFamily="18" charset="0"/>
+                      </a:rPr>
+                      <m:t>∞</m:t>
+                    </m:r>
+                  </m:oMath>
+                </a14:m>
+                <a:r>
+                  <a:rPr lang="en-US" dirty="0" smtClean="0"/>
+                  <a:t> range</a:t>
+                </a:r>
+              </a:p>
+              <a:p>
+                <a:pPr lvl="2"/>
+                <a:r>
+                  <a:rPr lang="en-US" dirty="0" smtClean="0"/>
+                  <a:t>Heterogeneous sensors not considered</a:t>
+                </a:r>
+              </a:p>
+              <a:p>
+                <a:pPr lvl="2"/>
+                <a:endParaRPr lang="en-US" dirty="0" smtClean="0"/>
+              </a:p>
+              <a:p>
+                <a:pPr lvl="1"/>
+                <a:r>
+                  <a:rPr lang="en-US" dirty="0" smtClean="0"/>
+                  <a:t>Circle packing problem</a:t>
+                </a:r>
+              </a:p>
+              <a:p>
+                <a:pPr lvl="2"/>
+                <a:r>
+                  <a:rPr lang="en-US" dirty="0" smtClean="0"/>
+                  <a:t>Assumes all circles have the same radius when covering a rectangle</a:t>
+                </a:r>
+              </a:p>
+              <a:p>
+                <a:pPr lvl="2"/>
+                <a:r>
+                  <a:rPr lang="en-US" dirty="0" smtClean="0"/>
+                  <a:t>Variation with different radii circles leaves gaps between circles</a:t>
+                </a:r>
+                <a:endParaRPr lang="en-US" dirty="0"/>
+              </a:p>
+              <a:p>
+                <a:pPr lvl="2"/>
+                <a:endParaRPr lang="en-US" dirty="0" smtClean="0"/>
+              </a:p>
+            </p:txBody>
+          </p:sp>
+        </mc:Choice>
+        <mc:Fallback xmlns="">
+          <p:sp>
+            <p:nvSpPr>
+              <p:cNvPr id="3" name="Content Placeholder 2"/>
+              <p:cNvSpPr>
+                <a:spLocks noGrp="1" noRot="1" noChangeAspect="1" noMove="1" noResize="1" noEditPoints="1" noAdjustHandles="1" noChangeArrowheads="1" noChangeShapeType="1" noTextEdit="1"/>
+              </p:cNvSpPr>
+              <p:nvPr>
+                <p:ph idx="1"/>
+              </p:nvPr>
+            </p:nvSpPr>
+            <p:spPr>
+              <a:blipFill rotWithShape="0">
+                <a:blip r:embed="rId2"/>
+                <a:stretch>
+                  <a:fillRect l="-773" t="-1536" r="-618"/>
+                </a:stretch>
+              </a:blipFill>
+            </p:spPr>
+            <p:txBody>
+              <a:bodyPr/>
+              <a:lstStyle/>
+              <a:p>
+                <a:r>
+                  <a:rPr lang="en-US">
+                    <a:noFill/>
+                  </a:rPr>
+                  <a:t> </a:t>
+                </a:r>
+              </a:p>
+            </p:txBody>
+          </p:sp>
+        </mc:Fallback>
+      </mc:AlternateContent>
+    </p:spTree>
+    <p:extLst>
+      <p:ext uri="{BB962C8B-B14F-4D97-AF65-F5344CB8AC3E}">
+        <p14:creationId xmlns:p14="http://schemas.microsoft.com/office/powerpoint/2010/main" val="2472530875"/>
+      </p:ext>
+    </p:extLst>
+  </p:cSld>
+  <p:clrMapOvr>
+    <a:masterClrMapping/>
+  </p:clrMapOvr>
+  <p:timing>
+    <p:tnLst>
+      <p:par>
+        <p:cTn id="1" dur="indefinite" restart="never" nodeType="tmRoot"/>
+      </p:par>
+    </p:tnLst>
+  </p:timing>
+</p:sld>
+</file>
+
+<file path=ppt/slides/slide16.xml><?xml version="1.0" encoding="utf-8"?>
+<p:sld xmlns:a="http://schemas.openxmlformats.org/drawingml/2006/main" xmlns:r="http://schemas.openxmlformats.org/officeDocument/2006/relationships" xmlns:p="http://schemas.openxmlformats.org/presentationml/2006/main">
+  <p:cSld>
+    <p:spTree>
+      <p:nvGrpSpPr>
+        <p:cNvPr id="1" name=""/>
+        <p:cNvGrpSpPr/>
+        <p:nvPr/>
+      </p:nvGrpSpPr>
+      <p:grpSpPr>
+        <a:xfrm>
+          <a:off x="0" y="0"/>
+          <a:ext cx="0" cy="0"/>
+          <a:chOff x="0" y="0"/>
+          <a:chExt cx="0" cy="0"/>
+        </a:xfrm>
+      </p:grpSpPr>
+      <p:sp>
+        <p:nvSpPr>
+          <p:cNvPr id="2" name="Title 1"/>
+          <p:cNvSpPr>
+            <a:spLocks noGrp="1"/>
+          </p:cNvSpPr>
+          <p:nvPr>
+            <p:ph type="title"/>
+          </p:nvPr>
+        </p:nvSpPr>
+        <p:spPr/>
+        <p:txBody>
+          <a:bodyPr/>
+          <a:lstStyle/>
+          <a:p>
+            <a:r>
+              <a:rPr lang="en-US" dirty="0" smtClean="0"/>
+              <a:t>Related Work (</a:t>
+            </a:r>
+            <a:r>
+              <a:rPr lang="en-US" dirty="0" err="1" smtClean="0"/>
+              <a:t>contd</a:t>
+            </a:r>
+            <a:r>
+              <a:rPr lang="en-US" dirty="0" smtClean="0"/>
+              <a:t>…)</a:t>
+            </a:r>
+            <a:endParaRPr lang="en-US" dirty="0"/>
+          </a:p>
+        </p:txBody>
+      </p:sp>
+      <p:sp>
+        <p:nvSpPr>
+          <p:cNvPr id="3" name="Content Placeholder 2"/>
+          <p:cNvSpPr>
+            <a:spLocks noGrp="1"/>
+          </p:cNvSpPr>
+          <p:nvPr>
+            <p:ph idx="1"/>
+          </p:nvPr>
+        </p:nvSpPr>
+        <p:spPr>
+          <a:xfrm>
+            <a:off x="633845" y="1460350"/>
+            <a:ext cx="7886700" cy="4760129"/>
+          </a:xfrm>
+        </p:spPr>
+        <p:txBody>
+          <a:bodyPr>
+            <a:normAutofit fontScale="92500" lnSpcReduction="20000"/>
+          </a:bodyPr>
+          <a:lstStyle/>
+          <a:p>
+            <a:r>
+              <a:rPr lang="en-US" dirty="0" smtClean="0"/>
+              <a:t>Minimum cost coverage </a:t>
+            </a:r>
+            <a:r>
+              <a:rPr lang="en-US" sz="1400" dirty="0" smtClean="0"/>
+              <a:t>[Zaidi et al 2009]</a:t>
+            </a:r>
+          </a:p>
+          <a:p>
+            <a:pPr lvl="1"/>
+            <a:r>
+              <a:rPr lang="en-US" dirty="0" smtClean="0"/>
+              <a:t>Minimize the number of sensors</a:t>
+            </a:r>
+          </a:p>
+          <a:p>
+            <a:pPr lvl="1"/>
+            <a:r>
+              <a:rPr lang="en-US" dirty="0" smtClean="0"/>
+              <a:t>Minimize the cost</a:t>
+            </a:r>
+          </a:p>
+          <a:p>
+            <a:pPr lvl="1"/>
+            <a:r>
+              <a:rPr lang="en-US" dirty="0" smtClean="0"/>
+              <a:t>Arbitrary shaped region</a:t>
+            </a:r>
+          </a:p>
+          <a:p>
+            <a:pPr lvl="1"/>
+            <a:r>
+              <a:rPr lang="en-US" dirty="0" smtClean="0">
+                <a:solidFill>
+                  <a:srgbClr val="0070C0"/>
+                </a:solidFill>
+              </a:rPr>
+              <a:t>Considers only homogeneous sensors</a:t>
+            </a:r>
+          </a:p>
+          <a:p>
+            <a:pPr lvl="1"/>
+            <a:endParaRPr lang="en-US" dirty="0" smtClean="0"/>
+          </a:p>
+          <a:p>
+            <a:r>
+              <a:rPr lang="en-US" dirty="0" smtClean="0"/>
+              <a:t>Area coverage for surveillance </a:t>
+            </a:r>
+            <a:r>
+              <a:rPr lang="en-US" sz="1400" dirty="0" smtClean="0"/>
+              <a:t>[</a:t>
+            </a:r>
+            <a:r>
+              <a:rPr lang="en-US" sz="1400" dirty="0" err="1" smtClean="0"/>
+              <a:t>Dhillon</a:t>
+            </a:r>
+            <a:r>
+              <a:rPr lang="en-US" sz="1400" dirty="0" smtClean="0"/>
+              <a:t> et al 2003]</a:t>
+            </a:r>
+            <a:endParaRPr lang="en-US" sz="1200" dirty="0" smtClean="0"/>
+          </a:p>
+          <a:p>
+            <a:pPr lvl="1"/>
+            <a:r>
+              <a:rPr lang="en-US" dirty="0" smtClean="0"/>
+              <a:t>Minimize the number of sensors</a:t>
+            </a:r>
+          </a:p>
+          <a:p>
+            <a:pPr lvl="1"/>
+            <a:r>
+              <a:rPr lang="en-US" dirty="0" smtClean="0"/>
+              <a:t>Considers uncertainty with sensor detections</a:t>
+            </a:r>
+          </a:p>
+          <a:p>
+            <a:pPr lvl="1"/>
+            <a:r>
+              <a:rPr lang="en-US" dirty="0">
+                <a:solidFill>
+                  <a:srgbClr val="0070C0"/>
+                </a:solidFill>
+              </a:rPr>
+              <a:t>Considers only homogeneous </a:t>
+            </a:r>
+            <a:r>
+              <a:rPr lang="en-US" dirty="0" smtClean="0">
+                <a:solidFill>
+                  <a:srgbClr val="0070C0"/>
+                </a:solidFill>
+              </a:rPr>
+              <a:t>sensors</a:t>
+            </a:r>
+            <a:endParaRPr lang="en-US" dirty="0"/>
+          </a:p>
+          <a:p>
+            <a:pPr lvl="1"/>
+            <a:endParaRPr lang="en-US" dirty="0" smtClean="0">
+              <a:solidFill>
+                <a:srgbClr val="0070C0"/>
+              </a:solidFill>
+            </a:endParaRPr>
+          </a:p>
+          <a:p>
+            <a:r>
+              <a:rPr lang="en-US" dirty="0" smtClean="0"/>
+              <a:t>Randomized algorithm for region coverage </a:t>
+            </a:r>
+            <a:r>
+              <a:rPr lang="en-US" sz="1400" dirty="0" smtClean="0"/>
+              <a:t>[</a:t>
+            </a:r>
+            <a:r>
+              <a:rPr lang="en-US" sz="1400" dirty="0" err="1" smtClean="0"/>
+              <a:t>Hafeed</a:t>
+            </a:r>
+            <a:r>
+              <a:rPr lang="en-US" sz="1400" dirty="0" smtClean="0"/>
+              <a:t> et al 2007]</a:t>
+            </a:r>
+          </a:p>
+          <a:p>
+            <a:pPr lvl="1"/>
+            <a:r>
+              <a:rPr lang="en-US" dirty="0" smtClean="0"/>
+              <a:t>Selecting minimum sensors is NP-hard</a:t>
+            </a:r>
+          </a:p>
+          <a:p>
+            <a:pPr lvl="1"/>
+            <a:r>
+              <a:rPr lang="en-US" dirty="0" smtClean="0"/>
+              <a:t>Distributed algorithm</a:t>
+            </a:r>
+          </a:p>
+          <a:p>
+            <a:pPr lvl="1"/>
+            <a:r>
+              <a:rPr lang="en-US" dirty="0" smtClean="0"/>
+              <a:t>Schedules sensors for max network time</a:t>
+            </a:r>
+          </a:p>
+          <a:p>
+            <a:pPr lvl="1"/>
+            <a:r>
+              <a:rPr lang="en-US" dirty="0">
+                <a:solidFill>
+                  <a:srgbClr val="0070C0"/>
+                </a:solidFill>
+              </a:rPr>
+              <a:t>Considers only homogeneous sensors</a:t>
+            </a:r>
+            <a:endParaRPr lang="en-US" dirty="0"/>
+          </a:p>
+        </p:txBody>
+      </p:sp>
+    </p:spTree>
+    <p:extLst>
+      <p:ext uri="{BB962C8B-B14F-4D97-AF65-F5344CB8AC3E}">
+        <p14:creationId xmlns:p14="http://schemas.microsoft.com/office/powerpoint/2010/main" val="4059624845"/>
+      </p:ext>
+    </p:extLst>
+  </p:cSld>
+  <p:clrMapOvr>
+    <a:masterClrMapping/>
+  </p:clrMapOvr>
+  <p:timing>
+    <p:tnLst>
+      <p:par>
+        <p:cTn id="1" dur="indefinite" restart="never" nodeType="tmRoot"/>
+      </p:par>
+    </p:tnLst>
+  </p:timing>
+</p:sld>
+</file>
+
+<file path=ppt/slides/slide17.xml><?xml version="1.0" encoding="utf-8"?>
+<p:sld xmlns:a="http://schemas.openxmlformats.org/drawingml/2006/main" xmlns:r="http://schemas.openxmlformats.org/officeDocument/2006/relationships" xmlns:p="http://schemas.openxmlformats.org/presentationml/2006/main">
+  <p:cSld>
+    <p:spTree>
+      <p:nvGrpSpPr>
+        <p:cNvPr id="1" name=""/>
+        <p:cNvGrpSpPr/>
+        <p:nvPr/>
+      </p:nvGrpSpPr>
+      <p:grpSpPr>
+        <a:xfrm>
+          <a:off x="0" y="0"/>
+          <a:ext cx="0" cy="0"/>
+          <a:chOff x="0" y="0"/>
+          <a:chExt cx="0" cy="0"/>
+        </a:xfrm>
+      </p:grpSpPr>
+      <p:sp>
+        <p:nvSpPr>
+          <p:cNvPr id="2" name="Title 1"/>
+          <p:cNvSpPr>
+            <a:spLocks noGrp="1"/>
+          </p:cNvSpPr>
+          <p:nvPr>
+            <p:ph type="title"/>
+          </p:nvPr>
+        </p:nvSpPr>
+        <p:spPr/>
+        <p:txBody>
+          <a:bodyPr/>
+          <a:lstStyle/>
+          <a:p>
+            <a:r>
+              <a:rPr lang="en-US" dirty="0" smtClean="0"/>
+              <a:t>Related Work (</a:t>
+            </a:r>
+            <a:r>
+              <a:rPr lang="en-US" dirty="0" err="1" smtClean="0"/>
+              <a:t>contd</a:t>
+            </a:r>
+            <a:r>
+              <a:rPr lang="en-US" dirty="0" smtClean="0"/>
+              <a:t>…)</a:t>
+            </a:r>
+            <a:endParaRPr lang="en-US" dirty="0"/>
+          </a:p>
+        </p:txBody>
+      </p:sp>
+      <p:sp>
+        <p:nvSpPr>
+          <p:cNvPr id="3" name="Content Placeholder 2"/>
+          <p:cNvSpPr>
+            <a:spLocks noGrp="1"/>
+          </p:cNvSpPr>
+          <p:nvPr>
+            <p:ph idx="1"/>
+          </p:nvPr>
+        </p:nvSpPr>
+        <p:spPr>
+          <a:xfrm>
+            <a:off x="633845" y="1460350"/>
+            <a:ext cx="7886700" cy="4760129"/>
+          </a:xfrm>
+        </p:spPr>
+        <p:txBody>
+          <a:bodyPr>
+            <a:normAutofit/>
+          </a:bodyPr>
+          <a:lstStyle/>
+          <a:p>
+            <a:r>
+              <a:rPr lang="en-US" dirty="0" smtClean="0"/>
+              <a:t>Coverage level in area coverage </a:t>
+            </a:r>
+            <a:r>
+              <a:rPr lang="en-US" sz="1400" dirty="0" smtClean="0"/>
+              <a:t>[</a:t>
+            </a:r>
+            <a:r>
+              <a:rPr lang="en-US" sz="1400" dirty="0"/>
+              <a:t>Huang, Tseng 2003</a:t>
+            </a:r>
+            <a:r>
+              <a:rPr lang="en-US" sz="1400" dirty="0" smtClean="0"/>
+              <a:t>]</a:t>
+            </a:r>
+          </a:p>
+          <a:p>
+            <a:pPr lvl="1"/>
+            <a:r>
+              <a:rPr lang="en-US" dirty="0" smtClean="0"/>
+              <a:t>Check for k-coverage</a:t>
+            </a:r>
+          </a:p>
+          <a:p>
+            <a:pPr lvl="1"/>
+            <a:r>
+              <a:rPr lang="en-US" dirty="0" smtClean="0"/>
+              <a:t>Area is covered if perimeter of all sensors range is covered</a:t>
+            </a:r>
+          </a:p>
+          <a:p>
+            <a:pPr lvl="1"/>
+            <a:r>
+              <a:rPr lang="en-US" dirty="0" smtClean="0"/>
+              <a:t>Considers heterogeneous sensors</a:t>
+            </a:r>
+          </a:p>
+          <a:p>
+            <a:pPr lvl="1"/>
+            <a:r>
+              <a:rPr lang="en-US" dirty="0" smtClean="0"/>
+              <a:t>This result is used for checking coverage</a:t>
+            </a:r>
+          </a:p>
+          <a:p>
+            <a:pPr lvl="1"/>
+            <a:endParaRPr lang="en-US" dirty="0"/>
+          </a:p>
+          <a:p>
+            <a:r>
+              <a:rPr lang="en-US" dirty="0" smtClean="0"/>
+              <a:t>Sensor scheduling preserving coverage </a:t>
+            </a:r>
+            <a:r>
+              <a:rPr lang="en-US" sz="1400" dirty="0" smtClean="0"/>
+              <a:t>[Gao et al 2006]</a:t>
+            </a:r>
+          </a:p>
+          <a:p>
+            <a:pPr lvl="1"/>
+            <a:r>
+              <a:rPr lang="en-US" dirty="0" smtClean="0"/>
+              <a:t>Method to create disjoint sets of sensors which cover the region</a:t>
+            </a:r>
+          </a:p>
+          <a:p>
+            <a:pPr lvl="1"/>
+            <a:r>
+              <a:rPr lang="en-US" dirty="0"/>
+              <a:t>Considers heterogeneous sensors</a:t>
+            </a:r>
+          </a:p>
+          <a:p>
+            <a:pPr lvl="1"/>
+            <a:r>
+              <a:rPr lang="en-US" dirty="0" smtClean="0"/>
+              <a:t>Result used to obtain the covering set of sensors</a:t>
+            </a:r>
+            <a:endParaRPr lang="en-US" dirty="0"/>
+          </a:p>
+        </p:txBody>
+      </p:sp>
+    </p:spTree>
+    <p:extLst>
+      <p:ext uri="{BB962C8B-B14F-4D97-AF65-F5344CB8AC3E}">
+        <p14:creationId xmlns:p14="http://schemas.microsoft.com/office/powerpoint/2010/main" val="2893026505"/>
+      </p:ext>
+    </p:extLst>
+  </p:cSld>
+  <p:clrMapOvr>
+    <a:masterClrMapping/>
+  </p:clrMapOvr>
+  <p:timing>
+    <p:tnLst>
+      <p:par>
+        <p:cTn id="1" dur="indefinite" restart="never" nodeType="tmRoot"/>
+      </p:par>
+    </p:tnLst>
+  </p:timing>
+</p:sld>
+</file>
+
+<file path=ppt/slides/slide18.xml><?xml version="1.0" encoding="utf-8"?>
+<p:sld xmlns:a="http://schemas.openxmlformats.org/drawingml/2006/main" xmlns:r="http://schemas.openxmlformats.org/officeDocument/2006/relationships" xmlns:p="http://schemas.openxmlformats.org/presentationml/2006/main">
+  <p:cSld>
+    <p:spTree>
+      <p:nvGrpSpPr>
+        <p:cNvPr id="1" name=""/>
+        <p:cNvGrpSpPr/>
+        <p:nvPr/>
+      </p:nvGrpSpPr>
+      <p:grpSpPr>
+        <a:xfrm>
+          <a:off x="0" y="0"/>
+          <a:ext cx="0" cy="0"/>
+          <a:chOff x="0" y="0"/>
+          <a:chExt cx="0" cy="0"/>
+        </a:xfrm>
+      </p:grpSpPr>
+      <p:sp>
+        <p:nvSpPr>
+          <p:cNvPr id="2" name="Title 1"/>
+          <p:cNvSpPr>
+            <a:spLocks noGrp="1"/>
+          </p:cNvSpPr>
+          <p:nvPr>
+            <p:ph type="title"/>
+          </p:nvPr>
+        </p:nvSpPr>
+        <p:spPr/>
+        <p:txBody>
+          <a:bodyPr/>
+          <a:lstStyle/>
+          <a:p>
+            <a:r>
+              <a:rPr lang="en-US" dirty="0" smtClean="0"/>
+              <a:t>Design Approach</a:t>
+            </a:r>
+            <a:endParaRPr lang="en-US" dirty="0"/>
+          </a:p>
+        </p:txBody>
+      </p:sp>
+      <mc:AlternateContent xmlns:mc="http://schemas.openxmlformats.org/markup-compatibility/2006" xmlns:a14="http://schemas.microsoft.com/office/drawing/2010/main">
+        <mc:Choice Requires="a14">
+          <p:sp>
+            <p:nvSpPr>
+              <p:cNvPr id="3" name="Content Placeholder 2"/>
+              <p:cNvSpPr>
+                <a:spLocks noGrp="1"/>
+              </p:cNvSpPr>
+              <p:nvPr>
+                <p:ph idx="1"/>
+              </p:nvPr>
+            </p:nvSpPr>
+            <p:spPr/>
+            <p:txBody>
+              <a:bodyPr>
+                <a:normAutofit fontScale="92500" lnSpcReduction="10000"/>
+              </a:bodyPr>
+              <a:lstStyle/>
+              <a:p>
+                <a:r>
+                  <a:rPr lang="en-US" dirty="0" smtClean="0"/>
+                  <a:t>Phase 1</a:t>
+                </a:r>
+              </a:p>
+              <a:p>
+                <a:pPr lvl="1"/>
+                <a:r>
+                  <a:rPr lang="en-US" dirty="0" smtClean="0"/>
+                  <a:t>Ignore the use of jammers</a:t>
+                </a:r>
+              </a:p>
+              <a:p>
+                <a:pPr lvl="1"/>
+                <a:r>
+                  <a:rPr lang="en-US" dirty="0" smtClean="0"/>
+                  <a:t>Assume all sensors have same cost</a:t>
+                </a:r>
+              </a:p>
+              <a:p>
+                <a:pPr lvl="1"/>
+                <a14:m>
+                  <m:oMath xmlns:m="http://schemas.openxmlformats.org/officeDocument/2006/math">
+                    <m:r>
+                      <a:rPr lang="en-US" b="0" i="1" smtClean="0">
+                        <a:latin typeface="Cambria Math" panose="02040503050406030204" pitchFamily="18" charset="0"/>
+                      </a:rPr>
+                      <m:t>∞ </m:t>
+                    </m:r>
+                  </m:oMath>
+                </a14:m>
+                <a:r>
+                  <a:rPr lang="en-US" dirty="0" smtClean="0"/>
+                  <a:t>sensors of each type are available</a:t>
+                </a:r>
+              </a:p>
+              <a:p>
+                <a:pPr lvl="1"/>
+                <a:r>
+                  <a:rPr lang="en-US" dirty="0" smtClean="0"/>
+                  <a:t>Find the minimum cardinality set of sensors which covers the rectangular region</a:t>
+                </a:r>
+              </a:p>
+              <a:p>
+                <a:pPr lvl="1"/>
+                <a:endParaRPr lang="en-US" dirty="0"/>
+              </a:p>
+              <a:p>
+                <a:r>
+                  <a:rPr lang="en-US" dirty="0" smtClean="0"/>
+                  <a:t>Phase 2</a:t>
+                </a:r>
+              </a:p>
+              <a:p>
+                <a:pPr lvl="1"/>
+                <a:r>
+                  <a:rPr lang="en-US" dirty="0" smtClean="0"/>
+                  <a:t>Jammers to be considered</a:t>
+                </a:r>
+              </a:p>
+              <a:p>
+                <a:pPr lvl="1"/>
+                <a:r>
+                  <a:rPr lang="en-US" dirty="0" smtClean="0"/>
+                  <a:t>Sensors types will incur different costs</a:t>
+                </a:r>
+              </a:p>
+              <a:p>
+                <a:pPr lvl="1"/>
+                <a:r>
+                  <a:rPr lang="en-US" dirty="0" smtClean="0"/>
+                  <a:t>Fixed number of each type of sensors are available</a:t>
+                </a:r>
+              </a:p>
+              <a:p>
+                <a:pPr lvl="1"/>
+                <a:r>
+                  <a:rPr lang="en-US" dirty="0"/>
+                  <a:t>Find the minimum cardinality set of sensors which covers the rectangular </a:t>
+                </a:r>
+                <a:r>
+                  <a:rPr lang="en-US" dirty="0" smtClean="0"/>
+                  <a:t>region</a:t>
+                </a:r>
+              </a:p>
+              <a:p>
+                <a:endParaRPr lang="en-US" dirty="0"/>
+              </a:p>
+              <a:p>
+                <a:r>
+                  <a:rPr lang="en-US" dirty="0" smtClean="0"/>
+                  <a:t>Phase 2 will be tackled in the next semester</a:t>
+                </a:r>
+              </a:p>
+            </p:txBody>
+          </p:sp>
+        </mc:Choice>
+        <mc:Fallback xmlns="">
+          <p:sp>
+            <p:nvSpPr>
+              <p:cNvPr id="3" name="Content Placeholder 2"/>
+              <p:cNvSpPr>
+                <a:spLocks noGrp="1" noRot="1" noChangeAspect="1" noMove="1" noResize="1" noEditPoints="1" noAdjustHandles="1" noChangeArrowheads="1" noChangeShapeType="1" noTextEdit="1"/>
+              </p:cNvSpPr>
+              <p:nvPr>
+                <p:ph idx="1"/>
+              </p:nvPr>
+            </p:nvSpPr>
+            <p:spPr>
+              <a:blipFill rotWithShape="0">
+                <a:blip r:embed="rId2"/>
+                <a:stretch>
+                  <a:fillRect l="-618" t="-2049"/>
+                </a:stretch>
+              </a:blipFill>
+            </p:spPr>
+            <p:txBody>
+              <a:bodyPr/>
+              <a:lstStyle/>
+              <a:p>
+                <a:r>
+                  <a:rPr lang="en-US">
+                    <a:noFill/>
+                  </a:rPr>
+                  <a:t> </a:t>
+                </a:r>
+              </a:p>
+            </p:txBody>
+          </p:sp>
+        </mc:Fallback>
+      </mc:AlternateContent>
+    </p:spTree>
+    <p:extLst>
+      <p:ext uri="{BB962C8B-B14F-4D97-AF65-F5344CB8AC3E}">
+        <p14:creationId xmlns:p14="http://schemas.microsoft.com/office/powerpoint/2010/main" val="1118905840"/>
+      </p:ext>
+    </p:extLst>
+  </p:cSld>
+  <p:clrMapOvr>
+    <a:masterClrMapping/>
+  </p:clrMapOvr>
+  <p:timing>
+    <p:tnLst>
+      <p:par>
+        <p:cTn id="1" dur="indefinite" restart="never" nodeType="tmRoot"/>
+      </p:par>
+    </p:tnLst>
+  </p:timing>
+</p:sld>
+</file>
+
+<file path=ppt/slides/slide19.xml><?xml version="1.0" encoding="utf-8"?>
+<p:sld xmlns:a="http://schemas.openxmlformats.org/drawingml/2006/main" xmlns:r="http://schemas.openxmlformats.org/officeDocument/2006/relationships" xmlns:p="http://schemas.openxmlformats.org/presentationml/2006/main">
+  <p:cSld>
+    <p:spTree>
+      <p:nvGrpSpPr>
+        <p:cNvPr id="1" name=""/>
+        <p:cNvGrpSpPr/>
+        <p:nvPr/>
+      </p:nvGrpSpPr>
+      <p:grpSpPr>
+        <a:xfrm>
+          <a:off x="0" y="0"/>
+          <a:ext cx="0" cy="0"/>
+          <a:chOff x="0" y="0"/>
+          <a:chExt cx="0" cy="0"/>
+        </a:xfrm>
+      </p:grpSpPr>
+      <p:sp>
+        <p:nvSpPr>
+          <p:cNvPr id="2" name="Title 1"/>
+          <p:cNvSpPr>
+            <a:spLocks noGrp="1"/>
+          </p:cNvSpPr>
+          <p:nvPr>
+            <p:ph type="title"/>
+          </p:nvPr>
+        </p:nvSpPr>
+        <p:spPr/>
+        <p:txBody>
+          <a:bodyPr/>
+          <a:lstStyle/>
+          <a:p>
+            <a:r>
+              <a:rPr lang="en-US" dirty="0" smtClean="0"/>
+              <a:t>Problem Subdivision</a:t>
+            </a:r>
+            <a:endParaRPr lang="en-US" dirty="0"/>
+          </a:p>
+        </p:txBody>
+      </p:sp>
+      <p:sp>
+        <p:nvSpPr>
+          <p:cNvPr id="3" name="Content Placeholder 2"/>
+          <p:cNvSpPr>
+            <a:spLocks noGrp="1"/>
+          </p:cNvSpPr>
+          <p:nvPr>
+            <p:ph idx="1"/>
+          </p:nvPr>
+        </p:nvSpPr>
+        <p:spPr/>
+        <p:txBody>
+          <a:bodyPr/>
+          <a:lstStyle/>
+          <a:p>
+            <a:r>
+              <a:rPr lang="en-US" dirty="0" smtClean="0"/>
+              <a:t>Problem can be subdivided into:</a:t>
+            </a:r>
+          </a:p>
+          <a:p>
+            <a:pPr lvl="1"/>
+            <a:r>
+              <a:rPr lang="en-US" dirty="0" smtClean="0"/>
+              <a:t>Region coverage</a:t>
+            </a:r>
+            <a:endParaRPr lang="en-US" dirty="0"/>
+          </a:p>
+          <a:p>
+            <a:pPr lvl="2"/>
+            <a:r>
+              <a:rPr lang="en-US" dirty="0" smtClean="0"/>
+              <a:t>Identify if a rectangular region is covered by a set of heterogeneous sensors</a:t>
+            </a:r>
+          </a:p>
+          <a:p>
+            <a:pPr lvl="1"/>
+            <a:endParaRPr lang="en-US" dirty="0" smtClean="0"/>
+          </a:p>
+          <a:p>
+            <a:pPr lvl="1"/>
+            <a:r>
+              <a:rPr lang="en-US" dirty="0" smtClean="0"/>
+              <a:t>Covering set</a:t>
+            </a:r>
+          </a:p>
+          <a:p>
+            <a:pPr lvl="2"/>
+            <a:r>
+              <a:rPr lang="en-US" dirty="0" smtClean="0"/>
+              <a:t>Find subsets of sensors which cover the region</a:t>
+            </a:r>
+          </a:p>
+          <a:p>
+            <a:pPr lvl="1"/>
+            <a:endParaRPr lang="en-US" dirty="0" smtClean="0"/>
+          </a:p>
+          <a:p>
+            <a:pPr lvl="1"/>
+            <a:r>
+              <a:rPr lang="en-US" dirty="0" smtClean="0"/>
+              <a:t>Find the minimum cardinality subset</a:t>
+            </a:r>
+          </a:p>
+          <a:p>
+            <a:pPr lvl="1"/>
+            <a:endParaRPr lang="en-US" dirty="0"/>
+          </a:p>
+        </p:txBody>
+      </p:sp>
+    </p:spTree>
+    <p:extLst>
+      <p:ext uri="{BB962C8B-B14F-4D97-AF65-F5344CB8AC3E}">
+        <p14:creationId xmlns:p14="http://schemas.microsoft.com/office/powerpoint/2010/main" val="1059931453"/>
+      </p:ext>
+    </p:extLst>
+  </p:cSld>
+  <p:clrMapOvr>
+    <a:masterClrMapping/>
+  </p:clrMapOvr>
+  <p:timing>
+    <p:tnLst>
+      <p:par>
+        <p:cTn id="1" dur="indefinite" restart="never" nodeType="tmRoot"/>
+      </p:par>
+    </p:tnLst>
+  </p:timing>
+</p:sld>
+</file>
+
+<file path=ppt/slides/slide2.xml><?xml version="1.0" encoding="utf-8"?>
+<p:sld xmlns:a="http://schemas.openxmlformats.org/drawingml/2006/main" xmlns:r="http://schemas.openxmlformats.org/officeDocument/2006/relationships" xmlns:p="http://schemas.openxmlformats.org/presentationml/2006/main">
+  <p:cSld>
+    <p:spTree>
+      <p:nvGrpSpPr>
+        <p:cNvPr id="1" name=""/>
+        <p:cNvGrpSpPr/>
+        <p:nvPr/>
+      </p:nvGrpSpPr>
+      <p:grpSpPr>
+        <a:xfrm>
+          <a:off x="0" y="0"/>
+          <a:ext cx="0" cy="0"/>
+          <a:chOff x="0" y="0"/>
+          <a:chExt cx="0" cy="0"/>
+        </a:xfrm>
+      </p:grpSpPr>
+      <p:sp>
+        <p:nvSpPr>
+          <p:cNvPr id="2" name="Title 1"/>
+          <p:cNvSpPr>
+            <a:spLocks noGrp="1"/>
+          </p:cNvSpPr>
+          <p:nvPr>
+            <p:ph type="title"/>
+          </p:nvPr>
+        </p:nvSpPr>
+        <p:spPr/>
+        <p:txBody>
+          <a:bodyPr/>
+          <a:lstStyle/>
+          <a:p>
+            <a:r>
+              <a:rPr lang="en-US" dirty="0" smtClean="0"/>
+              <a:t>Purview</a:t>
+            </a:r>
+            <a:endParaRPr lang="en-US" dirty="0"/>
+          </a:p>
+        </p:txBody>
+      </p:sp>
+      <p:sp>
+        <p:nvSpPr>
+          <p:cNvPr id="3" name="Content Placeholder 2"/>
+          <p:cNvSpPr>
+            <a:spLocks noGrp="1"/>
+          </p:cNvSpPr>
+          <p:nvPr>
+            <p:ph idx="1"/>
+          </p:nvPr>
+        </p:nvSpPr>
+        <p:spPr/>
+        <p:txBody>
+          <a:bodyPr>
+            <a:normAutofit/>
+          </a:bodyPr>
+          <a:lstStyle/>
+          <a:p>
+            <a:pPr>
+              <a:lnSpc>
+                <a:spcPct val="150000"/>
+              </a:lnSpc>
+            </a:pPr>
+            <a:r>
+              <a:rPr lang="en-US" dirty="0" smtClean="0"/>
+              <a:t>Introduction</a:t>
+            </a:r>
+            <a:endParaRPr lang="en-US" dirty="0"/>
+          </a:p>
+          <a:p>
+            <a:pPr>
+              <a:lnSpc>
+                <a:spcPct val="150000"/>
+              </a:lnSpc>
+            </a:pPr>
+            <a:r>
+              <a:rPr lang="en-US" dirty="0" smtClean="0"/>
+              <a:t>Motivation</a:t>
+            </a:r>
+            <a:endParaRPr lang="en-US" dirty="0"/>
+          </a:p>
+          <a:p>
+            <a:pPr>
+              <a:lnSpc>
+                <a:spcPct val="150000"/>
+              </a:lnSpc>
+            </a:pPr>
+            <a:r>
+              <a:rPr lang="en-US" dirty="0" smtClean="0"/>
+              <a:t>Broad </a:t>
+            </a:r>
+            <a:r>
+              <a:rPr lang="en-US" dirty="0"/>
+              <a:t>Objective</a:t>
+            </a:r>
+          </a:p>
+          <a:p>
+            <a:pPr>
+              <a:lnSpc>
+                <a:spcPct val="150000"/>
+              </a:lnSpc>
+            </a:pPr>
+            <a:r>
+              <a:rPr lang="en-US" dirty="0" smtClean="0"/>
+              <a:t>Problem </a:t>
+            </a:r>
+            <a:r>
+              <a:rPr lang="en-US" dirty="0"/>
+              <a:t>Statement</a:t>
+            </a:r>
+          </a:p>
+          <a:p>
+            <a:pPr>
+              <a:lnSpc>
+                <a:spcPct val="150000"/>
+              </a:lnSpc>
+            </a:pPr>
+            <a:r>
+              <a:rPr lang="en-US" dirty="0" smtClean="0"/>
+              <a:t>Solution </a:t>
+            </a:r>
+            <a:r>
+              <a:rPr lang="en-US" dirty="0"/>
+              <a:t>Approach</a:t>
+            </a:r>
+          </a:p>
+          <a:p>
+            <a:pPr>
+              <a:lnSpc>
+                <a:spcPct val="150000"/>
+              </a:lnSpc>
+            </a:pPr>
+            <a:r>
+              <a:rPr lang="en-US" dirty="0" smtClean="0"/>
+              <a:t>Results </a:t>
+            </a:r>
+            <a:r>
+              <a:rPr lang="en-US" dirty="0"/>
+              <a:t>obtained</a:t>
+            </a:r>
+          </a:p>
+          <a:p>
+            <a:pPr>
+              <a:lnSpc>
+                <a:spcPct val="150000"/>
+              </a:lnSpc>
+            </a:pPr>
+            <a:r>
+              <a:rPr lang="en-US" dirty="0" smtClean="0"/>
+              <a:t>References</a:t>
+            </a:r>
+            <a:endParaRPr lang="en-US" dirty="0"/>
+          </a:p>
+        </p:txBody>
+      </p:sp>
+    </p:spTree>
+    <p:extLst>
+      <p:ext uri="{BB962C8B-B14F-4D97-AF65-F5344CB8AC3E}">
+        <p14:creationId xmlns:p14="http://schemas.microsoft.com/office/powerpoint/2010/main" val="2712839627"/>
+      </p:ext>
+    </p:extLst>
+  </p:cSld>
+  <p:clrMapOvr>
+    <a:masterClrMapping/>
+  </p:clrMapOvr>
+  <p:timing>
+    <p:tnLst>
+      <p:par>
+        <p:cTn id="1" dur="indefinite" restart="never" nodeType="tmRoot"/>
+      </p:par>
+    </p:tnLst>
+  </p:timing>
+</p:sld>
+</file>
+
+<file path=ppt/slides/slide20.xml><?xml version="1.0" encoding="utf-8"?>
+<p:sld xmlns:a="http://schemas.openxmlformats.org/drawingml/2006/main" xmlns:r="http://schemas.openxmlformats.org/officeDocument/2006/relationships" xmlns:p="http://schemas.openxmlformats.org/presentationml/2006/main">
+  <p:cSld>
+    <p:spTree>
+      <p:nvGrpSpPr>
+        <p:cNvPr id="1" name=""/>
+        <p:cNvGrpSpPr/>
+        <p:nvPr/>
+      </p:nvGrpSpPr>
+      <p:grpSpPr>
+        <a:xfrm>
+          <a:off x="0" y="0"/>
+          <a:ext cx="0" cy="0"/>
+          <a:chOff x="0" y="0"/>
+          <a:chExt cx="0" cy="0"/>
+        </a:xfrm>
+      </p:grpSpPr>
+      <p:sp>
+        <p:nvSpPr>
+          <p:cNvPr id="2" name="Title 1"/>
+          <p:cNvSpPr>
+            <a:spLocks noGrp="1"/>
+          </p:cNvSpPr>
+          <p:nvPr>
+            <p:ph type="title"/>
+          </p:nvPr>
+        </p:nvSpPr>
+        <p:spPr/>
+        <p:txBody>
+          <a:bodyPr/>
+          <a:lstStyle/>
+          <a:p>
+            <a:r>
+              <a:rPr lang="en-US" dirty="0" smtClean="0"/>
+              <a:t>Definitions</a:t>
+            </a:r>
+            <a:endParaRPr lang="en-US" dirty="0"/>
+          </a:p>
+        </p:txBody>
+      </p:sp>
+      <mc:AlternateContent xmlns:mc="http://schemas.openxmlformats.org/markup-compatibility/2006" xmlns:a14="http://schemas.microsoft.com/office/drawing/2010/main">
+        <mc:Choice Requires="a14">
+          <p:sp>
+            <p:nvSpPr>
+              <p:cNvPr id="3" name="Content Placeholder 2"/>
+              <p:cNvSpPr>
+                <a:spLocks noGrp="1"/>
+              </p:cNvSpPr>
+              <p:nvPr>
+                <p:ph idx="1"/>
+              </p:nvPr>
+            </p:nvSpPr>
+            <p:spPr/>
+            <p:txBody>
+              <a:bodyPr>
+                <a:normAutofit lnSpcReduction="10000"/>
+              </a:bodyPr>
+              <a:lstStyle/>
+              <a:p>
+                <a:r>
+                  <a:rPr lang="en-US" dirty="0" smtClean="0"/>
+                  <a:t>Perimeter-covered</a:t>
+                </a:r>
+                <a:endParaRPr lang="en-US" dirty="0"/>
+              </a:p>
+              <a:p>
+                <a:pPr lvl="1"/>
+                <a:r>
+                  <a:rPr lang="en-US" dirty="0" smtClean="0"/>
+                  <a:t>Two </a:t>
+                </a:r>
+                <a:r>
+                  <a:rPr lang="en-US" dirty="0"/>
+                  <a:t>sensors </a:t>
+                </a:r>
+                <a14:m>
+                  <m:oMath xmlns:m="http://schemas.openxmlformats.org/officeDocument/2006/math">
+                    <m:sSub>
+                      <m:sSubPr>
+                        <m:ctrlPr>
+                          <a:rPr lang="en-US" b="0" i="1" smtClean="0">
+                            <a:latin typeface="Cambria Math" panose="02040503050406030204" pitchFamily="18" charset="0"/>
+                          </a:rPr>
+                        </m:ctrlPr>
+                      </m:sSubPr>
+                      <m:e>
+                        <m:r>
+                          <a:rPr lang="en-US" b="0" i="1" smtClean="0">
+                            <a:latin typeface="Cambria Math" panose="02040503050406030204" pitchFamily="18" charset="0"/>
+                          </a:rPr>
+                          <m:t>𝑠</m:t>
+                        </m:r>
+                      </m:e>
+                      <m:sub>
+                        <m:r>
+                          <a:rPr lang="en-US" b="0" i="1" smtClean="0">
+                            <a:latin typeface="Cambria Math" panose="02040503050406030204" pitchFamily="18" charset="0"/>
+                          </a:rPr>
+                          <m:t>𝑖</m:t>
+                        </m:r>
+                      </m:sub>
+                    </m:sSub>
+                  </m:oMath>
+                </a14:m>
+                <a:r>
+                  <a:rPr lang="en-US" dirty="0" smtClean="0"/>
+                  <a:t> </a:t>
+                </a:r>
+                <a:r>
+                  <a:rPr lang="en-US" dirty="0"/>
+                  <a:t>and </a:t>
+                </a:r>
+                <a14:m>
+                  <m:oMath xmlns:m="http://schemas.openxmlformats.org/officeDocument/2006/math">
+                    <m:sSub>
+                      <m:sSubPr>
+                        <m:ctrlPr>
+                          <a:rPr lang="en-US" b="0" i="1" smtClean="0">
+                            <a:latin typeface="Cambria Math" panose="02040503050406030204" pitchFamily="18" charset="0"/>
+                          </a:rPr>
+                        </m:ctrlPr>
+                      </m:sSubPr>
+                      <m:e>
+                        <m:r>
+                          <a:rPr lang="en-US" b="0" i="1" smtClean="0">
+                            <a:latin typeface="Cambria Math" panose="02040503050406030204" pitchFamily="18" charset="0"/>
+                          </a:rPr>
+                          <m:t>𝑠</m:t>
+                        </m:r>
+                      </m:e>
+                      <m:sub>
+                        <m:r>
+                          <a:rPr lang="en-US" b="0" i="1" smtClean="0">
+                            <a:latin typeface="Cambria Math" panose="02040503050406030204" pitchFamily="18" charset="0"/>
+                          </a:rPr>
+                          <m:t>𝑗</m:t>
+                        </m:r>
+                      </m:sub>
+                    </m:sSub>
+                  </m:oMath>
+                </a14:m>
+                <a:endParaRPr lang="en-US" dirty="0" smtClean="0"/>
+              </a:p>
+              <a:p>
+                <a:pPr lvl="1"/>
+                <a:r>
+                  <a:rPr lang="en-US" dirty="0" smtClean="0"/>
+                  <a:t>A </a:t>
+                </a:r>
+                <a:r>
+                  <a:rPr lang="en-US" dirty="0"/>
+                  <a:t>point on </a:t>
+                </a:r>
+                <a:r>
+                  <a:rPr lang="en-US" dirty="0" smtClean="0"/>
+                  <a:t>the perimeter </a:t>
+                </a:r>
+                <a:r>
+                  <a:rPr lang="en-US" dirty="0"/>
+                  <a:t>of </a:t>
+                </a:r>
+                <a14:m>
+                  <m:oMath xmlns:m="http://schemas.openxmlformats.org/officeDocument/2006/math">
+                    <m:sSub>
+                      <m:sSubPr>
+                        <m:ctrlPr>
+                          <a:rPr lang="en-US" b="0" i="1" smtClean="0">
+                            <a:latin typeface="Cambria Math" panose="02040503050406030204" pitchFamily="18" charset="0"/>
+                          </a:rPr>
+                        </m:ctrlPr>
+                      </m:sSubPr>
+                      <m:e>
+                        <m:r>
+                          <a:rPr lang="en-US" b="0" i="1" smtClean="0">
+                            <a:latin typeface="Cambria Math" panose="02040503050406030204" pitchFamily="18" charset="0"/>
+                          </a:rPr>
+                          <m:t>𝑠</m:t>
+                        </m:r>
+                      </m:e>
+                      <m:sub>
+                        <m:r>
+                          <a:rPr lang="en-US" b="0" i="1" smtClean="0">
+                            <a:latin typeface="Cambria Math" panose="02040503050406030204" pitchFamily="18" charset="0"/>
+                          </a:rPr>
+                          <m:t>𝑖</m:t>
+                        </m:r>
+                      </m:sub>
+                    </m:sSub>
+                  </m:oMath>
+                </a14:m>
+                <a:r>
+                  <a:rPr lang="en-US" dirty="0" smtClean="0"/>
+                  <a:t> </a:t>
+                </a:r>
+                <a:r>
+                  <a:rPr lang="en-US" dirty="0"/>
+                  <a:t>is perimeter-covered by </a:t>
+                </a:r>
+                <a14:m>
+                  <m:oMath xmlns:m="http://schemas.openxmlformats.org/officeDocument/2006/math">
+                    <m:sSub>
+                      <m:sSubPr>
+                        <m:ctrlPr>
+                          <a:rPr lang="en-US" b="0" i="1" smtClean="0">
+                            <a:latin typeface="Cambria Math" panose="02040503050406030204" pitchFamily="18" charset="0"/>
+                          </a:rPr>
+                        </m:ctrlPr>
+                      </m:sSubPr>
+                      <m:e>
+                        <m:r>
+                          <a:rPr lang="en-US" b="0" i="1" smtClean="0">
+                            <a:latin typeface="Cambria Math" panose="02040503050406030204" pitchFamily="18" charset="0"/>
+                          </a:rPr>
+                          <m:t>𝑠</m:t>
+                        </m:r>
+                      </m:e>
+                      <m:sub>
+                        <m:r>
+                          <a:rPr lang="en-US" b="0" i="1" smtClean="0">
+                            <a:latin typeface="Cambria Math" panose="02040503050406030204" pitchFamily="18" charset="0"/>
+                          </a:rPr>
+                          <m:t>𝑗</m:t>
+                        </m:r>
+                      </m:sub>
+                    </m:sSub>
+                  </m:oMath>
+                </a14:m>
+                <a:r>
+                  <a:rPr lang="en-US" dirty="0" smtClean="0"/>
+                  <a:t> if </a:t>
+                </a:r>
+                <a:r>
+                  <a:rPr lang="en-US" dirty="0"/>
+                  <a:t>this point </a:t>
+                </a:r>
+                <a:r>
+                  <a:rPr lang="en-US" dirty="0" smtClean="0"/>
+                  <a:t>is within </a:t>
+                </a:r>
+                <a:r>
+                  <a:rPr lang="en-US" dirty="0"/>
+                  <a:t>the sensing range of </a:t>
+                </a:r>
+                <a14:m>
+                  <m:oMath xmlns:m="http://schemas.openxmlformats.org/officeDocument/2006/math">
+                    <m:sSub>
+                      <m:sSubPr>
+                        <m:ctrlPr>
+                          <a:rPr lang="en-US" b="0" i="1" smtClean="0">
+                            <a:latin typeface="Cambria Math" panose="02040503050406030204" pitchFamily="18" charset="0"/>
+                          </a:rPr>
+                        </m:ctrlPr>
+                      </m:sSubPr>
+                      <m:e>
+                        <m:r>
+                          <a:rPr lang="en-US" b="0" i="1" smtClean="0">
+                            <a:latin typeface="Cambria Math" panose="02040503050406030204" pitchFamily="18" charset="0"/>
+                          </a:rPr>
+                          <m:t>𝑠</m:t>
+                        </m:r>
+                      </m:e>
+                      <m:sub>
+                        <m:r>
+                          <a:rPr lang="en-US" b="0" i="1" smtClean="0">
+                            <a:latin typeface="Cambria Math" panose="02040503050406030204" pitchFamily="18" charset="0"/>
+                          </a:rPr>
+                          <m:t>𝑗</m:t>
+                        </m:r>
+                      </m:sub>
+                    </m:sSub>
+                  </m:oMath>
+                </a14:m>
+                <a:r>
+                  <a:rPr lang="en-US" dirty="0" smtClean="0"/>
+                  <a:t>.</a:t>
+                </a:r>
+                <a:endParaRPr lang="en-US" dirty="0"/>
+              </a:p>
+              <a:p>
+                <a:endParaRPr lang="en-US" dirty="0"/>
+              </a:p>
+              <a:p>
+                <a14:m>
+                  <m:oMath xmlns:m="http://schemas.openxmlformats.org/officeDocument/2006/math">
+                    <m:r>
+                      <a:rPr lang="en-US" i="1" dirty="0" smtClean="0">
+                        <a:latin typeface="Cambria Math" panose="02040503050406030204" pitchFamily="18" charset="0"/>
+                      </a:rPr>
+                      <m:t>𝑘</m:t>
+                    </m:r>
+                  </m:oMath>
+                </a14:m>
+                <a:r>
+                  <a:rPr lang="en-US" dirty="0" smtClean="0"/>
+                  <a:t>-Perimeter covered</a:t>
+                </a:r>
+              </a:p>
+              <a:p>
+                <a:pPr lvl="1"/>
+                <a:r>
+                  <a:rPr lang="en-US" dirty="0" smtClean="0"/>
+                  <a:t>Consider sensor </a:t>
+                </a:r>
+                <a14:m>
+                  <m:oMath xmlns:m="http://schemas.openxmlformats.org/officeDocument/2006/math">
+                    <m:sSub>
+                      <m:sSubPr>
+                        <m:ctrlPr>
+                          <a:rPr lang="en-US" b="0" i="1" smtClean="0">
+                            <a:latin typeface="Cambria Math" panose="02040503050406030204" pitchFamily="18" charset="0"/>
+                          </a:rPr>
+                        </m:ctrlPr>
+                      </m:sSubPr>
+                      <m:e>
+                        <m:r>
+                          <a:rPr lang="en-US" b="0" i="1" smtClean="0">
+                            <a:latin typeface="Cambria Math" panose="02040503050406030204" pitchFamily="18" charset="0"/>
+                          </a:rPr>
+                          <m:t>𝑠</m:t>
+                        </m:r>
+                      </m:e>
+                      <m:sub>
+                        <m:r>
+                          <a:rPr lang="en-US" b="0" i="1" smtClean="0">
+                            <a:latin typeface="Cambria Math" panose="02040503050406030204" pitchFamily="18" charset="0"/>
+                          </a:rPr>
+                          <m:t>𝑖</m:t>
+                        </m:r>
+                      </m:sub>
+                    </m:sSub>
+                  </m:oMath>
+                </a14:m>
+                <a:r>
+                  <a:rPr lang="en-US" dirty="0" smtClean="0"/>
+                  <a:t> . </a:t>
+                </a:r>
+              </a:p>
+              <a:p>
+                <a:pPr lvl="1"/>
+                <a14:m>
+                  <m:oMath xmlns:m="http://schemas.openxmlformats.org/officeDocument/2006/math">
+                    <m:sSub>
+                      <m:sSubPr>
+                        <m:ctrlPr>
+                          <a:rPr lang="en-US" b="0" i="1" smtClean="0">
+                            <a:latin typeface="Cambria Math" panose="02040503050406030204" pitchFamily="18" charset="0"/>
+                          </a:rPr>
+                        </m:ctrlPr>
+                      </m:sSubPr>
+                      <m:e>
+                        <m:r>
+                          <a:rPr lang="en-US" b="0" i="1" smtClean="0">
+                            <a:latin typeface="Cambria Math" panose="02040503050406030204" pitchFamily="18" charset="0"/>
+                          </a:rPr>
+                          <m:t>𝑠</m:t>
+                        </m:r>
+                      </m:e>
+                      <m:sub>
+                        <m:r>
+                          <a:rPr lang="en-US" b="0" i="1" smtClean="0">
+                            <a:latin typeface="Cambria Math" panose="02040503050406030204" pitchFamily="18" charset="0"/>
+                          </a:rPr>
+                          <m:t>𝑖</m:t>
+                        </m:r>
+                      </m:sub>
+                    </m:sSub>
+                  </m:oMath>
+                </a14:m>
+                <a:r>
+                  <a:rPr lang="en-US" dirty="0" smtClean="0"/>
+                  <a:t> is k-perimeter covered </a:t>
+                </a:r>
+                <a:r>
+                  <a:rPr lang="en-US" dirty="0"/>
+                  <a:t>if all points on the perimeter of </a:t>
+                </a:r>
+                <a14:m>
+                  <m:oMath xmlns:m="http://schemas.openxmlformats.org/officeDocument/2006/math">
+                    <m:sSub>
+                      <m:sSubPr>
+                        <m:ctrlPr>
+                          <a:rPr lang="en-US" b="0" i="1" smtClean="0">
+                            <a:latin typeface="Cambria Math" panose="02040503050406030204" pitchFamily="18" charset="0"/>
+                          </a:rPr>
+                        </m:ctrlPr>
+                      </m:sSubPr>
+                      <m:e>
+                        <m:r>
+                          <a:rPr lang="en-US" b="0" i="1" smtClean="0">
+                            <a:latin typeface="Cambria Math" panose="02040503050406030204" pitchFamily="18" charset="0"/>
+                          </a:rPr>
+                          <m:t>𝑠</m:t>
+                        </m:r>
+                      </m:e>
+                      <m:sub>
+                        <m:r>
+                          <a:rPr lang="en-US" b="0" i="1" smtClean="0">
+                            <a:latin typeface="Cambria Math" panose="02040503050406030204" pitchFamily="18" charset="0"/>
+                          </a:rPr>
+                          <m:t>𝑖</m:t>
+                        </m:r>
+                      </m:sub>
+                    </m:sSub>
+                    <m:r>
+                      <a:rPr lang="en-US" b="0" i="1" smtClean="0">
+                        <a:latin typeface="Cambria Math" panose="02040503050406030204" pitchFamily="18" charset="0"/>
+                      </a:rPr>
+                      <m:t> </m:t>
+                    </m:r>
+                  </m:oMath>
+                </a14:m>
+                <a:r>
+                  <a:rPr lang="en-US" dirty="0" smtClean="0"/>
+                  <a:t>are perimeter covered </a:t>
+                </a:r>
+                <a:r>
+                  <a:rPr lang="en-US" dirty="0"/>
+                  <a:t>by at least </a:t>
+                </a:r>
+                <a14:m>
+                  <m:oMath xmlns:m="http://schemas.openxmlformats.org/officeDocument/2006/math">
+                    <m:r>
+                      <a:rPr lang="en-US" i="1" dirty="0" smtClean="0">
+                        <a:latin typeface="Cambria Math" panose="02040503050406030204" pitchFamily="18" charset="0"/>
+                      </a:rPr>
+                      <m:t>𝑘</m:t>
+                    </m:r>
+                  </m:oMath>
+                </a14:m>
+                <a:r>
+                  <a:rPr lang="en-US" dirty="0" smtClean="0"/>
+                  <a:t> sensors </a:t>
+                </a:r>
+                <a:r>
+                  <a:rPr lang="en-US" dirty="0"/>
+                  <a:t>other than </a:t>
+                </a:r>
+                <a14:m>
+                  <m:oMath xmlns:m="http://schemas.openxmlformats.org/officeDocument/2006/math">
+                    <m:sSub>
+                      <m:sSubPr>
+                        <m:ctrlPr>
+                          <a:rPr lang="en-US" b="0" i="1" smtClean="0">
+                            <a:latin typeface="Cambria Math" panose="02040503050406030204" pitchFamily="18" charset="0"/>
+                          </a:rPr>
+                        </m:ctrlPr>
+                      </m:sSubPr>
+                      <m:e>
+                        <m:r>
+                          <a:rPr lang="en-US" b="0" i="1" smtClean="0">
+                            <a:latin typeface="Cambria Math" panose="02040503050406030204" pitchFamily="18" charset="0"/>
+                          </a:rPr>
+                          <m:t>𝑠</m:t>
+                        </m:r>
+                      </m:e>
+                      <m:sub>
+                        <m:r>
+                          <a:rPr lang="en-US" b="0" i="1" smtClean="0">
+                            <a:latin typeface="Cambria Math" panose="02040503050406030204" pitchFamily="18" charset="0"/>
+                          </a:rPr>
+                          <m:t>𝑖</m:t>
+                        </m:r>
+                      </m:sub>
+                    </m:sSub>
+                  </m:oMath>
+                </a14:m>
+                <a:r>
+                  <a:rPr lang="en-US" dirty="0" smtClean="0"/>
+                  <a:t> itself.</a:t>
+                </a:r>
+              </a:p>
+              <a:p>
+                <a:pPr lvl="1"/>
+                <a:endParaRPr lang="en-US" dirty="0"/>
+              </a:p>
+              <a:p>
+                <a:r>
+                  <a:rPr lang="en-US" dirty="0"/>
+                  <a:t>Perimeter Coverage Level (PCL)</a:t>
+                </a:r>
+              </a:p>
+              <a:p>
+                <a:pPr lvl="1"/>
+                <a:r>
+                  <a:rPr lang="en-US" dirty="0"/>
+                  <a:t>Number of sensors in the same set that cover any point on a sensor’s perimeter of the sensing area</a:t>
+                </a:r>
+                <a:r>
+                  <a:rPr lang="en-US" dirty="0" smtClean="0"/>
+                  <a:t>.</a:t>
+                </a:r>
+                <a:endParaRPr lang="en-US" dirty="0"/>
+              </a:p>
+              <a:p>
+                <a:endParaRPr lang="en-US" dirty="0"/>
+              </a:p>
+            </p:txBody>
+          </p:sp>
+        </mc:Choice>
+        <mc:Fallback xmlns="">
+          <p:sp>
+            <p:nvSpPr>
+              <p:cNvPr id="3" name="Content Placeholder 2"/>
+              <p:cNvSpPr>
+                <a:spLocks noGrp="1" noRot="1" noChangeAspect="1" noMove="1" noResize="1" noEditPoints="1" noAdjustHandles="1" noChangeArrowheads="1" noChangeShapeType="1" noTextEdit="1"/>
+              </p:cNvSpPr>
+              <p:nvPr>
+                <p:ph idx="1"/>
+              </p:nvPr>
+            </p:nvSpPr>
+            <p:spPr>
+              <a:blipFill rotWithShape="0">
+                <a:blip r:embed="rId2"/>
+                <a:stretch>
+                  <a:fillRect l="-773" t="-2177" r="-850"/>
+                </a:stretch>
+              </a:blipFill>
+            </p:spPr>
+            <p:txBody>
+              <a:bodyPr/>
+              <a:lstStyle/>
+              <a:p>
+                <a:r>
+                  <a:rPr lang="en-US">
+                    <a:noFill/>
+                  </a:rPr>
+                  <a:t> </a:t>
+                </a:r>
+              </a:p>
+            </p:txBody>
+          </p:sp>
+        </mc:Fallback>
+      </mc:AlternateContent>
+    </p:spTree>
+    <p:extLst>
+      <p:ext uri="{BB962C8B-B14F-4D97-AF65-F5344CB8AC3E}">
+        <p14:creationId xmlns:p14="http://schemas.microsoft.com/office/powerpoint/2010/main" val="1971026448"/>
+      </p:ext>
+    </p:extLst>
+  </p:cSld>
+  <p:clrMapOvr>
+    <a:masterClrMapping/>
+  </p:clrMapOvr>
+  <p:timing>
+    <p:tnLst>
+      <p:par>
+        <p:cTn id="1" dur="indefinite" restart="never" nodeType="tmRoot"/>
+      </p:par>
+    </p:tnLst>
+  </p:timing>
+</p:sld>
+</file>
+
+<file path=ppt/slides/slide21.xml><?xml version="1.0" encoding="utf-8"?>
+<p:sld xmlns:a="http://schemas.openxmlformats.org/drawingml/2006/main" xmlns:r="http://schemas.openxmlformats.org/officeDocument/2006/relationships" xmlns:p="http://schemas.openxmlformats.org/presentationml/2006/main">
+  <p:cSld>
+    <p:spTree>
+      <p:nvGrpSpPr>
+        <p:cNvPr id="1" name=""/>
+        <p:cNvGrpSpPr/>
+        <p:nvPr/>
+      </p:nvGrpSpPr>
+      <p:grpSpPr>
+        <a:xfrm>
+          <a:off x="0" y="0"/>
+          <a:ext cx="0" cy="0"/>
+          <a:chOff x="0" y="0"/>
+          <a:chExt cx="0" cy="0"/>
+        </a:xfrm>
+      </p:grpSpPr>
+      <p:sp>
+        <p:nvSpPr>
+          <p:cNvPr id="2" name="Title 1"/>
+          <p:cNvSpPr>
+            <a:spLocks noGrp="1"/>
+          </p:cNvSpPr>
+          <p:nvPr>
+            <p:ph type="title"/>
+          </p:nvPr>
+        </p:nvSpPr>
+        <p:spPr/>
+        <p:txBody>
+          <a:bodyPr/>
+          <a:lstStyle/>
+          <a:p>
+            <a:r>
+              <a:rPr lang="en-US" dirty="0" smtClean="0"/>
+              <a:t>Region Coverage</a:t>
+            </a:r>
+            <a:endParaRPr lang="en-US" dirty="0"/>
+          </a:p>
+        </p:txBody>
+      </p:sp>
+      <p:sp>
+        <p:nvSpPr>
+          <p:cNvPr id="3" name="Content Placeholder 2"/>
+          <p:cNvSpPr>
+            <a:spLocks noGrp="1"/>
+          </p:cNvSpPr>
+          <p:nvPr>
+            <p:ph idx="4294967295"/>
+          </p:nvPr>
+        </p:nvSpPr>
+        <p:spPr>
+          <a:xfrm>
+            <a:off x="725286" y="5142359"/>
+            <a:ext cx="7795260" cy="1052701"/>
+          </a:xfrm>
+        </p:spPr>
+        <p:txBody>
+          <a:bodyPr>
+            <a:normAutofit/>
+          </a:bodyPr>
+          <a:lstStyle/>
+          <a:p>
+            <a:r>
+              <a:rPr lang="en-US" sz="1800" dirty="0" smtClean="0">
+                <a:latin typeface="Bookman Old Style" panose="02050604050505020204" pitchFamily="18" charset="0"/>
+              </a:rPr>
+              <a:t>Rectangular region is covered if		      </a:t>
+            </a:r>
+            <a:r>
+              <a:rPr lang="en-US" sz="1400" dirty="0" smtClean="0">
+                <a:latin typeface="Bookman Old Style" panose="02050604050505020204" pitchFamily="18" charset="0"/>
+              </a:rPr>
+              <a:t>[Huang et al 2003]</a:t>
+            </a:r>
+            <a:endParaRPr lang="en-US" sz="1800" dirty="0" smtClean="0">
+              <a:latin typeface="Bookman Old Style" panose="02050604050505020204" pitchFamily="18" charset="0"/>
+            </a:endParaRPr>
+          </a:p>
+          <a:p>
+            <a:pPr lvl="1"/>
+            <a:r>
+              <a:rPr lang="en-US" sz="1800" dirty="0" smtClean="0">
+                <a:latin typeface="Bookman Old Style" panose="02050604050505020204" pitchFamily="18" charset="0"/>
+              </a:rPr>
+              <a:t>Each </a:t>
+            </a:r>
+            <a:r>
+              <a:rPr lang="en-US" sz="1800" dirty="0">
+                <a:latin typeface="Bookman Old Style" panose="02050604050505020204" pitchFamily="18" charset="0"/>
+              </a:rPr>
+              <a:t>sensor in the network is </a:t>
+            </a:r>
+            <a:r>
+              <a:rPr lang="en-US" sz="1800" dirty="0" smtClean="0">
+                <a:latin typeface="Bookman Old Style" panose="02050604050505020204" pitchFamily="18" charset="0"/>
+              </a:rPr>
+              <a:t>perimeter-covered</a:t>
+            </a:r>
+          </a:p>
+          <a:p>
+            <a:pPr lvl="1"/>
+            <a:r>
+              <a:rPr lang="en-US" sz="1800" dirty="0" smtClean="0">
+                <a:latin typeface="Bookman Old Style" panose="02050604050505020204" pitchFamily="18" charset="0"/>
+              </a:rPr>
+              <a:t>No two sensors are located in the same location. </a:t>
+            </a:r>
+            <a:endParaRPr lang="en-US" sz="1800" dirty="0"/>
+          </a:p>
+          <a:p>
+            <a:endParaRPr lang="en-US" sz="1800" dirty="0"/>
+          </a:p>
+        </p:txBody>
+      </p:sp>
+      <p:grpSp>
+        <p:nvGrpSpPr>
+          <p:cNvPr id="7" name="Group 6"/>
+          <p:cNvGrpSpPr/>
+          <p:nvPr/>
+        </p:nvGrpSpPr>
+        <p:grpSpPr>
+          <a:xfrm>
+            <a:off x="4724312" y="1246550"/>
+            <a:ext cx="3800691" cy="3232254"/>
+            <a:chOff x="4724312" y="1418000"/>
+            <a:chExt cx="3800691" cy="3232254"/>
+          </a:xfrm>
+        </p:grpSpPr>
+        <p:pic>
+          <p:nvPicPr>
+            <p:cNvPr id="4" name="Picture 3"/>
+            <p:cNvPicPr>
+              <a:picLocks noChangeAspect="1"/>
+            </p:cNvPicPr>
+            <p:nvPr/>
+          </p:nvPicPr>
+          <p:blipFill>
+            <a:blip r:embed="rId2"/>
+            <a:stretch>
+              <a:fillRect/>
+            </a:stretch>
+          </p:blipFill>
+          <p:spPr>
+            <a:xfrm>
+              <a:off x="4728770" y="1418000"/>
+              <a:ext cx="3796233" cy="2970644"/>
+            </a:xfrm>
+            <a:prstGeom prst="rect">
+              <a:avLst/>
+            </a:prstGeom>
+          </p:spPr>
+        </p:pic>
+        <p:sp>
+          <p:nvSpPr>
+            <p:cNvPr id="5" name="TextBox 4"/>
+            <p:cNvSpPr txBox="1"/>
+            <p:nvPr/>
+          </p:nvSpPr>
+          <p:spPr>
+            <a:xfrm>
+              <a:off x="4724312" y="4388644"/>
+              <a:ext cx="3796233" cy="261610"/>
+            </a:xfrm>
+            <a:prstGeom prst="rect">
+              <a:avLst/>
+            </a:prstGeom>
+            <a:noFill/>
+          </p:spPr>
+          <p:txBody>
+            <a:bodyPr wrap="square" rtlCol="0">
+              <a:spAutoFit/>
+            </a:bodyPr>
+            <a:lstStyle/>
+            <a:p>
+              <a:pPr algn="ctr"/>
+              <a:r>
+                <a:rPr lang="en-US" sz="1100" dirty="0" smtClean="0"/>
+                <a:t>Fig: The </a:t>
+              </a:r>
+              <a:r>
+                <a:rPr lang="en-US" sz="1100" dirty="0"/>
+                <a:t>number in each sub-region is its coverage</a:t>
+              </a:r>
+              <a:endParaRPr lang="en-IN" sz="1100" dirty="0"/>
+            </a:p>
+          </p:txBody>
+        </p:sp>
+      </p:grpSp>
+      <p:sp>
+        <p:nvSpPr>
+          <p:cNvPr id="6" name="TextBox 5"/>
+          <p:cNvSpPr txBox="1"/>
+          <p:nvPr/>
+        </p:nvSpPr>
+        <p:spPr>
+          <a:xfrm>
+            <a:off x="725285" y="1418000"/>
+            <a:ext cx="3851910" cy="1477328"/>
+          </a:xfrm>
+          <a:prstGeom prst="rect">
+            <a:avLst/>
+          </a:prstGeom>
+          <a:noFill/>
+        </p:spPr>
+        <p:txBody>
+          <a:bodyPr wrap="square" rtlCol="0">
+            <a:spAutoFit/>
+          </a:bodyPr>
+          <a:lstStyle/>
+          <a:p>
+            <a:pPr marL="285750" indent="-285750">
+              <a:buFont typeface="Arial" panose="020B0604020202020204" pitchFamily="34" charset="0"/>
+              <a:buChar char="•"/>
+            </a:pPr>
+            <a:r>
+              <a:rPr lang="en-US" dirty="0">
+                <a:latin typeface="Bookman Old Style" panose="02050604050505020204" pitchFamily="18" charset="0"/>
+              </a:rPr>
+              <a:t>Region is subdivided by sensing </a:t>
+            </a:r>
+            <a:r>
+              <a:rPr lang="en-US" dirty="0" smtClean="0">
+                <a:latin typeface="Bookman Old Style" panose="02050604050505020204" pitchFamily="18" charset="0"/>
+              </a:rPr>
+              <a:t>ranges</a:t>
+            </a:r>
+          </a:p>
+          <a:p>
+            <a:pPr marL="285750" indent="-285750">
+              <a:buFont typeface="Arial" panose="020B0604020202020204" pitchFamily="34" charset="0"/>
+              <a:buChar char="•"/>
+            </a:pPr>
+            <a:endParaRPr lang="en-US" dirty="0">
+              <a:latin typeface="Bookman Old Style" panose="02050604050505020204" pitchFamily="18" charset="0"/>
+            </a:endParaRPr>
+          </a:p>
+          <a:p>
+            <a:pPr marL="285750" indent="-285750">
+              <a:buFont typeface="Arial" panose="020B0604020202020204" pitchFamily="34" charset="0"/>
+              <a:buChar char="•"/>
+            </a:pPr>
+            <a:r>
+              <a:rPr lang="en-US" dirty="0" smtClean="0">
+                <a:latin typeface="Bookman Old Style" panose="02050604050505020204" pitchFamily="18" charset="0"/>
+              </a:rPr>
+              <a:t>Sensing ranges may be of different radius</a:t>
+            </a:r>
+            <a:endParaRPr lang="en-US" dirty="0">
+              <a:latin typeface="Bookman Old Style" panose="02050604050505020204" pitchFamily="18" charset="0"/>
+            </a:endParaRPr>
+          </a:p>
+        </p:txBody>
+      </p:sp>
+    </p:spTree>
+    <p:extLst>
+      <p:ext uri="{BB962C8B-B14F-4D97-AF65-F5344CB8AC3E}">
+        <p14:creationId xmlns:p14="http://schemas.microsoft.com/office/powerpoint/2010/main" val="3793133011"/>
+      </p:ext>
+    </p:extLst>
+  </p:cSld>
+  <p:clrMapOvr>
+    <a:masterClrMapping/>
+  </p:clrMapOvr>
+  <p:timing>
+    <p:tnLst>
+      <p:par>
+        <p:cTn id="1" dur="indefinite" restart="never" nodeType="tmRoot"/>
+      </p:par>
+    </p:tnLst>
+  </p:timing>
+</p:sld>
+</file>
+
+<file path=ppt/slides/slide22.xml><?xml version="1.0" encoding="utf-8"?>
+<p:sld xmlns:a="http://schemas.openxmlformats.org/drawingml/2006/main" xmlns:r="http://schemas.openxmlformats.org/officeDocument/2006/relationships" xmlns:p="http://schemas.openxmlformats.org/presentationml/2006/main">
+  <p:cSld>
+    <p:spTree>
+      <p:nvGrpSpPr>
+        <p:cNvPr id="1" name=""/>
+        <p:cNvGrpSpPr/>
+        <p:nvPr/>
+      </p:nvGrpSpPr>
+      <p:grpSpPr>
+        <a:xfrm>
+          <a:off x="0" y="0"/>
+          <a:ext cx="0" cy="0"/>
+          <a:chOff x="0" y="0"/>
+          <a:chExt cx="0" cy="0"/>
+        </a:xfrm>
+      </p:grpSpPr>
+      <p:sp>
+        <p:nvSpPr>
+          <p:cNvPr id="2" name="Title 1"/>
+          <p:cNvSpPr>
+            <a:spLocks noGrp="1"/>
+          </p:cNvSpPr>
+          <p:nvPr>
+            <p:ph type="title"/>
+          </p:nvPr>
+        </p:nvSpPr>
+        <p:spPr/>
+        <p:txBody>
+          <a:bodyPr/>
+          <a:lstStyle/>
+          <a:p>
+            <a:r>
+              <a:rPr lang="en-US" dirty="0" smtClean="0"/>
+              <a:t>Covering Subset</a:t>
+            </a:r>
+            <a:endParaRPr lang="en-US" dirty="0"/>
+          </a:p>
+        </p:txBody>
+      </p:sp>
+      <p:sp>
+        <p:nvSpPr>
+          <p:cNvPr id="4" name="Content Placeholder 3"/>
+          <p:cNvSpPr>
+            <a:spLocks noGrp="1"/>
+          </p:cNvSpPr>
+          <p:nvPr>
+            <p:ph idx="1"/>
+          </p:nvPr>
+        </p:nvSpPr>
+        <p:spPr>
+          <a:xfrm>
+            <a:off x="633845" y="1420009"/>
+            <a:ext cx="7886700" cy="5024334"/>
+          </a:xfrm>
+        </p:spPr>
+        <p:txBody>
+          <a:bodyPr>
+            <a:normAutofit fontScale="85000" lnSpcReduction="20000"/>
+          </a:bodyPr>
+          <a:lstStyle/>
+          <a:p>
+            <a:r>
+              <a:rPr lang="en-US" dirty="0" smtClean="0"/>
+              <a:t>Sensor Scheduling Problem</a:t>
+            </a:r>
+          </a:p>
+          <a:p>
+            <a:pPr lvl="1"/>
+            <a:r>
+              <a:rPr lang="en-US" dirty="0" smtClean="0"/>
+              <a:t>Given a WSN that is fully covered</a:t>
+            </a:r>
+            <a:endParaRPr lang="en-US" dirty="0"/>
+          </a:p>
+          <a:p>
+            <a:pPr lvl="1"/>
+            <a:r>
+              <a:rPr lang="en-US" dirty="0" smtClean="0"/>
+              <a:t>Schedule </a:t>
+            </a:r>
+            <a:r>
+              <a:rPr lang="en-US" dirty="0"/>
+              <a:t>the activities of the sensors such </a:t>
+            </a:r>
+            <a:r>
+              <a:rPr lang="en-US" dirty="0" smtClean="0"/>
+              <a:t>that</a:t>
+            </a:r>
+          </a:p>
+          <a:p>
+            <a:pPr lvl="2"/>
+            <a:r>
+              <a:rPr lang="en-US" dirty="0" smtClean="0"/>
+              <a:t>Whole </a:t>
+            </a:r>
+            <a:r>
+              <a:rPr lang="en-US" dirty="0"/>
+              <a:t>region </a:t>
+            </a:r>
+            <a:r>
+              <a:rPr lang="en-US" dirty="0" smtClean="0"/>
+              <a:t>remains covered</a:t>
+            </a:r>
+          </a:p>
+          <a:p>
+            <a:pPr lvl="2"/>
+            <a:r>
+              <a:rPr lang="en-US" dirty="0"/>
+              <a:t>N</a:t>
+            </a:r>
+            <a:r>
+              <a:rPr lang="en-US" dirty="0" smtClean="0"/>
+              <a:t>etwork </a:t>
+            </a:r>
+            <a:r>
+              <a:rPr lang="en-US" dirty="0"/>
+              <a:t>lifetime is </a:t>
+            </a:r>
+            <a:r>
+              <a:rPr lang="en-US" dirty="0" smtClean="0"/>
+              <a:t>maximized</a:t>
+            </a:r>
+          </a:p>
+          <a:p>
+            <a:pPr lvl="2"/>
+            <a:r>
+              <a:rPr lang="en-US" dirty="0" smtClean="0"/>
+              <a:t>Creates disjoint subsets of sensors</a:t>
+            </a:r>
+          </a:p>
+          <a:p>
+            <a:endParaRPr lang="en-US" dirty="0" smtClean="0"/>
+          </a:p>
+          <a:p>
+            <a:r>
+              <a:rPr lang="en-US" dirty="0" smtClean="0"/>
+              <a:t>Finding min covering subset modelled </a:t>
+            </a:r>
+            <a:r>
+              <a:rPr lang="en-US" dirty="0"/>
+              <a:t>as Sensor Scheduling </a:t>
+            </a:r>
+            <a:r>
+              <a:rPr lang="en-US" dirty="0" smtClean="0"/>
+              <a:t>Problem</a:t>
+            </a:r>
+          </a:p>
+          <a:p>
+            <a:pPr lvl="1"/>
+            <a:r>
+              <a:rPr lang="en-US" dirty="0" smtClean="0"/>
+              <a:t>Find the disjoint covering subsets</a:t>
+            </a:r>
+          </a:p>
+          <a:p>
+            <a:pPr lvl="1"/>
+            <a:r>
+              <a:rPr lang="en-US" dirty="0" smtClean="0"/>
+              <a:t>Select the min cardinality subset </a:t>
+            </a:r>
+          </a:p>
+          <a:p>
+            <a:endParaRPr lang="en-US" dirty="0" smtClean="0"/>
+          </a:p>
+          <a:p>
+            <a:r>
+              <a:rPr lang="en-US" dirty="0" smtClean="0"/>
+              <a:t>Proved </a:t>
+            </a:r>
+            <a:r>
+              <a:rPr lang="en-US" dirty="0"/>
+              <a:t>to be </a:t>
+            </a:r>
+            <a:r>
+              <a:rPr lang="en-US" dirty="0" smtClean="0"/>
+              <a:t>NP-hard </a:t>
+            </a:r>
+            <a:r>
+              <a:rPr lang="en-US" sz="1800" dirty="0" smtClean="0"/>
+              <a:t>[Gao et al 2006]</a:t>
+            </a:r>
+          </a:p>
+          <a:p>
+            <a:endParaRPr lang="en-US" dirty="0" smtClean="0"/>
+          </a:p>
+          <a:p>
+            <a:r>
+              <a:rPr lang="en-US" dirty="0" smtClean="0"/>
+              <a:t>Heuristic </a:t>
+            </a:r>
+            <a:r>
+              <a:rPr lang="en-US" dirty="0"/>
+              <a:t>used</a:t>
+            </a:r>
+          </a:p>
+          <a:p>
+            <a:pPr lvl="1"/>
+            <a:r>
+              <a:rPr lang="en-US" dirty="0" smtClean="0"/>
+              <a:t>Select sensor </a:t>
+            </a:r>
+            <a:r>
+              <a:rPr lang="en-US" dirty="0"/>
+              <a:t>whose perimeter is covered by </a:t>
+            </a:r>
+            <a:r>
+              <a:rPr lang="en-US" dirty="0" smtClean="0"/>
+              <a:t>min sensors remaining</a:t>
+            </a:r>
+            <a:endParaRPr lang="en-US" dirty="0"/>
+          </a:p>
+          <a:p>
+            <a:pPr lvl="1"/>
+            <a:r>
+              <a:rPr lang="en-US" dirty="0" smtClean="0"/>
+              <a:t>Select </a:t>
+            </a:r>
+            <a:r>
+              <a:rPr lang="en-US" dirty="0"/>
+              <a:t>the sensor whose sensing range is </a:t>
+            </a:r>
+            <a:r>
+              <a:rPr lang="en-US" dirty="0" smtClean="0"/>
+              <a:t>max</a:t>
+            </a:r>
+          </a:p>
+        </p:txBody>
+      </p:sp>
+    </p:spTree>
+    <p:extLst>
+      <p:ext uri="{BB962C8B-B14F-4D97-AF65-F5344CB8AC3E}">
+        <p14:creationId xmlns:p14="http://schemas.microsoft.com/office/powerpoint/2010/main" val="1858652947"/>
+      </p:ext>
+    </p:extLst>
+  </p:cSld>
+  <p:clrMapOvr>
+    <a:masterClrMapping/>
+  </p:clrMapOvr>
+  <p:timing>
+    <p:tnLst>
+      <p:par>
+        <p:cTn id="1" dur="indefinite" restart="never" nodeType="tmRoot"/>
+      </p:par>
+    </p:tnLst>
+  </p:timing>
+</p:sld>
+</file>
+
+<file path=ppt/slides/slide23.xml><?xml version="1.0" encoding="utf-8"?>
+<p:sld xmlns:a="http://schemas.openxmlformats.org/drawingml/2006/main" xmlns:r="http://schemas.openxmlformats.org/officeDocument/2006/relationships" xmlns:p="http://schemas.openxmlformats.org/presentationml/2006/main">
+  <p:cSld>
+    <p:spTree>
+      <p:nvGrpSpPr>
+        <p:cNvPr id="1" name=""/>
+        <p:cNvGrpSpPr/>
+        <p:nvPr/>
+      </p:nvGrpSpPr>
+      <p:grpSpPr>
+        <a:xfrm>
+          <a:off x="0" y="0"/>
+          <a:ext cx="0" cy="0"/>
+          <a:chOff x="0" y="0"/>
+          <a:chExt cx="0" cy="0"/>
+        </a:xfrm>
+      </p:grpSpPr>
+      <p:sp>
+        <p:nvSpPr>
+          <p:cNvPr id="2" name="Title 1"/>
+          <p:cNvSpPr>
+            <a:spLocks noGrp="1"/>
+          </p:cNvSpPr>
+          <p:nvPr>
+            <p:ph type="title"/>
+          </p:nvPr>
+        </p:nvSpPr>
+        <p:spPr/>
+        <p:txBody>
+          <a:bodyPr/>
+          <a:lstStyle/>
+          <a:p>
+            <a:r>
+              <a:rPr lang="en-IN" dirty="0" smtClean="0"/>
+              <a:t>Heuristic 1</a:t>
+            </a:r>
+            <a:endParaRPr lang="en-IN" dirty="0"/>
+          </a:p>
+        </p:txBody>
+      </p:sp>
+      <p:sp>
+        <p:nvSpPr>
+          <p:cNvPr id="3" name="Content Placeholder 2"/>
+          <p:cNvSpPr>
+            <a:spLocks noGrp="1"/>
+          </p:cNvSpPr>
+          <p:nvPr>
+            <p:ph idx="1"/>
+          </p:nvPr>
+        </p:nvSpPr>
+        <p:spPr/>
+        <p:txBody>
+          <a:bodyPr/>
+          <a:lstStyle/>
+          <a:p>
+            <a:r>
+              <a:rPr lang="en-US" dirty="0" smtClean="0"/>
+              <a:t>Lower PCL implies smaller </a:t>
+            </a:r>
+            <a:r>
+              <a:rPr lang="en-US" dirty="0"/>
+              <a:t>the node density (</a:t>
+            </a:r>
+            <a:r>
+              <a:rPr lang="en-US" dirty="0" smtClean="0"/>
+              <a:t>the number </a:t>
+            </a:r>
+            <a:r>
+              <a:rPr lang="en-US" dirty="0"/>
+              <a:t>of nodes per unit area</a:t>
+            </a:r>
+            <a:r>
+              <a:rPr lang="en-US" dirty="0" smtClean="0"/>
+              <a:t>)</a:t>
+            </a:r>
+          </a:p>
+          <a:p>
+            <a:endParaRPr lang="en-US" dirty="0" smtClean="0"/>
+          </a:p>
+          <a:p>
+            <a:r>
+              <a:rPr lang="en-US" dirty="0" smtClean="0"/>
+              <a:t>Choosing sensors from </a:t>
+            </a:r>
+            <a:r>
+              <a:rPr lang="en-US" dirty="0"/>
+              <a:t>the area with the lowest sensor </a:t>
+            </a:r>
+            <a:r>
+              <a:rPr lang="en-US" dirty="0" smtClean="0"/>
+              <a:t>density</a:t>
+            </a:r>
+          </a:p>
+          <a:p>
+            <a:endParaRPr lang="en-US" dirty="0" smtClean="0"/>
+          </a:p>
+          <a:p>
+            <a:r>
+              <a:rPr lang="en-US" dirty="0" smtClean="0"/>
+              <a:t>Sensor </a:t>
+            </a:r>
+            <a:r>
+              <a:rPr lang="en-US" dirty="0"/>
+              <a:t>with a smaller PCL value will be </a:t>
+            </a:r>
+            <a:r>
+              <a:rPr lang="en-US" dirty="0" smtClean="0"/>
+              <a:t>chosen at each step</a:t>
+            </a:r>
+          </a:p>
+          <a:p>
+            <a:pPr lvl="1"/>
+            <a:r>
+              <a:rPr lang="en-US" dirty="0" smtClean="0"/>
+              <a:t>As </a:t>
+            </a:r>
+            <a:r>
+              <a:rPr lang="en-US" dirty="0"/>
+              <a:t>less sensors as possible </a:t>
+            </a:r>
+            <a:r>
+              <a:rPr lang="en-US" dirty="0" smtClean="0"/>
+              <a:t>are included</a:t>
+            </a:r>
+          </a:p>
+          <a:p>
+            <a:pPr lvl="1"/>
+            <a:r>
+              <a:rPr lang="en-US" dirty="0" smtClean="0"/>
+              <a:t>Sensors </a:t>
+            </a:r>
+            <a:r>
+              <a:rPr lang="en-US" dirty="0"/>
+              <a:t>are </a:t>
+            </a:r>
+            <a:r>
+              <a:rPr lang="en-US" dirty="0" smtClean="0"/>
+              <a:t>distributed as </a:t>
+            </a:r>
+            <a:r>
+              <a:rPr lang="en-US" dirty="0"/>
+              <a:t>widely as </a:t>
+            </a:r>
+            <a:r>
+              <a:rPr lang="en-US" dirty="0" smtClean="0"/>
+              <a:t>possible</a:t>
+            </a:r>
+          </a:p>
+          <a:p>
+            <a:pPr lvl="1"/>
+            <a:endParaRPr lang="en-US" dirty="0" smtClean="0"/>
+          </a:p>
+          <a:p>
+            <a:pPr lvl="1"/>
+            <a:endParaRPr lang="en-IN" dirty="0"/>
+          </a:p>
+        </p:txBody>
+      </p:sp>
+    </p:spTree>
+    <p:extLst>
+      <p:ext uri="{BB962C8B-B14F-4D97-AF65-F5344CB8AC3E}">
+        <p14:creationId xmlns:p14="http://schemas.microsoft.com/office/powerpoint/2010/main" val="1564430228"/>
+      </p:ext>
+    </p:extLst>
+  </p:cSld>
+  <p:clrMapOvr>
+    <a:masterClrMapping/>
+  </p:clrMapOvr>
+  <p:timing>
+    <p:tnLst>
+      <p:par>
+        <p:cTn id="1" dur="indefinite" restart="never" nodeType="tmRoot"/>
+      </p:par>
+    </p:tnLst>
+  </p:timing>
+</p:sld>
+</file>
+
+<file path=ppt/slides/slide24.xml><?xml version="1.0" encoding="utf-8"?>
+<p:sld xmlns:a="http://schemas.openxmlformats.org/drawingml/2006/main" xmlns:r="http://schemas.openxmlformats.org/officeDocument/2006/relationships" xmlns:p="http://schemas.openxmlformats.org/presentationml/2006/main">
+  <p:cSld>
+    <p:spTree>
+      <p:nvGrpSpPr>
+        <p:cNvPr id="1" name=""/>
+        <p:cNvGrpSpPr/>
+        <p:nvPr/>
+      </p:nvGrpSpPr>
+      <p:grpSpPr>
+        <a:xfrm>
+          <a:off x="0" y="0"/>
+          <a:ext cx="0" cy="0"/>
+          <a:chOff x="0" y="0"/>
+          <a:chExt cx="0" cy="0"/>
+        </a:xfrm>
+      </p:grpSpPr>
+      <p:sp>
+        <p:nvSpPr>
+          <p:cNvPr id="2" name="Title 1"/>
+          <p:cNvSpPr>
+            <a:spLocks noGrp="1"/>
+          </p:cNvSpPr>
+          <p:nvPr>
+            <p:ph type="title"/>
+          </p:nvPr>
+        </p:nvSpPr>
+        <p:spPr/>
+        <p:txBody>
+          <a:bodyPr/>
+          <a:lstStyle/>
+          <a:p>
+            <a:r>
+              <a:rPr lang="en-IN" dirty="0" smtClean="0"/>
+              <a:t>Heuristic 2</a:t>
+            </a:r>
+            <a:endParaRPr lang="en-IN" dirty="0"/>
+          </a:p>
+        </p:txBody>
+      </p:sp>
+      <p:sp>
+        <p:nvSpPr>
+          <p:cNvPr id="3" name="Content Placeholder 2"/>
+          <p:cNvSpPr>
+            <a:spLocks noGrp="1"/>
+          </p:cNvSpPr>
+          <p:nvPr>
+            <p:ph idx="1"/>
+          </p:nvPr>
+        </p:nvSpPr>
+        <p:spPr/>
+        <p:txBody>
+          <a:bodyPr/>
+          <a:lstStyle/>
+          <a:p>
+            <a:r>
+              <a:rPr lang="en-IN" dirty="0" smtClean="0"/>
+              <a:t>Higher chance of covering larger area with a sensor with a larger sensing range.</a:t>
+            </a:r>
+          </a:p>
+          <a:p>
+            <a:r>
+              <a:rPr lang="en-US" dirty="0" smtClean="0"/>
+              <a:t>Deploy </a:t>
+            </a:r>
+            <a:r>
+              <a:rPr lang="en-US" dirty="0"/>
+              <a:t>sensors at each location</a:t>
+            </a:r>
+          </a:p>
+          <a:p>
+            <a:r>
+              <a:rPr lang="en-US" dirty="0"/>
+              <a:t>Check if the region is covered with this arrangement</a:t>
+            </a:r>
+          </a:p>
+          <a:p>
+            <a:r>
+              <a:rPr lang="en-US" dirty="0"/>
+              <a:t>Remove sensors till no more can be removed</a:t>
+            </a:r>
+          </a:p>
+        </p:txBody>
+      </p:sp>
+    </p:spTree>
+    <p:extLst>
+      <p:ext uri="{BB962C8B-B14F-4D97-AF65-F5344CB8AC3E}">
+        <p14:creationId xmlns:p14="http://schemas.microsoft.com/office/powerpoint/2010/main" val="4081574669"/>
+      </p:ext>
+    </p:extLst>
+  </p:cSld>
+  <p:clrMapOvr>
+    <a:masterClrMapping/>
+  </p:clrMapOvr>
+  <p:timing>
+    <p:tnLst>
+      <p:par>
+        <p:cTn id="1" dur="indefinite" restart="never" nodeType="tmRoot"/>
+      </p:par>
+    </p:tnLst>
+  </p:timing>
+</p:sld>
+</file>
+
+<file path=ppt/slides/slide25.xml><?xml version="1.0" encoding="utf-8"?>
+<p:sld xmlns:a="http://schemas.openxmlformats.org/drawingml/2006/main" xmlns:r="http://schemas.openxmlformats.org/officeDocument/2006/relationships" xmlns:p="http://schemas.openxmlformats.org/presentationml/2006/main">
+  <p:cSld>
+    <p:spTree>
+      <p:nvGrpSpPr>
+        <p:cNvPr id="1" name=""/>
+        <p:cNvGrpSpPr/>
+        <p:nvPr/>
+      </p:nvGrpSpPr>
+      <p:grpSpPr>
+        <a:xfrm>
+          <a:off x="0" y="0"/>
+          <a:ext cx="0" cy="0"/>
+          <a:chOff x="0" y="0"/>
+          <a:chExt cx="0" cy="0"/>
+        </a:xfrm>
+      </p:grpSpPr>
+      <p:sp>
+        <p:nvSpPr>
+          <p:cNvPr id="2" name="Title 1"/>
+          <p:cNvSpPr>
+            <a:spLocks noGrp="1"/>
+          </p:cNvSpPr>
+          <p:nvPr>
+            <p:ph type="title"/>
+          </p:nvPr>
+        </p:nvSpPr>
+        <p:spPr/>
+        <p:txBody>
+          <a:bodyPr/>
+          <a:lstStyle/>
+          <a:p>
+            <a:r>
+              <a:rPr lang="en-IN" dirty="0" smtClean="0"/>
+              <a:t>Future Work</a:t>
+            </a:r>
+            <a:endParaRPr lang="en-IN" dirty="0"/>
+          </a:p>
+        </p:txBody>
+      </p:sp>
+      <p:sp>
+        <p:nvSpPr>
+          <p:cNvPr id="3" name="Content Placeholder 2"/>
+          <p:cNvSpPr>
+            <a:spLocks noGrp="1"/>
+          </p:cNvSpPr>
+          <p:nvPr>
+            <p:ph idx="1"/>
+          </p:nvPr>
+        </p:nvSpPr>
+        <p:spPr/>
+        <p:txBody>
+          <a:bodyPr/>
+          <a:lstStyle/>
+          <a:p>
+            <a:r>
+              <a:rPr lang="en-IN" dirty="0" smtClean="0"/>
+              <a:t>Use of jammers will make some regions immune to some sensors</a:t>
+            </a:r>
+          </a:p>
+          <a:p>
+            <a:pPr lvl="1"/>
+            <a:r>
+              <a:rPr lang="en-IN" dirty="0" smtClean="0"/>
+              <a:t>Adjust the covering subsets such that jammed regions are covered by unaffected sensors</a:t>
+            </a:r>
+          </a:p>
+          <a:p>
+            <a:endParaRPr lang="en-IN" dirty="0" smtClean="0"/>
+          </a:p>
+          <a:p>
+            <a:r>
+              <a:rPr lang="en-IN" dirty="0" smtClean="0"/>
+              <a:t>Minimize the total cost of deployment</a:t>
+            </a:r>
+          </a:p>
+          <a:p>
+            <a:pPr lvl="1"/>
+            <a:r>
+              <a:rPr lang="en-IN" dirty="0" smtClean="0"/>
+              <a:t>Every sensor incurs some cost of deployment</a:t>
+            </a:r>
+          </a:p>
+          <a:p>
+            <a:endParaRPr lang="en-IN" dirty="0"/>
+          </a:p>
+          <a:p>
+            <a:endParaRPr lang="en-IN" dirty="0" smtClean="0"/>
+          </a:p>
+          <a:p>
+            <a:pPr marL="457200" lvl="1" indent="0">
+              <a:buNone/>
+            </a:pPr>
+            <a:endParaRPr lang="en-IN" dirty="0" smtClean="0"/>
+          </a:p>
+          <a:p>
+            <a:pPr marL="457200" lvl="1" indent="0">
+              <a:buNone/>
+            </a:pPr>
+            <a:endParaRPr lang="en-IN" dirty="0"/>
+          </a:p>
+        </p:txBody>
+      </p:sp>
+    </p:spTree>
+    <p:extLst>
+      <p:ext uri="{BB962C8B-B14F-4D97-AF65-F5344CB8AC3E}">
+        <p14:creationId xmlns:p14="http://schemas.microsoft.com/office/powerpoint/2010/main" val="4004881150"/>
+      </p:ext>
+    </p:extLst>
+  </p:cSld>
+  <p:clrMapOvr>
+    <a:masterClrMapping/>
+  </p:clrMapOvr>
+  <p:timing>
+    <p:tnLst>
+      <p:par>
+        <p:cTn id="1" dur="indefinite" restart="never" nodeType="tmRoot"/>
+      </p:par>
+    </p:tnLst>
+  </p:timing>
+</p:sld>
+</file>
+
+<file path=ppt/slides/slide26.xml><?xml version="1.0" encoding="utf-8"?>
+<p:sld xmlns:a="http://schemas.openxmlformats.org/drawingml/2006/main" xmlns:r="http://schemas.openxmlformats.org/officeDocument/2006/relationships" xmlns:p="http://schemas.openxmlformats.org/presentationml/2006/main">
+  <p:cSld>
+    <p:spTree>
+      <p:nvGrpSpPr>
+        <p:cNvPr id="1" name=""/>
+        <p:cNvGrpSpPr/>
+        <p:nvPr/>
+      </p:nvGrpSpPr>
+      <p:grpSpPr>
+        <a:xfrm>
+          <a:off x="0" y="0"/>
+          <a:ext cx="0" cy="0"/>
+          <a:chOff x="0" y="0"/>
+          <a:chExt cx="0" cy="0"/>
+        </a:xfrm>
+      </p:grpSpPr>
+      <p:sp>
+        <p:nvSpPr>
+          <p:cNvPr id="2" name="Title 1"/>
+          <p:cNvSpPr>
+            <a:spLocks noGrp="1"/>
+          </p:cNvSpPr>
+          <p:nvPr>
+            <p:ph type="ctrTitle"/>
+          </p:nvPr>
+        </p:nvSpPr>
+        <p:spPr/>
+        <p:txBody>
+          <a:bodyPr/>
+          <a:lstStyle/>
+          <a:p>
+            <a:r>
+              <a:rPr lang="en-IN" dirty="0" smtClean="0">
+                <a:solidFill>
+                  <a:schemeClr val="tx1"/>
+                </a:solidFill>
+              </a:rPr>
+              <a:t>Thank You</a:t>
+            </a:r>
+            <a:endParaRPr lang="en-IN" dirty="0">
+              <a:solidFill>
+                <a:schemeClr val="tx1"/>
+              </a:solidFill>
+            </a:endParaRPr>
+          </a:p>
+        </p:txBody>
+      </p:sp>
+      <p:sp>
+        <p:nvSpPr>
+          <p:cNvPr id="4" name="Subtitle 3"/>
+          <p:cNvSpPr>
+            <a:spLocks noGrp="1"/>
+          </p:cNvSpPr>
+          <p:nvPr>
+            <p:ph type="subTitle" idx="1"/>
+          </p:nvPr>
+        </p:nvSpPr>
+        <p:spPr/>
+        <p:txBody>
+          <a:bodyPr/>
+          <a:lstStyle/>
+          <a:p>
+            <a:endParaRPr lang="en-IN"/>
+          </a:p>
+        </p:txBody>
+      </p:sp>
+    </p:spTree>
+    <p:extLst>
+      <p:ext uri="{BB962C8B-B14F-4D97-AF65-F5344CB8AC3E}">
+        <p14:creationId xmlns:p14="http://schemas.microsoft.com/office/powerpoint/2010/main" val="3127200984"/>
+      </p:ext>
+    </p:extLst>
+  </p:cSld>
+  <p:clrMapOvr>
+    <a:masterClrMapping/>
+  </p:clrMapOvr>
+  <p:timing>
+    <p:tnLst>
+      <p:par>
+        <p:cTn id="1" dur="indefinite" restart="never" nodeType="tmRoot"/>
+      </p:par>
+    </p:tnLst>
+  </p:timing>
+</p:sld>
+</file>
+
+<file path=ppt/slides/slide3.xml><?xml version="1.0" encoding="utf-8"?>
+<p:sld xmlns:a="http://schemas.openxmlformats.org/drawingml/2006/main" xmlns:r="http://schemas.openxmlformats.org/officeDocument/2006/relationships" xmlns:p="http://schemas.openxmlformats.org/presentationml/2006/main">
+  <p:cSld>
+    <p:spTree>
+      <p:nvGrpSpPr>
+        <p:cNvPr id="1" name=""/>
+        <p:cNvGrpSpPr/>
+        <p:nvPr/>
+      </p:nvGrpSpPr>
+      <p:grpSpPr>
+        <a:xfrm>
+          <a:off x="0" y="0"/>
+          <a:ext cx="0" cy="0"/>
+          <a:chOff x="0" y="0"/>
+          <a:chExt cx="0" cy="0"/>
+        </a:xfrm>
+      </p:grpSpPr>
+      <p:sp>
+        <p:nvSpPr>
+          <p:cNvPr id="2" name="Title 1"/>
+          <p:cNvSpPr>
+            <a:spLocks noGrp="1"/>
+          </p:cNvSpPr>
+          <p:nvPr>
+            <p:ph type="title"/>
+          </p:nvPr>
+        </p:nvSpPr>
+        <p:spPr/>
+        <p:txBody>
+          <a:bodyPr/>
+          <a:lstStyle/>
+          <a:p>
+            <a:r>
+              <a:rPr lang="en-US" dirty="0" smtClean="0"/>
+              <a:t>Introduction</a:t>
+            </a:r>
+            <a:endParaRPr lang="en-US" dirty="0"/>
+          </a:p>
+        </p:txBody>
+      </p:sp>
+      <p:sp>
+        <p:nvSpPr>
+          <p:cNvPr id="3" name="Content Placeholder 2"/>
+          <p:cNvSpPr>
+            <a:spLocks noGrp="1"/>
+          </p:cNvSpPr>
+          <p:nvPr>
+            <p:ph idx="1"/>
+          </p:nvPr>
+        </p:nvSpPr>
+        <p:spPr/>
+        <p:txBody>
+          <a:bodyPr>
+            <a:normAutofit/>
+          </a:bodyPr>
+          <a:lstStyle/>
+          <a:p>
+            <a:r>
+              <a:rPr lang="en-US" dirty="0" smtClean="0"/>
+              <a:t>What are Wireless Sensor Networks (WSN)</a:t>
+            </a:r>
+          </a:p>
+          <a:p>
+            <a:endParaRPr lang="en-US" dirty="0" smtClean="0"/>
+          </a:p>
+          <a:p>
+            <a:r>
+              <a:rPr lang="en-US" dirty="0" smtClean="0"/>
+              <a:t>Deployment options</a:t>
+            </a:r>
+          </a:p>
+          <a:p>
+            <a:endParaRPr lang="en-US" dirty="0" smtClean="0"/>
+          </a:p>
+          <a:p>
+            <a:r>
+              <a:rPr lang="en-US" dirty="0" smtClean="0"/>
+              <a:t>Applications</a:t>
+            </a:r>
+          </a:p>
+          <a:p>
+            <a:pPr lvl="1"/>
+            <a:r>
+              <a:rPr lang="en-US" dirty="0"/>
+              <a:t>Agriculture </a:t>
+            </a:r>
+            <a:r>
+              <a:rPr lang="en-US" sz="1400" dirty="0" smtClean="0"/>
+              <a:t>[Burrell et al 2004]</a:t>
+            </a:r>
+          </a:p>
+          <a:p>
+            <a:pPr lvl="1"/>
+            <a:r>
+              <a:rPr lang="en-US" dirty="0" smtClean="0"/>
+              <a:t>Environmental </a:t>
+            </a:r>
+            <a:r>
+              <a:rPr lang="en-US" dirty="0"/>
+              <a:t>Monitoring </a:t>
+            </a:r>
+            <a:r>
+              <a:rPr lang="en-US" sz="1400" dirty="0" smtClean="0"/>
+              <a:t>[</a:t>
+            </a:r>
+            <a:r>
+              <a:rPr lang="en-US" sz="1400" dirty="0" err="1" smtClean="0"/>
+              <a:t>Cerpa</a:t>
+            </a:r>
+            <a:r>
+              <a:rPr lang="en-US" sz="1400" dirty="0" smtClean="0"/>
+              <a:t> et al </a:t>
+            </a:r>
+            <a:r>
+              <a:rPr lang="en-US" sz="1400" dirty="0"/>
+              <a:t>2001] </a:t>
+            </a:r>
+            <a:r>
+              <a:rPr lang="en-US" sz="1400" dirty="0" smtClean="0"/>
+              <a:t>[Mainwaring 2002]</a:t>
+            </a:r>
+          </a:p>
+          <a:p>
+            <a:pPr lvl="1"/>
+            <a:r>
+              <a:rPr lang="en-US" dirty="0" smtClean="0"/>
+              <a:t>Military Applications </a:t>
+            </a:r>
+            <a:r>
+              <a:rPr lang="en-US" sz="1400" dirty="0" smtClean="0"/>
+              <a:t>[</a:t>
+            </a:r>
+            <a:r>
+              <a:rPr lang="en-US" sz="1400" dirty="0" err="1" smtClean="0"/>
+              <a:t>Bokareva</a:t>
+            </a:r>
+            <a:r>
+              <a:rPr lang="en-US" sz="1400" dirty="0" smtClean="0"/>
+              <a:t> et al 2006]</a:t>
+            </a:r>
+            <a:endParaRPr lang="en-US" dirty="0" smtClean="0"/>
+          </a:p>
+          <a:p>
+            <a:endParaRPr lang="en-US" dirty="0" smtClean="0"/>
+          </a:p>
+          <a:p>
+            <a:pPr lvl="1"/>
+            <a:endParaRPr lang="en-US" dirty="0"/>
+          </a:p>
+        </p:txBody>
+      </p:sp>
+    </p:spTree>
+    <p:extLst>
+      <p:ext uri="{BB962C8B-B14F-4D97-AF65-F5344CB8AC3E}">
+        <p14:creationId xmlns:p14="http://schemas.microsoft.com/office/powerpoint/2010/main" val="2755713596"/>
+      </p:ext>
+    </p:extLst>
+  </p:cSld>
+  <p:clrMapOvr>
+    <a:masterClrMapping/>
+  </p:clrMapOvr>
+  <p:timing>
+    <p:tnLst>
+      <p:par>
+        <p:cTn id="1" dur="indefinite" restart="never" nodeType="tmRoot"/>
+      </p:par>
+    </p:tnLst>
+  </p:timing>
+</p:sld>
+</file>
+
+<file path=ppt/slides/slide4.xml><?xml version="1.0" encoding="utf-8"?>
+<p:sld xmlns:a="http://schemas.openxmlformats.org/drawingml/2006/main" xmlns:r="http://schemas.openxmlformats.org/officeDocument/2006/relationships" xmlns:p="http://schemas.openxmlformats.org/presentationml/2006/main">
+  <p:cSld>
+    <p:spTree>
+      <p:nvGrpSpPr>
+        <p:cNvPr id="1" name=""/>
+        <p:cNvGrpSpPr/>
+        <p:nvPr/>
+      </p:nvGrpSpPr>
+      <p:grpSpPr>
+        <a:xfrm>
+          <a:off x="0" y="0"/>
+          <a:ext cx="0" cy="0"/>
+          <a:chOff x="0" y="0"/>
+          <a:chExt cx="0" cy="0"/>
+        </a:xfrm>
+      </p:grpSpPr>
+      <p:sp>
+        <p:nvSpPr>
+          <p:cNvPr id="2" name="Title 1"/>
+          <p:cNvSpPr>
+            <a:spLocks noGrp="1"/>
+          </p:cNvSpPr>
+          <p:nvPr>
+            <p:ph type="title"/>
+          </p:nvPr>
+        </p:nvSpPr>
+        <p:spPr/>
+        <p:txBody>
+          <a:bodyPr/>
+          <a:lstStyle/>
+          <a:p>
+            <a:r>
+              <a:rPr lang="en-US" dirty="0" smtClean="0"/>
+              <a:t>Coverage in WSNs</a:t>
+            </a:r>
+            <a:endParaRPr lang="en-US" dirty="0"/>
+          </a:p>
+        </p:txBody>
+      </p:sp>
+      <p:sp>
+        <p:nvSpPr>
+          <p:cNvPr id="3" name="Content Placeholder 2"/>
+          <p:cNvSpPr>
+            <a:spLocks noGrp="1"/>
+          </p:cNvSpPr>
+          <p:nvPr>
+            <p:ph idx="1"/>
+          </p:nvPr>
+        </p:nvSpPr>
+        <p:spPr/>
+        <p:txBody>
+          <a:bodyPr>
+            <a:normAutofit/>
+          </a:bodyPr>
+          <a:lstStyle/>
+          <a:p>
+            <a:r>
+              <a:rPr lang="en-US" dirty="0" smtClean="0"/>
+              <a:t>Broadly </a:t>
+            </a:r>
+            <a:r>
+              <a:rPr lang="en-US" dirty="0"/>
+              <a:t>classified into three </a:t>
+            </a:r>
+            <a:r>
+              <a:rPr lang="en-US" dirty="0" smtClean="0"/>
+              <a:t>main categories</a:t>
+            </a:r>
+            <a:endParaRPr lang="en-US" dirty="0"/>
+          </a:p>
+          <a:p>
+            <a:pPr lvl="1"/>
+            <a:r>
+              <a:rPr lang="en-US" dirty="0"/>
+              <a:t>Area Coverage</a:t>
+            </a:r>
+          </a:p>
+          <a:p>
+            <a:pPr lvl="2"/>
+            <a:r>
+              <a:rPr lang="en-US" dirty="0"/>
+              <a:t>Every point in </a:t>
+            </a:r>
+            <a:r>
+              <a:rPr lang="en-US" dirty="0" smtClean="0"/>
+              <a:t>given </a:t>
+            </a:r>
+            <a:r>
+              <a:rPr lang="en-US" dirty="0"/>
+              <a:t>area is within the sensing range</a:t>
+            </a:r>
+          </a:p>
+          <a:p>
+            <a:pPr marL="914400" lvl="2" indent="0">
+              <a:buNone/>
+            </a:pPr>
+            <a:r>
+              <a:rPr lang="en-US" dirty="0"/>
+              <a:t>of at least one </a:t>
+            </a:r>
+            <a:r>
+              <a:rPr lang="en-US" dirty="0" smtClean="0"/>
+              <a:t>sensor</a:t>
+            </a:r>
+          </a:p>
+          <a:p>
+            <a:pPr marL="914400" lvl="2" indent="0">
+              <a:buNone/>
+            </a:pPr>
+            <a:endParaRPr lang="en-US" dirty="0"/>
+          </a:p>
+          <a:p>
+            <a:pPr lvl="1"/>
+            <a:r>
+              <a:rPr lang="en-US" dirty="0" smtClean="0"/>
+              <a:t>Barrier </a:t>
+            </a:r>
+            <a:r>
+              <a:rPr lang="en-US" dirty="0"/>
+              <a:t>Coverage</a:t>
+            </a:r>
+          </a:p>
+          <a:p>
+            <a:pPr lvl="2"/>
+            <a:r>
+              <a:rPr lang="en-US" dirty="0" smtClean="0"/>
+              <a:t>Barrier: belt-like </a:t>
+            </a:r>
+            <a:r>
+              <a:rPr lang="en-US" dirty="0"/>
+              <a:t>region surrounding an area. </a:t>
+            </a:r>
+            <a:endParaRPr lang="en-US" dirty="0" smtClean="0"/>
+          </a:p>
+          <a:p>
+            <a:pPr lvl="2"/>
+            <a:r>
+              <a:rPr lang="en-US" dirty="0" smtClean="0"/>
+              <a:t>Sensors spread </a:t>
+            </a:r>
+            <a:r>
+              <a:rPr lang="en-US" dirty="0"/>
+              <a:t>across </a:t>
+            </a:r>
+            <a:r>
+              <a:rPr lang="en-US" dirty="0" smtClean="0"/>
+              <a:t>barrier</a:t>
+            </a:r>
+            <a:endParaRPr lang="en-US" dirty="0"/>
+          </a:p>
+          <a:p>
+            <a:pPr lvl="2"/>
+            <a:r>
+              <a:rPr lang="en-US" dirty="0" smtClean="0"/>
+              <a:t>Barrier covered if </a:t>
+            </a:r>
+            <a:r>
+              <a:rPr lang="en-US" dirty="0"/>
+              <a:t>every path that </a:t>
+            </a:r>
+            <a:r>
+              <a:rPr lang="en-US" dirty="0" smtClean="0"/>
+              <a:t>crosses through </a:t>
+            </a:r>
+            <a:r>
+              <a:rPr lang="en-US" dirty="0"/>
+              <a:t>the barrier cuts the sensing regions of at least </a:t>
+            </a:r>
+            <a:r>
+              <a:rPr lang="en-US" dirty="0" smtClean="0"/>
+              <a:t>one sensor</a:t>
+            </a:r>
+          </a:p>
+          <a:p>
+            <a:pPr lvl="2"/>
+            <a:endParaRPr lang="en-US" dirty="0" smtClean="0"/>
+          </a:p>
+          <a:p>
+            <a:pPr lvl="1"/>
+            <a:r>
+              <a:rPr lang="en-US" dirty="0"/>
+              <a:t>Point Coverage</a:t>
+            </a:r>
+          </a:p>
+          <a:p>
+            <a:pPr lvl="2"/>
+            <a:r>
+              <a:rPr lang="en-US" dirty="0" smtClean="0"/>
+              <a:t>Cover set </a:t>
+            </a:r>
+            <a:r>
+              <a:rPr lang="en-US" dirty="0"/>
+              <a:t>of discrete </a:t>
+            </a:r>
+            <a:r>
+              <a:rPr lang="en-US" dirty="0" smtClean="0"/>
+              <a:t>points</a:t>
+            </a:r>
+            <a:endParaRPr lang="en-US" dirty="0"/>
+          </a:p>
+        </p:txBody>
+      </p:sp>
+    </p:spTree>
+    <p:extLst>
+      <p:ext uri="{BB962C8B-B14F-4D97-AF65-F5344CB8AC3E}">
+        <p14:creationId xmlns:p14="http://schemas.microsoft.com/office/powerpoint/2010/main" val="2828392605"/>
+      </p:ext>
+    </p:extLst>
+  </p:cSld>
+  <p:clrMapOvr>
+    <a:masterClrMapping/>
+  </p:clrMapOvr>
+  <p:timing>
+    <p:tnLst>
+      <p:par>
+        <p:cTn id="1" dur="indefinite" restart="never" nodeType="tmRoot"/>
+      </p:par>
+    </p:tnLst>
+  </p:timing>
+</p:sld>
+</file>
+
+<file path=ppt/slides/slide5.xml><?xml version="1.0" encoding="utf-8"?>
+<p:sld xmlns:a="http://schemas.openxmlformats.org/drawingml/2006/main" xmlns:r="http://schemas.openxmlformats.org/officeDocument/2006/relationships" xmlns:p="http://schemas.openxmlformats.org/presentationml/2006/main">
+  <p:cSld>
+    <p:spTree>
+      <p:nvGrpSpPr>
+        <p:cNvPr id="1" name=""/>
+        <p:cNvGrpSpPr/>
+        <p:nvPr/>
+      </p:nvGrpSpPr>
+      <p:grpSpPr>
+        <a:xfrm>
+          <a:off x="0" y="0"/>
+          <a:ext cx="0" cy="0"/>
+          <a:chOff x="0" y="0"/>
+          <a:chExt cx="0" cy="0"/>
+        </a:xfrm>
+      </p:grpSpPr>
+      <p:sp>
+        <p:nvSpPr>
+          <p:cNvPr id="2" name="Title 1"/>
+          <p:cNvSpPr>
+            <a:spLocks noGrp="1"/>
+          </p:cNvSpPr>
+          <p:nvPr>
+            <p:ph type="title"/>
+          </p:nvPr>
+        </p:nvSpPr>
+        <p:spPr/>
+        <p:txBody>
+          <a:bodyPr/>
+          <a:lstStyle/>
+          <a:p>
+            <a:r>
+              <a:rPr lang="en-US" dirty="0" smtClean="0"/>
+              <a:t>Threat by Jammers</a:t>
+            </a:r>
+            <a:endParaRPr lang="en-US" dirty="0"/>
+          </a:p>
+        </p:txBody>
+      </p:sp>
+      <p:sp>
+        <p:nvSpPr>
+          <p:cNvPr id="3" name="Content Placeholder 2"/>
+          <p:cNvSpPr>
+            <a:spLocks noGrp="1"/>
+          </p:cNvSpPr>
+          <p:nvPr>
+            <p:ph idx="1"/>
+          </p:nvPr>
+        </p:nvSpPr>
+        <p:spPr/>
+        <p:txBody>
+          <a:bodyPr/>
+          <a:lstStyle/>
+          <a:p>
+            <a:r>
+              <a:rPr lang="en-US" dirty="0" smtClean="0"/>
+              <a:t>Threat </a:t>
+            </a:r>
+            <a:r>
+              <a:rPr lang="en-US" dirty="0"/>
+              <a:t>by Jammers</a:t>
+            </a:r>
+          </a:p>
+          <a:p>
+            <a:pPr lvl="1"/>
+            <a:r>
+              <a:rPr lang="en-US" dirty="0" smtClean="0"/>
+              <a:t>Attacks </a:t>
+            </a:r>
+            <a:r>
+              <a:rPr lang="en-US" dirty="0"/>
+              <a:t>on the network</a:t>
+            </a:r>
+          </a:p>
+          <a:p>
+            <a:pPr lvl="2"/>
+            <a:r>
+              <a:rPr lang="en-US" dirty="0" smtClean="0"/>
+              <a:t>Jam </a:t>
+            </a:r>
+            <a:r>
+              <a:rPr lang="en-US" dirty="0"/>
+              <a:t>the communication links</a:t>
+            </a:r>
+          </a:p>
+          <a:p>
+            <a:pPr lvl="2"/>
+            <a:r>
+              <a:rPr lang="en-US" dirty="0" smtClean="0"/>
+              <a:t>Disable </a:t>
+            </a:r>
+            <a:r>
+              <a:rPr lang="en-US" dirty="0"/>
+              <a:t>a particular node</a:t>
+            </a:r>
+          </a:p>
+          <a:p>
+            <a:endParaRPr lang="en-US" dirty="0" smtClean="0"/>
+          </a:p>
+          <a:p>
+            <a:pPr lvl="1"/>
+            <a:r>
+              <a:rPr lang="en-US" dirty="0" smtClean="0"/>
+              <a:t>Attacks </a:t>
+            </a:r>
+            <a:r>
+              <a:rPr lang="en-US" dirty="0"/>
+              <a:t>on the sensor</a:t>
+            </a:r>
+          </a:p>
+          <a:p>
+            <a:pPr lvl="2"/>
+            <a:r>
+              <a:rPr lang="en-US" dirty="0" smtClean="0"/>
+              <a:t>Jam </a:t>
+            </a:r>
+            <a:r>
+              <a:rPr lang="en-US" dirty="0"/>
+              <a:t>the sensor’s sensing capability</a:t>
+            </a:r>
+          </a:p>
+          <a:p>
+            <a:pPr lvl="2"/>
+            <a:r>
+              <a:rPr lang="en-US" dirty="0" smtClean="0"/>
+              <a:t>Deceive </a:t>
+            </a:r>
+            <a:r>
+              <a:rPr lang="en-US" dirty="0"/>
+              <a:t>by injecting false information</a:t>
+            </a:r>
+          </a:p>
+        </p:txBody>
+      </p:sp>
+    </p:spTree>
+    <p:extLst>
+      <p:ext uri="{BB962C8B-B14F-4D97-AF65-F5344CB8AC3E}">
+        <p14:creationId xmlns:p14="http://schemas.microsoft.com/office/powerpoint/2010/main" val="775602008"/>
+      </p:ext>
+    </p:extLst>
+  </p:cSld>
+  <p:clrMapOvr>
+    <a:masterClrMapping/>
+  </p:clrMapOvr>
+  <p:timing>
+    <p:tnLst>
+      <p:par>
+        <p:cTn id="1" dur="indefinite" restart="never" nodeType="tmRoot"/>
+      </p:par>
+    </p:tnLst>
+  </p:timing>
+</p:sld>
+</file>
+
+<file path=ppt/slides/slide6.xml><?xml version="1.0" encoding="utf-8"?>
+<p:sld xmlns:a="http://schemas.openxmlformats.org/drawingml/2006/main" xmlns:r="http://schemas.openxmlformats.org/officeDocument/2006/relationships" xmlns:p="http://schemas.openxmlformats.org/presentationml/2006/main">
+  <p:cSld>
+    <p:spTree>
+      <p:nvGrpSpPr>
+        <p:cNvPr id="1" name=""/>
+        <p:cNvGrpSpPr/>
+        <p:nvPr/>
+      </p:nvGrpSpPr>
+      <p:grpSpPr>
+        <a:xfrm>
+          <a:off x="0" y="0"/>
+          <a:ext cx="0" cy="0"/>
+          <a:chOff x="0" y="0"/>
+          <a:chExt cx="0" cy="0"/>
+        </a:xfrm>
+      </p:grpSpPr>
+      <p:sp>
+        <p:nvSpPr>
+          <p:cNvPr id="2" name="Title 1"/>
+          <p:cNvSpPr>
+            <a:spLocks noGrp="1"/>
+          </p:cNvSpPr>
+          <p:nvPr>
+            <p:ph type="title"/>
+          </p:nvPr>
+        </p:nvSpPr>
+        <p:spPr/>
+        <p:txBody>
+          <a:bodyPr/>
+          <a:lstStyle/>
+          <a:p>
+            <a:r>
+              <a:rPr lang="en-US" dirty="0" smtClean="0"/>
+              <a:t>Motivation</a:t>
+            </a:r>
+            <a:endParaRPr lang="en-US" dirty="0"/>
+          </a:p>
+        </p:txBody>
+      </p:sp>
+      <p:sp>
+        <p:nvSpPr>
+          <p:cNvPr id="3" name="Content Placeholder 2"/>
+          <p:cNvSpPr>
+            <a:spLocks noGrp="1"/>
+          </p:cNvSpPr>
+          <p:nvPr>
+            <p:ph idx="1"/>
+          </p:nvPr>
+        </p:nvSpPr>
+        <p:spPr>
+          <a:xfrm>
+            <a:off x="633845" y="1420009"/>
+            <a:ext cx="7886700" cy="4900781"/>
+          </a:xfrm>
+        </p:spPr>
+        <p:txBody>
+          <a:bodyPr>
+            <a:normAutofit lnSpcReduction="10000"/>
+          </a:bodyPr>
+          <a:lstStyle/>
+          <a:p>
+            <a:r>
+              <a:rPr lang="en-US" dirty="0" smtClean="0"/>
+              <a:t>Reconnaissance </a:t>
+            </a:r>
+            <a:r>
+              <a:rPr lang="en-US" dirty="0"/>
+              <a:t>&amp; Surveillance</a:t>
+            </a:r>
+          </a:p>
+          <a:p>
+            <a:pPr lvl="1"/>
+            <a:r>
+              <a:rPr lang="en-US" dirty="0" smtClean="0"/>
+              <a:t>Primary </a:t>
+            </a:r>
+            <a:r>
+              <a:rPr lang="en-US" dirty="0"/>
+              <a:t>objective during peace time</a:t>
+            </a:r>
+          </a:p>
+          <a:p>
+            <a:endParaRPr lang="en-US" dirty="0" smtClean="0"/>
+          </a:p>
+          <a:p>
+            <a:r>
+              <a:rPr lang="en-US" dirty="0" smtClean="0"/>
+              <a:t>Western </a:t>
+            </a:r>
+            <a:r>
+              <a:rPr lang="en-US" dirty="0"/>
+              <a:t>frontier in Rajasthan open to infiltration</a:t>
+            </a:r>
+          </a:p>
+          <a:p>
+            <a:pPr lvl="1"/>
+            <a:r>
+              <a:rPr lang="en-US" dirty="0" smtClean="0"/>
+              <a:t>Less </a:t>
+            </a:r>
+            <a:r>
+              <a:rPr lang="en-US" dirty="0"/>
+              <a:t>defensive positions</a:t>
+            </a:r>
+          </a:p>
+          <a:p>
+            <a:pPr lvl="1"/>
+            <a:r>
+              <a:rPr lang="en-US" dirty="0" smtClean="0"/>
+              <a:t>Vast </a:t>
+            </a:r>
+            <a:r>
+              <a:rPr lang="en-US" dirty="0"/>
+              <a:t>open ground</a:t>
+            </a:r>
+          </a:p>
+          <a:p>
+            <a:pPr lvl="1"/>
+            <a:r>
+              <a:rPr lang="en-US" dirty="0" smtClean="0"/>
+              <a:t>Placing </a:t>
+            </a:r>
+            <a:r>
+              <a:rPr lang="en-US" dirty="0"/>
+              <a:t>&amp; maintaining troops difficult and risky</a:t>
+            </a:r>
+          </a:p>
+          <a:p>
+            <a:pPr lvl="1"/>
+            <a:r>
+              <a:rPr lang="en-US" dirty="0" smtClean="0"/>
+              <a:t>Cannot </a:t>
+            </a:r>
+            <a:r>
+              <a:rPr lang="en-US" dirty="0"/>
+              <a:t>guard every inch of land</a:t>
+            </a:r>
+          </a:p>
+          <a:p>
+            <a:endParaRPr lang="en-US" dirty="0" smtClean="0"/>
+          </a:p>
+          <a:p>
+            <a:r>
+              <a:rPr lang="en-US" dirty="0" smtClean="0"/>
+              <a:t>Easier </a:t>
+            </a:r>
+            <a:r>
+              <a:rPr lang="en-US" dirty="0"/>
+              <a:t>to transport troops to affected areas </a:t>
+            </a:r>
+            <a:r>
+              <a:rPr lang="en-US" dirty="0" smtClean="0"/>
+              <a:t>than placing </a:t>
+            </a:r>
+            <a:r>
+              <a:rPr lang="en-US" dirty="0"/>
+              <a:t>them there ab-initio</a:t>
+            </a:r>
+          </a:p>
+          <a:p>
+            <a:endParaRPr lang="en-US" dirty="0" smtClean="0"/>
+          </a:p>
+          <a:p>
+            <a:r>
+              <a:rPr lang="en-US" dirty="0" smtClean="0"/>
+              <a:t>Investigate the use of WSNs in surveillance</a:t>
+            </a:r>
+            <a:endParaRPr lang="en-US" dirty="0"/>
+          </a:p>
+        </p:txBody>
+      </p:sp>
+    </p:spTree>
+    <p:extLst>
+      <p:ext uri="{BB962C8B-B14F-4D97-AF65-F5344CB8AC3E}">
+        <p14:creationId xmlns:p14="http://schemas.microsoft.com/office/powerpoint/2010/main" val="508889087"/>
+      </p:ext>
+    </p:extLst>
+  </p:cSld>
+  <p:clrMapOvr>
+    <a:masterClrMapping/>
+  </p:clrMapOvr>
+  <p:timing>
+    <p:tnLst>
+      <p:par>
+        <p:cTn id="1" dur="indefinite" restart="never" nodeType="tmRoot"/>
+      </p:par>
+    </p:tnLst>
+  </p:timing>
+</p:sld>
+</file>
+
+<file path=ppt/slides/slide7.xml><?xml version="1.0" encoding="utf-8"?>
+<p:sld xmlns:a="http://schemas.openxmlformats.org/drawingml/2006/main" xmlns:r="http://schemas.openxmlformats.org/officeDocument/2006/relationships" xmlns:p="http://schemas.openxmlformats.org/presentationml/2006/main">
+  <p:cSld>
+    <p:spTree>
+      <p:nvGrpSpPr>
+        <p:cNvPr id="1" name=""/>
+        <p:cNvGrpSpPr/>
+        <p:nvPr/>
+      </p:nvGrpSpPr>
+      <p:grpSpPr>
+        <a:xfrm>
+          <a:off x="0" y="0"/>
+          <a:ext cx="0" cy="0"/>
+          <a:chOff x="0" y="0"/>
+          <a:chExt cx="0" cy="0"/>
+        </a:xfrm>
+      </p:grpSpPr>
+      <p:sp>
+        <p:nvSpPr>
+          <p:cNvPr id="2" name="Title 1"/>
+          <p:cNvSpPr>
+            <a:spLocks noGrp="1"/>
+          </p:cNvSpPr>
+          <p:nvPr>
+            <p:ph type="title"/>
+          </p:nvPr>
+        </p:nvSpPr>
+        <p:spPr/>
+        <p:txBody>
+          <a:bodyPr/>
+          <a:lstStyle/>
+          <a:p>
+            <a:r>
+              <a:rPr lang="en-US" dirty="0" smtClean="0"/>
+              <a:t>Available Sensors &amp; Jammers</a:t>
+            </a:r>
+            <a:endParaRPr lang="en-US" dirty="0"/>
+          </a:p>
+        </p:txBody>
+      </p:sp>
+      <p:sp>
+        <p:nvSpPr>
+          <p:cNvPr id="3" name="Content Placeholder 2"/>
+          <p:cNvSpPr>
+            <a:spLocks noGrp="1"/>
+          </p:cNvSpPr>
+          <p:nvPr>
+            <p:ph idx="1"/>
+          </p:nvPr>
+        </p:nvSpPr>
+        <p:spPr/>
+        <p:txBody>
+          <a:bodyPr>
+            <a:normAutofit fontScale="85000" lnSpcReduction="20000"/>
+          </a:bodyPr>
+          <a:lstStyle/>
+          <a:p>
+            <a:r>
+              <a:rPr lang="en-US" dirty="0" smtClean="0"/>
+              <a:t>Sensors </a:t>
+            </a:r>
+            <a:r>
+              <a:rPr lang="en-US" dirty="0"/>
+              <a:t>available with own forces</a:t>
+            </a:r>
+          </a:p>
+          <a:p>
+            <a:pPr lvl="1"/>
+            <a:r>
+              <a:rPr lang="en-US" dirty="0" smtClean="0"/>
+              <a:t>Unattended </a:t>
+            </a:r>
+            <a:r>
+              <a:rPr lang="en-US" dirty="0"/>
+              <a:t>Ground Sensor</a:t>
+            </a:r>
+          </a:p>
+          <a:p>
+            <a:pPr lvl="1"/>
+            <a:r>
+              <a:rPr lang="en-US" dirty="0" smtClean="0"/>
+              <a:t>Hand </a:t>
+            </a:r>
+            <a:r>
+              <a:rPr lang="en-US" dirty="0"/>
+              <a:t>Held Thermal Imagers</a:t>
+            </a:r>
+          </a:p>
+          <a:p>
+            <a:pPr lvl="1"/>
+            <a:r>
+              <a:rPr lang="en-US" dirty="0" smtClean="0"/>
+              <a:t>Radar</a:t>
+            </a:r>
+            <a:endParaRPr lang="en-US" dirty="0"/>
+          </a:p>
+          <a:p>
+            <a:pPr lvl="1"/>
+            <a:r>
+              <a:rPr lang="en-US" dirty="0" smtClean="0"/>
+              <a:t>Laser </a:t>
+            </a:r>
+            <a:r>
+              <a:rPr lang="en-US" dirty="0"/>
+              <a:t>Range Finders</a:t>
+            </a:r>
+          </a:p>
+          <a:p>
+            <a:pPr lvl="1"/>
+            <a:r>
+              <a:rPr lang="en-US" dirty="0" smtClean="0"/>
+              <a:t>Long </a:t>
+            </a:r>
+            <a:r>
+              <a:rPr lang="en-US" dirty="0"/>
+              <a:t>Range Reconnaissance Camera</a:t>
+            </a:r>
+          </a:p>
+          <a:p>
+            <a:pPr lvl="1"/>
+            <a:r>
+              <a:rPr lang="en-US" dirty="0" smtClean="0"/>
+              <a:t>Weapon </a:t>
+            </a:r>
+            <a:r>
+              <a:rPr lang="en-US" dirty="0"/>
+              <a:t>Locating Radar</a:t>
+            </a:r>
+          </a:p>
+          <a:p>
+            <a:pPr lvl="1"/>
+            <a:r>
+              <a:rPr lang="en-US" dirty="0" smtClean="0"/>
+              <a:t>UAV</a:t>
+            </a:r>
+          </a:p>
+          <a:p>
+            <a:pPr lvl="1"/>
+            <a:endParaRPr lang="en-US" dirty="0"/>
+          </a:p>
+          <a:p>
+            <a:r>
+              <a:rPr lang="en-US" dirty="0" smtClean="0"/>
+              <a:t>Jammers </a:t>
+            </a:r>
+            <a:r>
+              <a:rPr lang="en-US" dirty="0"/>
+              <a:t>available with enemy forces</a:t>
+            </a:r>
+          </a:p>
+          <a:p>
+            <a:pPr lvl="1"/>
+            <a:r>
+              <a:rPr lang="en-US" dirty="0" smtClean="0"/>
+              <a:t>Only </a:t>
+            </a:r>
+            <a:r>
+              <a:rPr lang="en-US" dirty="0"/>
+              <a:t>RF jammers for HF, VHF, UHF and Microwave</a:t>
+            </a:r>
+          </a:p>
+          <a:p>
+            <a:pPr lvl="1"/>
+            <a:r>
+              <a:rPr lang="en-US" dirty="0" smtClean="0"/>
+              <a:t>Static </a:t>
+            </a:r>
+            <a:r>
+              <a:rPr lang="en-US" dirty="0"/>
+              <a:t>high power jammers</a:t>
+            </a:r>
+          </a:p>
+          <a:p>
+            <a:endParaRPr lang="en-US" dirty="0" smtClean="0"/>
+          </a:p>
+          <a:p>
+            <a:r>
+              <a:rPr lang="en-US" dirty="0" smtClean="0"/>
+              <a:t>Expected </a:t>
+            </a:r>
+            <a:r>
+              <a:rPr lang="en-US" dirty="0"/>
+              <a:t>enemy actions</a:t>
+            </a:r>
+          </a:p>
+          <a:p>
+            <a:pPr lvl="1"/>
+            <a:r>
+              <a:rPr lang="en-US" dirty="0" smtClean="0"/>
+              <a:t>Jam </a:t>
+            </a:r>
+            <a:r>
+              <a:rPr lang="en-US" dirty="0"/>
+              <a:t>the network</a:t>
+            </a:r>
+          </a:p>
+          <a:p>
+            <a:pPr lvl="1"/>
+            <a:r>
+              <a:rPr lang="en-US" dirty="0" smtClean="0"/>
+              <a:t>Jam </a:t>
+            </a:r>
+            <a:r>
+              <a:rPr lang="en-US" dirty="0"/>
+              <a:t>the sensor</a:t>
+            </a:r>
+          </a:p>
+          <a:p>
+            <a:pPr lvl="1"/>
+            <a:r>
+              <a:rPr lang="en-US" dirty="0" smtClean="0"/>
+              <a:t>Inject </a:t>
+            </a:r>
+            <a:r>
+              <a:rPr lang="en-US" dirty="0"/>
+              <a:t>false information &amp; deceive the sensor</a:t>
+            </a:r>
+          </a:p>
+        </p:txBody>
+      </p:sp>
+    </p:spTree>
+    <p:extLst>
+      <p:ext uri="{BB962C8B-B14F-4D97-AF65-F5344CB8AC3E}">
+        <p14:creationId xmlns:p14="http://schemas.microsoft.com/office/powerpoint/2010/main" val="2337586693"/>
+      </p:ext>
+    </p:extLst>
+  </p:cSld>
+  <p:clrMapOvr>
+    <a:masterClrMapping/>
+  </p:clrMapOvr>
+  <p:timing>
+    <p:tnLst>
+      <p:par>
+        <p:cTn id="1" dur="indefinite" restart="never" nodeType="tmRoot"/>
+      </p:par>
+    </p:tnLst>
+  </p:timing>
+</p:sld>
+</file>
+
+<file path=ppt/slides/slide8.xml><?xml version="1.0" encoding="utf-8"?>
+<p:sld xmlns:a="http://schemas.openxmlformats.org/drawingml/2006/main" xmlns:r="http://schemas.openxmlformats.org/officeDocument/2006/relationships" xmlns:p="http://schemas.openxmlformats.org/presentationml/2006/main">
+  <p:cSld>
+    <p:spTree>
+      <p:nvGrpSpPr>
+        <p:cNvPr id="1" name=""/>
+        <p:cNvGrpSpPr/>
+        <p:nvPr/>
+      </p:nvGrpSpPr>
+      <p:grpSpPr>
+        <a:xfrm>
+          <a:off x="0" y="0"/>
+          <a:ext cx="0" cy="0"/>
+          <a:chOff x="0" y="0"/>
+          <a:chExt cx="0" cy="0"/>
+        </a:xfrm>
+      </p:grpSpPr>
+      <p:sp>
+        <p:nvSpPr>
+          <p:cNvPr id="2" name="Title 1"/>
+          <p:cNvSpPr>
+            <a:spLocks noGrp="1"/>
+          </p:cNvSpPr>
+          <p:nvPr>
+            <p:ph type="title"/>
+          </p:nvPr>
+        </p:nvSpPr>
+        <p:spPr/>
+        <p:txBody>
+          <a:bodyPr/>
+          <a:lstStyle/>
+          <a:p>
+            <a:r>
+              <a:rPr lang="en-US" dirty="0" smtClean="0"/>
+              <a:t>Broad Objective</a:t>
+            </a:r>
+            <a:endParaRPr lang="en-US" dirty="0"/>
+          </a:p>
+        </p:txBody>
+      </p:sp>
+      <p:sp>
+        <p:nvSpPr>
+          <p:cNvPr id="3" name="Content Placeholder 2"/>
+          <p:cNvSpPr>
+            <a:spLocks noGrp="1"/>
+          </p:cNvSpPr>
+          <p:nvPr>
+            <p:ph idx="1"/>
+          </p:nvPr>
+        </p:nvSpPr>
+        <p:spPr/>
+        <p:txBody>
+          <a:bodyPr/>
+          <a:lstStyle/>
+          <a:p>
+            <a:endParaRPr lang="en-US" dirty="0"/>
+          </a:p>
+          <a:p>
+            <a:r>
+              <a:rPr lang="en-US" dirty="0" smtClean="0"/>
+              <a:t>Create a Surveillance Grid using WSN</a:t>
+            </a:r>
+          </a:p>
+          <a:p>
+            <a:pPr lvl="1"/>
+            <a:r>
+              <a:rPr lang="en-US" dirty="0" smtClean="0"/>
+              <a:t>Use of heterogeneous sensors like Radar, Camera, Audio sensors, etc.</a:t>
+            </a:r>
+          </a:p>
+          <a:p>
+            <a:pPr lvl="1"/>
+            <a:r>
+              <a:rPr lang="en-US" dirty="0" smtClean="0"/>
+              <a:t>All sensors types might have different ranges</a:t>
+            </a:r>
+          </a:p>
+          <a:p>
+            <a:pPr lvl="1"/>
+            <a:r>
+              <a:rPr lang="en-US" dirty="0" smtClean="0"/>
+              <a:t>Obviate the effect of enemy jammers</a:t>
+            </a:r>
+          </a:p>
+          <a:p>
+            <a:pPr lvl="1"/>
+            <a:r>
+              <a:rPr lang="en-US" dirty="0" smtClean="0"/>
+              <a:t>Minimize the number of sensors used</a:t>
+            </a:r>
+          </a:p>
+          <a:p>
+            <a:pPr lvl="1"/>
+            <a:endParaRPr lang="en-US" dirty="0"/>
+          </a:p>
+          <a:p>
+            <a:pPr lvl="1"/>
+            <a:endParaRPr lang="en-US" dirty="0" smtClean="0"/>
+          </a:p>
+          <a:p>
+            <a:pPr lvl="1"/>
+            <a:endParaRPr lang="en-US" dirty="0"/>
+          </a:p>
+          <a:p>
+            <a:endParaRPr lang="en-US" dirty="0"/>
+          </a:p>
+        </p:txBody>
+      </p:sp>
+    </p:spTree>
+    <p:extLst>
+      <p:ext uri="{BB962C8B-B14F-4D97-AF65-F5344CB8AC3E}">
+        <p14:creationId xmlns:p14="http://schemas.microsoft.com/office/powerpoint/2010/main" val="4217241501"/>
+      </p:ext>
+    </p:extLst>
+  </p:cSld>
+  <p:clrMapOvr>
+    <a:masterClrMapping/>
+  </p:clrMapOvr>
+  <p:timing>
+    <p:tnLst>
+      <p:par>
+        <p:cTn id="1" dur="indefinite" restart="never" nodeType="tmRoot"/>
+      </p:par>
+    </p:tnLst>
+  </p:timing>
+</p:sld>
+</file>
+
+<file path=ppt/slides/slide9.xml><?xml version="1.0" encoding="utf-8"?>
+<p:sld xmlns:a="http://schemas.openxmlformats.org/drawingml/2006/main" xmlns:r="http://schemas.openxmlformats.org/officeDocument/2006/relationships" xmlns:p="http://schemas.openxmlformats.org/presentationml/2006/main">
+  <p:cSld>
+    <p:spTree>
+      <p:nvGrpSpPr>
+        <p:cNvPr id="1" name=""/>
+        <p:cNvGrpSpPr/>
+        <p:nvPr/>
+      </p:nvGrpSpPr>
+      <p:grpSpPr>
+        <a:xfrm>
+          <a:off x="0" y="0"/>
+          <a:ext cx="0" cy="0"/>
+          <a:chOff x="0" y="0"/>
+          <a:chExt cx="0" cy="0"/>
+        </a:xfrm>
+      </p:grpSpPr>
+      <p:sp>
+        <p:nvSpPr>
+          <p:cNvPr id="2" name="Title 1"/>
+          <p:cNvSpPr>
+            <a:spLocks noGrp="1"/>
+          </p:cNvSpPr>
+          <p:nvPr>
+            <p:ph type="title"/>
+          </p:nvPr>
+        </p:nvSpPr>
+        <p:spPr/>
+        <p:txBody>
+          <a:bodyPr/>
+          <a:lstStyle/>
+          <a:p>
+            <a:r>
+              <a:rPr lang="en-US" smtClean="0"/>
+              <a:t>Problem Statement</a:t>
+            </a:r>
+            <a:endParaRPr lang="en-US" dirty="0"/>
+          </a:p>
+        </p:txBody>
+      </p:sp>
+      <p:sp>
+        <p:nvSpPr>
+          <p:cNvPr id="3" name="Content Placeholder 2"/>
+          <p:cNvSpPr>
+            <a:spLocks noGrp="1"/>
+          </p:cNvSpPr>
+          <p:nvPr>
+            <p:ph idx="1"/>
+          </p:nvPr>
+        </p:nvSpPr>
+        <p:spPr/>
+        <p:txBody>
+          <a:bodyPr>
+            <a:normAutofit fontScale="92500" lnSpcReduction="20000"/>
+          </a:bodyPr>
+          <a:lstStyle/>
+          <a:p>
+            <a:r>
+              <a:rPr lang="en-GB" dirty="0" smtClean="0"/>
+              <a:t>Input</a:t>
+            </a:r>
+          </a:p>
+          <a:p>
+            <a:pPr lvl="1"/>
+            <a:r>
+              <a:rPr lang="en-GB" dirty="0" smtClean="0"/>
+              <a:t>Area to be under surveillance</a:t>
+            </a:r>
+          </a:p>
+          <a:p>
+            <a:pPr lvl="1"/>
+            <a:r>
+              <a:rPr lang="en-GB" dirty="0" smtClean="0"/>
+              <a:t>Set of sensor types</a:t>
+            </a:r>
+          </a:p>
+          <a:p>
+            <a:pPr lvl="2"/>
+            <a:r>
+              <a:rPr lang="en-GB" dirty="0" smtClean="0"/>
+              <a:t>Range</a:t>
+            </a:r>
+          </a:p>
+          <a:p>
+            <a:pPr lvl="2"/>
+            <a:r>
+              <a:rPr lang="en-GB" dirty="0" smtClean="0"/>
+              <a:t>Set of sensors for each sensor type</a:t>
+            </a:r>
+          </a:p>
+          <a:p>
+            <a:pPr lvl="2"/>
+            <a:r>
+              <a:rPr lang="en-GB" dirty="0" smtClean="0"/>
+              <a:t>Set of feasible locations for each sensor type</a:t>
+            </a:r>
+          </a:p>
+          <a:p>
+            <a:pPr lvl="1"/>
+            <a:r>
+              <a:rPr lang="en-GB" dirty="0" smtClean="0"/>
+              <a:t>Set of Jammers</a:t>
+            </a:r>
+          </a:p>
+          <a:p>
+            <a:pPr lvl="2"/>
+            <a:r>
+              <a:rPr lang="en-GB" dirty="0" smtClean="0"/>
+              <a:t>Location of each jammer</a:t>
+            </a:r>
+          </a:p>
+          <a:p>
+            <a:pPr lvl="2"/>
+            <a:r>
+              <a:rPr lang="en-GB" dirty="0" smtClean="0"/>
+              <a:t>Range</a:t>
+            </a:r>
+          </a:p>
+          <a:p>
+            <a:endParaRPr lang="en-GB" dirty="0" smtClean="0"/>
+          </a:p>
+          <a:p>
+            <a:r>
+              <a:rPr lang="en-GB" dirty="0" smtClean="0"/>
+              <a:t>Output</a:t>
+            </a:r>
+          </a:p>
+          <a:p>
+            <a:pPr lvl="1"/>
+            <a:r>
+              <a:rPr lang="en-GB" dirty="0" smtClean="0"/>
+              <a:t>Set of sensors which cover the area under surveillance</a:t>
+            </a:r>
+          </a:p>
+          <a:p>
+            <a:endParaRPr lang="en-GB" dirty="0"/>
+          </a:p>
+          <a:p>
+            <a:r>
+              <a:rPr lang="en-GB" dirty="0" smtClean="0"/>
+              <a:t>Optimization problem</a:t>
+            </a:r>
+          </a:p>
+          <a:p>
+            <a:pPr lvl="1"/>
+            <a:r>
+              <a:rPr lang="en-GB" dirty="0" smtClean="0"/>
+              <a:t>Optimize the cost and minimize the number of sensors in the output</a:t>
+            </a:r>
+          </a:p>
+          <a:p>
+            <a:pPr marL="457200" lvl="1" indent="0">
+              <a:buNone/>
+            </a:pPr>
+            <a:endParaRPr lang="en-US" dirty="0"/>
+          </a:p>
+          <a:p>
+            <a:endParaRPr lang="en-US" dirty="0"/>
+          </a:p>
+        </p:txBody>
+      </p:sp>
+    </p:spTree>
+    <p:extLst>
+      <p:ext uri="{BB962C8B-B14F-4D97-AF65-F5344CB8AC3E}">
+        <p14:creationId xmlns:p14="http://schemas.microsoft.com/office/powerpoint/2010/main" val="4168170471"/>
       </p:ext>
     </p:extLst>
   </p:cSld>
